--- a/Predicting potential drug-drug interactions on topological and semantic similarity features using statistical learning.pptx
+++ b/Predicting potential drug-drug interactions on topological and semantic similarity features using statistical learning.pptx
@@ -259,7 +259,7 @@
           <a:p>
             <a:fld id="{CF31FC56-6FCF-4521-A4AA-2AD3048E00E8}" type="datetimeFigureOut">
               <a:rPr kumimoji="1" lang="ja-JP" altLang="en-US" smtClean="0"/>
-              <a:t>2018/6/4</a:t>
+              <a:t>2018/6/6</a:t>
             </a:fld>
             <a:endParaRPr kumimoji="1" lang="ja-JP" altLang="en-US"/>
           </a:p>
@@ -789,7 +789,7 @@
           <a:p>
             <a:fld id="{F92661A0-85C2-46B2-83F3-4EF2C8446724}" type="datetimeFigureOut">
               <a:rPr kumimoji="1" lang="ja-JP" altLang="en-US" smtClean="0"/>
-              <a:t>2018/6/4</a:t>
+              <a:t>2018/6/6</a:t>
             </a:fld>
             <a:endParaRPr kumimoji="1" lang="ja-JP" altLang="en-US"/>
           </a:p>
@@ -1019,7 +1019,7 @@
           <a:p>
             <a:fld id="{F92661A0-85C2-46B2-83F3-4EF2C8446724}" type="datetimeFigureOut">
               <a:rPr kumimoji="1" lang="ja-JP" altLang="en-US" smtClean="0"/>
-              <a:t>2018/6/4</a:t>
+              <a:t>2018/6/6</a:t>
             </a:fld>
             <a:endParaRPr kumimoji="1" lang="ja-JP" altLang="en-US"/>
           </a:p>
@@ -1259,7 +1259,7 @@
           <a:p>
             <a:fld id="{F92661A0-85C2-46B2-83F3-4EF2C8446724}" type="datetimeFigureOut">
               <a:rPr kumimoji="1" lang="ja-JP" altLang="en-US" smtClean="0"/>
-              <a:t>2018/6/4</a:t>
+              <a:t>2018/6/6</a:t>
             </a:fld>
             <a:endParaRPr kumimoji="1" lang="ja-JP" altLang="en-US"/>
           </a:p>
@@ -1489,7 +1489,7 @@
           <a:p>
             <a:fld id="{F92661A0-85C2-46B2-83F3-4EF2C8446724}" type="datetimeFigureOut">
               <a:rPr kumimoji="1" lang="ja-JP" altLang="en-US" smtClean="0"/>
-              <a:t>2018/6/4</a:t>
+              <a:t>2018/6/6</a:t>
             </a:fld>
             <a:endParaRPr kumimoji="1" lang="ja-JP" altLang="en-US"/>
           </a:p>
@@ -1764,7 +1764,7 @@
           <a:p>
             <a:fld id="{F92661A0-85C2-46B2-83F3-4EF2C8446724}" type="datetimeFigureOut">
               <a:rPr kumimoji="1" lang="ja-JP" altLang="en-US" smtClean="0"/>
-              <a:t>2018/6/4</a:t>
+              <a:t>2018/6/6</a:t>
             </a:fld>
             <a:endParaRPr kumimoji="1" lang="ja-JP" altLang="en-US"/>
           </a:p>
@@ -2093,7 +2093,7 @@
           <a:p>
             <a:fld id="{F92661A0-85C2-46B2-83F3-4EF2C8446724}" type="datetimeFigureOut">
               <a:rPr kumimoji="1" lang="ja-JP" altLang="en-US" smtClean="0"/>
-              <a:t>2018/6/4</a:t>
+              <a:t>2018/6/6</a:t>
             </a:fld>
             <a:endParaRPr kumimoji="1" lang="ja-JP" altLang="en-US"/>
           </a:p>
@@ -2569,7 +2569,7 @@
           <a:p>
             <a:fld id="{F92661A0-85C2-46B2-83F3-4EF2C8446724}" type="datetimeFigureOut">
               <a:rPr kumimoji="1" lang="ja-JP" altLang="en-US" smtClean="0"/>
-              <a:t>2018/6/4</a:t>
+              <a:t>2018/6/6</a:t>
             </a:fld>
             <a:endParaRPr kumimoji="1" lang="ja-JP" altLang="en-US"/>
           </a:p>
@@ -2710,7 +2710,7 @@
           <a:p>
             <a:fld id="{F92661A0-85C2-46B2-83F3-4EF2C8446724}" type="datetimeFigureOut">
               <a:rPr kumimoji="1" lang="ja-JP" altLang="en-US" smtClean="0"/>
-              <a:t>2018/6/4</a:t>
+              <a:t>2018/6/6</a:t>
             </a:fld>
             <a:endParaRPr kumimoji="1" lang="ja-JP" altLang="en-US"/>
           </a:p>
@@ -2823,7 +2823,7 @@
           <a:p>
             <a:fld id="{F92661A0-85C2-46B2-83F3-4EF2C8446724}" type="datetimeFigureOut">
               <a:rPr kumimoji="1" lang="ja-JP" altLang="en-US" smtClean="0"/>
-              <a:t>2018/6/4</a:t>
+              <a:t>2018/6/6</a:t>
             </a:fld>
             <a:endParaRPr kumimoji="1" lang="ja-JP" altLang="en-US"/>
           </a:p>
@@ -3166,7 +3166,7 @@
           <a:p>
             <a:fld id="{F92661A0-85C2-46B2-83F3-4EF2C8446724}" type="datetimeFigureOut">
               <a:rPr kumimoji="1" lang="ja-JP" altLang="en-US" smtClean="0"/>
-              <a:t>2018/6/4</a:t>
+              <a:t>2018/6/6</a:t>
             </a:fld>
             <a:endParaRPr kumimoji="1" lang="ja-JP" altLang="en-US"/>
           </a:p>
@@ -3454,7 +3454,7 @@
           <a:p>
             <a:fld id="{F92661A0-85C2-46B2-83F3-4EF2C8446724}" type="datetimeFigureOut">
               <a:rPr kumimoji="1" lang="ja-JP" altLang="en-US" smtClean="0"/>
-              <a:t>2018/6/4</a:t>
+              <a:t>2018/6/6</a:t>
             </a:fld>
             <a:endParaRPr kumimoji="1" lang="ja-JP" altLang="en-US"/>
           </a:p>
@@ -3727,7 +3727,7 @@
           <a:p>
             <a:fld id="{F92661A0-85C2-46B2-83F3-4EF2C8446724}" type="datetimeFigureOut">
               <a:rPr kumimoji="1" lang="ja-JP" altLang="en-US" smtClean="0"/>
-              <a:t>2018/6/4</a:t>
+              <a:t>2018/6/6</a:t>
             </a:fld>
             <a:endParaRPr kumimoji="1" lang="ja-JP" altLang="en-US"/>
           </a:p>
@@ -4168,13 +4168,26 @@
           <a:lstStyle/>
           <a:p>
             <a:r>
-              <a:rPr kumimoji="1" lang="en-US" altLang="ja-JP" sz="3600" dirty="0">
+              <a:rPr kumimoji="1" lang="en-US" altLang="ja-JP" sz="3200" dirty="0">
                 <a:latin typeface="Arial" panose="020B0604020202020204" pitchFamily="34" charset="0"/>
                 <a:cs typeface="Arial" panose="020B0604020202020204" pitchFamily="34" charset="0"/>
               </a:rPr>
-              <a:t>Predicting potential drug-drug interactions on topological and semantic similarity features using statistical learning</a:t>
-            </a:r>
-            <a:endParaRPr kumimoji="1" lang="ja-JP" altLang="en-US" sz="3600" dirty="0">
+              <a:t>Predicting potential drug-drug interactions on </a:t>
+            </a:r>
+            <a:br>
+              <a:rPr kumimoji="1" lang="en-US" altLang="ja-JP" sz="3200" dirty="0">
+                <a:latin typeface="Arial" panose="020B0604020202020204" pitchFamily="34" charset="0"/>
+                <a:cs typeface="Arial" panose="020B0604020202020204" pitchFamily="34" charset="0"/>
+              </a:rPr>
+            </a:br>
+            <a:r>
+              <a:rPr kumimoji="1" lang="en-US" altLang="ja-JP" sz="3200" dirty="0">
+                <a:latin typeface="Arial" panose="020B0604020202020204" pitchFamily="34" charset="0"/>
+                <a:cs typeface="Arial" panose="020B0604020202020204" pitchFamily="34" charset="0"/>
+              </a:rPr>
+              <a:t>topological and semantic similarity features using statistical learning</a:t>
+            </a:r>
+            <a:endParaRPr kumimoji="1" lang="ja-JP" altLang="en-US" sz="3200" dirty="0">
               <a:latin typeface="Arial" panose="020B0604020202020204" pitchFamily="34" charset="0"/>
               <a:cs typeface="Arial" panose="020B0604020202020204" pitchFamily="34" charset="0"/>
             </a:endParaRPr>
@@ -14694,6 +14707,237 @@
           </a:p>
         </p:txBody>
       </p:sp>
+      <p:pic>
+        <p:nvPicPr>
+          <p:cNvPr id="5" name="図 4">
+            <a:extLst>
+              <a:ext uri="{FF2B5EF4-FFF2-40B4-BE49-F238E27FC236}">
+                <a16:creationId xmlns:a16="http://schemas.microsoft.com/office/drawing/2014/main" id="{470952D0-7307-3F4B-91C6-1BB6BD303ADD}"/>
+              </a:ext>
+            </a:extLst>
+          </p:cNvPr>
+          <p:cNvPicPr>
+            <a:picLocks noChangeAspect="1"/>
+          </p:cNvPicPr>
+          <p:nvPr/>
+        </p:nvPicPr>
+        <p:blipFill>
+          <a:blip r:embed="rId2">
+            <a:extLst>
+              <a:ext uri="{28A0092B-C50C-407E-A947-70E740481C1C}">
+                <a14:useLocalDpi xmlns:a14="http://schemas.microsoft.com/office/drawing/2010/main" val="0"/>
+              </a:ext>
+            </a:extLst>
+          </a:blip>
+          <a:stretch>
+            <a:fillRect/>
+          </a:stretch>
+        </p:blipFill>
+        <p:spPr>
+          <a:xfrm>
+            <a:off x="3541742" y="3945464"/>
+            <a:ext cx="2015490" cy="2015490"/>
+          </a:xfrm>
+          <a:prstGeom prst="rect">
+            <a:avLst/>
+          </a:prstGeom>
+        </p:spPr>
+      </p:pic>
+      <p:pic>
+        <p:nvPicPr>
+          <p:cNvPr id="7" name="図 6">
+            <a:extLst>
+              <a:ext uri="{FF2B5EF4-FFF2-40B4-BE49-F238E27FC236}">
+                <a16:creationId xmlns:a16="http://schemas.microsoft.com/office/drawing/2014/main" id="{20A4369C-EC04-0F46-87B3-DE843B2AEA37}"/>
+              </a:ext>
+            </a:extLst>
+          </p:cNvPr>
+          <p:cNvPicPr>
+            <a:picLocks noChangeAspect="1"/>
+          </p:cNvPicPr>
+          <p:nvPr/>
+        </p:nvPicPr>
+        <p:blipFill>
+          <a:blip r:embed="rId3">
+            <a:extLst>
+              <a:ext uri="{28A0092B-C50C-407E-A947-70E740481C1C}">
+                <a14:useLocalDpi xmlns:a14="http://schemas.microsoft.com/office/drawing/2010/main" val="0"/>
+              </a:ext>
+            </a:extLst>
+          </a:blip>
+          <a:stretch>
+            <a:fillRect/>
+          </a:stretch>
+        </p:blipFill>
+        <p:spPr>
+          <a:xfrm>
+            <a:off x="1441565" y="3937844"/>
+            <a:ext cx="2023110" cy="2023110"/>
+          </a:xfrm>
+          <a:prstGeom prst="rect">
+            <a:avLst/>
+          </a:prstGeom>
+        </p:spPr>
+      </p:pic>
+      <p:sp>
+        <p:nvSpPr>
+          <p:cNvPr id="8" name="テキスト ボックス 7">
+            <a:extLst>
+              <a:ext uri="{FF2B5EF4-FFF2-40B4-BE49-F238E27FC236}">
+                <a16:creationId xmlns:a16="http://schemas.microsoft.com/office/drawing/2014/main" id="{7B63D61E-284E-4247-87C3-6FFAAFE341B5}"/>
+              </a:ext>
+            </a:extLst>
+          </p:cNvPr>
+          <p:cNvSpPr txBox="1"/>
+          <p:nvPr/>
+        </p:nvSpPr>
+        <p:spPr>
+          <a:xfrm>
+            <a:off x="1904913" y="5960954"/>
+            <a:ext cx="2954655" cy="646331"/>
+          </a:xfrm>
+          <a:prstGeom prst="rect">
+            <a:avLst/>
+          </a:prstGeom>
+          <a:noFill/>
+        </p:spPr>
+        <p:txBody>
+          <a:bodyPr wrap="none" rtlCol="0">
+            <a:spAutoFit/>
+          </a:bodyPr>
+          <a:lstStyle/>
+          <a:p>
+            <a:r>
+              <a:rPr kumimoji="1" lang="ja-JP" altLang="en-US" sz="3600" b="1">
+                <a:solidFill>
+                  <a:srgbClr val="FF0000"/>
+                </a:solidFill>
+              </a:rPr>
+              <a:t>同時に飲むと</a:t>
+            </a:r>
+          </a:p>
+        </p:txBody>
+      </p:sp>
+      <p:sp>
+        <p:nvSpPr>
+          <p:cNvPr id="9" name="右矢印 8">
+            <a:extLst>
+              <a:ext uri="{FF2B5EF4-FFF2-40B4-BE49-F238E27FC236}">
+                <a16:creationId xmlns:a16="http://schemas.microsoft.com/office/drawing/2014/main" id="{28C62DA2-4B3D-ED49-8E83-E1F352374B8F}"/>
+              </a:ext>
+            </a:extLst>
+          </p:cNvPr>
+          <p:cNvSpPr/>
+          <p:nvPr/>
+        </p:nvSpPr>
+        <p:spPr>
+          <a:xfrm>
+            <a:off x="5606796" y="4461338"/>
+            <a:ext cx="978408" cy="976122"/>
+          </a:xfrm>
+          <a:prstGeom prst="rightArrow">
+            <a:avLst/>
+          </a:prstGeom>
+        </p:spPr>
+        <p:style>
+          <a:lnRef idx="2">
+            <a:schemeClr val="accent1">
+              <a:shade val="50000"/>
+            </a:schemeClr>
+          </a:lnRef>
+          <a:fillRef idx="1">
+            <a:schemeClr val="accent1"/>
+          </a:fillRef>
+          <a:effectRef idx="0">
+            <a:schemeClr val="accent1"/>
+          </a:effectRef>
+          <a:fontRef idx="minor">
+            <a:schemeClr val="lt1"/>
+          </a:fontRef>
+        </p:style>
+        <p:txBody>
+          <a:bodyPr rtlCol="0" anchor="ctr"/>
+          <a:lstStyle/>
+          <a:p>
+            <a:pPr algn="ctr"/>
+            <a:endParaRPr kumimoji="1" lang="ja-JP" altLang="en-US"/>
+          </a:p>
+        </p:txBody>
+      </p:sp>
+      <p:sp>
+        <p:nvSpPr>
+          <p:cNvPr id="10" name="テキスト ボックス 9">
+            <a:extLst>
+              <a:ext uri="{FF2B5EF4-FFF2-40B4-BE49-F238E27FC236}">
+                <a16:creationId xmlns:a16="http://schemas.microsoft.com/office/drawing/2014/main" id="{051FD764-FFE0-BD43-915D-99ED0F5BCDC6}"/>
+              </a:ext>
+            </a:extLst>
+          </p:cNvPr>
+          <p:cNvSpPr txBox="1"/>
+          <p:nvPr/>
+        </p:nvSpPr>
+        <p:spPr>
+          <a:xfrm>
+            <a:off x="6743872" y="4314632"/>
+            <a:ext cx="5314275" cy="1384995"/>
+          </a:xfrm>
+          <a:prstGeom prst="rect">
+            <a:avLst/>
+          </a:prstGeom>
+          <a:noFill/>
+        </p:spPr>
+        <p:txBody>
+          <a:bodyPr wrap="none" rtlCol="0">
+            <a:spAutoFit/>
+          </a:bodyPr>
+          <a:lstStyle/>
+          <a:p>
+            <a:pPr marL="457200" indent="-457200">
+              <a:buFont typeface="Arial" panose="020B0604020202020204" pitchFamily="34" charset="0"/>
+              <a:buChar char="•"/>
+            </a:pPr>
+            <a:r>
+              <a:rPr kumimoji="1" lang="ja-JP" altLang="en-US" sz="2800"/>
+              <a:t>薬の効き目が</a:t>
+            </a:r>
+            <a:r>
+              <a:rPr kumimoji="1" lang="ja-JP" altLang="en-US" sz="2800" b="1"/>
+              <a:t>強くなりすぎる</a:t>
+            </a:r>
+            <a:endParaRPr kumimoji="1" lang="en-US" altLang="ja-JP" sz="2800" b="1" dirty="0"/>
+          </a:p>
+          <a:p>
+            <a:pPr marL="457200" indent="-457200">
+              <a:buFont typeface="Arial" panose="020B0604020202020204" pitchFamily="34" charset="0"/>
+              <a:buChar char="•"/>
+            </a:pPr>
+            <a:r>
+              <a:rPr kumimoji="1" lang="ja-JP" altLang="en-US" sz="2800"/>
+              <a:t>薬の効き目が</a:t>
+            </a:r>
+            <a:r>
+              <a:rPr kumimoji="1" lang="ja-JP" altLang="en-US" sz="2800" b="1"/>
+              <a:t>弱くなる</a:t>
+            </a:r>
+            <a:endParaRPr kumimoji="1" lang="en-US" altLang="ja-JP" sz="2800" b="1" dirty="0"/>
+          </a:p>
+          <a:p>
+            <a:pPr marL="457200" indent="-457200">
+              <a:buFont typeface="Arial" panose="020B0604020202020204" pitchFamily="34" charset="0"/>
+              <a:buChar char="•"/>
+            </a:pPr>
+            <a:r>
+              <a:rPr lang="ja-JP" altLang="en-US" sz="2800"/>
+              <a:t>その他の</a:t>
+            </a:r>
+            <a:r>
+              <a:rPr lang="ja-JP" altLang="en-US" sz="2800" b="1"/>
+              <a:t>副作用</a:t>
+            </a:r>
+            <a:endParaRPr kumimoji="1" lang="ja-JP" altLang="en-US" sz="2800" b="1"/>
+          </a:p>
+        </p:txBody>
+      </p:sp>
     </p:spTree>
     <p:extLst>
       <p:ext uri="{BB962C8B-B14F-4D97-AF65-F5344CB8AC3E}">
@@ -18584,10 +18828,10 @@
               <a:buAutoNum type="arabicPeriod"/>
             </a:pPr>
             <a:r>
-              <a:rPr lang="ja-JP" altLang="en-US"/>
+              <a:rPr lang="ja-JP" altLang="en-US" u="sng"/>
               <a:t>決定木</a:t>
             </a:r>
-            <a:endParaRPr lang="en-US" altLang="ja-JP" dirty="0"/>
+            <a:endParaRPr lang="en-US" altLang="ja-JP" u="sng" dirty="0"/>
           </a:p>
           <a:p>
             <a:pPr marL="914400" lvl="1" indent="-457200">
@@ -18601,14 +18845,14 @@
               <a:buAutoNum type="arabicPeriod"/>
             </a:pPr>
             <a:r>
-              <a:rPr lang="en-US" altLang="ja-JP" dirty="0"/>
+              <a:rPr lang="en-US" altLang="ja-JP" u="sng" dirty="0"/>
               <a:t>k-</a:t>
             </a:r>
             <a:r>
-              <a:rPr lang="ja-JP" altLang="en-US"/>
+              <a:rPr lang="ja-JP" altLang="en-US" u="sng"/>
               <a:t>近傍法</a:t>
             </a:r>
-            <a:endParaRPr lang="en-US" altLang="ja-JP" dirty="0"/>
+            <a:endParaRPr lang="en-US" altLang="ja-JP" u="sng" dirty="0"/>
           </a:p>
           <a:p>
             <a:pPr marL="914400" lvl="1" indent="-457200">
@@ -18622,7 +18866,7 @@
               <a:buAutoNum type="arabicPeriod"/>
             </a:pPr>
             <a:r>
-              <a:rPr lang="en-US" altLang="ja-JP" dirty="0">
+              <a:rPr lang="en-US" altLang="ja-JP" u="sng" dirty="0">
                 <a:latin typeface="Arial" panose="020B0604020202020204" pitchFamily="34" charset="0"/>
                 <a:cs typeface="Arial" panose="020B0604020202020204" pitchFamily="34" charset="0"/>
               </a:rPr>
@@ -18641,10 +18885,10 @@
               <a:buAutoNum type="arabicPeriod"/>
             </a:pPr>
             <a:r>
-              <a:rPr lang="ja-JP" altLang="en-US"/>
+              <a:rPr lang="ja-JP" altLang="en-US" u="sng"/>
               <a:t>ランダムフォレスト</a:t>
             </a:r>
-            <a:endParaRPr lang="en-US" altLang="ja-JP" dirty="0"/>
+            <a:endParaRPr lang="en-US" altLang="ja-JP" u="sng" dirty="0"/>
           </a:p>
           <a:p>
             <a:pPr marL="914400" lvl="1" indent="-457200">
@@ -18658,10 +18902,10 @@
               <a:buAutoNum type="arabicPeriod"/>
             </a:pPr>
             <a:r>
-              <a:rPr lang="ja-JP" altLang="en-US"/>
+              <a:rPr lang="ja-JP" altLang="en-US" u="sng"/>
               <a:t>勾配ブースティング決定木</a:t>
             </a:r>
-            <a:endParaRPr lang="en-US" altLang="ja-JP" dirty="0"/>
+            <a:endParaRPr lang="en-US" altLang="ja-JP" u="sng" dirty="0"/>
           </a:p>
           <a:p>
             <a:pPr>
@@ -20870,7 +21114,15 @@
             </a:pPr>
             <a:r>
               <a:rPr lang="ja-JP" altLang="en-US" dirty="0"/>
-              <a:t>同時に複数の薬を投与することは現代の薬物療法においては</a:t>
+              <a:t>同時に</a:t>
+            </a:r>
+            <a:r>
+              <a:rPr lang="ja-JP" altLang="en-US" b="1" dirty="0"/>
+              <a:t>複数の薬</a:t>
+            </a:r>
+            <a:r>
+              <a:rPr lang="ja-JP" altLang="en-US" dirty="0"/>
+              <a:t>を投与することは現代の薬物療法においては</a:t>
             </a:r>
             <a:br>
               <a:rPr lang="en-US" altLang="ja-JP" dirty="0"/>
@@ -20971,6 +21223,42 @@
           </a:p>
         </p:txBody>
       </p:sp>
+      <p:pic>
+        <p:nvPicPr>
+          <p:cNvPr id="5" name="図 4">
+            <a:extLst>
+              <a:ext uri="{FF2B5EF4-FFF2-40B4-BE49-F238E27FC236}">
+                <a16:creationId xmlns:a16="http://schemas.microsoft.com/office/drawing/2014/main" id="{669D868D-D340-F941-BA8C-F423CF54187E}"/>
+              </a:ext>
+            </a:extLst>
+          </p:cNvPr>
+          <p:cNvPicPr>
+            <a:picLocks noChangeAspect="1"/>
+          </p:cNvPicPr>
+          <p:nvPr/>
+        </p:nvPicPr>
+        <p:blipFill>
+          <a:blip r:embed="rId2">
+            <a:extLst>
+              <a:ext uri="{28A0092B-C50C-407E-A947-70E740481C1C}">
+                <a14:useLocalDpi xmlns:a14="http://schemas.microsoft.com/office/drawing/2010/main" val="0"/>
+              </a:ext>
+            </a:extLst>
+          </a:blip>
+          <a:stretch>
+            <a:fillRect/>
+          </a:stretch>
+        </p:blipFill>
+        <p:spPr>
+          <a:xfrm>
+            <a:off x="8047037" y="3062841"/>
+            <a:ext cx="3206750" cy="3485598"/>
+          </a:xfrm>
+          <a:prstGeom prst="rect">
+            <a:avLst/>
+          </a:prstGeom>
+        </p:spPr>
+      </p:pic>
     </p:spTree>
     <p:extLst>
       <p:ext uri="{BB962C8B-B14F-4D97-AF65-F5344CB8AC3E}">
@@ -21403,7 +21691,15 @@
             </a:pPr>
             <a:r>
               <a:rPr lang="ja-JP" altLang="en-US"/>
-              <a:t>多くの副作用は臨床研究中には同定されない</a:t>
+              <a:t>多くの副作用は</a:t>
+            </a:r>
+            <a:r>
+              <a:rPr lang="ja-JP" altLang="en-US" b="1"/>
+              <a:t>臨床研究中</a:t>
+            </a:r>
+            <a:r>
+              <a:rPr lang="ja-JP" altLang="en-US"/>
+              <a:t>には同定されない</a:t>
             </a:r>
             <a:br>
               <a:rPr lang="en-US" altLang="ja-JP" dirty="0"/>
@@ -21592,18 +21888,25 @@
           <a:p>
             <a:pPr lvl="1"/>
             <a:r>
-              <a:rPr kumimoji="1" lang="en-US" altLang="ja-JP" sz="2000" dirty="0"/>
+              <a:rPr kumimoji="1" lang="en-US" altLang="ja-JP" dirty="0"/>
               <a:t>-&gt; DDI</a:t>
             </a:r>
             <a:r>
-              <a:rPr kumimoji="1" lang="ja-JP" altLang="en-US" sz="2000" dirty="0"/>
-              <a:t>に関する新しい知見を得ることが副作用の検出と予防</a:t>
-            </a:r>
-            <a:r>
-              <a:rPr kumimoji="1" lang="ja-JP" altLang="en-US" sz="2000"/>
+              <a:rPr kumimoji="1" lang="ja-JP" altLang="en-US" dirty="0"/>
+              <a:t>に関する新しい知見を得ることが副作用の検出</a:t>
+            </a:r>
+            <a:r>
+              <a:rPr kumimoji="1" lang="ja-JP" altLang="en-US"/>
+              <a:t>と予防</a:t>
+            </a:r>
+            <a:br>
+              <a:rPr kumimoji="1" lang="en-US" altLang="ja-JP" dirty="0"/>
+            </a:br>
+            <a:r>
+              <a:rPr kumimoji="1" lang="ja-JP" altLang="en-US"/>
               <a:t>につながる</a:t>
             </a:r>
-            <a:endParaRPr kumimoji="1" lang="en-US" altLang="ja-JP" sz="2000" dirty="0"/>
+            <a:endParaRPr kumimoji="1" lang="en-US" altLang="ja-JP" dirty="0"/>
           </a:p>
           <a:p>
             <a:pPr lvl="1"/>
@@ -21615,7 +21918,10 @@
               <a:t>公開データベースは既知の</a:t>
             </a:r>
             <a:r>
-              <a:rPr kumimoji="1" lang="en-US" altLang="ja-JP" dirty="0"/>
+              <a:rPr kumimoji="1" lang="en-US" altLang="ja-JP" dirty="0">
+                <a:latin typeface="Arial" panose="020B0604020202020204" pitchFamily="34" charset="0"/>
+                <a:cs typeface="Arial" panose="020B0604020202020204" pitchFamily="34" charset="0"/>
+              </a:rPr>
               <a:t>DDI</a:t>
             </a:r>
             <a:r>
@@ -21632,11 +21938,11 @@
             </a:r>
             <a:r>
               <a:rPr lang="ja-JP" altLang="en-US" dirty="0"/>
-              <a:t>のデータが存在</a:t>
+              <a:t>のデータ</a:t>
             </a:r>
             <a:r>
               <a:rPr lang="ja-JP" altLang="en-US"/>
-              <a:t>している</a:t>
+              <a:t>が存在</a:t>
             </a:r>
             <a:endParaRPr lang="en-US" altLang="ja-JP" dirty="0"/>
           </a:p>
@@ -21677,14 +21983,14 @@
           <a:lstStyle/>
           <a:p>
             <a:r>
-              <a:rPr lang="en-US" altLang="ja-JP" dirty="0"/>
+              <a:rPr lang="en-US" altLang="ja-JP" u="sng" dirty="0"/>
               <a:t>[1] </a:t>
             </a:r>
             <a:r>
-              <a:rPr lang="en-US" altLang="ja-JP" i="1" dirty="0"/>
+              <a:rPr lang="en-US" altLang="ja-JP" i="1" u="sng" dirty="0"/>
               <a:t>A novel algorithm for analyzing drug-drug interactions from MEDLINE literature. 2015</a:t>
             </a:r>
-            <a:endParaRPr kumimoji="1" lang="ja-JP" altLang="en-US" i="1" dirty="0"/>
+            <a:endParaRPr kumimoji="1" lang="ja-JP" altLang="en-US" i="1" u="sng" dirty="0"/>
           </a:p>
         </p:txBody>
       </p:sp>
@@ -21834,7 +22140,14 @@
             </a:r>
             <a:r>
               <a:rPr lang="ja-JP" altLang="en-US"/>
-              <a:t>」という用語を含む</a:t>
+              <a:t>」という用語を</a:t>
+            </a:r>
+            <a:br>
+              <a:rPr lang="en-US" altLang="ja-JP" dirty="0"/>
+            </a:br>
+            <a:r>
+              <a:rPr lang="ja-JP" altLang="en-US"/>
+              <a:t>含む</a:t>
             </a:r>
             <a:r>
               <a:rPr lang="ja-JP" altLang="en-US" b="1"/>

--- a/Predicting potential drug-drug interactions on topological and semantic similarity features using statistical learning.pptx
+++ b/Predicting potential drug-drug interactions on topological and semantic similarity features using statistical learning.pptx
@@ -5,7 +5,7 @@
     <p:sldMasterId id="2147483648" r:id="rId1"/>
   </p:sldMasterIdLst>
   <p:notesMasterIdLst>
-    <p:notesMasterId r:id="rId55"/>
+    <p:notesMasterId r:id="rId57"/>
   </p:notesMasterIdLst>
   <p:sldIdLst>
     <p:sldId id="256" r:id="rId2"/>
@@ -38,29 +38,31 @@
     <p:sldId id="285" r:id="rId29"/>
     <p:sldId id="287" r:id="rId30"/>
     <p:sldId id="286" r:id="rId31"/>
-    <p:sldId id="288" r:id="rId32"/>
-    <p:sldId id="289" r:id="rId33"/>
-    <p:sldId id="290" r:id="rId34"/>
-    <p:sldId id="277" r:id="rId35"/>
-    <p:sldId id="291" r:id="rId36"/>
-    <p:sldId id="292" r:id="rId37"/>
-    <p:sldId id="293" r:id="rId38"/>
-    <p:sldId id="301" r:id="rId39"/>
-    <p:sldId id="278" r:id="rId40"/>
-    <p:sldId id="279" r:id="rId41"/>
-    <p:sldId id="280" r:id="rId42"/>
-    <p:sldId id="294" r:id="rId43"/>
-    <p:sldId id="281" r:id="rId44"/>
-    <p:sldId id="302" r:id="rId45"/>
-    <p:sldId id="303" r:id="rId46"/>
-    <p:sldId id="282" r:id="rId47"/>
-    <p:sldId id="304" r:id="rId48"/>
-    <p:sldId id="305" r:id="rId49"/>
-    <p:sldId id="283" r:id="rId50"/>
-    <p:sldId id="265" r:id="rId51"/>
-    <p:sldId id="306" r:id="rId52"/>
-    <p:sldId id="307" r:id="rId53"/>
-    <p:sldId id="264" r:id="rId54"/>
+    <p:sldId id="310" r:id="rId32"/>
+    <p:sldId id="288" r:id="rId33"/>
+    <p:sldId id="312" r:id="rId34"/>
+    <p:sldId id="289" r:id="rId35"/>
+    <p:sldId id="290" r:id="rId36"/>
+    <p:sldId id="277" r:id="rId37"/>
+    <p:sldId id="291" r:id="rId38"/>
+    <p:sldId id="292" r:id="rId39"/>
+    <p:sldId id="293" r:id="rId40"/>
+    <p:sldId id="301" r:id="rId41"/>
+    <p:sldId id="278" r:id="rId42"/>
+    <p:sldId id="279" r:id="rId43"/>
+    <p:sldId id="280" r:id="rId44"/>
+    <p:sldId id="294" r:id="rId45"/>
+    <p:sldId id="281" r:id="rId46"/>
+    <p:sldId id="302" r:id="rId47"/>
+    <p:sldId id="303" r:id="rId48"/>
+    <p:sldId id="282" r:id="rId49"/>
+    <p:sldId id="304" r:id="rId50"/>
+    <p:sldId id="305" r:id="rId51"/>
+    <p:sldId id="283" r:id="rId52"/>
+    <p:sldId id="265" r:id="rId53"/>
+    <p:sldId id="306" r:id="rId54"/>
+    <p:sldId id="307" r:id="rId55"/>
+    <p:sldId id="264" r:id="rId56"/>
   </p:sldIdLst>
   <p:sldSz cx="12192000" cy="6858000"/>
   <p:notesSz cx="6858000" cy="9144000"/>
@@ -179,6 +181,10 @@
 </p:cmAuthorLst>
 </file>
 
+<file path=ppt/revisionInfo.xml><?xml version="1.0" encoding="utf-8"?>
+<p1510:revInfo xmlns:a="http://schemas.openxmlformats.org/drawingml/2006/main" xmlns:r="http://schemas.openxmlformats.org/officeDocument/2006/relationships" xmlns:p1510="http://schemas.microsoft.com/office/powerpoint/2015/10/main"/>
+</file>
+
 <file path=ppt/notesMasters/notesMaster1.xml><?xml version="1.0" encoding="utf-8"?>
 <p:notesMaster xmlns:a="http://schemas.openxmlformats.org/drawingml/2006/main" xmlns:r="http://schemas.openxmlformats.org/officeDocument/2006/relationships" xmlns:p="http://schemas.openxmlformats.org/presentationml/2006/main">
   <p:cSld>
@@ -261,7 +267,7 @@
           <a:p>
             <a:fld id="{CF31FC56-6FCF-4521-A4AA-2AD3048E00E8}" type="datetimeFigureOut">
               <a:rPr kumimoji="1" lang="ja-JP" altLang="en-US" smtClean="0"/>
-              <a:t>2018/6/6</a:t>
+              <a:t>2018/6/12</a:t>
             </a:fld>
             <a:endParaRPr kumimoji="1" lang="ja-JP" altLang="en-US"/>
           </a:p>
@@ -625,7 +631,7 @@
           <a:p>
             <a:fld id="{D943800B-5E77-421E-AC78-FFD0C0C3D815}" type="slidenum">
               <a:rPr kumimoji="1" lang="ja-JP" altLang="en-US" smtClean="0"/>
-              <a:t>33</a:t>
+              <a:t>35</a:t>
             </a:fld>
             <a:endParaRPr kumimoji="1" lang="ja-JP" altLang="en-US"/>
           </a:p>
@@ -791,7 +797,7 @@
           <a:p>
             <a:fld id="{F92661A0-85C2-46B2-83F3-4EF2C8446724}" type="datetimeFigureOut">
               <a:rPr kumimoji="1" lang="ja-JP" altLang="en-US" smtClean="0"/>
-              <a:t>2018/6/6</a:t>
+              <a:t>2018/6/12</a:t>
             </a:fld>
             <a:endParaRPr kumimoji="1" lang="ja-JP" altLang="en-US"/>
           </a:p>
@@ -1021,7 +1027,7 @@
           <a:p>
             <a:fld id="{F92661A0-85C2-46B2-83F3-4EF2C8446724}" type="datetimeFigureOut">
               <a:rPr kumimoji="1" lang="ja-JP" altLang="en-US" smtClean="0"/>
-              <a:t>2018/6/6</a:t>
+              <a:t>2018/6/12</a:t>
             </a:fld>
             <a:endParaRPr kumimoji="1" lang="ja-JP" altLang="en-US"/>
           </a:p>
@@ -1261,7 +1267,7 @@
           <a:p>
             <a:fld id="{F92661A0-85C2-46B2-83F3-4EF2C8446724}" type="datetimeFigureOut">
               <a:rPr kumimoji="1" lang="ja-JP" altLang="en-US" smtClean="0"/>
-              <a:t>2018/6/6</a:t>
+              <a:t>2018/6/12</a:t>
             </a:fld>
             <a:endParaRPr kumimoji="1" lang="ja-JP" altLang="en-US"/>
           </a:p>
@@ -1491,7 +1497,7 @@
           <a:p>
             <a:fld id="{F92661A0-85C2-46B2-83F3-4EF2C8446724}" type="datetimeFigureOut">
               <a:rPr kumimoji="1" lang="ja-JP" altLang="en-US" smtClean="0"/>
-              <a:t>2018/6/6</a:t>
+              <a:t>2018/6/12</a:t>
             </a:fld>
             <a:endParaRPr kumimoji="1" lang="ja-JP" altLang="en-US"/>
           </a:p>
@@ -1766,7 +1772,7 @@
           <a:p>
             <a:fld id="{F92661A0-85C2-46B2-83F3-4EF2C8446724}" type="datetimeFigureOut">
               <a:rPr kumimoji="1" lang="ja-JP" altLang="en-US" smtClean="0"/>
-              <a:t>2018/6/6</a:t>
+              <a:t>2018/6/12</a:t>
             </a:fld>
             <a:endParaRPr kumimoji="1" lang="ja-JP" altLang="en-US"/>
           </a:p>
@@ -2095,7 +2101,7 @@
           <a:p>
             <a:fld id="{F92661A0-85C2-46B2-83F3-4EF2C8446724}" type="datetimeFigureOut">
               <a:rPr kumimoji="1" lang="ja-JP" altLang="en-US" smtClean="0"/>
-              <a:t>2018/6/6</a:t>
+              <a:t>2018/6/12</a:t>
             </a:fld>
             <a:endParaRPr kumimoji="1" lang="ja-JP" altLang="en-US"/>
           </a:p>
@@ -2571,7 +2577,7 @@
           <a:p>
             <a:fld id="{F92661A0-85C2-46B2-83F3-4EF2C8446724}" type="datetimeFigureOut">
               <a:rPr kumimoji="1" lang="ja-JP" altLang="en-US" smtClean="0"/>
-              <a:t>2018/6/6</a:t>
+              <a:t>2018/6/12</a:t>
             </a:fld>
             <a:endParaRPr kumimoji="1" lang="ja-JP" altLang="en-US"/>
           </a:p>
@@ -2712,7 +2718,7 @@
           <a:p>
             <a:fld id="{F92661A0-85C2-46B2-83F3-4EF2C8446724}" type="datetimeFigureOut">
               <a:rPr kumimoji="1" lang="ja-JP" altLang="en-US" smtClean="0"/>
-              <a:t>2018/6/6</a:t>
+              <a:t>2018/6/12</a:t>
             </a:fld>
             <a:endParaRPr kumimoji="1" lang="ja-JP" altLang="en-US"/>
           </a:p>
@@ -2825,7 +2831,7 @@
           <a:p>
             <a:fld id="{F92661A0-85C2-46B2-83F3-4EF2C8446724}" type="datetimeFigureOut">
               <a:rPr kumimoji="1" lang="ja-JP" altLang="en-US" smtClean="0"/>
-              <a:t>2018/6/6</a:t>
+              <a:t>2018/6/12</a:t>
             </a:fld>
             <a:endParaRPr kumimoji="1" lang="ja-JP" altLang="en-US"/>
           </a:p>
@@ -3168,7 +3174,7 @@
           <a:p>
             <a:fld id="{F92661A0-85C2-46B2-83F3-4EF2C8446724}" type="datetimeFigureOut">
               <a:rPr kumimoji="1" lang="ja-JP" altLang="en-US" smtClean="0"/>
-              <a:t>2018/6/6</a:t>
+              <a:t>2018/6/12</a:t>
             </a:fld>
             <a:endParaRPr kumimoji="1" lang="ja-JP" altLang="en-US"/>
           </a:p>
@@ -3456,7 +3462,7 @@
           <a:p>
             <a:fld id="{F92661A0-85C2-46B2-83F3-4EF2C8446724}" type="datetimeFigureOut">
               <a:rPr kumimoji="1" lang="ja-JP" altLang="en-US" smtClean="0"/>
-              <a:t>2018/6/6</a:t>
+              <a:t>2018/6/12</a:t>
             </a:fld>
             <a:endParaRPr kumimoji="1" lang="ja-JP" altLang="en-US"/>
           </a:p>
@@ -3729,7 +3735,7 @@
           <a:p>
             <a:fld id="{F92661A0-85C2-46B2-83F3-4EF2C8446724}" type="datetimeFigureOut">
               <a:rPr kumimoji="1" lang="ja-JP" altLang="en-US" smtClean="0"/>
-              <a:t>2018/6/6</a:t>
+              <a:t>2018/6/12</a:t>
             </a:fld>
             <a:endParaRPr kumimoji="1" lang="ja-JP" altLang="en-US"/>
           </a:p>
@@ -4548,10 +4554,6 @@
               <a:rPr lang="en-US" altLang="ja-JP" b="1" dirty="0"/>
               <a:t> </a:t>
             </a:r>
-            <a:r>
-              <a:rPr lang="en-US" altLang="ja-JP" dirty="0"/>
-              <a:t/>
-            </a:r>
             <a:br>
               <a:rPr lang="en-US" altLang="ja-JP" dirty="0"/>
             </a:br>
@@ -4572,10 +4574,6 @@
             <a:pPr marL="0" indent="0">
               <a:buNone/>
             </a:pPr>
-            <a:r>
-              <a:rPr lang="en-US" altLang="ja-JP" dirty="0"/>
-              <a:t/>
-            </a:r>
             <a:br>
               <a:rPr lang="en-US" altLang="ja-JP" dirty="0"/>
             </a:br>
@@ -6021,7 +6019,7 @@
             </a:pPr>
             <a:r>
               <a:rPr lang="ja-JP" altLang="en-US" dirty="0"/>
-              <a:t>新薬開発を予測できない</a:t>
+              <a:t>新薬を予測できない</a:t>
             </a:r>
             <a:endParaRPr lang="en-US" altLang="ja-JP" dirty="0"/>
           </a:p>
@@ -6077,10 +6075,6 @@
               <a:t>DrugBank</a:t>
             </a:r>
             <a:r>
-              <a:rPr lang="ja-JP" altLang="en-US" dirty="0"/>
-              <a:t>に依存</a:t>
-            </a:r>
-            <a:r>
               <a:rPr lang="en-US" altLang="ja-JP" dirty="0"/>
               <a:t>)</a:t>
             </a:r>
@@ -6095,10 +6089,6 @@
               <a:rPr lang="ja-JP" altLang="en-US" dirty="0"/>
               <a:t>評価の仕方が甘い</a:t>
             </a:r>
-            <a:r>
-              <a:rPr lang="en-US" altLang="ja-JP" dirty="0"/>
-              <a:t/>
-            </a:r>
             <a:br>
               <a:rPr lang="en-US" altLang="ja-JP" dirty="0"/>
             </a:br>
@@ -6174,7 +6164,47 @@
               <a:rPr lang="ja-JP" altLang="en-US" dirty="0"/>
               <a:t>を主な評価指標として採用</a:t>
             </a:r>
-            <a:endParaRPr kumimoji="1" lang="ja-JP" altLang="en-US" dirty="0"/>
+            <a:endParaRPr lang="en-US" altLang="ja-JP" dirty="0"/>
+          </a:p>
+          <a:p>
+            <a:pPr lvl="1">
+              <a:spcBef>
+                <a:spcPts val="1200"/>
+              </a:spcBef>
+            </a:pPr>
+            <a:endParaRPr kumimoji="1" lang="en-US" altLang="ja-JP" dirty="0"/>
+          </a:p>
+          <a:p>
+            <a:pPr lvl="1">
+              <a:spcBef>
+                <a:spcPts val="1200"/>
+              </a:spcBef>
+            </a:pPr>
+            <a:endParaRPr lang="en-US" altLang="ja-JP" dirty="0"/>
+          </a:p>
+          <a:p>
+            <a:pPr>
+              <a:spcBef>
+                <a:spcPts val="1200"/>
+              </a:spcBef>
+            </a:pPr>
+            <a:r>
+              <a:rPr kumimoji="1" lang="en-US" altLang="ja-JP" sz="2000" dirty="0"/>
+              <a:t>AUC</a:t>
+            </a:r>
+            <a:r>
+              <a:rPr kumimoji="1" lang="ja-JP" altLang="en-US" sz="2000" dirty="0"/>
+              <a:t> </a:t>
+            </a:r>
+            <a:r>
+              <a:rPr kumimoji="1" lang="en-US" altLang="ja-JP" sz="2000" dirty="0"/>
+              <a:t>:</a:t>
+            </a:r>
+            <a:r>
+              <a:rPr kumimoji="1" lang="ja-JP" altLang="en-US" sz="2000" dirty="0"/>
+              <a:t> 識別器の性能を表す評価尺度として使われる</a:t>
+            </a:r>
+            <a:endParaRPr lang="en-US" altLang="ja-JP" sz="2000" dirty="0"/>
           </a:p>
         </p:txBody>
       </p:sp>
@@ -6360,10 +6390,6 @@
             <a:r>
               <a:rPr lang="ja-JP" altLang="en-US" dirty="0"/>
               <a:t>として特徴量を抽出</a:t>
-            </a:r>
-            <a:r>
-              <a:rPr lang="en-US" altLang="ja-JP" dirty="0"/>
-              <a:t/>
             </a:r>
             <a:br>
               <a:rPr lang="en-US" altLang="ja-JP" dirty="0"/>
@@ -6485,10 +6511,9 @@
           <a:lstStyle/>
           <a:p>
             <a:r>
-              <a:rPr kumimoji="1" lang="ja-JP" altLang="en-US" b="1" dirty="0" smtClean="0"/>
+              <a:rPr kumimoji="1" lang="ja-JP" altLang="en-US" b="1" dirty="0"/>
               <a:t>トポロジー的</a:t>
             </a:r>
-            <a:endParaRPr kumimoji="1" lang="ja-JP" altLang="en-US" b="1" dirty="0"/>
           </a:p>
         </p:txBody>
       </p:sp>
@@ -6515,10 +6540,9 @@
           <a:lstStyle/>
           <a:p>
             <a:r>
-              <a:rPr kumimoji="1" lang="ja-JP" altLang="en-US" b="1" dirty="0" smtClean="0"/>
+              <a:rPr kumimoji="1" lang="ja-JP" altLang="en-US" b="1" dirty="0"/>
               <a:t>意味的</a:t>
             </a:r>
-            <a:endParaRPr kumimoji="1" lang="ja-JP" altLang="en-US" b="1" dirty="0"/>
           </a:p>
         </p:txBody>
       </p:sp>
@@ -6568,7 +6592,7 @@
           <a:lstStyle/>
           <a:p>
             <a:r>
-              <a:rPr kumimoji="1" lang="en-US" altLang="ja-JP" dirty="0" smtClean="0">
+              <a:rPr kumimoji="1" lang="en-US" altLang="ja-JP" dirty="0">
                 <a:latin typeface="Arial" panose="020B0604020202020204" pitchFamily="34" charset="0"/>
                 <a:cs typeface="Arial" panose="020B0604020202020204" pitchFamily="34" charset="0"/>
               </a:rPr>
@@ -6601,6 +6625,17 @@
               <a:t>先行研究との違い</a:t>
             </a:r>
             <a:endParaRPr lang="en-US" altLang="ja-JP" b="1" dirty="0"/>
+          </a:p>
+          <a:p>
+            <a:pPr marL="914400" lvl="1" indent="-457200">
+              <a:buFont typeface="+mj-lt"/>
+              <a:buAutoNum type="arabicPeriod"/>
+            </a:pPr>
+            <a:r>
+              <a:rPr lang="ja-JP" altLang="en-US" dirty="0"/>
+              <a:t>数多くのデータベースを用いる</a:t>
+            </a:r>
+            <a:endParaRPr lang="en-US" altLang="ja-JP" dirty="0"/>
           </a:p>
           <a:p>
             <a:pPr marL="914400" lvl="1" indent="-457200">
@@ -6793,10 +6828,6 @@
               <a:rPr lang="ja-JP" altLang="en-US" dirty="0"/>
               <a:t>を含む様々な種類の薬物間の</a:t>
             </a:r>
-            <a:r>
-              <a:rPr lang="en-US" altLang="ja-JP" dirty="0"/>
-              <a:t/>
-            </a:r>
             <a:br>
               <a:rPr lang="en-US" altLang="ja-JP" dirty="0"/>
             </a:br>
@@ -6832,10 +6863,6 @@
               <a:rPr lang="ja-JP" altLang="en-US" dirty="0"/>
               <a:t>出する大規模に適した</a:t>
             </a:r>
-            <a:r>
-              <a:rPr lang="en-US" altLang="ja-JP" dirty="0"/>
-              <a:t/>
-            </a:r>
             <a:br>
               <a:rPr lang="en-US" altLang="ja-JP" dirty="0"/>
             </a:br>
@@ -6855,10 +6882,6 @@
               <a:rPr lang="ja-JP" altLang="en-US" dirty="0"/>
               <a:t>薬物分子および薬理学的特徴から薬物対を予測する</a:t>
             </a:r>
-            <a:r>
-              <a:rPr lang="en-US" altLang="ja-JP" dirty="0"/>
-              <a:t/>
-            </a:r>
             <a:br>
               <a:rPr lang="en-US" altLang="ja-JP" dirty="0"/>
             </a:br>
@@ -6894,10 +6917,6 @@
               <a:rPr lang="ja-JP" altLang="en-US" dirty="0"/>
               <a:t>をモデル化するための</a:t>
             </a:r>
-            <a:r>
-              <a:rPr lang="en-US" altLang="ja-JP" dirty="0"/>
-              <a:t/>
-            </a:r>
             <a:br>
               <a:rPr lang="en-US" altLang="ja-JP" dirty="0"/>
             </a:br>
@@ -6920,10 +6939,6 @@
             <a:r>
               <a:rPr lang="ja-JP" altLang="en-US" dirty="0"/>
               <a:t>構造類似性と薬物動態学及び薬理学的特性からなる</a:t>
-            </a:r>
-            <a:r>
-              <a:rPr lang="en-US" altLang="ja-JP" dirty="0"/>
-              <a:t/>
             </a:r>
             <a:br>
               <a:rPr lang="en-US" altLang="ja-JP" dirty="0"/>
@@ -7059,10 +7074,6 @@
               <a:rPr lang="ja-JP" altLang="en-US" dirty="0"/>
               <a:t>を用いて</a:t>
             </a:r>
-            <a:r>
-              <a:rPr lang="en-US" altLang="ja-JP" dirty="0"/>
-              <a:t/>
-            </a:r>
             <a:br>
               <a:rPr lang="en-US" altLang="ja-JP" dirty="0"/>
             </a:br>
@@ -7098,10 +7109,6 @@
               <a:rPr lang="ja-JP" altLang="en-US" dirty="0"/>
               <a:t>を用いて様々な統計的学習法に適用した</a:t>
             </a:r>
-            <a:r>
-              <a:rPr lang="en-US" altLang="ja-JP" dirty="0"/>
-              <a:t/>
-            </a:r>
             <a:br>
               <a:rPr lang="en-US" altLang="ja-JP" dirty="0"/>
             </a:br>
@@ -7156,10 +7163,6 @@
               <a:rPr lang="ja-JP" altLang="en-US" dirty="0"/>
               <a:t>新規、既存薬物の両方から未知の</a:t>
             </a:r>
-            <a:r>
-              <a:rPr lang="en-US" altLang="ja-JP" dirty="0"/>
-              <a:t/>
-            </a:r>
             <a:br>
               <a:rPr lang="en-US" altLang="ja-JP" dirty="0"/>
             </a:br>
@@ -7185,30 +7188,14 @@
             </a:r>
             <a:r>
               <a:rPr lang="ja-JP" altLang="en-US" dirty="0"/>
-              <a:t>が</a:t>
-            </a:r>
-            <a:r>
-              <a:rPr lang="ja-JP" altLang="en-US" dirty="0" smtClean="0"/>
-              <a:t>、（ネットワーク</a:t>
-            </a:r>
-            <a:r>
-              <a:rPr lang="ja-JP" altLang="en-US" dirty="0"/>
-              <a:t>のトポロジーからの情報のみが</a:t>
-            </a:r>
-            <a:r>
-              <a:rPr lang="en-US" altLang="ja-JP" dirty="0"/>
-              <a:t/>
+              <a:t>が、（ネットワークのトポロジーからの情報のみが</a:t>
             </a:r>
             <a:br>
               <a:rPr lang="en-US" altLang="ja-JP" dirty="0"/>
             </a:br>
             <a:r>
               <a:rPr lang="ja-JP" altLang="en-US" dirty="0"/>
-              <a:t>利用可能である</a:t>
-            </a:r>
-            <a:r>
-              <a:rPr lang="ja-JP" altLang="en-US" dirty="0" smtClean="0"/>
-              <a:t>とき）、</a:t>
+              <a:t>利用可能であるとき）、</a:t>
             </a:r>
             <a:r>
               <a:rPr lang="ja-JP" altLang="en-US" b="1" u="sng" dirty="0"/>
@@ -7220,26 +7207,14 @@
             </a:r>
             <a:r>
               <a:rPr lang="ja-JP" altLang="en-US" b="1" u="sng" dirty="0"/>
-              <a:t>標的相互作用の予測</a:t>
-            </a:r>
-            <a:r>
-              <a:rPr lang="ja-JP" altLang="en-US" b="1" u="sng" dirty="0" smtClean="0"/>
-              <a:t>が</a:t>
-            </a:r>
-            <a:r>
-              <a:rPr lang="en-US" altLang="ja-JP" b="1" u="sng" dirty="0" smtClean="0"/>
-              <a:t/>
+              <a:t>標的相互作用の予測が</a:t>
             </a:r>
             <a:br>
-              <a:rPr lang="en-US" altLang="ja-JP" b="1" u="sng" dirty="0" smtClean="0"/>
+              <a:rPr lang="en-US" altLang="ja-JP" b="1" u="sng" dirty="0"/>
             </a:br>
             <a:r>
-              <a:rPr lang="ja-JP" altLang="en-US" b="1" u="sng" dirty="0" smtClean="0"/>
-              <a:t>妥当</a:t>
-            </a:r>
-            <a:r>
               <a:rPr lang="ja-JP" altLang="en-US" b="1" u="sng" dirty="0"/>
-              <a:t>であるかどうか</a:t>
+              <a:t>妥当であるかどうか</a:t>
             </a:r>
             <a:r>
               <a:rPr lang="ja-JP" altLang="en-US" dirty="0"/>
@@ -7461,10 +7436,6 @@
               <a:rPr lang="ja-JP" altLang="en-US" dirty="0"/>
               <a:t>したアプローチ</a:t>
             </a:r>
-            <a:r>
-              <a:rPr lang="en-US" altLang="ja-JP" dirty="0"/>
-              <a:t/>
-            </a:r>
             <a:br>
               <a:rPr lang="en-US" altLang="ja-JP" dirty="0"/>
             </a:br>
@@ -7659,7 +7630,12 @@
             <p:ph idx="1"/>
           </p:nvPr>
         </p:nvSpPr>
-        <p:spPr/>
+        <p:spPr>
+          <a:xfrm>
+            <a:off x="838200" y="1825625"/>
+            <a:ext cx="10515600" cy="1502037"/>
+          </a:xfrm>
+        </p:spPr>
         <p:txBody>
           <a:bodyPr/>
           <a:lstStyle/>
@@ -7687,10 +7663,6 @@
               <a:rPr lang="ja-JP" altLang="en-US" dirty="0"/>
               <a:t>データを使用して</a:t>
             </a:r>
-            <a:r>
-              <a:rPr lang="en-US" altLang="ja-JP" dirty="0"/>
-              <a:t/>
-            </a:r>
             <a:br>
               <a:rPr lang="en-US" altLang="ja-JP" dirty="0"/>
             </a:br>
@@ -7702,28 +7674,6 @@
           </a:p>
           <a:p>
             <a:r>
-              <a:rPr kumimoji="1" lang="ja-JP" altLang="en-US" dirty="0"/>
-              <a:t>有害な</a:t>
-            </a:r>
-            <a:r>
-              <a:rPr kumimoji="1" lang="en-US" altLang="ja-JP" dirty="0">
-                <a:latin typeface="Arial" panose="020B0604020202020204" pitchFamily="34" charset="0"/>
-                <a:cs typeface="Arial" panose="020B0604020202020204" pitchFamily="34" charset="0"/>
-              </a:rPr>
-              <a:t>DDI</a:t>
-            </a:r>
-            <a:r>
-              <a:rPr lang="ja-JP" altLang="en-US" dirty="0"/>
-              <a:t>を引き起こす</a:t>
-            </a:r>
-            <a:r>
-              <a:rPr kumimoji="1" lang="ja-JP" altLang="en-US" dirty="0"/>
-              <a:t>ときそこでペアにする</a:t>
-            </a:r>
-            <a:endParaRPr kumimoji="1" lang="en-US" altLang="ja-JP" dirty="0"/>
-          </a:p>
-          <a:p>
-            <a:r>
               <a:rPr lang="ja-JP" altLang="en-US" dirty="0"/>
               <a:t>通常有向グラフとしてあらわすが本研究では</a:t>
             </a:r>
@@ -7732,6 +7682,188 @@
               <a:t>無向グラフで表現</a:t>
             </a:r>
             <a:endParaRPr kumimoji="1" lang="ja-JP" altLang="en-US" b="1" dirty="0"/>
+          </a:p>
+        </p:txBody>
+      </p:sp>
+      <p:cxnSp>
+        <p:nvCxnSpPr>
+          <p:cNvPr id="4" name="直線コネクタ 3">
+            <a:extLst>
+              <a:ext uri="{FF2B5EF4-FFF2-40B4-BE49-F238E27FC236}">
+                <a16:creationId xmlns:a16="http://schemas.microsoft.com/office/drawing/2014/main" id="{804CD7B7-C145-4B5B-ACD9-53302AE6D9EC}"/>
+              </a:ext>
+            </a:extLst>
+          </p:cNvPr>
+          <p:cNvCxnSpPr>
+            <a:cxnSpLocks/>
+          </p:cNvCxnSpPr>
+          <p:nvPr/>
+        </p:nvCxnSpPr>
+        <p:spPr>
+          <a:xfrm flipV="1">
+            <a:off x="5006539" y="4589965"/>
+            <a:ext cx="1620000" cy="329270"/>
+          </a:xfrm>
+          <a:prstGeom prst="line">
+            <a:avLst/>
+          </a:prstGeom>
+          <a:ln w="38100">
+            <a:solidFill>
+              <a:srgbClr val="FF0000"/>
+            </a:solidFill>
+          </a:ln>
+        </p:spPr>
+        <p:style>
+          <a:lnRef idx="1">
+            <a:schemeClr val="accent1"/>
+          </a:lnRef>
+          <a:fillRef idx="0">
+            <a:schemeClr val="accent1"/>
+          </a:fillRef>
+          <a:effectRef idx="0">
+            <a:schemeClr val="accent1"/>
+          </a:effectRef>
+          <a:fontRef idx="minor">
+            <a:schemeClr val="tx1"/>
+          </a:fontRef>
+        </p:style>
+      </p:cxnSp>
+      <p:sp>
+        <p:nvSpPr>
+          <p:cNvPr id="5" name="楕円 4">
+            <a:extLst>
+              <a:ext uri="{FF2B5EF4-FFF2-40B4-BE49-F238E27FC236}">
+                <a16:creationId xmlns:a16="http://schemas.microsoft.com/office/drawing/2014/main" id="{1F2109C4-2676-4733-B952-252B19D4EF0A}"/>
+              </a:ext>
+            </a:extLst>
+          </p:cNvPr>
+          <p:cNvSpPr/>
+          <p:nvPr/>
+        </p:nvSpPr>
+        <p:spPr>
+          <a:xfrm>
+            <a:off x="6442456" y="4084529"/>
+            <a:ext cx="1164671" cy="1010873"/>
+          </a:xfrm>
+          <a:prstGeom prst="ellipse">
+            <a:avLst/>
+          </a:prstGeom>
+        </p:spPr>
+        <p:style>
+          <a:lnRef idx="2">
+            <a:schemeClr val="accent1">
+              <a:shade val="50000"/>
+            </a:schemeClr>
+          </a:lnRef>
+          <a:fillRef idx="1">
+            <a:schemeClr val="accent1"/>
+          </a:fillRef>
+          <a:effectRef idx="0">
+            <a:schemeClr val="accent1"/>
+          </a:effectRef>
+          <a:fontRef idx="minor">
+            <a:schemeClr val="lt1"/>
+          </a:fontRef>
+        </p:style>
+        <p:txBody>
+          <a:bodyPr rtlCol="0" anchor="ctr"/>
+          <a:lstStyle/>
+          <a:p>
+            <a:pPr algn="ctr"/>
+            <a:r>
+              <a:rPr lang="ja-JP" altLang="en-US" sz="2400" b="1" dirty="0"/>
+              <a:t>薬物</a:t>
+            </a:r>
+            <a:endParaRPr kumimoji="1" lang="ja-JP" altLang="en-US" sz="2400" b="1" dirty="0"/>
+          </a:p>
+        </p:txBody>
+      </p:sp>
+      <p:sp>
+        <p:nvSpPr>
+          <p:cNvPr id="6" name="楕円 5">
+            <a:extLst>
+              <a:ext uri="{FF2B5EF4-FFF2-40B4-BE49-F238E27FC236}">
+                <a16:creationId xmlns:a16="http://schemas.microsoft.com/office/drawing/2014/main" id="{274FE68C-467D-49BB-BF59-CB0BA84AE07F}"/>
+              </a:ext>
+            </a:extLst>
+          </p:cNvPr>
+          <p:cNvSpPr/>
+          <p:nvPr/>
+        </p:nvSpPr>
+        <p:spPr>
+          <a:xfrm>
+            <a:off x="4025951" y="4413798"/>
+            <a:ext cx="1164671" cy="1010873"/>
+          </a:xfrm>
+          <a:prstGeom prst="ellipse">
+            <a:avLst/>
+          </a:prstGeom>
+        </p:spPr>
+        <p:style>
+          <a:lnRef idx="2">
+            <a:schemeClr val="accent1">
+              <a:shade val="50000"/>
+            </a:schemeClr>
+          </a:lnRef>
+          <a:fillRef idx="1">
+            <a:schemeClr val="accent1"/>
+          </a:fillRef>
+          <a:effectRef idx="0">
+            <a:schemeClr val="accent1"/>
+          </a:effectRef>
+          <a:fontRef idx="minor">
+            <a:schemeClr val="lt1"/>
+          </a:fontRef>
+        </p:style>
+        <p:txBody>
+          <a:bodyPr rtlCol="0" anchor="ctr"/>
+          <a:lstStyle/>
+          <a:p>
+            <a:pPr algn="ctr"/>
+            <a:r>
+              <a:rPr lang="ja-JP" altLang="en-US" sz="2400" b="1" dirty="0"/>
+              <a:t>薬物</a:t>
+            </a:r>
+            <a:endParaRPr kumimoji="1" lang="ja-JP" altLang="en-US" sz="2400" b="1" dirty="0"/>
+          </a:p>
+        </p:txBody>
+      </p:sp>
+      <p:sp>
+        <p:nvSpPr>
+          <p:cNvPr id="7" name="テキスト ボックス 6">
+            <a:extLst>
+              <a:ext uri="{FF2B5EF4-FFF2-40B4-BE49-F238E27FC236}">
+                <a16:creationId xmlns:a16="http://schemas.microsoft.com/office/drawing/2014/main" id="{574D0B96-1C8F-4F36-95AE-DC0CE60BFF75}"/>
+              </a:ext>
+            </a:extLst>
+          </p:cNvPr>
+          <p:cNvSpPr txBox="1"/>
+          <p:nvPr/>
+        </p:nvSpPr>
+        <p:spPr>
+          <a:xfrm>
+            <a:off x="3908851" y="5699274"/>
+            <a:ext cx="4185761" cy="461665"/>
+          </a:xfrm>
+          <a:prstGeom prst="rect">
+            <a:avLst/>
+          </a:prstGeom>
+          <a:noFill/>
+        </p:spPr>
+        <p:txBody>
+          <a:bodyPr wrap="none" rtlCol="0">
+            <a:spAutoFit/>
+          </a:bodyPr>
+          <a:lstStyle/>
+          <a:p>
+            <a:r>
+              <a:rPr kumimoji="1" lang="ja-JP" altLang="en-US" sz="2400" dirty="0">
+                <a:solidFill>
+                  <a:srgbClr val="FF0000"/>
+                </a:solidFill>
+              </a:rPr>
+              <a:t>有害な相互作用を引き起こす</a:t>
+            </a:r>
           </a:p>
         </p:txBody>
       </p:sp>
@@ -7998,7 +8130,7 @@
                 <a:latin typeface="HGSｺﾞｼｯｸM" panose="020B0600000000000000" pitchFamily="50" charset="-128"/>
                 <a:ea typeface="HGSｺﾞｼｯｸM" panose="020B0600000000000000" pitchFamily="50" charset="-128"/>
               </a:rPr>
-              <a:t>潜在的な有害な薬物反応を避けるために</a:t>
+              <a:t>有害な薬物反応を避けるために</a:t>
             </a:r>
             <a:r>
               <a:rPr kumimoji="1" lang="en-US" altLang="ja-JP" dirty="0">
@@ -8016,20 +8148,12 @@
               <a:t>の</a:t>
             </a:r>
             <a:r>
-              <a:rPr kumimoji="1" lang="en-US" altLang="ja-JP" i="1" dirty="0">
-                <a:latin typeface="Arial" panose="020B0604020202020204" pitchFamily="34" charset="0"/>
+              <a:rPr lang="ja-JP" altLang="en-US" dirty="0">
                 <a:ea typeface="HGSｺﾞｼｯｸM" panose="020B0600000000000000" pitchFamily="50" charset="-128"/>
                 <a:cs typeface="Arial" panose="020B0604020202020204" pitchFamily="34" charset="0"/>
               </a:rPr>
-              <a:t>characterizing</a:t>
-            </a:r>
-            <a:br>
-              <a:rPr kumimoji="1" lang="en-US" altLang="ja-JP" i="1" dirty="0">
-                <a:latin typeface="Arial" panose="020B0604020202020204" pitchFamily="34" charset="0"/>
-                <a:ea typeface="HGSｺﾞｼｯｸM" panose="020B0600000000000000" pitchFamily="50" charset="-128"/>
-                <a:cs typeface="Arial" panose="020B0604020202020204" pitchFamily="34" charset="0"/>
-              </a:rPr>
-            </a:br>
+              <a:t>可視化</a:t>
+            </a:r>
             <a:r>
               <a:rPr lang="ja-JP" altLang="en-US" dirty="0">
                 <a:latin typeface="HGSｺﾞｼｯｸM" panose="020B0600000000000000" pitchFamily="50" charset="-128"/>
@@ -8314,10 +8438,6 @@
             <a:r>
               <a:rPr lang="ja-JP" altLang="en-US" dirty="0"/>
               <a:t>：生物学的構造や標的情報を含む薬物に関する</a:t>
-            </a:r>
-            <a:r>
-              <a:rPr lang="en-US" altLang="ja-JP" dirty="0"/>
-              <a:t/>
             </a:r>
             <a:br>
               <a:rPr lang="en-US" altLang="ja-JP" dirty="0"/>
@@ -8471,7 +8591,7 @@
           <a:lstStyle/>
           <a:p>
             <a:r>
-              <a:rPr kumimoji="1" lang="en-US" altLang="ja-JP" dirty="0" smtClean="0">
+              <a:rPr kumimoji="1" lang="en-US" altLang="ja-JP" dirty="0">
                 <a:latin typeface="Arial" panose="020B0604020202020204" pitchFamily="34" charset="0"/>
                 <a:cs typeface="Arial" panose="020B0604020202020204" pitchFamily="34" charset="0"/>
               </a:rPr>
@@ -8553,10 +8673,6 @@
             <a:r>
               <a:rPr lang="ja-JP" altLang="en-US" dirty="0"/>
               <a:t>化学構造に基づいて統一された医薬品のデータベース</a:t>
-            </a:r>
-            <a:r>
-              <a:rPr lang="en-US" altLang="ja-JP" dirty="0"/>
-              <a:t/>
             </a:r>
             <a:br>
               <a:rPr lang="en-US" altLang="ja-JP" dirty="0"/>
@@ -8829,10 +8945,6 @@
               <a:rPr lang="ja-JP" altLang="en-US" dirty="0"/>
               <a:t>によって提供された薬物相互作用の</a:t>
             </a:r>
-            <a:r>
-              <a:rPr lang="en-US" altLang="ja-JP" dirty="0"/>
-              <a:t/>
-            </a:r>
             <a:br>
               <a:rPr lang="en-US" altLang="ja-JP" dirty="0"/>
             </a:br>
@@ -8886,10 +8998,6 @@
             <a:r>
               <a:rPr lang="ja-JP" altLang="en-US" dirty="0"/>
               <a:t>の</a:t>
-            </a:r>
-            <a:r>
-              <a:rPr lang="en-US" altLang="ja-JP" dirty="0"/>
-              <a:t/>
             </a:r>
             <a:br>
               <a:rPr lang="en-US" altLang="ja-JP" dirty="0"/>
@@ -9116,81 +9224,37 @@
             </a:r>
             <a:r>
               <a:rPr lang="ja-JP" altLang="en-US" dirty="0"/>
-              <a:t>：存在しない（もしくは後で現れる）エッジの集合</a:t>
+              <a:t>：存在しないエッジの集合</a:t>
             </a:r>
             <a:endParaRPr lang="en-US" altLang="ja-JP" dirty="0"/>
           </a:p>
           <a:p>
             <a:r>
               <a:rPr lang="ja-JP" altLang="en-US" dirty="0"/>
-              <a:t>リンク予測のメインタスクは欠落リンクを予測すること</a:t>
-            </a:r>
+              <a:t>　  </a:t>
+            </a:r>
+            <a:r>
+              <a:rPr lang="en-US" altLang="ja-JP" dirty="0"/>
+              <a:t>,</a:t>
+            </a:r>
+            <a:r>
+              <a:rPr lang="ja-JP" altLang="en-US" dirty="0"/>
+              <a:t>　    </a:t>
+            </a:r>
+            <a:r>
+              <a:rPr lang="en-US" altLang="ja-JP" dirty="0"/>
+              <a:t>: </a:t>
+            </a:r>
+            <a:r>
+              <a:rPr lang="ja-JP" altLang="en-US" dirty="0"/>
+              <a:t>教師データおよびテストデータ</a:t>
+            </a:r>
+            <a:br>
+              <a:rPr lang="en-US" altLang="ja-JP" dirty="0"/>
+            </a:br>
             <a:endParaRPr lang="en-US" altLang="ja-JP" dirty="0"/>
           </a:p>
           <a:p>
-            <a:r>
-              <a:rPr lang="en-US" altLang="ja-JP" dirty="0"/>
-              <a:t>ET</a:t>
-            </a:r>
-            <a:r>
-              <a:rPr lang="ja-JP" altLang="en-US" dirty="0" err="1"/>
-              <a:t>、</a:t>
-            </a:r>
-            <a:r>
-              <a:rPr lang="en-US" altLang="ja-JP" dirty="0"/>
-              <a:t>EP</a:t>
-            </a:r>
-            <a:r>
-              <a:rPr lang="ja-JP" altLang="en-US" dirty="0"/>
-              <a:t>：教師データおよび</a:t>
-            </a:r>
-            <a:r>
-              <a:rPr lang="ja-JP" altLang="en-US" dirty="0" smtClean="0"/>
-              <a:t>テストデータ</a:t>
-            </a:r>
-            <a:r>
-              <a:rPr lang="en-US" altLang="ja-JP" dirty="0" smtClean="0"/>
-              <a:t/>
-            </a:r>
-            <a:br>
-              <a:rPr lang="en-US" altLang="ja-JP" dirty="0" smtClean="0"/>
-            </a:br>
-            <a:r>
-              <a:rPr lang="ja-JP" altLang="en-US" dirty="0" smtClean="0"/>
-              <a:t>（</a:t>
-            </a:r>
-            <a:r>
-              <a:rPr lang="en-US" altLang="ja-JP" dirty="0"/>
-              <a:t>ET U EP</a:t>
-            </a:r>
-            <a:r>
-              <a:rPr lang="ja-JP" altLang="en-US" dirty="0"/>
-              <a:t>＝</a:t>
-            </a:r>
-            <a:r>
-              <a:rPr lang="en-US" altLang="ja-JP" dirty="0"/>
-              <a:t>E</a:t>
-            </a:r>
-            <a:r>
-              <a:rPr lang="ja-JP" altLang="en-US" dirty="0" err="1" smtClean="0"/>
-              <a:t>、</a:t>
-            </a:r>
-            <a:r>
-              <a:rPr lang="en-US" altLang="ja-JP" dirty="0" smtClean="0"/>
-              <a:t>ET</a:t>
-            </a:r>
-            <a:r>
-              <a:rPr lang="ja-JP" altLang="en-US" dirty="0"/>
-              <a:t>かつ</a:t>
-            </a:r>
-            <a:r>
-              <a:rPr lang="en-US" altLang="ja-JP" dirty="0"/>
-              <a:t>EP</a:t>
-            </a:r>
-            <a:r>
-              <a:rPr lang="ja-JP" altLang="en-US" dirty="0"/>
-              <a:t>＝空）</a:t>
-            </a:r>
             <a:endParaRPr lang="en-US" altLang="ja-JP" dirty="0"/>
           </a:p>
           <a:p>
@@ -9252,6 +9316,194 @@
           <a:prstGeom prst="rect">
             <a:avLst/>
           </a:prstGeom>
+        </p:spPr>
+      </p:pic>
+      <p:pic>
+        <p:nvPicPr>
+          <p:cNvPr id="1026" name="Picture 2" descr="E^T">
+            <a:extLst>
+              <a:ext uri="{FF2B5EF4-FFF2-40B4-BE49-F238E27FC236}">
+                <a16:creationId xmlns:a16="http://schemas.microsoft.com/office/drawing/2014/main" id="{365920D5-416E-4A78-926C-42744F80A882}"/>
+              </a:ext>
+            </a:extLst>
+          </p:cNvPr>
+          <p:cNvPicPr>
+            <a:picLocks noChangeAspect="1" noChangeArrowheads="1"/>
+          </p:cNvPicPr>
+          <p:nvPr/>
+        </p:nvPicPr>
+        <p:blipFill>
+          <a:blip r:embed="rId3">
+            <a:extLst>
+              <a:ext uri="{28A0092B-C50C-407E-A947-70E740481C1C}">
+                <a14:useLocalDpi xmlns:a14="http://schemas.microsoft.com/office/drawing/2010/main" val="0"/>
+              </a:ext>
+            </a:extLst>
+          </a:blip>
+          <a:srcRect/>
+          <a:stretch>
+            <a:fillRect/>
+          </a:stretch>
+        </p:blipFill>
+        <p:spPr bwMode="auto">
+          <a:xfrm>
+            <a:off x="1135404" y="4195099"/>
+            <a:ext cx="476250" cy="342900"/>
+          </a:xfrm>
+          <a:prstGeom prst="rect">
+            <a:avLst/>
+          </a:prstGeom>
+          <a:noFill/>
+          <a:extLst>
+            <a:ext uri="{909E8E84-426E-40DD-AFC4-6F175D3DCCD1}">
+              <a14:hiddenFill xmlns:a14="http://schemas.microsoft.com/office/drawing/2010/main">
+                <a:solidFill>
+                  <a:srgbClr val="FFFFFF"/>
+                </a:solidFill>
+              </a14:hiddenFill>
+            </a:ext>
+          </a:extLst>
+        </p:spPr>
+      </p:pic>
+      <p:pic>
+        <p:nvPicPr>
+          <p:cNvPr id="1028" name="Picture 4" descr="E^P">
+            <a:extLst>
+              <a:ext uri="{FF2B5EF4-FFF2-40B4-BE49-F238E27FC236}">
+                <a16:creationId xmlns:a16="http://schemas.microsoft.com/office/drawing/2014/main" id="{0295E66C-D283-4AD0-AC0A-8DDAB0F29820}"/>
+              </a:ext>
+            </a:extLst>
+          </p:cNvPr>
+          <p:cNvPicPr>
+            <a:picLocks noChangeAspect="1" noChangeArrowheads="1"/>
+          </p:cNvPicPr>
+          <p:nvPr/>
+        </p:nvPicPr>
+        <p:blipFill>
+          <a:blip r:embed="rId4">
+            <a:extLst>
+              <a:ext uri="{28A0092B-C50C-407E-A947-70E740481C1C}">
+                <a14:useLocalDpi xmlns:a14="http://schemas.microsoft.com/office/drawing/2010/main" val="0"/>
+              </a:ext>
+            </a:extLst>
+          </a:blip>
+          <a:srcRect/>
+          <a:stretch>
+            <a:fillRect/>
+          </a:stretch>
+        </p:blipFill>
+        <p:spPr bwMode="auto">
+          <a:xfrm>
+            <a:off x="1827835" y="4195099"/>
+            <a:ext cx="495300" cy="342900"/>
+          </a:xfrm>
+          <a:prstGeom prst="rect">
+            <a:avLst/>
+          </a:prstGeom>
+          <a:noFill/>
+          <a:extLst>
+            <a:ext uri="{909E8E84-426E-40DD-AFC4-6F175D3DCCD1}">
+              <a14:hiddenFill xmlns:a14="http://schemas.microsoft.com/office/drawing/2010/main">
+                <a:solidFill>
+                  <a:srgbClr val="FFFFFF"/>
+                </a:solidFill>
+              </a14:hiddenFill>
+            </a:ext>
+          </a:extLst>
+        </p:spPr>
+      </p:pic>
+      <p:pic>
+        <p:nvPicPr>
+          <p:cNvPr id="1030" name="Picture 6" descr="E^T \cup T^P = E">
+            <a:extLst>
+              <a:ext uri="{FF2B5EF4-FFF2-40B4-BE49-F238E27FC236}">
+                <a16:creationId xmlns:a16="http://schemas.microsoft.com/office/drawing/2014/main" id="{E02B0F91-D793-41A7-BFCA-390D41E2F72B}"/>
+              </a:ext>
+            </a:extLst>
+          </p:cNvPr>
+          <p:cNvPicPr>
+            <a:picLocks noChangeAspect="1" noChangeArrowheads="1"/>
+          </p:cNvPicPr>
+          <p:nvPr/>
+        </p:nvPicPr>
+        <p:blipFill>
+          <a:blip r:embed="rId5">
+            <a:extLst>
+              <a:ext uri="{28A0092B-C50C-407E-A947-70E740481C1C}">
+                <a14:useLocalDpi xmlns:a14="http://schemas.microsoft.com/office/drawing/2010/main" val="0"/>
+              </a:ext>
+            </a:extLst>
+          </a:blip>
+          <a:srcRect/>
+          <a:stretch>
+            <a:fillRect/>
+          </a:stretch>
+        </p:blipFill>
+        <p:spPr bwMode="auto">
+          <a:xfrm>
+            <a:off x="1611654" y="4828843"/>
+            <a:ext cx="2333625" cy="352425"/>
+          </a:xfrm>
+          <a:prstGeom prst="rect">
+            <a:avLst/>
+          </a:prstGeom>
+          <a:noFill/>
+          <a:extLst>
+            <a:ext uri="{909E8E84-426E-40DD-AFC4-6F175D3DCCD1}">
+              <a14:hiddenFill xmlns:a14="http://schemas.microsoft.com/office/drawing/2010/main">
+                <a:solidFill>
+                  <a:srgbClr val="FFFFFF"/>
+                </a:solidFill>
+              </a14:hiddenFill>
+            </a:ext>
+          </a:extLst>
+        </p:spPr>
+      </p:pic>
+      <p:pic>
+        <p:nvPicPr>
+          <p:cNvPr id="1032" name="Picture 8" descr="E^T \cap T^P = \phi">
+            <a:extLst>
+              <a:ext uri="{FF2B5EF4-FFF2-40B4-BE49-F238E27FC236}">
+                <a16:creationId xmlns:a16="http://schemas.microsoft.com/office/drawing/2014/main" id="{29C7303F-EE09-443A-9CBF-3B826FAF0A4E}"/>
+              </a:ext>
+            </a:extLst>
+          </p:cNvPr>
+          <p:cNvPicPr>
+            <a:picLocks noChangeAspect="1" noChangeArrowheads="1"/>
+          </p:cNvPicPr>
+          <p:nvPr/>
+        </p:nvPicPr>
+        <p:blipFill>
+          <a:blip r:embed="rId6">
+            <a:extLst>
+              <a:ext uri="{28A0092B-C50C-407E-A947-70E740481C1C}">
+                <a14:useLocalDpi xmlns:a14="http://schemas.microsoft.com/office/drawing/2010/main" val="0"/>
+              </a:ext>
+            </a:extLst>
+          </a:blip>
+          <a:srcRect/>
+          <a:stretch>
+            <a:fillRect/>
+          </a:stretch>
+        </p:blipFill>
+        <p:spPr bwMode="auto">
+          <a:xfrm>
+            <a:off x="4718733" y="4828843"/>
+            <a:ext cx="2257425" cy="419100"/>
+          </a:xfrm>
+          <a:prstGeom prst="rect">
+            <a:avLst/>
+          </a:prstGeom>
+          <a:noFill/>
+          <a:extLst>
+            <a:ext uri="{909E8E84-426E-40DD-AFC4-6F175D3DCCD1}">
+              <a14:hiddenFill xmlns:a14="http://schemas.microsoft.com/office/drawing/2010/main">
+                <a:solidFill>
+                  <a:srgbClr val="FFFFFF"/>
+                </a:solidFill>
+              </a14:hiddenFill>
+            </a:ext>
+          </a:extLst>
         </p:spPr>
       </p:pic>
     </p:spTree>
@@ -9361,10 +9613,6 @@
             <a:r>
               <a:rPr kumimoji="1" lang="ja-JP" altLang="en-US" dirty="0"/>
               <a:t>ノードの各対のラベル：</a:t>
-            </a:r>
-            <a:r>
-              <a:rPr lang="en-US" altLang="ja-JP" dirty="0"/>
-              <a:t/>
             </a:r>
             <a:br>
               <a:rPr lang="en-US" altLang="ja-JP" dirty="0"/>
@@ -9726,7 +9974,12 @@
             <p:ph idx="1"/>
           </p:nvPr>
         </p:nvSpPr>
-        <p:spPr/>
+        <p:spPr>
+          <a:xfrm>
+            <a:off x="838200" y="1825625"/>
+            <a:ext cx="10515600" cy="4351338"/>
+          </a:xfrm>
+        </p:spPr>
         <p:txBody>
           <a:bodyPr/>
           <a:lstStyle/>
@@ -9806,10 +10059,6 @@
             <a:r>
               <a:rPr lang="ja-JP" altLang="en-US" dirty="0"/>
               <a:t>を</a:t>
-            </a:r>
-            <a:r>
-              <a:rPr lang="en-US" altLang="ja-JP" dirty="0"/>
-              <a:t/>
             </a:r>
             <a:br>
               <a:rPr lang="en-US" altLang="ja-JP" dirty="0"/>
@@ -9934,6 +10183,53 @@
           <a:prstGeom prst="rect">
             <a:avLst/>
           </a:prstGeom>
+        </p:spPr>
+      </p:pic>
+      <p:pic>
+        <p:nvPicPr>
+          <p:cNvPr id="2050" name="Picture 2" descr="s(x, y) \in U - E^T">
+            <a:extLst>
+              <a:ext uri="{FF2B5EF4-FFF2-40B4-BE49-F238E27FC236}">
+                <a16:creationId xmlns:a16="http://schemas.microsoft.com/office/drawing/2014/main" id="{E682D358-2CFE-4F60-A3DC-A52FEA745E32}"/>
+              </a:ext>
+            </a:extLst>
+          </p:cNvPr>
+          <p:cNvPicPr>
+            <a:picLocks noChangeAspect="1" noChangeArrowheads="1"/>
+          </p:cNvPicPr>
+          <p:nvPr/>
+        </p:nvPicPr>
+        <p:blipFill>
+          <a:blip r:embed="rId5">
+            <a:extLst>
+              <a:ext uri="{28A0092B-C50C-407E-A947-70E740481C1C}">
+                <a14:useLocalDpi xmlns:a14="http://schemas.microsoft.com/office/drawing/2010/main" val="0"/>
+              </a:ext>
+            </a:extLst>
+          </a:blip>
+          <a:srcRect/>
+          <a:stretch>
+            <a:fillRect/>
+          </a:stretch>
+        </p:blipFill>
+        <p:spPr bwMode="auto">
+          <a:xfrm>
+            <a:off x="1212903" y="5283168"/>
+            <a:ext cx="2952750" cy="447675"/>
+          </a:xfrm>
+          <a:prstGeom prst="rect">
+            <a:avLst/>
+          </a:prstGeom>
+          <a:noFill/>
+          <a:extLst>
+            <a:ext uri="{909E8E84-426E-40DD-AFC4-6F175D3DCCD1}">
+              <a14:hiddenFill xmlns:a14="http://schemas.microsoft.com/office/drawing/2010/main">
+                <a:solidFill>
+                  <a:srgbClr val="FFFFFF"/>
+                </a:solidFill>
+              </a14:hiddenFill>
+            </a:ext>
+          </a:extLst>
         </p:spPr>
       </p:pic>
     </p:spTree>
@@ -11277,6 +11573,53 @@
           </a:p>
         </p:txBody>
       </p:sp>
+      <p:pic>
+        <p:nvPicPr>
+          <p:cNvPr id="3074" name="Picture 2" descr="\textcolor[rgb]{1,0,0}{S_{x,y}^{CN} = 2}">
+            <a:extLst>
+              <a:ext uri="{FF2B5EF4-FFF2-40B4-BE49-F238E27FC236}">
+                <a16:creationId xmlns:a16="http://schemas.microsoft.com/office/drawing/2014/main" id="{902B9957-37B3-4B82-95CC-569A27CC8112}"/>
+              </a:ext>
+            </a:extLst>
+          </p:cNvPr>
+          <p:cNvPicPr>
+            <a:picLocks noChangeAspect="1" noChangeArrowheads="1"/>
+          </p:cNvPicPr>
+          <p:nvPr/>
+        </p:nvPicPr>
+        <p:blipFill>
+          <a:blip r:embed="rId4">
+            <a:extLst>
+              <a:ext uri="{28A0092B-C50C-407E-A947-70E740481C1C}">
+                <a14:useLocalDpi xmlns:a14="http://schemas.microsoft.com/office/drawing/2010/main" val="0"/>
+              </a:ext>
+            </a:extLst>
+          </a:blip>
+          <a:srcRect/>
+          <a:stretch>
+            <a:fillRect/>
+          </a:stretch>
+        </p:blipFill>
+        <p:spPr bwMode="auto">
+          <a:xfrm>
+            <a:off x="9694935" y="5464236"/>
+            <a:ext cx="1457325" cy="504825"/>
+          </a:xfrm>
+          <a:prstGeom prst="rect">
+            <a:avLst/>
+          </a:prstGeom>
+          <a:noFill/>
+          <a:extLst>
+            <a:ext uri="{909E8E84-426E-40DD-AFC4-6F175D3DCCD1}">
+              <a14:hiddenFill xmlns:a14="http://schemas.microsoft.com/office/drawing/2010/main">
+                <a:solidFill>
+                  <a:srgbClr val="FFFFFF"/>
+                </a:solidFill>
+              </a14:hiddenFill>
+            </a:ext>
+          </a:extLst>
+        </p:spPr>
+      </p:pic>
     </p:spTree>
     <p:extLst>
       <p:ext uri="{BB962C8B-B14F-4D97-AF65-F5344CB8AC3E}">
@@ -13798,6 +14141,21 @@
               <a:rPr kumimoji="1" lang="ja-JP" altLang="en-US" dirty="0"/>
               <a:t>を行う</a:t>
             </a:r>
+            <a:br>
+              <a:rPr kumimoji="1" lang="en-US" altLang="ja-JP" dirty="0"/>
+            </a:br>
+            <a:r>
+              <a:rPr kumimoji="1" lang="ja-JP" altLang="en-US" dirty="0"/>
+              <a:t>（相互作用があるかないか</a:t>
+            </a:r>
+            <a:r>
+              <a:rPr kumimoji="1" lang="ja-JP" altLang="en-US"/>
+              <a:t>を予測</a:t>
+            </a:r>
+            <a:r>
+              <a:rPr lang="ja-JP" altLang="en-US"/>
+              <a:t>）</a:t>
+            </a:r>
             <a:endParaRPr kumimoji="1" lang="en-US" altLang="ja-JP" dirty="0"/>
           </a:p>
           <a:p>
@@ -13848,10 +14206,6 @@
               <a:rPr lang="ja-JP" altLang="en-US" dirty="0"/>
               <a:t>を用いて</a:t>
             </a:r>
-            <a:r>
-              <a:rPr lang="en-US" altLang="ja-JP" dirty="0"/>
-              <a:t/>
-            </a:r>
             <a:br>
               <a:rPr lang="en-US" altLang="ja-JP" dirty="0"/>
             </a:br>
@@ -13868,7 +14222,7 @@
               <a:t>未知の相互作用</a:t>
             </a:r>
             <a:r>
-              <a:rPr lang="ja-JP" altLang="en-US"/>
+              <a:rPr lang="ja-JP" altLang="en-US" dirty="0"/>
               <a:t>を予測</a:t>
             </a:r>
             <a:endParaRPr lang="en-US" altLang="ja-JP" dirty="0"/>
@@ -14737,7 +15091,7 @@
               <a:avLst/>
             </a:prstGeom>
             <a:solidFill>
-              <a:srgbClr val="FF0000"/>
+              <a:srgbClr val="00B050"/>
             </a:solidFill>
           </p:spPr>
           <p:style>
@@ -14786,7 +15140,7 @@
               <a:avLst/>
             </a:prstGeom>
             <a:solidFill>
-              <a:srgbClr val="FF0000"/>
+              <a:srgbClr val="00B050"/>
             </a:solidFill>
           </p:spPr>
           <p:style>
@@ -14835,7 +15189,7 @@
               <a:avLst/>
             </a:prstGeom>
             <a:solidFill>
-              <a:srgbClr val="FF0000"/>
+              <a:srgbClr val="00B050"/>
             </a:solidFill>
           </p:spPr>
           <p:style>
@@ -14884,7 +15238,7 @@
               <a:avLst/>
             </a:prstGeom>
             <a:solidFill>
-              <a:srgbClr val="FF0000"/>
+              <a:srgbClr val="00B050"/>
             </a:solidFill>
           </p:spPr>
           <p:style>
@@ -14982,7 +15336,7 @@
               <a:avLst/>
             </a:prstGeom>
             <a:solidFill>
-              <a:srgbClr val="FF0000"/>
+              <a:srgbClr val="00B050"/>
             </a:solidFill>
           </p:spPr>
           <p:style>
@@ -15031,7 +15385,7 @@
               <a:avLst/>
             </a:prstGeom>
             <a:solidFill>
-              <a:srgbClr val="FF0000"/>
+              <a:srgbClr val="00B050"/>
             </a:solidFill>
           </p:spPr>
           <p:style>
@@ -15119,7 +15473,7 @@
           <a:noFill/>
           <a:ln w="28575">
             <a:solidFill>
-              <a:srgbClr val="FF0000"/>
+              <a:srgbClr val="00B050"/>
             </a:solidFill>
           </a:ln>
         </p:spPr>
@@ -15460,6 +15814,1428 @@
           </a:p>
         </p:txBody>
       </p:sp>
+      <p:grpSp>
+        <p:nvGrpSpPr>
+          <p:cNvPr id="50" name="グループ化 49">
+            <a:extLst>
+              <a:ext uri="{FF2B5EF4-FFF2-40B4-BE49-F238E27FC236}">
+                <a16:creationId xmlns:a16="http://schemas.microsoft.com/office/drawing/2014/main" id="{C0A2E3A7-BC4E-4BD3-8A6B-7CC8BB918D6D}"/>
+              </a:ext>
+            </a:extLst>
+          </p:cNvPr>
+          <p:cNvGrpSpPr/>
+          <p:nvPr/>
+        </p:nvGrpSpPr>
+        <p:grpSpPr>
+          <a:xfrm>
+            <a:off x="2975607" y="3720812"/>
+            <a:ext cx="5841477" cy="2570931"/>
+            <a:chOff x="2468897" y="3779535"/>
+            <a:chExt cx="5841477" cy="2570931"/>
+          </a:xfrm>
+        </p:grpSpPr>
+        <p:cxnSp>
+          <p:nvCxnSpPr>
+            <p:cNvPr id="19" name="直線コネクタ 18">
+              <a:extLst>
+                <a:ext uri="{FF2B5EF4-FFF2-40B4-BE49-F238E27FC236}">
+                  <a16:creationId xmlns:a16="http://schemas.microsoft.com/office/drawing/2014/main" id="{FD43AFBD-478D-4E72-9C89-358061A8AFE2}"/>
+                </a:ext>
+              </a:extLst>
+            </p:cNvPr>
+            <p:cNvCxnSpPr>
+              <a:stCxn id="11" idx="5"/>
+            </p:cNvCxnSpPr>
+            <p:nvPr/>
+          </p:nvCxnSpPr>
+          <p:spPr>
+            <a:xfrm>
+              <a:off x="3109048" y="4811594"/>
+              <a:ext cx="942086" cy="1081660"/>
+            </a:xfrm>
+            <a:prstGeom prst="line">
+              <a:avLst/>
+            </a:prstGeom>
+            <a:ln w="28575">
+              <a:solidFill>
+                <a:srgbClr val="FF0000"/>
+              </a:solidFill>
+            </a:ln>
+          </p:spPr>
+          <p:style>
+            <a:lnRef idx="1">
+              <a:schemeClr val="accent1"/>
+            </a:lnRef>
+            <a:fillRef idx="0">
+              <a:schemeClr val="accent1"/>
+            </a:fillRef>
+            <a:effectRef idx="0">
+              <a:schemeClr val="accent1"/>
+            </a:effectRef>
+            <a:fontRef idx="minor">
+              <a:schemeClr val="tx1"/>
+            </a:fontRef>
+          </p:style>
+        </p:cxnSp>
+        <p:cxnSp>
+          <p:nvCxnSpPr>
+            <p:cNvPr id="20" name="直線コネクタ 19">
+              <a:extLst>
+                <a:ext uri="{FF2B5EF4-FFF2-40B4-BE49-F238E27FC236}">
+                  <a16:creationId xmlns:a16="http://schemas.microsoft.com/office/drawing/2014/main" id="{D33850CA-B6E9-4FFB-8C4F-E9AF2E5E0288}"/>
+                </a:ext>
+              </a:extLst>
+            </p:cNvPr>
+            <p:cNvCxnSpPr>
+              <a:cxnSpLocks/>
+            </p:cNvCxnSpPr>
+            <p:nvPr/>
+          </p:nvCxnSpPr>
+          <p:spPr>
+            <a:xfrm>
+              <a:off x="2929582" y="4458901"/>
+              <a:ext cx="1120682" cy="184547"/>
+            </a:xfrm>
+            <a:prstGeom prst="line">
+              <a:avLst/>
+            </a:prstGeom>
+            <a:ln w="28575">
+              <a:solidFill>
+                <a:srgbClr val="FF0000"/>
+              </a:solidFill>
+            </a:ln>
+          </p:spPr>
+          <p:style>
+            <a:lnRef idx="1">
+              <a:schemeClr val="accent1"/>
+            </a:lnRef>
+            <a:fillRef idx="0">
+              <a:schemeClr val="accent1"/>
+            </a:fillRef>
+            <a:effectRef idx="0">
+              <a:schemeClr val="accent1"/>
+            </a:effectRef>
+            <a:fontRef idx="minor">
+              <a:schemeClr val="tx1"/>
+            </a:fontRef>
+          </p:style>
+        </p:cxnSp>
+        <p:cxnSp>
+          <p:nvCxnSpPr>
+            <p:cNvPr id="23" name="直線コネクタ 22">
+              <a:extLst>
+                <a:ext uri="{FF2B5EF4-FFF2-40B4-BE49-F238E27FC236}">
+                  <a16:creationId xmlns:a16="http://schemas.microsoft.com/office/drawing/2014/main" id="{4EF3B03B-AB02-4032-AA0A-E2011AB065F2}"/>
+                </a:ext>
+              </a:extLst>
+            </p:cNvPr>
+            <p:cNvCxnSpPr>
+              <a:cxnSpLocks/>
+            </p:cNvCxnSpPr>
+            <p:nvPr/>
+          </p:nvCxnSpPr>
+          <p:spPr>
+            <a:xfrm flipH="1">
+              <a:off x="4327345" y="4576187"/>
+              <a:ext cx="1089651" cy="67261"/>
+            </a:xfrm>
+            <a:prstGeom prst="line">
+              <a:avLst/>
+            </a:prstGeom>
+            <a:ln w="28575">
+              <a:solidFill>
+                <a:srgbClr val="FF0000"/>
+              </a:solidFill>
+            </a:ln>
+          </p:spPr>
+          <p:style>
+            <a:lnRef idx="1">
+              <a:schemeClr val="accent1"/>
+            </a:lnRef>
+            <a:fillRef idx="0">
+              <a:schemeClr val="accent1"/>
+            </a:fillRef>
+            <a:effectRef idx="0">
+              <a:schemeClr val="accent1"/>
+            </a:effectRef>
+            <a:fontRef idx="minor">
+              <a:schemeClr val="tx1"/>
+            </a:fontRef>
+          </p:style>
+        </p:cxnSp>
+        <p:cxnSp>
+          <p:nvCxnSpPr>
+            <p:cNvPr id="26" name="直線コネクタ 25">
+              <a:extLst>
+                <a:ext uri="{FF2B5EF4-FFF2-40B4-BE49-F238E27FC236}">
+                  <a16:creationId xmlns:a16="http://schemas.microsoft.com/office/drawing/2014/main" id="{BD51E341-0920-43E8-BF78-950ACAF2536C}"/>
+                </a:ext>
+              </a:extLst>
+            </p:cNvPr>
+            <p:cNvCxnSpPr>
+              <a:cxnSpLocks/>
+            </p:cNvCxnSpPr>
+            <p:nvPr/>
+          </p:nvCxnSpPr>
+          <p:spPr>
+            <a:xfrm flipH="1" flipV="1">
+              <a:off x="4479747" y="4795849"/>
+              <a:ext cx="525504" cy="879000"/>
+            </a:xfrm>
+            <a:prstGeom prst="line">
+              <a:avLst/>
+            </a:prstGeom>
+            <a:ln w="28575">
+              <a:solidFill>
+                <a:srgbClr val="FF0000"/>
+              </a:solidFill>
+            </a:ln>
+          </p:spPr>
+          <p:style>
+            <a:lnRef idx="1">
+              <a:schemeClr val="accent1"/>
+            </a:lnRef>
+            <a:fillRef idx="0">
+              <a:schemeClr val="accent1"/>
+            </a:fillRef>
+            <a:effectRef idx="0">
+              <a:schemeClr val="accent1"/>
+            </a:effectRef>
+            <a:fontRef idx="minor">
+              <a:schemeClr val="tx1"/>
+            </a:fontRef>
+          </p:style>
+        </p:cxnSp>
+        <p:cxnSp>
+          <p:nvCxnSpPr>
+            <p:cNvPr id="28" name="直線コネクタ 27">
+              <a:extLst>
+                <a:ext uri="{FF2B5EF4-FFF2-40B4-BE49-F238E27FC236}">
+                  <a16:creationId xmlns:a16="http://schemas.microsoft.com/office/drawing/2014/main" id="{172AF1D7-49EB-4261-9008-B1D228810302}"/>
+                </a:ext>
+              </a:extLst>
+            </p:cNvPr>
+            <p:cNvCxnSpPr>
+              <a:cxnSpLocks/>
+            </p:cNvCxnSpPr>
+            <p:nvPr/>
+          </p:nvCxnSpPr>
+          <p:spPr>
+            <a:xfrm flipH="1" flipV="1">
+              <a:off x="4479747" y="4795849"/>
+              <a:ext cx="1797041" cy="935230"/>
+            </a:xfrm>
+            <a:prstGeom prst="line">
+              <a:avLst/>
+            </a:prstGeom>
+            <a:ln w="28575">
+              <a:solidFill>
+                <a:srgbClr val="FF0000"/>
+              </a:solidFill>
+            </a:ln>
+          </p:spPr>
+          <p:style>
+            <a:lnRef idx="1">
+              <a:schemeClr val="accent1"/>
+            </a:lnRef>
+            <a:fillRef idx="0">
+              <a:schemeClr val="accent1"/>
+            </a:fillRef>
+            <a:effectRef idx="0">
+              <a:schemeClr val="accent1"/>
+            </a:effectRef>
+            <a:fontRef idx="minor">
+              <a:schemeClr val="tx1"/>
+            </a:fontRef>
+          </p:style>
+        </p:cxnSp>
+        <p:cxnSp>
+          <p:nvCxnSpPr>
+            <p:cNvPr id="30" name="直線コネクタ 29">
+              <a:extLst>
+                <a:ext uri="{FF2B5EF4-FFF2-40B4-BE49-F238E27FC236}">
+                  <a16:creationId xmlns:a16="http://schemas.microsoft.com/office/drawing/2014/main" id="{AD13E149-2BC2-43C1-B81A-BA2F1BC68F05}"/>
+                </a:ext>
+              </a:extLst>
+            </p:cNvPr>
+            <p:cNvCxnSpPr>
+              <a:cxnSpLocks/>
+            </p:cNvCxnSpPr>
+            <p:nvPr/>
+          </p:nvCxnSpPr>
+          <p:spPr>
+            <a:xfrm flipH="1" flipV="1">
+              <a:off x="6883592" y="5047227"/>
+              <a:ext cx="1024950" cy="780023"/>
+            </a:xfrm>
+            <a:prstGeom prst="line">
+              <a:avLst/>
+            </a:prstGeom>
+            <a:ln w="28575">
+              <a:solidFill>
+                <a:srgbClr val="FF0000"/>
+              </a:solidFill>
+            </a:ln>
+          </p:spPr>
+          <p:style>
+            <a:lnRef idx="1">
+              <a:schemeClr val="accent1"/>
+            </a:lnRef>
+            <a:fillRef idx="0">
+              <a:schemeClr val="accent1"/>
+            </a:fillRef>
+            <a:effectRef idx="0">
+              <a:schemeClr val="accent1"/>
+            </a:effectRef>
+            <a:fontRef idx="minor">
+              <a:schemeClr val="tx1"/>
+            </a:fontRef>
+          </p:style>
+        </p:cxnSp>
+        <p:cxnSp>
+          <p:nvCxnSpPr>
+            <p:cNvPr id="33" name="直線コネクタ 32">
+              <a:extLst>
+                <a:ext uri="{FF2B5EF4-FFF2-40B4-BE49-F238E27FC236}">
+                  <a16:creationId xmlns:a16="http://schemas.microsoft.com/office/drawing/2014/main" id="{D0A8B487-F71D-45CD-9EF8-7B2AC9B4A2FF}"/>
+                </a:ext>
+              </a:extLst>
+            </p:cNvPr>
+            <p:cNvCxnSpPr>
+              <a:cxnSpLocks/>
+            </p:cNvCxnSpPr>
+            <p:nvPr/>
+          </p:nvCxnSpPr>
+          <p:spPr>
+            <a:xfrm flipH="1">
+              <a:off x="6463547" y="4811594"/>
+              <a:ext cx="478901" cy="1182342"/>
+            </a:xfrm>
+            <a:prstGeom prst="line">
+              <a:avLst/>
+            </a:prstGeom>
+            <a:ln w="28575">
+              <a:solidFill>
+                <a:srgbClr val="FF0000"/>
+              </a:solidFill>
+            </a:ln>
+          </p:spPr>
+          <p:style>
+            <a:lnRef idx="1">
+              <a:schemeClr val="accent1"/>
+            </a:lnRef>
+            <a:fillRef idx="0">
+              <a:schemeClr val="accent1"/>
+            </a:fillRef>
+            <a:effectRef idx="0">
+              <a:schemeClr val="accent1"/>
+            </a:effectRef>
+            <a:fontRef idx="minor">
+              <a:schemeClr val="tx1"/>
+            </a:fontRef>
+          </p:style>
+        </p:cxnSp>
+        <p:cxnSp>
+          <p:nvCxnSpPr>
+            <p:cNvPr id="38" name="直線コネクタ 37">
+              <a:extLst>
+                <a:ext uri="{FF2B5EF4-FFF2-40B4-BE49-F238E27FC236}">
+                  <a16:creationId xmlns:a16="http://schemas.microsoft.com/office/drawing/2014/main" id="{1A2051D0-45A1-4351-AA83-9E8E65763A24}"/>
+                </a:ext>
+              </a:extLst>
+            </p:cNvPr>
+            <p:cNvCxnSpPr>
+              <a:cxnSpLocks/>
+            </p:cNvCxnSpPr>
+            <p:nvPr/>
+          </p:nvCxnSpPr>
+          <p:spPr>
+            <a:xfrm flipH="1">
+              <a:off x="6883592" y="4152833"/>
+              <a:ext cx="598596" cy="945024"/>
+            </a:xfrm>
+            <a:prstGeom prst="line">
+              <a:avLst/>
+            </a:prstGeom>
+            <a:ln w="28575">
+              <a:solidFill>
+                <a:srgbClr val="FF0000"/>
+              </a:solidFill>
+            </a:ln>
+          </p:spPr>
+          <p:style>
+            <a:lnRef idx="1">
+              <a:schemeClr val="accent1"/>
+            </a:lnRef>
+            <a:fillRef idx="0">
+              <a:schemeClr val="accent1"/>
+            </a:fillRef>
+            <a:effectRef idx="0">
+              <a:schemeClr val="accent1"/>
+            </a:effectRef>
+            <a:fontRef idx="minor">
+              <a:schemeClr val="tx1"/>
+            </a:fontRef>
+          </p:style>
+        </p:cxnSp>
+        <p:cxnSp>
+          <p:nvCxnSpPr>
+            <p:cNvPr id="41" name="直線コネクタ 40">
+              <a:extLst>
+                <a:ext uri="{FF2B5EF4-FFF2-40B4-BE49-F238E27FC236}">
+                  <a16:creationId xmlns:a16="http://schemas.microsoft.com/office/drawing/2014/main" id="{B5B31082-B80A-4C44-86CD-2761C0F4B360}"/>
+                </a:ext>
+              </a:extLst>
+            </p:cNvPr>
+            <p:cNvCxnSpPr>
+              <a:cxnSpLocks/>
+            </p:cNvCxnSpPr>
+            <p:nvPr/>
+          </p:nvCxnSpPr>
+          <p:spPr>
+            <a:xfrm>
+              <a:off x="7633982" y="4282568"/>
+              <a:ext cx="200969" cy="1544682"/>
+            </a:xfrm>
+            <a:prstGeom prst="line">
+              <a:avLst/>
+            </a:prstGeom>
+            <a:ln w="28575">
+              <a:solidFill>
+                <a:srgbClr val="FF0000"/>
+              </a:solidFill>
+            </a:ln>
+          </p:spPr>
+          <p:style>
+            <a:lnRef idx="1">
+              <a:schemeClr val="accent1"/>
+            </a:lnRef>
+            <a:fillRef idx="0">
+              <a:schemeClr val="accent1"/>
+            </a:fillRef>
+            <a:effectRef idx="0">
+              <a:schemeClr val="accent1"/>
+            </a:effectRef>
+            <a:fontRef idx="minor">
+              <a:schemeClr val="tx1"/>
+            </a:fontRef>
+          </p:style>
+        </p:cxnSp>
+        <p:cxnSp>
+          <p:nvCxnSpPr>
+            <p:cNvPr id="46" name="直線コネクタ 45">
+              <a:extLst>
+                <a:ext uri="{FF2B5EF4-FFF2-40B4-BE49-F238E27FC236}">
+                  <a16:creationId xmlns:a16="http://schemas.microsoft.com/office/drawing/2014/main" id="{2434F2D2-563E-4A05-882B-5ED42593099C}"/>
+                </a:ext>
+              </a:extLst>
+            </p:cNvPr>
+            <p:cNvCxnSpPr>
+              <a:cxnSpLocks/>
+            </p:cNvCxnSpPr>
+            <p:nvPr/>
+          </p:nvCxnSpPr>
+          <p:spPr>
+            <a:xfrm>
+              <a:off x="5688039" y="4480004"/>
+              <a:ext cx="1295984" cy="617853"/>
+            </a:xfrm>
+            <a:prstGeom prst="line">
+              <a:avLst/>
+            </a:prstGeom>
+            <a:ln w="28575">
+              <a:solidFill>
+                <a:srgbClr val="FF0000"/>
+              </a:solidFill>
+            </a:ln>
+          </p:spPr>
+          <p:style>
+            <a:lnRef idx="1">
+              <a:schemeClr val="accent1"/>
+            </a:lnRef>
+            <a:fillRef idx="0">
+              <a:schemeClr val="accent1"/>
+            </a:fillRef>
+            <a:effectRef idx="0">
+              <a:schemeClr val="accent1"/>
+            </a:effectRef>
+            <a:fontRef idx="minor">
+              <a:schemeClr val="tx1"/>
+            </a:fontRef>
+          </p:style>
+        </p:cxnSp>
+        <p:sp>
+          <p:nvSpPr>
+            <p:cNvPr id="9" name="楕円 8">
+              <a:extLst>
+                <a:ext uri="{FF2B5EF4-FFF2-40B4-BE49-F238E27FC236}">
+                  <a16:creationId xmlns:a16="http://schemas.microsoft.com/office/drawing/2014/main" id="{70F5B1D2-E667-4C78-99F7-59D34A22EA66}"/>
+                </a:ext>
+              </a:extLst>
+            </p:cNvPr>
+            <p:cNvSpPr/>
+            <p:nvPr/>
+          </p:nvSpPr>
+          <p:spPr>
+            <a:xfrm>
+              <a:off x="3676143" y="5570290"/>
+              <a:ext cx="749983" cy="771787"/>
+            </a:xfrm>
+            <a:prstGeom prst="ellipse">
+              <a:avLst/>
+            </a:prstGeom>
+          </p:spPr>
+          <p:style>
+            <a:lnRef idx="2">
+              <a:schemeClr val="accent1">
+                <a:shade val="50000"/>
+              </a:schemeClr>
+            </a:lnRef>
+            <a:fillRef idx="1">
+              <a:schemeClr val="accent1"/>
+            </a:fillRef>
+            <a:effectRef idx="0">
+              <a:schemeClr val="accent1"/>
+            </a:effectRef>
+            <a:fontRef idx="minor">
+              <a:schemeClr val="lt1"/>
+            </a:fontRef>
+          </p:style>
+          <p:txBody>
+            <a:bodyPr rtlCol="0" anchor="ctr"/>
+            <a:lstStyle/>
+            <a:p>
+              <a:pPr algn="ctr"/>
+              <a:endParaRPr kumimoji="1" lang="ja-JP" altLang="en-US"/>
+            </a:p>
+          </p:txBody>
+        </p:sp>
+        <p:sp>
+          <p:nvSpPr>
+            <p:cNvPr id="10" name="楕円 9">
+              <a:extLst>
+                <a:ext uri="{FF2B5EF4-FFF2-40B4-BE49-F238E27FC236}">
+                  <a16:creationId xmlns:a16="http://schemas.microsoft.com/office/drawing/2014/main" id="{5F0BA522-54EB-4359-AD69-71AB0C9B9B53}"/>
+                </a:ext>
+              </a:extLst>
+            </p:cNvPr>
+            <p:cNvSpPr/>
+            <p:nvPr/>
+          </p:nvSpPr>
+          <p:spPr>
+            <a:xfrm>
+              <a:off x="3758401" y="4282568"/>
+              <a:ext cx="749983" cy="771787"/>
+            </a:xfrm>
+            <a:prstGeom prst="ellipse">
+              <a:avLst/>
+            </a:prstGeom>
+          </p:spPr>
+          <p:style>
+            <a:lnRef idx="2">
+              <a:schemeClr val="accent1">
+                <a:shade val="50000"/>
+              </a:schemeClr>
+            </a:lnRef>
+            <a:fillRef idx="1">
+              <a:schemeClr val="accent1"/>
+            </a:fillRef>
+            <a:effectRef idx="0">
+              <a:schemeClr val="accent1"/>
+            </a:effectRef>
+            <a:fontRef idx="minor">
+              <a:schemeClr val="lt1"/>
+            </a:fontRef>
+          </p:style>
+          <p:txBody>
+            <a:bodyPr rtlCol="0" anchor="ctr"/>
+            <a:lstStyle/>
+            <a:p>
+              <a:pPr algn="ctr"/>
+              <a:r>
+                <a:rPr kumimoji="1" lang="ja-JP" altLang="en-US" dirty="0"/>
+                <a:t>Ｘ</a:t>
+              </a:r>
+            </a:p>
+          </p:txBody>
+        </p:sp>
+        <p:sp>
+          <p:nvSpPr>
+            <p:cNvPr id="11" name="楕円 10">
+              <a:extLst>
+                <a:ext uri="{FF2B5EF4-FFF2-40B4-BE49-F238E27FC236}">
+                  <a16:creationId xmlns:a16="http://schemas.microsoft.com/office/drawing/2014/main" id="{7D7397CA-B981-488E-8C8E-C7BAF8352732}"/>
+                </a:ext>
+              </a:extLst>
+            </p:cNvPr>
+            <p:cNvSpPr/>
+            <p:nvPr/>
+          </p:nvSpPr>
+          <p:spPr>
+            <a:xfrm>
+              <a:off x="2468897" y="4152833"/>
+              <a:ext cx="749983" cy="771787"/>
+            </a:xfrm>
+            <a:prstGeom prst="ellipse">
+              <a:avLst/>
+            </a:prstGeom>
+            <a:solidFill>
+              <a:srgbClr val="00B050"/>
+            </a:solidFill>
+          </p:spPr>
+          <p:style>
+            <a:lnRef idx="2">
+              <a:schemeClr val="accent1">
+                <a:shade val="50000"/>
+              </a:schemeClr>
+            </a:lnRef>
+            <a:fillRef idx="1">
+              <a:schemeClr val="accent1"/>
+            </a:fillRef>
+            <a:effectRef idx="0">
+              <a:schemeClr val="accent1"/>
+            </a:effectRef>
+            <a:fontRef idx="minor">
+              <a:schemeClr val="lt1"/>
+            </a:fontRef>
+          </p:style>
+          <p:txBody>
+            <a:bodyPr rtlCol="0" anchor="ctr"/>
+            <a:lstStyle/>
+            <a:p>
+              <a:pPr algn="ctr"/>
+              <a:endParaRPr kumimoji="1" lang="ja-JP" altLang="en-US" dirty="0"/>
+            </a:p>
+          </p:txBody>
+        </p:sp>
+        <p:sp>
+          <p:nvSpPr>
+            <p:cNvPr id="12" name="楕円 11">
+              <a:extLst>
+                <a:ext uri="{FF2B5EF4-FFF2-40B4-BE49-F238E27FC236}">
+                  <a16:creationId xmlns:a16="http://schemas.microsoft.com/office/drawing/2014/main" id="{A8C6B73C-A866-45F9-A67F-4FBD494D3AF3}"/>
+                </a:ext>
+              </a:extLst>
+            </p:cNvPr>
+            <p:cNvSpPr/>
+            <p:nvPr/>
+          </p:nvSpPr>
+          <p:spPr>
+            <a:xfrm>
+              <a:off x="4723201" y="5416343"/>
+              <a:ext cx="749983" cy="771787"/>
+            </a:xfrm>
+            <a:prstGeom prst="ellipse">
+              <a:avLst/>
+            </a:prstGeom>
+            <a:solidFill>
+              <a:srgbClr val="00B050"/>
+            </a:solidFill>
+          </p:spPr>
+          <p:style>
+            <a:lnRef idx="2">
+              <a:schemeClr val="accent1">
+                <a:shade val="50000"/>
+              </a:schemeClr>
+            </a:lnRef>
+            <a:fillRef idx="1">
+              <a:schemeClr val="accent1"/>
+            </a:fillRef>
+            <a:effectRef idx="0">
+              <a:schemeClr val="accent1"/>
+            </a:effectRef>
+            <a:fontRef idx="minor">
+              <a:schemeClr val="lt1"/>
+            </a:fontRef>
+          </p:style>
+          <p:txBody>
+            <a:bodyPr rtlCol="0" anchor="ctr"/>
+            <a:lstStyle/>
+            <a:p>
+              <a:pPr algn="ctr"/>
+              <a:endParaRPr kumimoji="1" lang="ja-JP" altLang="en-US"/>
+            </a:p>
+          </p:txBody>
+        </p:sp>
+        <p:sp>
+          <p:nvSpPr>
+            <p:cNvPr id="13" name="楕円 12">
+              <a:extLst>
+                <a:ext uri="{FF2B5EF4-FFF2-40B4-BE49-F238E27FC236}">
+                  <a16:creationId xmlns:a16="http://schemas.microsoft.com/office/drawing/2014/main" id="{67C384E4-4C93-4F27-B82B-9C6F7F9F25BB}"/>
+                </a:ext>
+              </a:extLst>
+            </p:cNvPr>
+            <p:cNvSpPr/>
+            <p:nvPr/>
+          </p:nvSpPr>
+          <p:spPr>
+            <a:xfrm>
+              <a:off x="7185399" y="3779535"/>
+              <a:ext cx="749983" cy="771787"/>
+            </a:xfrm>
+            <a:prstGeom prst="ellipse">
+              <a:avLst/>
+            </a:prstGeom>
+            <a:solidFill>
+              <a:srgbClr val="00B050"/>
+            </a:solidFill>
+          </p:spPr>
+          <p:style>
+            <a:lnRef idx="2">
+              <a:schemeClr val="accent1">
+                <a:shade val="50000"/>
+              </a:schemeClr>
+            </a:lnRef>
+            <a:fillRef idx="1">
+              <a:schemeClr val="accent1"/>
+            </a:fillRef>
+            <a:effectRef idx="0">
+              <a:schemeClr val="accent1"/>
+            </a:effectRef>
+            <a:fontRef idx="minor">
+              <a:schemeClr val="lt1"/>
+            </a:fontRef>
+          </p:style>
+          <p:txBody>
+            <a:bodyPr rtlCol="0" anchor="ctr"/>
+            <a:lstStyle/>
+            <a:p>
+              <a:pPr algn="ctr"/>
+              <a:endParaRPr kumimoji="1" lang="ja-JP" altLang="en-US"/>
+            </a:p>
+          </p:txBody>
+        </p:sp>
+        <p:sp>
+          <p:nvSpPr>
+            <p:cNvPr id="14" name="楕円 13">
+              <a:extLst>
+                <a:ext uri="{FF2B5EF4-FFF2-40B4-BE49-F238E27FC236}">
+                  <a16:creationId xmlns:a16="http://schemas.microsoft.com/office/drawing/2014/main" id="{3A9857F1-7393-4504-8F5C-5B4F22F82A2B}"/>
+                </a:ext>
+              </a:extLst>
+            </p:cNvPr>
+            <p:cNvSpPr/>
+            <p:nvPr/>
+          </p:nvSpPr>
+          <p:spPr>
+            <a:xfrm>
+              <a:off x="7560391" y="5507361"/>
+              <a:ext cx="749983" cy="771787"/>
+            </a:xfrm>
+            <a:prstGeom prst="ellipse">
+              <a:avLst/>
+            </a:prstGeom>
+            <a:solidFill>
+              <a:srgbClr val="00B050"/>
+            </a:solidFill>
+          </p:spPr>
+          <p:style>
+            <a:lnRef idx="2">
+              <a:schemeClr val="accent1">
+                <a:shade val="50000"/>
+              </a:schemeClr>
+            </a:lnRef>
+            <a:fillRef idx="1">
+              <a:schemeClr val="accent1"/>
+            </a:fillRef>
+            <a:effectRef idx="0">
+              <a:schemeClr val="accent1"/>
+            </a:effectRef>
+            <a:fontRef idx="minor">
+              <a:schemeClr val="lt1"/>
+            </a:fontRef>
+          </p:style>
+          <p:txBody>
+            <a:bodyPr rtlCol="0" anchor="ctr"/>
+            <a:lstStyle/>
+            <a:p>
+              <a:pPr algn="ctr"/>
+              <a:endParaRPr kumimoji="1" lang="ja-JP" altLang="en-US"/>
+            </a:p>
+          </p:txBody>
+        </p:sp>
+        <p:sp>
+          <p:nvSpPr>
+            <p:cNvPr id="15" name="楕円 14">
+              <a:extLst>
+                <a:ext uri="{FF2B5EF4-FFF2-40B4-BE49-F238E27FC236}">
+                  <a16:creationId xmlns:a16="http://schemas.microsoft.com/office/drawing/2014/main" id="{9AD0BBAE-06DF-4239-B343-0A796B96A97A}"/>
+                </a:ext>
+              </a:extLst>
+            </p:cNvPr>
+            <p:cNvSpPr/>
+            <p:nvPr/>
+          </p:nvSpPr>
+          <p:spPr>
+            <a:xfrm>
+              <a:off x="6530829" y="4643448"/>
+              <a:ext cx="749983" cy="771787"/>
+            </a:xfrm>
+            <a:prstGeom prst="ellipse">
+              <a:avLst/>
+            </a:prstGeom>
+          </p:spPr>
+          <p:style>
+            <a:lnRef idx="2">
+              <a:schemeClr val="accent1">
+                <a:shade val="50000"/>
+              </a:schemeClr>
+            </a:lnRef>
+            <a:fillRef idx="1">
+              <a:schemeClr val="accent1"/>
+            </a:fillRef>
+            <a:effectRef idx="0">
+              <a:schemeClr val="accent1"/>
+            </a:effectRef>
+            <a:fontRef idx="minor">
+              <a:schemeClr val="lt1"/>
+            </a:fontRef>
+          </p:style>
+          <p:txBody>
+            <a:bodyPr rtlCol="0" anchor="ctr"/>
+            <a:lstStyle/>
+            <a:p>
+              <a:pPr algn="ctr"/>
+              <a:r>
+                <a:rPr kumimoji="1" lang="ja-JP" altLang="en-US" dirty="0"/>
+                <a:t>Ｙ</a:t>
+              </a:r>
+            </a:p>
+          </p:txBody>
+        </p:sp>
+        <p:sp>
+          <p:nvSpPr>
+            <p:cNvPr id="16" name="楕円 15">
+              <a:extLst>
+                <a:ext uri="{FF2B5EF4-FFF2-40B4-BE49-F238E27FC236}">
+                  <a16:creationId xmlns:a16="http://schemas.microsoft.com/office/drawing/2014/main" id="{D3965068-BF33-4255-8DCA-E2448B92EF02}"/>
+                </a:ext>
+              </a:extLst>
+            </p:cNvPr>
+            <p:cNvSpPr/>
+            <p:nvPr/>
+          </p:nvSpPr>
+          <p:spPr>
+            <a:xfrm>
+              <a:off x="5901797" y="5578679"/>
+              <a:ext cx="749983" cy="771787"/>
+            </a:xfrm>
+            <a:prstGeom prst="ellipse">
+              <a:avLst/>
+            </a:prstGeom>
+            <a:solidFill>
+              <a:srgbClr val="00B050"/>
+            </a:solidFill>
+          </p:spPr>
+          <p:style>
+            <a:lnRef idx="2">
+              <a:schemeClr val="accent1">
+                <a:shade val="50000"/>
+              </a:schemeClr>
+            </a:lnRef>
+            <a:fillRef idx="1">
+              <a:schemeClr val="accent1"/>
+            </a:fillRef>
+            <a:effectRef idx="0">
+              <a:schemeClr val="accent1"/>
+            </a:effectRef>
+            <a:fontRef idx="minor">
+              <a:schemeClr val="lt1"/>
+            </a:fontRef>
+          </p:style>
+          <p:txBody>
+            <a:bodyPr rtlCol="0" anchor="ctr"/>
+            <a:lstStyle/>
+            <a:p>
+              <a:pPr algn="ctr"/>
+              <a:endParaRPr kumimoji="1" lang="ja-JP" altLang="en-US"/>
+            </a:p>
+          </p:txBody>
+        </p:sp>
+        <p:sp>
+          <p:nvSpPr>
+            <p:cNvPr id="17" name="楕円 16">
+              <a:extLst>
+                <a:ext uri="{FF2B5EF4-FFF2-40B4-BE49-F238E27FC236}">
+                  <a16:creationId xmlns:a16="http://schemas.microsoft.com/office/drawing/2014/main" id="{4451B1D5-38BB-413B-BE50-D669FDD190DE}"/>
+                </a:ext>
+              </a:extLst>
+            </p:cNvPr>
+            <p:cNvSpPr/>
+            <p:nvPr/>
+          </p:nvSpPr>
+          <p:spPr>
+            <a:xfrm>
+              <a:off x="5174043" y="4098021"/>
+              <a:ext cx="749983" cy="771787"/>
+            </a:xfrm>
+            <a:prstGeom prst="ellipse">
+              <a:avLst/>
+            </a:prstGeom>
+            <a:solidFill>
+              <a:srgbClr val="00B050"/>
+            </a:solidFill>
+          </p:spPr>
+          <p:style>
+            <a:lnRef idx="2">
+              <a:schemeClr val="accent1">
+                <a:shade val="50000"/>
+              </a:schemeClr>
+            </a:lnRef>
+            <a:fillRef idx="1">
+              <a:schemeClr val="accent1"/>
+            </a:fillRef>
+            <a:effectRef idx="0">
+              <a:schemeClr val="accent1"/>
+            </a:effectRef>
+            <a:fontRef idx="minor">
+              <a:schemeClr val="lt1"/>
+            </a:fontRef>
+          </p:style>
+          <p:txBody>
+            <a:bodyPr rtlCol="0" anchor="ctr"/>
+            <a:lstStyle/>
+            <a:p>
+              <a:pPr algn="ctr"/>
+              <a:endParaRPr kumimoji="1" lang="ja-JP" altLang="en-US"/>
+            </a:p>
+          </p:txBody>
+        </p:sp>
+      </p:grpSp>
+      <p:pic>
+        <p:nvPicPr>
+          <p:cNvPr id="6" name="図 5">
+            <a:extLst>
+              <a:ext uri="{FF2B5EF4-FFF2-40B4-BE49-F238E27FC236}">
+                <a16:creationId xmlns:a16="http://schemas.microsoft.com/office/drawing/2014/main" id="{21702F80-D58B-4443-BC34-C7C12A0B2AB4}"/>
+              </a:ext>
+            </a:extLst>
+          </p:cNvPr>
+          <p:cNvPicPr>
+            <a:picLocks noChangeAspect="1"/>
+          </p:cNvPicPr>
+          <p:nvPr/>
+        </p:nvPicPr>
+        <p:blipFill>
+          <a:blip r:embed="rId2">
+            <a:extLst>
+              <a:ext uri="{28A0092B-C50C-407E-A947-70E740481C1C}">
+                <a14:useLocalDpi xmlns:a14="http://schemas.microsoft.com/office/drawing/2010/main" val="0"/>
+              </a:ext>
+            </a:extLst>
+          </a:blip>
+          <a:stretch>
+            <a:fillRect/>
+          </a:stretch>
+        </p:blipFill>
+        <p:spPr>
+          <a:xfrm>
+            <a:off x="4169623" y="2224499"/>
+            <a:ext cx="3971069" cy="1388789"/>
+          </a:xfrm>
+          <a:prstGeom prst="rect">
+            <a:avLst/>
+          </a:prstGeom>
+        </p:spPr>
+      </p:pic>
+      <p:sp>
+        <p:nvSpPr>
+          <p:cNvPr id="27" name="正方形/長方形 26">
+            <a:extLst>
+              <a:ext uri="{FF2B5EF4-FFF2-40B4-BE49-F238E27FC236}">
+                <a16:creationId xmlns:a16="http://schemas.microsoft.com/office/drawing/2014/main" id="{2D8428BE-BF59-4C82-A803-7370EB1FA8BE}"/>
+              </a:ext>
+            </a:extLst>
+          </p:cNvPr>
+          <p:cNvSpPr/>
+          <p:nvPr/>
+        </p:nvSpPr>
+        <p:spPr>
+          <a:xfrm>
+            <a:off x="5511961" y="2986120"/>
+            <a:ext cx="2275561" cy="555281"/>
+          </a:xfrm>
+          <a:prstGeom prst="rect">
+            <a:avLst/>
+          </a:prstGeom>
+          <a:noFill/>
+          <a:ln w="28575">
+            <a:solidFill>
+              <a:srgbClr val="00B050"/>
+            </a:solidFill>
+          </a:ln>
+        </p:spPr>
+        <p:style>
+          <a:lnRef idx="2">
+            <a:schemeClr val="accent1">
+              <a:shade val="50000"/>
+            </a:schemeClr>
+          </a:lnRef>
+          <a:fillRef idx="1">
+            <a:schemeClr val="accent1"/>
+          </a:fillRef>
+          <a:effectRef idx="0">
+            <a:schemeClr val="accent1"/>
+          </a:effectRef>
+          <a:fontRef idx="minor">
+            <a:schemeClr val="lt1"/>
+          </a:fontRef>
+        </p:style>
+        <p:txBody>
+          <a:bodyPr rtlCol="0" anchor="ctr"/>
+          <a:lstStyle/>
+          <a:p>
+            <a:pPr algn="ctr"/>
+            <a:endParaRPr kumimoji="1" lang="ja-JP" altLang="en-US"/>
+          </a:p>
+        </p:txBody>
+      </p:sp>
+      <p:sp>
+        <p:nvSpPr>
+          <p:cNvPr id="29" name="コンテンツ プレースホルダー 2">
+            <a:extLst>
+              <a:ext uri="{FF2B5EF4-FFF2-40B4-BE49-F238E27FC236}">
+                <a16:creationId xmlns:a16="http://schemas.microsoft.com/office/drawing/2014/main" id="{D7B1FCA0-7419-47E7-9212-37DF31A8557E}"/>
+              </a:ext>
+            </a:extLst>
+          </p:cNvPr>
+          <p:cNvSpPr txBox="1">
+            <a:spLocks/>
+          </p:cNvSpPr>
+          <p:nvPr/>
+        </p:nvSpPr>
+        <p:spPr>
+          <a:xfrm>
+            <a:off x="838200" y="1825625"/>
+            <a:ext cx="10515600" cy="1580305"/>
+          </a:xfrm>
+          <a:prstGeom prst="rect">
+            <a:avLst/>
+          </a:prstGeom>
+        </p:spPr>
+        <p:txBody>
+          <a:bodyPr vert="horz" lIns="91440" tIns="45720" rIns="91440" bIns="45720" rtlCol="0">
+            <a:normAutofit/>
+          </a:bodyPr>
+          <a:lstStyle>
+            <a:lvl1pPr marL="228600" indent="-228600" algn="l" defTabSz="914400" rtl="0" eaLnBrk="1" latinLnBrk="0" hangingPunct="1">
+              <a:lnSpc>
+                <a:spcPct val="90000"/>
+              </a:lnSpc>
+              <a:spcBef>
+                <a:spcPts val="1000"/>
+              </a:spcBef>
+              <a:buFont typeface="Arial" panose="020B0604020202020204" pitchFamily="34" charset="0"/>
+              <a:buChar char="•"/>
+              <a:defRPr kumimoji="1" sz="2800" kern="1200">
+                <a:solidFill>
+                  <a:schemeClr val="tx1"/>
+                </a:solidFill>
+                <a:latin typeface="+mn-lt"/>
+                <a:ea typeface="+mn-ea"/>
+                <a:cs typeface="+mn-cs"/>
+              </a:defRPr>
+            </a:lvl1pPr>
+            <a:lvl2pPr marL="685800" indent="-228600" algn="l" defTabSz="914400" rtl="0" eaLnBrk="1" latinLnBrk="0" hangingPunct="1">
+              <a:lnSpc>
+                <a:spcPct val="90000"/>
+              </a:lnSpc>
+              <a:spcBef>
+                <a:spcPts val="500"/>
+              </a:spcBef>
+              <a:buFont typeface="Arial" panose="020B0604020202020204" pitchFamily="34" charset="0"/>
+              <a:buChar char="•"/>
+              <a:defRPr kumimoji="1" sz="2400" kern="1200">
+                <a:solidFill>
+                  <a:schemeClr val="tx1"/>
+                </a:solidFill>
+                <a:latin typeface="+mn-lt"/>
+                <a:ea typeface="+mn-ea"/>
+                <a:cs typeface="+mn-cs"/>
+              </a:defRPr>
+            </a:lvl2pPr>
+            <a:lvl3pPr marL="1143000" indent="-228600" algn="l" defTabSz="914400" rtl="0" eaLnBrk="1" latinLnBrk="0" hangingPunct="1">
+              <a:lnSpc>
+                <a:spcPct val="90000"/>
+              </a:lnSpc>
+              <a:spcBef>
+                <a:spcPts val="500"/>
+              </a:spcBef>
+              <a:buFont typeface="Arial" panose="020B0604020202020204" pitchFamily="34" charset="0"/>
+              <a:buChar char="•"/>
+              <a:defRPr kumimoji="1" sz="2000" kern="1200">
+                <a:solidFill>
+                  <a:schemeClr val="tx1"/>
+                </a:solidFill>
+                <a:latin typeface="+mn-lt"/>
+                <a:ea typeface="+mn-ea"/>
+                <a:cs typeface="+mn-cs"/>
+              </a:defRPr>
+            </a:lvl3pPr>
+            <a:lvl4pPr marL="1600200" indent="-228600" algn="l" defTabSz="914400" rtl="0" eaLnBrk="1" latinLnBrk="0" hangingPunct="1">
+              <a:lnSpc>
+                <a:spcPct val="90000"/>
+              </a:lnSpc>
+              <a:spcBef>
+                <a:spcPts val="500"/>
+              </a:spcBef>
+              <a:buFont typeface="Arial" panose="020B0604020202020204" pitchFamily="34" charset="0"/>
+              <a:buChar char="•"/>
+              <a:defRPr kumimoji="1" sz="1800" kern="1200">
+                <a:solidFill>
+                  <a:schemeClr val="tx1"/>
+                </a:solidFill>
+                <a:latin typeface="+mn-lt"/>
+                <a:ea typeface="+mn-ea"/>
+                <a:cs typeface="+mn-cs"/>
+              </a:defRPr>
+            </a:lvl4pPr>
+            <a:lvl5pPr marL="2057400" indent="-228600" algn="l" defTabSz="914400" rtl="0" eaLnBrk="1" latinLnBrk="0" hangingPunct="1">
+              <a:lnSpc>
+                <a:spcPct val="90000"/>
+              </a:lnSpc>
+              <a:spcBef>
+                <a:spcPts val="500"/>
+              </a:spcBef>
+              <a:buFont typeface="Arial" panose="020B0604020202020204" pitchFamily="34" charset="0"/>
+              <a:buChar char="•"/>
+              <a:defRPr kumimoji="1" sz="1800" kern="1200">
+                <a:solidFill>
+                  <a:schemeClr val="tx1"/>
+                </a:solidFill>
+                <a:latin typeface="+mn-lt"/>
+                <a:ea typeface="+mn-ea"/>
+                <a:cs typeface="+mn-cs"/>
+              </a:defRPr>
+            </a:lvl5pPr>
+            <a:lvl6pPr marL="2514600" indent="-228600" algn="l" defTabSz="914400" rtl="0" eaLnBrk="1" latinLnBrk="0" hangingPunct="1">
+              <a:lnSpc>
+                <a:spcPct val="90000"/>
+              </a:lnSpc>
+              <a:spcBef>
+                <a:spcPts val="500"/>
+              </a:spcBef>
+              <a:buFont typeface="Arial" panose="020B0604020202020204" pitchFamily="34" charset="0"/>
+              <a:buChar char="•"/>
+              <a:defRPr kumimoji="1" sz="1800" kern="1200">
+                <a:solidFill>
+                  <a:schemeClr val="tx1"/>
+                </a:solidFill>
+                <a:latin typeface="+mn-lt"/>
+                <a:ea typeface="+mn-ea"/>
+                <a:cs typeface="+mn-cs"/>
+              </a:defRPr>
+            </a:lvl6pPr>
+            <a:lvl7pPr marL="2971800" indent="-228600" algn="l" defTabSz="914400" rtl="0" eaLnBrk="1" latinLnBrk="0" hangingPunct="1">
+              <a:lnSpc>
+                <a:spcPct val="90000"/>
+              </a:lnSpc>
+              <a:spcBef>
+                <a:spcPts val="500"/>
+              </a:spcBef>
+              <a:buFont typeface="Arial" panose="020B0604020202020204" pitchFamily="34" charset="0"/>
+              <a:buChar char="•"/>
+              <a:defRPr kumimoji="1" sz="1800" kern="1200">
+                <a:solidFill>
+                  <a:schemeClr val="tx1"/>
+                </a:solidFill>
+                <a:latin typeface="+mn-lt"/>
+                <a:ea typeface="+mn-ea"/>
+                <a:cs typeface="+mn-cs"/>
+              </a:defRPr>
+            </a:lvl7pPr>
+            <a:lvl8pPr marL="3429000" indent="-228600" algn="l" defTabSz="914400" rtl="0" eaLnBrk="1" latinLnBrk="0" hangingPunct="1">
+              <a:lnSpc>
+                <a:spcPct val="90000"/>
+              </a:lnSpc>
+              <a:spcBef>
+                <a:spcPts val="500"/>
+              </a:spcBef>
+              <a:buFont typeface="Arial" panose="020B0604020202020204" pitchFamily="34" charset="0"/>
+              <a:buChar char="•"/>
+              <a:defRPr kumimoji="1" sz="1800" kern="1200">
+                <a:solidFill>
+                  <a:schemeClr val="tx1"/>
+                </a:solidFill>
+                <a:latin typeface="+mn-lt"/>
+                <a:ea typeface="+mn-ea"/>
+                <a:cs typeface="+mn-cs"/>
+              </a:defRPr>
+            </a:lvl8pPr>
+            <a:lvl9pPr marL="3886200" indent="-228600" algn="l" defTabSz="914400" rtl="0" eaLnBrk="1" latinLnBrk="0" hangingPunct="1">
+              <a:lnSpc>
+                <a:spcPct val="90000"/>
+              </a:lnSpc>
+              <a:spcBef>
+                <a:spcPts val="500"/>
+              </a:spcBef>
+              <a:buFont typeface="Arial" panose="020B0604020202020204" pitchFamily="34" charset="0"/>
+              <a:buChar char="•"/>
+              <a:defRPr kumimoji="1" sz="1800" kern="1200">
+                <a:solidFill>
+                  <a:schemeClr val="tx1"/>
+                </a:solidFill>
+                <a:latin typeface="+mn-lt"/>
+                <a:ea typeface="+mn-ea"/>
+                <a:cs typeface="+mn-cs"/>
+              </a:defRPr>
+            </a:lvl9pPr>
+          </a:lstStyle>
+          <a:p>
+            <a:r>
+              <a:rPr lang="en-US" altLang="ja-JP">
+                <a:latin typeface="Arial" panose="020B0604020202020204" pitchFamily="34" charset="0"/>
+                <a:cs typeface="Arial" panose="020B0604020202020204" pitchFamily="34" charset="0"/>
+              </a:rPr>
+              <a:t>Jaccard’s coefficient </a:t>
+            </a:r>
+            <a:r>
+              <a:rPr lang="en-US" altLang="ja-JP"/>
+              <a:t>(</a:t>
+            </a:r>
+            <a:r>
+              <a:rPr lang="en-US" altLang="ja-JP">
+                <a:latin typeface="Arial" panose="020B0604020202020204" pitchFamily="34" charset="0"/>
+                <a:cs typeface="Arial" panose="020B0604020202020204" pitchFamily="34" charset="0"/>
+              </a:rPr>
+              <a:t>JC</a:t>
+            </a:r>
+            <a:r>
+              <a:rPr lang="en-US" altLang="ja-JP"/>
+              <a:t>)</a:t>
+            </a:r>
+            <a:r>
+              <a:rPr lang="ja-JP" altLang="en-US"/>
+              <a:t> </a:t>
+            </a:r>
+            <a:r>
+              <a:rPr lang="en-US" altLang="ja-JP"/>
+              <a:t>:</a:t>
+            </a:r>
+            <a:r>
+              <a:rPr lang="ja-JP" altLang="en-US"/>
+              <a:t> </a:t>
+            </a:r>
+            <a:r>
+              <a:rPr lang="en-US" altLang="ja-JP">
+                <a:latin typeface="Arial" panose="020B0604020202020204" pitchFamily="34" charset="0"/>
+                <a:cs typeface="Arial" panose="020B0604020202020204" pitchFamily="34" charset="0"/>
+              </a:rPr>
+              <a:t>CN</a:t>
+            </a:r>
+            <a:r>
+              <a:rPr lang="ja-JP" altLang="en-US"/>
+              <a:t>を正規化した</a:t>
+            </a:r>
+            <a:endParaRPr lang="en-US" altLang="ja-JP"/>
+          </a:p>
+          <a:p>
+            <a:endParaRPr lang="en-US" altLang="ja-JP"/>
+          </a:p>
+          <a:p>
+            <a:endParaRPr lang="en-US" altLang="ja-JP" dirty="0"/>
+          </a:p>
+        </p:txBody>
+      </p:sp>
+      <p:pic>
+        <p:nvPicPr>
+          <p:cNvPr id="4098" name="Picture 2" descr="\textcolor[rgb]{1,0,0}{S_{x,y}^{JC} = 2 / 6 \fallingdotseq 0.34}">
+            <a:extLst>
+              <a:ext uri="{FF2B5EF4-FFF2-40B4-BE49-F238E27FC236}">
+                <a16:creationId xmlns:a16="http://schemas.microsoft.com/office/drawing/2014/main" id="{BE9D4314-BFEE-4DDB-8DB1-C9DC731D4E80}"/>
+              </a:ext>
+            </a:extLst>
+          </p:cNvPr>
+          <p:cNvPicPr>
+            <a:picLocks noChangeAspect="1" noChangeArrowheads="1"/>
+          </p:cNvPicPr>
+          <p:nvPr/>
+        </p:nvPicPr>
+        <p:blipFill>
+          <a:blip r:embed="rId3">
+            <a:extLst>
+              <a:ext uri="{28A0092B-C50C-407E-A947-70E740481C1C}">
+                <a14:useLocalDpi xmlns:a14="http://schemas.microsoft.com/office/drawing/2010/main" val="0"/>
+              </a:ext>
+            </a:extLst>
+          </a:blip>
+          <a:srcRect/>
+          <a:stretch>
+            <a:fillRect/>
+          </a:stretch>
+        </p:blipFill>
+        <p:spPr bwMode="auto">
+          <a:xfrm>
+            <a:off x="8835297" y="4769784"/>
+            <a:ext cx="3019425" cy="504825"/>
+          </a:xfrm>
+          <a:prstGeom prst="rect">
+            <a:avLst/>
+          </a:prstGeom>
+          <a:noFill/>
+          <a:extLst>
+            <a:ext uri="{909E8E84-426E-40DD-AFC4-6F175D3DCCD1}">
+              <a14:hiddenFill xmlns:a14="http://schemas.microsoft.com/office/drawing/2010/main">
+                <a:solidFill>
+                  <a:srgbClr val="FFFFFF"/>
+                </a:solidFill>
+              </a14:hiddenFill>
+            </a:ext>
+          </a:extLst>
+        </p:spPr>
+      </p:pic>
+    </p:spTree>
+    <p:extLst>
+      <p:ext uri="{BB962C8B-B14F-4D97-AF65-F5344CB8AC3E}">
+        <p14:creationId xmlns:p14="http://schemas.microsoft.com/office/powerpoint/2010/main" val="1867763134"/>
+      </p:ext>
+    </p:extLst>
+  </p:cSld>
+  <p:clrMapOvr>
+    <a:masterClrMapping/>
+  </p:clrMapOvr>
+</p:sld>
+</file>
+
+<file path=ppt/slides/slide32.xml><?xml version="1.0" encoding="utf-8"?>
+<p:sld xmlns:a="http://schemas.openxmlformats.org/drawingml/2006/main" xmlns:r="http://schemas.openxmlformats.org/officeDocument/2006/relationships" xmlns:p="http://schemas.openxmlformats.org/presentationml/2006/main">
+  <p:cSld>
+    <p:spTree>
+      <p:nvGrpSpPr>
+        <p:cNvPr id="1" name=""/>
+        <p:cNvGrpSpPr/>
+        <p:nvPr/>
+      </p:nvGrpSpPr>
+      <p:grpSpPr>
+        <a:xfrm>
+          <a:off x="0" y="0"/>
+          <a:ext cx="0" cy="0"/>
+          <a:chOff x="0" y="0"/>
+          <a:chExt cx="0" cy="0"/>
+        </a:xfrm>
+      </p:grpSpPr>
+      <p:cxnSp>
+        <p:nvCxnSpPr>
+          <p:cNvPr id="36" name="直線コネクタ 35">
+            <a:extLst>
+              <a:ext uri="{FF2B5EF4-FFF2-40B4-BE49-F238E27FC236}">
+                <a16:creationId xmlns:a16="http://schemas.microsoft.com/office/drawing/2014/main" id="{2AAB5AFA-2BA3-4653-804D-90063ADFF75C}"/>
+              </a:ext>
+            </a:extLst>
+          </p:cNvPr>
+          <p:cNvCxnSpPr>
+            <a:cxnSpLocks/>
+          </p:cNvCxnSpPr>
+          <p:nvPr/>
+        </p:nvCxnSpPr>
+        <p:spPr>
+          <a:xfrm flipH="1">
+            <a:off x="6514010" y="5876801"/>
+            <a:ext cx="2026675" cy="0"/>
+          </a:xfrm>
+          <a:prstGeom prst="line">
+            <a:avLst/>
+          </a:prstGeom>
+          <a:ln w="28575">
+            <a:solidFill>
+              <a:srgbClr val="FF0000"/>
+            </a:solidFill>
+          </a:ln>
+        </p:spPr>
+        <p:style>
+          <a:lnRef idx="1">
+            <a:schemeClr val="accent1"/>
+          </a:lnRef>
+          <a:fillRef idx="0">
+            <a:schemeClr val="accent1"/>
+          </a:fillRef>
+          <a:effectRef idx="0">
+            <a:schemeClr val="accent1"/>
+          </a:effectRef>
+          <a:fontRef idx="minor">
+            <a:schemeClr val="tx1"/>
+          </a:fontRef>
+        </p:style>
+      </p:cxnSp>
+      <p:cxnSp>
+        <p:nvCxnSpPr>
+          <p:cNvPr id="35" name="直線コネクタ 34">
+            <a:extLst>
+              <a:ext uri="{FF2B5EF4-FFF2-40B4-BE49-F238E27FC236}">
+                <a16:creationId xmlns:a16="http://schemas.microsoft.com/office/drawing/2014/main" id="{2FAD5A1A-2067-44FA-B2D6-67E6A04FB17B}"/>
+              </a:ext>
+            </a:extLst>
+          </p:cNvPr>
+          <p:cNvCxnSpPr>
+            <a:cxnSpLocks/>
+          </p:cNvCxnSpPr>
+          <p:nvPr/>
+        </p:nvCxnSpPr>
+        <p:spPr>
+          <a:xfrm flipH="1" flipV="1">
+            <a:off x="5680753" y="5768527"/>
+            <a:ext cx="1255146" cy="56229"/>
+          </a:xfrm>
+          <a:prstGeom prst="line">
+            <a:avLst/>
+          </a:prstGeom>
+          <a:ln w="28575">
+            <a:solidFill>
+              <a:srgbClr val="FF0000"/>
+            </a:solidFill>
+          </a:ln>
+        </p:spPr>
+        <p:style>
+          <a:lnRef idx="1">
+            <a:schemeClr val="accent1"/>
+          </a:lnRef>
+          <a:fillRef idx="0">
+            <a:schemeClr val="accent1"/>
+          </a:fillRef>
+          <a:effectRef idx="0">
+            <a:schemeClr val="accent1"/>
+          </a:effectRef>
+          <a:fontRef idx="minor">
+            <a:schemeClr val="tx1"/>
+          </a:fontRef>
+        </p:style>
+      </p:cxnSp>
+      <p:sp>
+        <p:nvSpPr>
+          <p:cNvPr id="2" name="タイトル 1">
+            <a:extLst>
+              <a:ext uri="{FF2B5EF4-FFF2-40B4-BE49-F238E27FC236}">
+                <a16:creationId xmlns:a16="http://schemas.microsoft.com/office/drawing/2014/main" id="{274334FC-3C80-499F-BA46-FAD3DF5D4694}"/>
+              </a:ext>
+            </a:extLst>
+          </p:cNvPr>
+          <p:cNvSpPr>
+            <a:spLocks noGrp="1"/>
+          </p:cNvSpPr>
+          <p:nvPr>
+            <p:ph type="title"/>
+          </p:nvPr>
+        </p:nvSpPr>
+        <p:spPr/>
+        <p:txBody>
+          <a:bodyPr/>
+          <a:lstStyle/>
+          <a:p>
+            <a:r>
+              <a:rPr kumimoji="1" lang="en-US" altLang="ja-JP" dirty="0">
+                <a:latin typeface="Arial" panose="020B0604020202020204" pitchFamily="34" charset="0"/>
+                <a:cs typeface="Arial" panose="020B0604020202020204" pitchFamily="34" charset="0"/>
+              </a:rPr>
+              <a:t>Topological features</a:t>
+            </a:r>
+            <a:endParaRPr kumimoji="1" lang="ja-JP" altLang="en-US" dirty="0">
+              <a:latin typeface="Arial" panose="020B0604020202020204" pitchFamily="34" charset="0"/>
+              <a:cs typeface="Arial" panose="020B0604020202020204" pitchFamily="34" charset="0"/>
+            </a:endParaRPr>
+          </a:p>
+        </p:txBody>
+      </p:sp>
       <p:sp>
         <p:nvSpPr>
           <p:cNvPr id="3" name="コンテンツ プレースホルダー 2">
@@ -15540,6 +17316,1109 @@
       </p:pic>
       <p:sp>
         <p:nvSpPr>
+          <p:cNvPr id="9" name="正方形/長方形 8"/>
+          <p:cNvSpPr/>
+          <p:nvPr/>
+        </p:nvSpPr>
+        <p:spPr>
+          <a:xfrm>
+            <a:off x="4175352" y="2375302"/>
+            <a:ext cx="3733227" cy="921730"/>
+          </a:xfrm>
+          <a:prstGeom prst="rect">
+            <a:avLst/>
+          </a:prstGeom>
+          <a:noFill/>
+          <a:ln w="28575">
+            <a:solidFill>
+              <a:schemeClr val="tx1"/>
+            </a:solidFill>
+          </a:ln>
+        </p:spPr>
+        <p:style>
+          <a:lnRef idx="2">
+            <a:schemeClr val="accent1">
+              <a:shade val="50000"/>
+            </a:schemeClr>
+          </a:lnRef>
+          <a:fillRef idx="1">
+            <a:schemeClr val="accent1"/>
+          </a:fillRef>
+          <a:effectRef idx="0">
+            <a:schemeClr val="accent1"/>
+          </a:effectRef>
+          <a:fontRef idx="minor">
+            <a:schemeClr val="lt1"/>
+          </a:fontRef>
+        </p:style>
+        <p:txBody>
+          <a:bodyPr rtlCol="0" anchor="ctr"/>
+          <a:lstStyle/>
+          <a:p>
+            <a:pPr algn="ctr"/>
+            <a:endParaRPr kumimoji="1" lang="ja-JP" altLang="en-US"/>
+          </a:p>
+        </p:txBody>
+      </p:sp>
+      <p:cxnSp>
+        <p:nvCxnSpPr>
+          <p:cNvPr id="13" name="直線コネクタ 12">
+            <a:extLst>
+              <a:ext uri="{FF2B5EF4-FFF2-40B4-BE49-F238E27FC236}">
+                <a16:creationId xmlns:a16="http://schemas.microsoft.com/office/drawing/2014/main" id="{3F6EE573-4DD8-44AB-B66C-BA53A39D5D62}"/>
+              </a:ext>
+            </a:extLst>
+          </p:cNvPr>
+          <p:cNvCxnSpPr>
+            <a:stCxn id="26" idx="5"/>
+          </p:cNvCxnSpPr>
+          <p:nvPr/>
+        </p:nvCxnSpPr>
+        <p:spPr>
+          <a:xfrm>
+            <a:off x="3615758" y="4752871"/>
+            <a:ext cx="942086" cy="1081660"/>
+          </a:xfrm>
+          <a:prstGeom prst="line">
+            <a:avLst/>
+          </a:prstGeom>
+          <a:ln w="28575">
+            <a:solidFill>
+              <a:srgbClr val="FF0000"/>
+            </a:solidFill>
+          </a:ln>
+        </p:spPr>
+        <p:style>
+          <a:lnRef idx="1">
+            <a:schemeClr val="accent1"/>
+          </a:lnRef>
+          <a:fillRef idx="0">
+            <a:schemeClr val="accent1"/>
+          </a:fillRef>
+          <a:effectRef idx="0">
+            <a:schemeClr val="accent1"/>
+          </a:effectRef>
+          <a:fontRef idx="minor">
+            <a:schemeClr val="tx1"/>
+          </a:fontRef>
+        </p:style>
+      </p:cxnSp>
+      <p:cxnSp>
+        <p:nvCxnSpPr>
+          <p:cNvPr id="14" name="直線コネクタ 13">
+            <a:extLst>
+              <a:ext uri="{FF2B5EF4-FFF2-40B4-BE49-F238E27FC236}">
+                <a16:creationId xmlns:a16="http://schemas.microsoft.com/office/drawing/2014/main" id="{60CEFDD8-53D1-4EBB-A8FC-DCAFC3FDB611}"/>
+              </a:ext>
+            </a:extLst>
+          </p:cNvPr>
+          <p:cNvCxnSpPr>
+            <a:cxnSpLocks/>
+          </p:cNvCxnSpPr>
+          <p:nvPr/>
+        </p:nvCxnSpPr>
+        <p:spPr>
+          <a:xfrm>
+            <a:off x="3436292" y="4400178"/>
+            <a:ext cx="1120682" cy="184547"/>
+          </a:xfrm>
+          <a:prstGeom prst="line">
+            <a:avLst/>
+          </a:prstGeom>
+          <a:ln w="28575">
+            <a:solidFill>
+              <a:srgbClr val="FF0000"/>
+            </a:solidFill>
+          </a:ln>
+        </p:spPr>
+        <p:style>
+          <a:lnRef idx="1">
+            <a:schemeClr val="accent1"/>
+          </a:lnRef>
+          <a:fillRef idx="0">
+            <a:schemeClr val="accent1"/>
+          </a:fillRef>
+          <a:effectRef idx="0">
+            <a:schemeClr val="accent1"/>
+          </a:effectRef>
+          <a:fontRef idx="minor">
+            <a:schemeClr val="tx1"/>
+          </a:fontRef>
+        </p:style>
+      </p:cxnSp>
+      <p:cxnSp>
+        <p:nvCxnSpPr>
+          <p:cNvPr id="15" name="直線コネクタ 14">
+            <a:extLst>
+              <a:ext uri="{FF2B5EF4-FFF2-40B4-BE49-F238E27FC236}">
+                <a16:creationId xmlns:a16="http://schemas.microsoft.com/office/drawing/2014/main" id="{074B285A-BCF4-4DBF-9DD1-F21962AE27AE}"/>
+              </a:ext>
+            </a:extLst>
+          </p:cNvPr>
+          <p:cNvCxnSpPr>
+            <a:cxnSpLocks/>
+          </p:cNvCxnSpPr>
+          <p:nvPr/>
+        </p:nvCxnSpPr>
+        <p:spPr>
+          <a:xfrm flipH="1">
+            <a:off x="4834055" y="4517464"/>
+            <a:ext cx="1089651" cy="67261"/>
+          </a:xfrm>
+          <a:prstGeom prst="line">
+            <a:avLst/>
+          </a:prstGeom>
+          <a:ln w="28575">
+            <a:solidFill>
+              <a:srgbClr val="FF0000"/>
+            </a:solidFill>
+          </a:ln>
+        </p:spPr>
+        <p:style>
+          <a:lnRef idx="1">
+            <a:schemeClr val="accent1"/>
+          </a:lnRef>
+          <a:fillRef idx="0">
+            <a:schemeClr val="accent1"/>
+          </a:fillRef>
+          <a:effectRef idx="0">
+            <a:schemeClr val="accent1"/>
+          </a:effectRef>
+          <a:fontRef idx="minor">
+            <a:schemeClr val="tx1"/>
+          </a:fontRef>
+        </p:style>
+      </p:cxnSp>
+      <p:cxnSp>
+        <p:nvCxnSpPr>
+          <p:cNvPr id="16" name="直線コネクタ 15">
+            <a:extLst>
+              <a:ext uri="{FF2B5EF4-FFF2-40B4-BE49-F238E27FC236}">
+                <a16:creationId xmlns:a16="http://schemas.microsoft.com/office/drawing/2014/main" id="{F855E174-156E-40A6-ABE1-E7AA6901DDFD}"/>
+              </a:ext>
+            </a:extLst>
+          </p:cNvPr>
+          <p:cNvCxnSpPr>
+            <a:cxnSpLocks/>
+          </p:cNvCxnSpPr>
+          <p:nvPr/>
+        </p:nvCxnSpPr>
+        <p:spPr>
+          <a:xfrm flipH="1" flipV="1">
+            <a:off x="4986457" y="4737126"/>
+            <a:ext cx="525504" cy="879000"/>
+          </a:xfrm>
+          <a:prstGeom prst="line">
+            <a:avLst/>
+          </a:prstGeom>
+          <a:ln w="28575">
+            <a:solidFill>
+              <a:srgbClr val="FF0000"/>
+            </a:solidFill>
+          </a:ln>
+        </p:spPr>
+        <p:style>
+          <a:lnRef idx="1">
+            <a:schemeClr val="accent1"/>
+          </a:lnRef>
+          <a:fillRef idx="0">
+            <a:schemeClr val="accent1"/>
+          </a:fillRef>
+          <a:effectRef idx="0">
+            <a:schemeClr val="accent1"/>
+          </a:effectRef>
+          <a:fontRef idx="minor">
+            <a:schemeClr val="tx1"/>
+          </a:fontRef>
+        </p:style>
+      </p:cxnSp>
+      <p:cxnSp>
+        <p:nvCxnSpPr>
+          <p:cNvPr id="17" name="直線コネクタ 16">
+            <a:extLst>
+              <a:ext uri="{FF2B5EF4-FFF2-40B4-BE49-F238E27FC236}">
+                <a16:creationId xmlns:a16="http://schemas.microsoft.com/office/drawing/2014/main" id="{870D05B3-9C86-4273-A065-808F3122CE5E}"/>
+              </a:ext>
+            </a:extLst>
+          </p:cNvPr>
+          <p:cNvCxnSpPr>
+            <a:cxnSpLocks/>
+          </p:cNvCxnSpPr>
+          <p:nvPr/>
+        </p:nvCxnSpPr>
+        <p:spPr>
+          <a:xfrm flipH="1" flipV="1">
+            <a:off x="4986457" y="4737126"/>
+            <a:ext cx="1797041" cy="935230"/>
+          </a:xfrm>
+          <a:prstGeom prst="line">
+            <a:avLst/>
+          </a:prstGeom>
+          <a:ln w="28575">
+            <a:solidFill>
+              <a:srgbClr val="FF0000"/>
+            </a:solidFill>
+          </a:ln>
+        </p:spPr>
+        <p:style>
+          <a:lnRef idx="1">
+            <a:schemeClr val="accent1"/>
+          </a:lnRef>
+          <a:fillRef idx="0">
+            <a:schemeClr val="accent1"/>
+          </a:fillRef>
+          <a:effectRef idx="0">
+            <a:schemeClr val="accent1"/>
+          </a:effectRef>
+          <a:fontRef idx="minor">
+            <a:schemeClr val="tx1"/>
+          </a:fontRef>
+        </p:style>
+      </p:cxnSp>
+      <p:cxnSp>
+        <p:nvCxnSpPr>
+          <p:cNvPr id="18" name="直線コネクタ 17">
+            <a:extLst>
+              <a:ext uri="{FF2B5EF4-FFF2-40B4-BE49-F238E27FC236}">
+                <a16:creationId xmlns:a16="http://schemas.microsoft.com/office/drawing/2014/main" id="{EF2EDC25-9782-4D4B-AAA1-50FDB273E08A}"/>
+              </a:ext>
+            </a:extLst>
+          </p:cNvPr>
+          <p:cNvCxnSpPr>
+            <a:cxnSpLocks/>
+          </p:cNvCxnSpPr>
+          <p:nvPr/>
+        </p:nvCxnSpPr>
+        <p:spPr>
+          <a:xfrm flipH="1" flipV="1">
+            <a:off x="7390302" y="4988504"/>
+            <a:ext cx="1024950" cy="780023"/>
+          </a:xfrm>
+          <a:prstGeom prst="line">
+            <a:avLst/>
+          </a:prstGeom>
+          <a:ln w="28575">
+            <a:solidFill>
+              <a:srgbClr val="FF0000"/>
+            </a:solidFill>
+          </a:ln>
+        </p:spPr>
+        <p:style>
+          <a:lnRef idx="1">
+            <a:schemeClr val="accent1"/>
+          </a:lnRef>
+          <a:fillRef idx="0">
+            <a:schemeClr val="accent1"/>
+          </a:fillRef>
+          <a:effectRef idx="0">
+            <a:schemeClr val="accent1"/>
+          </a:effectRef>
+          <a:fontRef idx="minor">
+            <a:schemeClr val="tx1"/>
+          </a:fontRef>
+        </p:style>
+      </p:cxnSp>
+      <p:cxnSp>
+        <p:nvCxnSpPr>
+          <p:cNvPr id="19" name="直線コネクタ 18">
+            <a:extLst>
+              <a:ext uri="{FF2B5EF4-FFF2-40B4-BE49-F238E27FC236}">
+                <a16:creationId xmlns:a16="http://schemas.microsoft.com/office/drawing/2014/main" id="{DF4EC08E-3806-49CD-BE8C-E9309481C3BB}"/>
+              </a:ext>
+            </a:extLst>
+          </p:cNvPr>
+          <p:cNvCxnSpPr>
+            <a:cxnSpLocks/>
+          </p:cNvCxnSpPr>
+          <p:nvPr/>
+        </p:nvCxnSpPr>
+        <p:spPr>
+          <a:xfrm flipH="1">
+            <a:off x="6970257" y="4752871"/>
+            <a:ext cx="478901" cy="1182342"/>
+          </a:xfrm>
+          <a:prstGeom prst="line">
+            <a:avLst/>
+          </a:prstGeom>
+          <a:ln w="28575">
+            <a:solidFill>
+              <a:srgbClr val="FF0000"/>
+            </a:solidFill>
+          </a:ln>
+        </p:spPr>
+        <p:style>
+          <a:lnRef idx="1">
+            <a:schemeClr val="accent1"/>
+          </a:lnRef>
+          <a:fillRef idx="0">
+            <a:schemeClr val="accent1"/>
+          </a:fillRef>
+          <a:effectRef idx="0">
+            <a:schemeClr val="accent1"/>
+          </a:effectRef>
+          <a:fontRef idx="minor">
+            <a:schemeClr val="tx1"/>
+          </a:fontRef>
+        </p:style>
+      </p:cxnSp>
+      <p:cxnSp>
+        <p:nvCxnSpPr>
+          <p:cNvPr id="20" name="直線コネクタ 19">
+            <a:extLst>
+              <a:ext uri="{FF2B5EF4-FFF2-40B4-BE49-F238E27FC236}">
+                <a16:creationId xmlns:a16="http://schemas.microsoft.com/office/drawing/2014/main" id="{D4031A32-791C-4616-9D8B-FB02F73A0498}"/>
+              </a:ext>
+            </a:extLst>
+          </p:cNvPr>
+          <p:cNvCxnSpPr>
+            <a:cxnSpLocks/>
+          </p:cNvCxnSpPr>
+          <p:nvPr/>
+        </p:nvCxnSpPr>
+        <p:spPr>
+          <a:xfrm flipH="1">
+            <a:off x="7390302" y="4094110"/>
+            <a:ext cx="598596" cy="945024"/>
+          </a:xfrm>
+          <a:prstGeom prst="line">
+            <a:avLst/>
+          </a:prstGeom>
+          <a:ln w="28575">
+            <a:solidFill>
+              <a:srgbClr val="FF0000"/>
+            </a:solidFill>
+          </a:ln>
+        </p:spPr>
+        <p:style>
+          <a:lnRef idx="1">
+            <a:schemeClr val="accent1"/>
+          </a:lnRef>
+          <a:fillRef idx="0">
+            <a:schemeClr val="accent1"/>
+          </a:fillRef>
+          <a:effectRef idx="0">
+            <a:schemeClr val="accent1"/>
+          </a:effectRef>
+          <a:fontRef idx="minor">
+            <a:schemeClr val="tx1"/>
+          </a:fontRef>
+        </p:style>
+      </p:cxnSp>
+      <p:cxnSp>
+        <p:nvCxnSpPr>
+          <p:cNvPr id="22" name="直線コネクタ 21">
+            <a:extLst>
+              <a:ext uri="{FF2B5EF4-FFF2-40B4-BE49-F238E27FC236}">
+                <a16:creationId xmlns:a16="http://schemas.microsoft.com/office/drawing/2014/main" id="{2CCAF795-39D8-4A78-835F-D7C06F2DD27D}"/>
+              </a:ext>
+            </a:extLst>
+          </p:cNvPr>
+          <p:cNvCxnSpPr>
+            <a:cxnSpLocks/>
+          </p:cNvCxnSpPr>
+          <p:nvPr/>
+        </p:nvCxnSpPr>
+        <p:spPr>
+          <a:xfrm>
+            <a:off x="8140692" y="4223845"/>
+            <a:ext cx="200969" cy="1544682"/>
+          </a:xfrm>
+          <a:prstGeom prst="line">
+            <a:avLst/>
+          </a:prstGeom>
+          <a:ln w="28575">
+            <a:solidFill>
+              <a:srgbClr val="FF0000"/>
+            </a:solidFill>
+          </a:ln>
+        </p:spPr>
+        <p:style>
+          <a:lnRef idx="1">
+            <a:schemeClr val="accent1"/>
+          </a:lnRef>
+          <a:fillRef idx="0">
+            <a:schemeClr val="accent1"/>
+          </a:fillRef>
+          <a:effectRef idx="0">
+            <a:schemeClr val="accent1"/>
+          </a:effectRef>
+          <a:fontRef idx="minor">
+            <a:schemeClr val="tx1"/>
+          </a:fontRef>
+        </p:style>
+      </p:cxnSp>
+      <p:cxnSp>
+        <p:nvCxnSpPr>
+          <p:cNvPr id="23" name="直線コネクタ 22">
+            <a:extLst>
+              <a:ext uri="{FF2B5EF4-FFF2-40B4-BE49-F238E27FC236}">
+                <a16:creationId xmlns:a16="http://schemas.microsoft.com/office/drawing/2014/main" id="{41EB02FD-ABC3-41CA-BFB5-5B0F1B4729D9}"/>
+              </a:ext>
+            </a:extLst>
+          </p:cNvPr>
+          <p:cNvCxnSpPr>
+            <a:cxnSpLocks/>
+          </p:cNvCxnSpPr>
+          <p:nvPr/>
+        </p:nvCxnSpPr>
+        <p:spPr>
+          <a:xfrm>
+            <a:off x="6194749" y="4421281"/>
+            <a:ext cx="1295984" cy="617853"/>
+          </a:xfrm>
+          <a:prstGeom prst="line">
+            <a:avLst/>
+          </a:prstGeom>
+          <a:ln w="28575">
+            <a:solidFill>
+              <a:srgbClr val="FF0000"/>
+            </a:solidFill>
+          </a:ln>
+        </p:spPr>
+        <p:style>
+          <a:lnRef idx="1">
+            <a:schemeClr val="accent1"/>
+          </a:lnRef>
+          <a:fillRef idx="0">
+            <a:schemeClr val="accent1"/>
+          </a:fillRef>
+          <a:effectRef idx="0">
+            <a:schemeClr val="accent1"/>
+          </a:effectRef>
+          <a:fontRef idx="minor">
+            <a:schemeClr val="tx1"/>
+          </a:fontRef>
+        </p:style>
+      </p:cxnSp>
+      <p:sp>
+        <p:nvSpPr>
+          <p:cNvPr id="24" name="楕円 23">
+            <a:extLst>
+              <a:ext uri="{FF2B5EF4-FFF2-40B4-BE49-F238E27FC236}">
+                <a16:creationId xmlns:a16="http://schemas.microsoft.com/office/drawing/2014/main" id="{C5A8D887-A265-47F2-B341-EA9C27866653}"/>
+              </a:ext>
+            </a:extLst>
+          </p:cNvPr>
+          <p:cNvSpPr/>
+          <p:nvPr/>
+        </p:nvSpPr>
+        <p:spPr>
+          <a:xfrm>
+            <a:off x="4182853" y="5511567"/>
+            <a:ext cx="749983" cy="771787"/>
+          </a:xfrm>
+          <a:prstGeom prst="ellipse">
+            <a:avLst/>
+          </a:prstGeom>
+        </p:spPr>
+        <p:style>
+          <a:lnRef idx="2">
+            <a:schemeClr val="accent1">
+              <a:shade val="50000"/>
+            </a:schemeClr>
+          </a:lnRef>
+          <a:fillRef idx="1">
+            <a:schemeClr val="accent1"/>
+          </a:fillRef>
+          <a:effectRef idx="0">
+            <a:schemeClr val="accent1"/>
+          </a:effectRef>
+          <a:fontRef idx="minor">
+            <a:schemeClr val="lt1"/>
+          </a:fontRef>
+        </p:style>
+        <p:txBody>
+          <a:bodyPr rtlCol="0" anchor="ctr"/>
+          <a:lstStyle/>
+          <a:p>
+            <a:pPr algn="ctr"/>
+            <a:endParaRPr kumimoji="1" lang="ja-JP" altLang="en-US"/>
+          </a:p>
+        </p:txBody>
+      </p:sp>
+      <p:sp>
+        <p:nvSpPr>
+          <p:cNvPr id="25" name="楕円 24">
+            <a:extLst>
+              <a:ext uri="{FF2B5EF4-FFF2-40B4-BE49-F238E27FC236}">
+                <a16:creationId xmlns:a16="http://schemas.microsoft.com/office/drawing/2014/main" id="{8B2239E2-0B86-4154-B3EB-D87C0C1131CE}"/>
+              </a:ext>
+            </a:extLst>
+          </p:cNvPr>
+          <p:cNvSpPr/>
+          <p:nvPr/>
+        </p:nvSpPr>
+        <p:spPr>
+          <a:xfrm>
+            <a:off x="4265111" y="4223845"/>
+            <a:ext cx="749983" cy="771787"/>
+          </a:xfrm>
+          <a:prstGeom prst="ellipse">
+            <a:avLst/>
+          </a:prstGeom>
+        </p:spPr>
+        <p:style>
+          <a:lnRef idx="2">
+            <a:schemeClr val="accent1">
+              <a:shade val="50000"/>
+            </a:schemeClr>
+          </a:lnRef>
+          <a:fillRef idx="1">
+            <a:schemeClr val="accent1"/>
+          </a:fillRef>
+          <a:effectRef idx="0">
+            <a:schemeClr val="accent1"/>
+          </a:effectRef>
+          <a:fontRef idx="minor">
+            <a:schemeClr val="lt1"/>
+          </a:fontRef>
+        </p:style>
+        <p:txBody>
+          <a:bodyPr rtlCol="0" anchor="ctr"/>
+          <a:lstStyle/>
+          <a:p>
+            <a:pPr algn="ctr"/>
+            <a:r>
+              <a:rPr kumimoji="1" lang="ja-JP" altLang="en-US" dirty="0"/>
+              <a:t>Ｘ</a:t>
+            </a:r>
+          </a:p>
+        </p:txBody>
+      </p:sp>
+      <p:sp>
+        <p:nvSpPr>
+          <p:cNvPr id="26" name="楕円 25">
+            <a:extLst>
+              <a:ext uri="{FF2B5EF4-FFF2-40B4-BE49-F238E27FC236}">
+                <a16:creationId xmlns:a16="http://schemas.microsoft.com/office/drawing/2014/main" id="{7D65AF22-2B4E-410B-8654-FF344F146588}"/>
+              </a:ext>
+            </a:extLst>
+          </p:cNvPr>
+          <p:cNvSpPr/>
+          <p:nvPr/>
+        </p:nvSpPr>
+        <p:spPr>
+          <a:xfrm>
+            <a:off x="2975607" y="4094110"/>
+            <a:ext cx="749983" cy="771787"/>
+          </a:xfrm>
+          <a:prstGeom prst="ellipse">
+            <a:avLst/>
+          </a:prstGeom>
+        </p:spPr>
+        <p:style>
+          <a:lnRef idx="2">
+            <a:schemeClr val="accent1">
+              <a:shade val="50000"/>
+            </a:schemeClr>
+          </a:lnRef>
+          <a:fillRef idx="1">
+            <a:schemeClr val="accent1"/>
+          </a:fillRef>
+          <a:effectRef idx="0">
+            <a:schemeClr val="accent1"/>
+          </a:effectRef>
+          <a:fontRef idx="minor">
+            <a:schemeClr val="lt1"/>
+          </a:fontRef>
+        </p:style>
+        <p:txBody>
+          <a:bodyPr rtlCol="0" anchor="ctr"/>
+          <a:lstStyle/>
+          <a:p>
+            <a:pPr algn="ctr"/>
+            <a:endParaRPr kumimoji="1" lang="ja-JP" altLang="en-US" dirty="0"/>
+          </a:p>
+        </p:txBody>
+      </p:sp>
+      <p:sp>
+        <p:nvSpPr>
+          <p:cNvPr id="27" name="楕円 26">
+            <a:extLst>
+              <a:ext uri="{FF2B5EF4-FFF2-40B4-BE49-F238E27FC236}">
+                <a16:creationId xmlns:a16="http://schemas.microsoft.com/office/drawing/2014/main" id="{528C26E7-E993-49A5-95A1-161DF40980E0}"/>
+              </a:ext>
+            </a:extLst>
+          </p:cNvPr>
+          <p:cNvSpPr/>
+          <p:nvPr/>
+        </p:nvSpPr>
+        <p:spPr>
+          <a:xfrm>
+            <a:off x="5229911" y="5357620"/>
+            <a:ext cx="749983" cy="771787"/>
+          </a:xfrm>
+          <a:prstGeom prst="ellipse">
+            <a:avLst/>
+          </a:prstGeom>
+        </p:spPr>
+        <p:style>
+          <a:lnRef idx="2">
+            <a:schemeClr val="accent1">
+              <a:shade val="50000"/>
+            </a:schemeClr>
+          </a:lnRef>
+          <a:fillRef idx="1">
+            <a:schemeClr val="accent1"/>
+          </a:fillRef>
+          <a:effectRef idx="0">
+            <a:schemeClr val="accent1"/>
+          </a:effectRef>
+          <a:fontRef idx="minor">
+            <a:schemeClr val="lt1"/>
+          </a:fontRef>
+        </p:style>
+        <p:txBody>
+          <a:bodyPr rtlCol="0" anchor="ctr"/>
+          <a:lstStyle/>
+          <a:p>
+            <a:pPr algn="ctr"/>
+            <a:endParaRPr kumimoji="1" lang="ja-JP" altLang="en-US"/>
+          </a:p>
+        </p:txBody>
+      </p:sp>
+      <p:sp>
+        <p:nvSpPr>
+          <p:cNvPr id="28" name="楕円 27">
+            <a:extLst>
+              <a:ext uri="{FF2B5EF4-FFF2-40B4-BE49-F238E27FC236}">
+                <a16:creationId xmlns:a16="http://schemas.microsoft.com/office/drawing/2014/main" id="{51ED200E-5030-4EA5-A448-E366416EEF85}"/>
+              </a:ext>
+            </a:extLst>
+          </p:cNvPr>
+          <p:cNvSpPr/>
+          <p:nvPr/>
+        </p:nvSpPr>
+        <p:spPr>
+          <a:xfrm>
+            <a:off x="7692109" y="3720812"/>
+            <a:ext cx="749983" cy="771787"/>
+          </a:xfrm>
+          <a:prstGeom prst="ellipse">
+            <a:avLst/>
+          </a:prstGeom>
+        </p:spPr>
+        <p:style>
+          <a:lnRef idx="2">
+            <a:schemeClr val="accent1">
+              <a:shade val="50000"/>
+            </a:schemeClr>
+          </a:lnRef>
+          <a:fillRef idx="1">
+            <a:schemeClr val="accent1"/>
+          </a:fillRef>
+          <a:effectRef idx="0">
+            <a:schemeClr val="accent1"/>
+          </a:effectRef>
+          <a:fontRef idx="minor">
+            <a:schemeClr val="lt1"/>
+          </a:fontRef>
+        </p:style>
+        <p:txBody>
+          <a:bodyPr rtlCol="0" anchor="ctr"/>
+          <a:lstStyle/>
+          <a:p>
+            <a:pPr algn="ctr"/>
+            <a:endParaRPr kumimoji="1" lang="ja-JP" altLang="en-US"/>
+          </a:p>
+        </p:txBody>
+      </p:sp>
+      <p:sp>
+        <p:nvSpPr>
+          <p:cNvPr id="30" name="楕円 29">
+            <a:extLst>
+              <a:ext uri="{FF2B5EF4-FFF2-40B4-BE49-F238E27FC236}">
+                <a16:creationId xmlns:a16="http://schemas.microsoft.com/office/drawing/2014/main" id="{025E74F8-165D-46D4-A9DE-CFB02FBA753D}"/>
+              </a:ext>
+            </a:extLst>
+          </p:cNvPr>
+          <p:cNvSpPr/>
+          <p:nvPr/>
+        </p:nvSpPr>
+        <p:spPr>
+          <a:xfrm>
+            <a:off x="8067101" y="5448638"/>
+            <a:ext cx="749983" cy="771787"/>
+          </a:xfrm>
+          <a:prstGeom prst="ellipse">
+            <a:avLst/>
+          </a:prstGeom>
+        </p:spPr>
+        <p:style>
+          <a:lnRef idx="2">
+            <a:schemeClr val="accent1">
+              <a:shade val="50000"/>
+            </a:schemeClr>
+          </a:lnRef>
+          <a:fillRef idx="1">
+            <a:schemeClr val="accent1"/>
+          </a:fillRef>
+          <a:effectRef idx="0">
+            <a:schemeClr val="accent1"/>
+          </a:effectRef>
+          <a:fontRef idx="minor">
+            <a:schemeClr val="lt1"/>
+          </a:fontRef>
+        </p:style>
+        <p:txBody>
+          <a:bodyPr rtlCol="0" anchor="ctr"/>
+          <a:lstStyle/>
+          <a:p>
+            <a:pPr algn="ctr"/>
+            <a:endParaRPr kumimoji="1" lang="ja-JP" altLang="en-US"/>
+          </a:p>
+        </p:txBody>
+      </p:sp>
+      <p:sp>
+        <p:nvSpPr>
+          <p:cNvPr id="32" name="楕円 31">
+            <a:extLst>
+              <a:ext uri="{FF2B5EF4-FFF2-40B4-BE49-F238E27FC236}">
+                <a16:creationId xmlns:a16="http://schemas.microsoft.com/office/drawing/2014/main" id="{7D9608C5-805C-4765-9C28-98387614F3BD}"/>
+              </a:ext>
+            </a:extLst>
+          </p:cNvPr>
+          <p:cNvSpPr/>
+          <p:nvPr/>
+        </p:nvSpPr>
+        <p:spPr>
+          <a:xfrm>
+            <a:off x="7037539" y="4584725"/>
+            <a:ext cx="749983" cy="771787"/>
+          </a:xfrm>
+          <a:prstGeom prst="ellipse">
+            <a:avLst/>
+          </a:prstGeom>
+        </p:spPr>
+        <p:style>
+          <a:lnRef idx="2">
+            <a:schemeClr val="accent1">
+              <a:shade val="50000"/>
+            </a:schemeClr>
+          </a:lnRef>
+          <a:fillRef idx="1">
+            <a:schemeClr val="accent1"/>
+          </a:fillRef>
+          <a:effectRef idx="0">
+            <a:schemeClr val="accent1"/>
+          </a:effectRef>
+          <a:fontRef idx="minor">
+            <a:schemeClr val="lt1"/>
+          </a:fontRef>
+        </p:style>
+        <p:txBody>
+          <a:bodyPr rtlCol="0" anchor="ctr"/>
+          <a:lstStyle/>
+          <a:p>
+            <a:pPr algn="ctr"/>
+            <a:r>
+              <a:rPr kumimoji="1" lang="ja-JP" altLang="en-US" dirty="0"/>
+              <a:t>Ｙ</a:t>
+            </a:r>
+          </a:p>
+        </p:txBody>
+      </p:sp>
+      <p:sp>
+        <p:nvSpPr>
+          <p:cNvPr id="33" name="楕円 32">
+            <a:extLst>
+              <a:ext uri="{FF2B5EF4-FFF2-40B4-BE49-F238E27FC236}">
+                <a16:creationId xmlns:a16="http://schemas.microsoft.com/office/drawing/2014/main" id="{95A120D2-E1E5-4968-B898-B53FCC1D9373}"/>
+              </a:ext>
+            </a:extLst>
+          </p:cNvPr>
+          <p:cNvSpPr/>
+          <p:nvPr/>
+        </p:nvSpPr>
+        <p:spPr>
+          <a:xfrm>
+            <a:off x="6408507" y="5519956"/>
+            <a:ext cx="749983" cy="771787"/>
+          </a:xfrm>
+          <a:prstGeom prst="ellipse">
+            <a:avLst/>
+          </a:prstGeom>
+          <a:solidFill>
+            <a:srgbClr val="FF0000"/>
+          </a:solidFill>
+        </p:spPr>
+        <p:style>
+          <a:lnRef idx="2">
+            <a:schemeClr val="accent1">
+              <a:shade val="50000"/>
+            </a:schemeClr>
+          </a:lnRef>
+          <a:fillRef idx="1">
+            <a:schemeClr val="accent1"/>
+          </a:fillRef>
+          <a:effectRef idx="0">
+            <a:schemeClr val="accent1"/>
+          </a:effectRef>
+          <a:fontRef idx="minor">
+            <a:schemeClr val="lt1"/>
+          </a:fontRef>
+        </p:style>
+        <p:txBody>
+          <a:bodyPr rtlCol="0" anchor="ctr"/>
+          <a:lstStyle/>
+          <a:p>
+            <a:pPr algn="ctr"/>
+            <a:endParaRPr kumimoji="1" lang="ja-JP" altLang="en-US"/>
+          </a:p>
+        </p:txBody>
+      </p:sp>
+      <p:sp>
+        <p:nvSpPr>
+          <p:cNvPr id="34" name="楕円 33">
+            <a:extLst>
+              <a:ext uri="{FF2B5EF4-FFF2-40B4-BE49-F238E27FC236}">
+                <a16:creationId xmlns:a16="http://schemas.microsoft.com/office/drawing/2014/main" id="{73C0FFA6-282E-43D5-9C30-24E923E724AA}"/>
+              </a:ext>
+            </a:extLst>
+          </p:cNvPr>
+          <p:cNvSpPr/>
+          <p:nvPr/>
+        </p:nvSpPr>
+        <p:spPr>
+          <a:xfrm>
+            <a:off x="5680753" y="4039298"/>
+            <a:ext cx="749983" cy="771787"/>
+          </a:xfrm>
+          <a:prstGeom prst="ellipse">
+            <a:avLst/>
+          </a:prstGeom>
+          <a:solidFill>
+            <a:srgbClr val="FF0000"/>
+          </a:solidFill>
+        </p:spPr>
+        <p:style>
+          <a:lnRef idx="2">
+            <a:schemeClr val="accent1">
+              <a:shade val="50000"/>
+            </a:schemeClr>
+          </a:lnRef>
+          <a:fillRef idx="1">
+            <a:schemeClr val="accent1"/>
+          </a:fillRef>
+          <a:effectRef idx="0">
+            <a:schemeClr val="accent1"/>
+          </a:effectRef>
+          <a:fontRef idx="minor">
+            <a:schemeClr val="lt1"/>
+          </a:fontRef>
+        </p:style>
+        <p:txBody>
+          <a:bodyPr rtlCol="0" anchor="ctr"/>
+          <a:lstStyle/>
+          <a:p>
+            <a:pPr algn="ctr"/>
+            <a:endParaRPr kumimoji="1" lang="ja-JP" altLang="en-US"/>
+          </a:p>
+        </p:txBody>
+      </p:sp>
+      <p:cxnSp>
+        <p:nvCxnSpPr>
+          <p:cNvPr id="37" name="直線コネクタ 36">
+            <a:extLst>
+              <a:ext uri="{FF2B5EF4-FFF2-40B4-BE49-F238E27FC236}">
+                <a16:creationId xmlns:a16="http://schemas.microsoft.com/office/drawing/2014/main" id="{EEBC6076-14E1-4617-99FB-86349260EA38}"/>
+              </a:ext>
+            </a:extLst>
+          </p:cNvPr>
+          <p:cNvCxnSpPr>
+            <a:cxnSpLocks/>
+          </p:cNvCxnSpPr>
+          <p:nvPr/>
+        </p:nvCxnSpPr>
+        <p:spPr>
+          <a:xfrm flipH="1" flipV="1">
+            <a:off x="4534724" y="3720812"/>
+            <a:ext cx="1350254" cy="623137"/>
+          </a:xfrm>
+          <a:prstGeom prst="line">
+            <a:avLst/>
+          </a:prstGeom>
+          <a:ln w="28575">
+            <a:solidFill>
+              <a:srgbClr val="FF0000"/>
+            </a:solidFill>
+          </a:ln>
+        </p:spPr>
+        <p:style>
+          <a:lnRef idx="1">
+            <a:schemeClr val="accent1"/>
+          </a:lnRef>
+          <a:fillRef idx="0">
+            <a:schemeClr val="accent1"/>
+          </a:fillRef>
+          <a:effectRef idx="0">
+            <a:schemeClr val="accent1"/>
+          </a:effectRef>
+          <a:fontRef idx="minor">
+            <a:schemeClr val="tx1"/>
+          </a:fontRef>
+        </p:style>
+      </p:cxnSp>
+      <p:sp>
+        <p:nvSpPr>
+          <p:cNvPr id="43" name="楕円 42">
+            <a:extLst>
+              <a:ext uri="{FF2B5EF4-FFF2-40B4-BE49-F238E27FC236}">
+                <a16:creationId xmlns:a16="http://schemas.microsoft.com/office/drawing/2014/main" id="{BCE9F5A2-AA91-45AB-98B6-F7CD57ACF860}"/>
+              </a:ext>
+            </a:extLst>
+          </p:cNvPr>
+          <p:cNvSpPr/>
+          <p:nvPr/>
+        </p:nvSpPr>
+        <p:spPr>
+          <a:xfrm>
+            <a:off x="4079421" y="3405294"/>
+            <a:ext cx="749983" cy="771787"/>
+          </a:xfrm>
+          <a:prstGeom prst="ellipse">
+            <a:avLst/>
+          </a:prstGeom>
+        </p:spPr>
+        <p:style>
+          <a:lnRef idx="2">
+            <a:schemeClr val="accent1">
+              <a:shade val="50000"/>
+            </a:schemeClr>
+          </a:lnRef>
+          <a:fillRef idx="1">
+            <a:schemeClr val="accent1"/>
+          </a:fillRef>
+          <a:effectRef idx="0">
+            <a:schemeClr val="accent1"/>
+          </a:effectRef>
+          <a:fontRef idx="minor">
+            <a:schemeClr val="lt1"/>
+          </a:fontRef>
+        </p:style>
+        <p:txBody>
+          <a:bodyPr rtlCol="0" anchor="ctr"/>
+          <a:lstStyle/>
+          <a:p>
+            <a:pPr algn="ctr"/>
+            <a:endParaRPr kumimoji="1" lang="ja-JP" altLang="en-US" dirty="0"/>
+          </a:p>
+        </p:txBody>
+      </p:sp>
+      <p:pic>
+        <p:nvPicPr>
+          <p:cNvPr id="5122" name="Picture 2" descr="\textcolor[rgb]{1,0,0}{S_{x,y}^{AAI} = \frac{1}{\log{3}} + \frac{1}{\log{4}}}">
+            <a:extLst>
+              <a:ext uri="{FF2B5EF4-FFF2-40B4-BE49-F238E27FC236}">
+                <a16:creationId xmlns:a16="http://schemas.microsoft.com/office/drawing/2014/main" id="{86B7FE24-0918-4452-A2CA-2E99835076C8}"/>
+              </a:ext>
+            </a:extLst>
+          </p:cNvPr>
+          <p:cNvPicPr>
+            <a:picLocks noChangeAspect="1" noChangeArrowheads="1"/>
+          </p:cNvPicPr>
+          <p:nvPr/>
+        </p:nvPicPr>
+        <p:blipFill>
+          <a:blip r:embed="rId3">
+            <a:extLst>
+              <a:ext uri="{28A0092B-C50C-407E-A947-70E740481C1C}">
+                <a14:useLocalDpi xmlns:a14="http://schemas.microsoft.com/office/drawing/2010/main" val="0"/>
+              </a:ext>
+            </a:extLst>
+          </a:blip>
+          <a:srcRect/>
+          <a:stretch>
+            <a:fillRect/>
+          </a:stretch>
+        </p:blipFill>
+        <p:spPr bwMode="auto">
+          <a:xfrm>
+            <a:off x="392278" y="5769854"/>
+            <a:ext cx="3257550" cy="542925"/>
+          </a:xfrm>
+          <a:prstGeom prst="rect">
+            <a:avLst/>
+          </a:prstGeom>
+          <a:noFill/>
+          <a:extLst>
+            <a:ext uri="{909E8E84-426E-40DD-AFC4-6F175D3DCCD1}">
+              <a14:hiddenFill xmlns:a14="http://schemas.microsoft.com/office/drawing/2010/main">
+                <a:solidFill>
+                  <a:srgbClr val="FFFFFF"/>
+                </a:solidFill>
+              </a14:hiddenFill>
+            </a:ext>
+          </a:extLst>
+        </p:spPr>
+      </p:pic>
+    </p:spTree>
+    <p:extLst>
+      <p:ext uri="{BB962C8B-B14F-4D97-AF65-F5344CB8AC3E}">
+        <p14:creationId xmlns:p14="http://schemas.microsoft.com/office/powerpoint/2010/main" val="438556880"/>
+      </p:ext>
+    </p:extLst>
+  </p:cSld>
+  <p:clrMapOvr>
+    <a:masterClrMapping/>
+  </p:clrMapOvr>
+</p:sld>
+</file>
+
+<file path=ppt/slides/slide33.xml><?xml version="1.0" encoding="utf-8"?>
+<p:sld xmlns:a="http://schemas.openxmlformats.org/drawingml/2006/main" xmlns:r="http://schemas.openxmlformats.org/officeDocument/2006/relationships" xmlns:p="http://schemas.openxmlformats.org/presentationml/2006/main">
+  <p:cSld>
+    <p:spTree>
+      <p:nvGrpSpPr>
+        <p:cNvPr id="1" name=""/>
+        <p:cNvGrpSpPr/>
+        <p:nvPr/>
+      </p:nvGrpSpPr>
+      <p:grpSpPr>
+        <a:xfrm>
+          <a:off x="0" y="0"/>
+          <a:ext cx="0" cy="0"/>
+          <a:chOff x="0" y="0"/>
+          <a:chExt cx="0" cy="0"/>
+        </a:xfrm>
+      </p:grpSpPr>
+      <p:sp>
+        <p:nvSpPr>
+          <p:cNvPr id="2" name="タイトル 1">
+            <a:extLst>
+              <a:ext uri="{FF2B5EF4-FFF2-40B4-BE49-F238E27FC236}">
+                <a16:creationId xmlns:a16="http://schemas.microsoft.com/office/drawing/2014/main" id="{274334FC-3C80-499F-BA46-FAD3DF5D4694}"/>
+              </a:ext>
+            </a:extLst>
+          </p:cNvPr>
+          <p:cNvSpPr>
+            <a:spLocks noGrp="1"/>
+          </p:cNvSpPr>
+          <p:nvPr>
+            <p:ph type="title"/>
+          </p:nvPr>
+        </p:nvSpPr>
+        <p:spPr/>
+        <p:txBody>
+          <a:bodyPr/>
+          <a:lstStyle/>
+          <a:p>
+            <a:r>
+              <a:rPr kumimoji="1" lang="en-US" altLang="ja-JP" dirty="0">
+                <a:latin typeface="Arial" panose="020B0604020202020204" pitchFamily="34" charset="0"/>
+                <a:cs typeface="Arial" panose="020B0604020202020204" pitchFamily="34" charset="0"/>
+              </a:rPr>
+              <a:t>Topological features</a:t>
+            </a:r>
+            <a:endParaRPr kumimoji="1" lang="ja-JP" altLang="en-US" dirty="0">
+              <a:latin typeface="Arial" panose="020B0604020202020204" pitchFamily="34" charset="0"/>
+              <a:cs typeface="Arial" panose="020B0604020202020204" pitchFamily="34" charset="0"/>
+            </a:endParaRPr>
+          </a:p>
+        </p:txBody>
+      </p:sp>
+      <p:sp>
+        <p:nvSpPr>
           <p:cNvPr id="29" name="コンテンツ プレースホルダー 2">
             <a:extLst>
               <a:ext uri="{FF2B5EF4-FFF2-40B4-BE49-F238E27FC236}">
@@ -15554,7 +18433,7 @@
         </p:nvSpPr>
         <p:spPr>
           <a:xfrm>
-            <a:off x="838200" y="3491514"/>
+            <a:off x="677261" y="1690688"/>
             <a:ext cx="10515600" cy="489736"/>
           </a:xfrm>
           <a:prstGeom prst="rect">
@@ -15762,7 +18641,7 @@
           <p:nvPr/>
         </p:nvPicPr>
         <p:blipFill>
-          <a:blip r:embed="rId3">
+          <a:blip r:embed="rId2">
             <a:extLst>
               <a:ext uri="{28A0092B-C50C-407E-A947-70E740481C1C}">
                 <a14:useLocalDpi xmlns:a14="http://schemas.microsoft.com/office/drawing/2010/main" val="0"/>
@@ -15775,7 +18654,7 @@
         </p:blipFill>
         <p:spPr>
           <a:xfrm>
-            <a:off x="4175352" y="3880478"/>
+            <a:off x="4175351" y="2284341"/>
             <a:ext cx="3519418" cy="915456"/>
           </a:xfrm>
           <a:prstGeom prst="rect">
@@ -15799,7 +18678,7 @@
         </p:nvSpPr>
         <p:spPr>
           <a:xfrm>
-            <a:off x="838200" y="4912534"/>
+            <a:off x="838200" y="4161906"/>
             <a:ext cx="10515600" cy="489736"/>
           </a:xfrm>
           <a:prstGeom prst="rect">
@@ -16000,7 +18879,7 @@
           <p:nvPr/>
         </p:nvPicPr>
         <p:blipFill>
-          <a:blip r:embed="rId4">
+          <a:blip r:embed="rId3">
             <a:extLst>
               <a:ext uri="{28A0092B-C50C-407E-A947-70E740481C1C}">
                 <a14:useLocalDpi xmlns:a14="http://schemas.microsoft.com/office/drawing/2010/main" val="0"/>
@@ -16013,7 +18892,7 @@
         </p:blipFill>
         <p:spPr>
           <a:xfrm>
-            <a:off x="4497229" y="5490878"/>
+            <a:off x="4497229" y="4717880"/>
             <a:ext cx="3197541" cy="1129565"/>
           </a:xfrm>
           <a:prstGeom prst="rect">
@@ -16023,13 +18902,13 @@
       </p:pic>
       <p:sp>
         <p:nvSpPr>
-          <p:cNvPr id="9" name="正方形/長方形 8"/>
+          <p:cNvPr id="10" name="正方形/長方形 9"/>
           <p:cNvSpPr/>
           <p:nvPr/>
         </p:nvSpPr>
         <p:spPr>
           <a:xfrm>
-            <a:off x="4175352" y="2375302"/>
+            <a:off x="4068447" y="2297024"/>
             <a:ext cx="3733227" cy="921730"/>
           </a:xfrm>
           <a:prstGeom prst="rect">
@@ -16069,59 +18948,13 @@
       </p:sp>
       <p:sp>
         <p:nvSpPr>
-          <p:cNvPr id="10" name="正方形/長方形 9"/>
-          <p:cNvSpPr/>
-          <p:nvPr/>
-        </p:nvSpPr>
-        <p:spPr>
-          <a:xfrm>
-            <a:off x="4175351" y="3927727"/>
-            <a:ext cx="3733227" cy="921730"/>
-          </a:xfrm>
-          <a:prstGeom prst="rect">
-            <a:avLst/>
-          </a:prstGeom>
-          <a:noFill/>
-          <a:ln w="28575">
-            <a:solidFill>
-              <a:schemeClr val="tx1"/>
-            </a:solidFill>
-          </a:ln>
-        </p:spPr>
-        <p:style>
-          <a:lnRef idx="2">
-            <a:schemeClr val="accent1">
-              <a:shade val="50000"/>
-            </a:schemeClr>
-          </a:lnRef>
-          <a:fillRef idx="1">
-            <a:schemeClr val="accent1"/>
-          </a:fillRef>
-          <a:effectRef idx="0">
-            <a:schemeClr val="accent1"/>
-          </a:effectRef>
-          <a:fontRef idx="minor">
-            <a:schemeClr val="lt1"/>
-          </a:fontRef>
-        </p:style>
-        <p:txBody>
-          <a:bodyPr rtlCol="0" anchor="ctr"/>
-          <a:lstStyle/>
-          <a:p>
-            <a:pPr algn="ctr"/>
-            <a:endParaRPr kumimoji="1" lang="ja-JP" altLang="en-US"/>
-          </a:p>
-        </p:txBody>
-      </p:sp>
-      <p:sp>
-        <p:nvSpPr>
           <p:cNvPr id="11" name="正方形/長方形 10"/>
           <p:cNvSpPr/>
           <p:nvPr/>
         </p:nvSpPr>
         <p:spPr>
           <a:xfrm>
-            <a:off x="4175351" y="5594795"/>
+            <a:off x="4175351" y="4821797"/>
             <a:ext cx="3733227" cy="1025648"/>
           </a:xfrm>
           <a:prstGeom prst="rect">
@@ -16162,7 +18995,7 @@
     </p:spTree>
     <p:extLst>
       <p:ext uri="{BB962C8B-B14F-4D97-AF65-F5344CB8AC3E}">
-        <p14:creationId xmlns:p14="http://schemas.microsoft.com/office/powerpoint/2010/main" val="438556880"/>
+        <p14:creationId xmlns:p14="http://schemas.microsoft.com/office/powerpoint/2010/main" val="2465634562"/>
       </p:ext>
     </p:extLst>
   </p:cSld>
@@ -16172,7 +19005,7 @@
 </p:sld>
 </file>
 
-<file path=ppt/slides/slide32.xml><?xml version="1.0" encoding="utf-8"?>
+<file path=ppt/slides/slide34.xml><?xml version="1.0" encoding="utf-8"?>
 <p:sld xmlns:a="http://schemas.openxmlformats.org/drawingml/2006/main" xmlns:r="http://schemas.openxmlformats.org/officeDocument/2006/relationships" xmlns:p="http://schemas.openxmlformats.org/presentationml/2006/main">
   <p:cSld>
     <p:spTree>
@@ -16189,49 +19022,6 @@
           <a:chExt cx="0" cy="0"/>
         </a:xfrm>
       </p:grpSpPr>
-      <p:cxnSp>
-        <p:nvCxnSpPr>
-          <p:cNvPr id="37" name="直線コネクタ 36">
-            <a:extLst>
-              <a:ext uri="{FF2B5EF4-FFF2-40B4-BE49-F238E27FC236}">
-                <a16:creationId xmlns:a16="http://schemas.microsoft.com/office/drawing/2014/main" id="{DB11787F-35C8-421F-B347-819D80A821B5}"/>
-              </a:ext>
-            </a:extLst>
-          </p:cNvPr>
-          <p:cNvCxnSpPr>
-            <a:cxnSpLocks/>
-          </p:cNvCxnSpPr>
-          <p:nvPr/>
-        </p:nvCxnSpPr>
-        <p:spPr>
-          <a:xfrm flipV="1">
-            <a:off x="3485097" y="4566622"/>
-            <a:ext cx="1126871" cy="1105734"/>
-          </a:xfrm>
-          <a:prstGeom prst="line">
-            <a:avLst/>
-          </a:prstGeom>
-          <a:ln w="28575">
-            <a:solidFill>
-              <a:srgbClr val="FF0000"/>
-            </a:solidFill>
-          </a:ln>
-        </p:spPr>
-        <p:style>
-          <a:lnRef idx="1">
-            <a:schemeClr val="accent1"/>
-          </a:lnRef>
-          <a:fillRef idx="0">
-            <a:schemeClr val="accent1"/>
-          </a:fillRef>
-          <a:effectRef idx="0">
-            <a:schemeClr val="accent1"/>
-          </a:effectRef>
-          <a:fontRef idx="minor">
-            <a:schemeClr val="tx1"/>
-          </a:fontRef>
-        </p:style>
-      </p:cxnSp>
       <p:sp>
         <p:nvSpPr>
           <p:cNvPr id="2" name="タイトル 1">
@@ -16337,7 +19127,7 @@
         </p:blipFill>
         <p:spPr>
           <a:xfrm>
-            <a:off x="2906035" y="2450300"/>
+            <a:off x="2900167" y="2947342"/>
             <a:ext cx="6391665" cy="1013088"/>
           </a:xfrm>
           <a:prstGeom prst="rect">
@@ -16345,883 +19135,6 @@
           </a:prstGeom>
         </p:spPr>
       </p:pic>
-      <p:grpSp>
-        <p:nvGrpSpPr>
-          <p:cNvPr id="11" name="グループ化 10">
-            <a:extLst>
-              <a:ext uri="{FF2B5EF4-FFF2-40B4-BE49-F238E27FC236}">
-                <a16:creationId xmlns:a16="http://schemas.microsoft.com/office/drawing/2014/main" id="{94F01627-E586-4589-885A-D7335B093B17}"/>
-              </a:ext>
-            </a:extLst>
-          </p:cNvPr>
-          <p:cNvGrpSpPr/>
-          <p:nvPr/>
-        </p:nvGrpSpPr>
-        <p:grpSpPr>
-          <a:xfrm>
-            <a:off x="2975607" y="3647961"/>
-            <a:ext cx="5841477" cy="2643782"/>
-            <a:chOff x="2468897" y="3706684"/>
-            <a:chExt cx="5841477" cy="2643782"/>
-          </a:xfrm>
-        </p:grpSpPr>
-        <p:cxnSp>
-          <p:nvCxnSpPr>
-            <p:cNvPr id="12" name="直線コネクタ 11">
-              <a:extLst>
-                <a:ext uri="{FF2B5EF4-FFF2-40B4-BE49-F238E27FC236}">
-                  <a16:creationId xmlns:a16="http://schemas.microsoft.com/office/drawing/2014/main" id="{8A5E76A8-0CF1-44BD-BA7D-09D78EAF9E7E}"/>
-                </a:ext>
-              </a:extLst>
-            </p:cNvPr>
-            <p:cNvCxnSpPr>
-              <a:stCxn id="25" idx="5"/>
-            </p:cNvCxnSpPr>
-            <p:nvPr/>
-          </p:nvCxnSpPr>
-          <p:spPr>
-            <a:xfrm>
-              <a:off x="3109048" y="4811594"/>
-              <a:ext cx="942086" cy="1081660"/>
-            </a:xfrm>
-            <a:prstGeom prst="line">
-              <a:avLst/>
-            </a:prstGeom>
-            <a:ln w="28575">
-              <a:solidFill>
-                <a:srgbClr val="FF0000"/>
-              </a:solidFill>
-            </a:ln>
-          </p:spPr>
-          <p:style>
-            <a:lnRef idx="1">
-              <a:schemeClr val="accent1"/>
-            </a:lnRef>
-            <a:fillRef idx="0">
-              <a:schemeClr val="accent1"/>
-            </a:fillRef>
-            <a:effectRef idx="0">
-              <a:schemeClr val="accent1"/>
-            </a:effectRef>
-            <a:fontRef idx="minor">
-              <a:schemeClr val="tx1"/>
-            </a:fontRef>
-          </p:style>
-        </p:cxnSp>
-        <p:cxnSp>
-          <p:nvCxnSpPr>
-            <p:cNvPr id="13" name="直線コネクタ 12">
-              <a:extLst>
-                <a:ext uri="{FF2B5EF4-FFF2-40B4-BE49-F238E27FC236}">
-                  <a16:creationId xmlns:a16="http://schemas.microsoft.com/office/drawing/2014/main" id="{1AD9682C-515A-4E66-B3C4-8EF0584AA186}"/>
-                </a:ext>
-              </a:extLst>
-            </p:cNvPr>
-            <p:cNvCxnSpPr>
-              <a:cxnSpLocks/>
-            </p:cNvCxnSpPr>
-            <p:nvPr/>
-          </p:nvCxnSpPr>
-          <p:spPr>
-            <a:xfrm>
-              <a:off x="2929582" y="4458901"/>
-              <a:ext cx="1120682" cy="184547"/>
-            </a:xfrm>
-            <a:prstGeom prst="line">
-              <a:avLst/>
-            </a:prstGeom>
-            <a:ln w="28575">
-              <a:solidFill>
-                <a:srgbClr val="FF0000"/>
-              </a:solidFill>
-            </a:ln>
-          </p:spPr>
-          <p:style>
-            <a:lnRef idx="1">
-              <a:schemeClr val="accent1"/>
-            </a:lnRef>
-            <a:fillRef idx="0">
-              <a:schemeClr val="accent1"/>
-            </a:fillRef>
-            <a:effectRef idx="0">
-              <a:schemeClr val="accent1"/>
-            </a:effectRef>
-            <a:fontRef idx="minor">
-              <a:schemeClr val="tx1"/>
-            </a:fontRef>
-          </p:style>
-        </p:cxnSp>
-        <p:cxnSp>
-          <p:nvCxnSpPr>
-            <p:cNvPr id="14" name="直線コネクタ 13">
-              <a:extLst>
-                <a:ext uri="{FF2B5EF4-FFF2-40B4-BE49-F238E27FC236}">
-                  <a16:creationId xmlns:a16="http://schemas.microsoft.com/office/drawing/2014/main" id="{9203306B-F471-466C-A3CA-2D35CD254E75}"/>
-                </a:ext>
-              </a:extLst>
-            </p:cNvPr>
-            <p:cNvCxnSpPr>
-              <a:cxnSpLocks/>
-            </p:cNvCxnSpPr>
-            <p:nvPr/>
-          </p:nvCxnSpPr>
-          <p:spPr>
-            <a:xfrm flipH="1">
-              <a:off x="4327346" y="4090249"/>
-              <a:ext cx="1360693" cy="553199"/>
-            </a:xfrm>
-            <a:prstGeom prst="line">
-              <a:avLst/>
-            </a:prstGeom>
-            <a:ln w="28575">
-              <a:solidFill>
-                <a:srgbClr val="FF0000"/>
-              </a:solidFill>
-            </a:ln>
-          </p:spPr>
-          <p:style>
-            <a:lnRef idx="1">
-              <a:schemeClr val="accent1"/>
-            </a:lnRef>
-            <a:fillRef idx="0">
-              <a:schemeClr val="accent1"/>
-            </a:fillRef>
-            <a:effectRef idx="0">
-              <a:schemeClr val="accent1"/>
-            </a:effectRef>
-            <a:fontRef idx="minor">
-              <a:schemeClr val="tx1"/>
-            </a:fontRef>
-          </p:style>
-        </p:cxnSp>
-        <p:cxnSp>
-          <p:nvCxnSpPr>
-            <p:cNvPr id="15" name="直線コネクタ 14">
-              <a:extLst>
-                <a:ext uri="{FF2B5EF4-FFF2-40B4-BE49-F238E27FC236}">
-                  <a16:creationId xmlns:a16="http://schemas.microsoft.com/office/drawing/2014/main" id="{F729E3D1-D081-429E-92CC-86CA17A77995}"/>
-                </a:ext>
-              </a:extLst>
-            </p:cNvPr>
-            <p:cNvCxnSpPr>
-              <a:cxnSpLocks/>
-            </p:cNvCxnSpPr>
-            <p:nvPr/>
-          </p:nvCxnSpPr>
-          <p:spPr>
-            <a:xfrm flipH="1" flipV="1">
-              <a:off x="4479747" y="4795849"/>
-              <a:ext cx="525504" cy="879000"/>
-            </a:xfrm>
-            <a:prstGeom prst="line">
-              <a:avLst/>
-            </a:prstGeom>
-            <a:ln w="28575">
-              <a:solidFill>
-                <a:srgbClr val="FF0000"/>
-              </a:solidFill>
-            </a:ln>
-          </p:spPr>
-          <p:style>
-            <a:lnRef idx="1">
-              <a:schemeClr val="accent1"/>
-            </a:lnRef>
-            <a:fillRef idx="0">
-              <a:schemeClr val="accent1"/>
-            </a:fillRef>
-            <a:effectRef idx="0">
-              <a:schemeClr val="accent1"/>
-            </a:effectRef>
-            <a:fontRef idx="minor">
-              <a:schemeClr val="tx1"/>
-            </a:fontRef>
-          </p:style>
-        </p:cxnSp>
-        <p:cxnSp>
-          <p:nvCxnSpPr>
-            <p:cNvPr id="16" name="直線コネクタ 15">
-              <a:extLst>
-                <a:ext uri="{FF2B5EF4-FFF2-40B4-BE49-F238E27FC236}">
-                  <a16:creationId xmlns:a16="http://schemas.microsoft.com/office/drawing/2014/main" id="{2DC36B59-14C5-4E56-91AF-F997F26723B8}"/>
-                </a:ext>
-              </a:extLst>
-            </p:cNvPr>
-            <p:cNvCxnSpPr>
-              <a:cxnSpLocks/>
-            </p:cNvCxnSpPr>
-            <p:nvPr/>
-          </p:nvCxnSpPr>
-          <p:spPr>
-            <a:xfrm flipH="1" flipV="1">
-              <a:off x="4479747" y="4795849"/>
-              <a:ext cx="1797041" cy="935230"/>
-            </a:xfrm>
-            <a:prstGeom prst="line">
-              <a:avLst/>
-            </a:prstGeom>
-            <a:ln w="28575">
-              <a:solidFill>
-                <a:srgbClr val="FF0000"/>
-              </a:solidFill>
-            </a:ln>
-          </p:spPr>
-          <p:style>
-            <a:lnRef idx="1">
-              <a:schemeClr val="accent1"/>
-            </a:lnRef>
-            <a:fillRef idx="0">
-              <a:schemeClr val="accent1"/>
-            </a:fillRef>
-            <a:effectRef idx="0">
-              <a:schemeClr val="accent1"/>
-            </a:effectRef>
-            <a:fontRef idx="minor">
-              <a:schemeClr val="tx1"/>
-            </a:fontRef>
-          </p:style>
-        </p:cxnSp>
-        <p:cxnSp>
-          <p:nvCxnSpPr>
-            <p:cNvPr id="17" name="直線コネクタ 16">
-              <a:extLst>
-                <a:ext uri="{FF2B5EF4-FFF2-40B4-BE49-F238E27FC236}">
-                  <a16:creationId xmlns:a16="http://schemas.microsoft.com/office/drawing/2014/main" id="{46BDDFAB-D6CD-41D3-BAA7-EA1257B3544E}"/>
-                </a:ext>
-              </a:extLst>
-            </p:cNvPr>
-            <p:cNvCxnSpPr>
-              <a:cxnSpLocks/>
-            </p:cNvCxnSpPr>
-            <p:nvPr/>
-          </p:nvCxnSpPr>
-          <p:spPr>
-            <a:xfrm flipH="1" flipV="1">
-              <a:off x="6883592" y="5047227"/>
-              <a:ext cx="1024950" cy="780023"/>
-            </a:xfrm>
-            <a:prstGeom prst="line">
-              <a:avLst/>
-            </a:prstGeom>
-            <a:ln w="28575">
-              <a:solidFill>
-                <a:srgbClr val="FF0000"/>
-              </a:solidFill>
-            </a:ln>
-          </p:spPr>
-          <p:style>
-            <a:lnRef idx="1">
-              <a:schemeClr val="accent1"/>
-            </a:lnRef>
-            <a:fillRef idx="0">
-              <a:schemeClr val="accent1"/>
-            </a:fillRef>
-            <a:effectRef idx="0">
-              <a:schemeClr val="accent1"/>
-            </a:effectRef>
-            <a:fontRef idx="minor">
-              <a:schemeClr val="tx1"/>
-            </a:fontRef>
-          </p:style>
-        </p:cxnSp>
-        <p:cxnSp>
-          <p:nvCxnSpPr>
-            <p:cNvPr id="18" name="直線コネクタ 17">
-              <a:extLst>
-                <a:ext uri="{FF2B5EF4-FFF2-40B4-BE49-F238E27FC236}">
-                  <a16:creationId xmlns:a16="http://schemas.microsoft.com/office/drawing/2014/main" id="{386B574A-0390-4623-80A6-3FFE1A79F5A2}"/>
-                </a:ext>
-              </a:extLst>
-            </p:cNvPr>
-            <p:cNvCxnSpPr>
-              <a:cxnSpLocks/>
-            </p:cNvCxnSpPr>
-            <p:nvPr/>
-          </p:nvCxnSpPr>
-          <p:spPr>
-            <a:xfrm flipH="1">
-              <a:off x="6463547" y="4811594"/>
-              <a:ext cx="478901" cy="1182342"/>
-            </a:xfrm>
-            <a:prstGeom prst="line">
-              <a:avLst/>
-            </a:prstGeom>
-            <a:ln w="28575">
-              <a:solidFill>
-                <a:srgbClr val="FF0000"/>
-              </a:solidFill>
-            </a:ln>
-          </p:spPr>
-          <p:style>
-            <a:lnRef idx="1">
-              <a:schemeClr val="accent1"/>
-            </a:lnRef>
-            <a:fillRef idx="0">
-              <a:schemeClr val="accent1"/>
-            </a:fillRef>
-            <a:effectRef idx="0">
-              <a:schemeClr val="accent1"/>
-            </a:effectRef>
-            <a:fontRef idx="minor">
-              <a:schemeClr val="tx1"/>
-            </a:fontRef>
-          </p:style>
-        </p:cxnSp>
-        <p:cxnSp>
-          <p:nvCxnSpPr>
-            <p:cNvPr id="19" name="直線コネクタ 18">
-              <a:extLst>
-                <a:ext uri="{FF2B5EF4-FFF2-40B4-BE49-F238E27FC236}">
-                  <a16:creationId xmlns:a16="http://schemas.microsoft.com/office/drawing/2014/main" id="{8FE2B595-C396-4277-9177-6FA716C8CC20}"/>
-                </a:ext>
-              </a:extLst>
-            </p:cNvPr>
-            <p:cNvCxnSpPr>
-              <a:cxnSpLocks/>
-            </p:cNvCxnSpPr>
-            <p:nvPr/>
-          </p:nvCxnSpPr>
-          <p:spPr>
-            <a:xfrm flipH="1">
-              <a:off x="6883592" y="4152833"/>
-              <a:ext cx="598596" cy="945024"/>
-            </a:xfrm>
-            <a:prstGeom prst="line">
-              <a:avLst/>
-            </a:prstGeom>
-            <a:ln w="28575">
-              <a:solidFill>
-                <a:srgbClr val="FF0000"/>
-              </a:solidFill>
-            </a:ln>
-          </p:spPr>
-          <p:style>
-            <a:lnRef idx="1">
-              <a:schemeClr val="accent1"/>
-            </a:lnRef>
-            <a:fillRef idx="0">
-              <a:schemeClr val="accent1"/>
-            </a:fillRef>
-            <a:effectRef idx="0">
-              <a:schemeClr val="accent1"/>
-            </a:effectRef>
-            <a:fontRef idx="minor">
-              <a:schemeClr val="tx1"/>
-            </a:fontRef>
-          </p:style>
-        </p:cxnSp>
-        <p:cxnSp>
-          <p:nvCxnSpPr>
-            <p:cNvPr id="20" name="直線コネクタ 19">
-              <a:extLst>
-                <a:ext uri="{FF2B5EF4-FFF2-40B4-BE49-F238E27FC236}">
-                  <a16:creationId xmlns:a16="http://schemas.microsoft.com/office/drawing/2014/main" id="{C2A36CA1-AE84-4A06-8BB0-F7152DDE033A}"/>
-                </a:ext>
-              </a:extLst>
-            </p:cNvPr>
-            <p:cNvCxnSpPr>
-              <a:cxnSpLocks/>
-            </p:cNvCxnSpPr>
-            <p:nvPr/>
-          </p:nvCxnSpPr>
-          <p:spPr>
-            <a:xfrm>
-              <a:off x="7633982" y="4282568"/>
-              <a:ext cx="200969" cy="1544682"/>
-            </a:xfrm>
-            <a:prstGeom prst="line">
-              <a:avLst/>
-            </a:prstGeom>
-            <a:ln w="28575">
-              <a:solidFill>
-                <a:srgbClr val="FF0000"/>
-              </a:solidFill>
-            </a:ln>
-          </p:spPr>
-          <p:style>
-            <a:lnRef idx="1">
-              <a:schemeClr val="accent1"/>
-            </a:lnRef>
-            <a:fillRef idx="0">
-              <a:schemeClr val="accent1"/>
-            </a:fillRef>
-            <a:effectRef idx="0">
-              <a:schemeClr val="accent1"/>
-            </a:effectRef>
-            <a:fontRef idx="minor">
-              <a:schemeClr val="tx1"/>
-            </a:fontRef>
-          </p:style>
-        </p:cxnSp>
-        <p:cxnSp>
-          <p:nvCxnSpPr>
-            <p:cNvPr id="22" name="直線コネクタ 21">
-              <a:extLst>
-                <a:ext uri="{FF2B5EF4-FFF2-40B4-BE49-F238E27FC236}">
-                  <a16:creationId xmlns:a16="http://schemas.microsoft.com/office/drawing/2014/main" id="{F00CA6C6-67CA-4DCD-8624-A9D4D90521FC}"/>
-                </a:ext>
-              </a:extLst>
-            </p:cNvPr>
-            <p:cNvCxnSpPr>
-              <a:cxnSpLocks/>
-            </p:cNvCxnSpPr>
-            <p:nvPr/>
-          </p:nvCxnSpPr>
-          <p:spPr>
-            <a:xfrm>
-              <a:off x="5839833" y="4093559"/>
-              <a:ext cx="1144190" cy="1004298"/>
-            </a:xfrm>
-            <a:prstGeom prst="line">
-              <a:avLst/>
-            </a:prstGeom>
-            <a:ln w="28575">
-              <a:solidFill>
-                <a:srgbClr val="FF0000"/>
-              </a:solidFill>
-            </a:ln>
-          </p:spPr>
-          <p:style>
-            <a:lnRef idx="1">
-              <a:schemeClr val="accent1"/>
-            </a:lnRef>
-            <a:fillRef idx="0">
-              <a:schemeClr val="accent1"/>
-            </a:fillRef>
-            <a:effectRef idx="0">
-              <a:schemeClr val="accent1"/>
-            </a:effectRef>
-            <a:fontRef idx="minor">
-              <a:schemeClr val="tx1"/>
-            </a:fontRef>
-          </p:style>
-        </p:cxnSp>
-        <p:sp>
-          <p:nvSpPr>
-            <p:cNvPr id="23" name="楕円 22">
-              <a:extLst>
-                <a:ext uri="{FF2B5EF4-FFF2-40B4-BE49-F238E27FC236}">
-                  <a16:creationId xmlns:a16="http://schemas.microsoft.com/office/drawing/2014/main" id="{7B31DCE8-2967-469C-8C8B-17BD7125AB87}"/>
-                </a:ext>
-              </a:extLst>
-            </p:cNvPr>
-            <p:cNvSpPr/>
-            <p:nvPr/>
-          </p:nvSpPr>
-          <p:spPr>
-            <a:xfrm>
-              <a:off x="3676143" y="5570290"/>
-              <a:ext cx="749983" cy="771787"/>
-            </a:xfrm>
-            <a:prstGeom prst="ellipse">
-              <a:avLst/>
-            </a:prstGeom>
-          </p:spPr>
-          <p:style>
-            <a:lnRef idx="2">
-              <a:schemeClr val="accent1">
-                <a:shade val="50000"/>
-              </a:schemeClr>
-            </a:lnRef>
-            <a:fillRef idx="1">
-              <a:schemeClr val="accent1"/>
-            </a:fillRef>
-            <a:effectRef idx="0">
-              <a:schemeClr val="accent1"/>
-            </a:effectRef>
-            <a:fontRef idx="minor">
-              <a:schemeClr val="lt1"/>
-            </a:fontRef>
-          </p:style>
-          <p:txBody>
-            <a:bodyPr rtlCol="0" anchor="ctr"/>
-            <a:lstStyle/>
-            <a:p>
-              <a:pPr algn="ctr"/>
-              <a:endParaRPr kumimoji="1" lang="ja-JP" altLang="en-US"/>
-            </a:p>
-          </p:txBody>
-        </p:sp>
-        <p:sp>
-          <p:nvSpPr>
-            <p:cNvPr id="24" name="楕円 23">
-              <a:extLst>
-                <a:ext uri="{FF2B5EF4-FFF2-40B4-BE49-F238E27FC236}">
-                  <a16:creationId xmlns:a16="http://schemas.microsoft.com/office/drawing/2014/main" id="{93A94516-2B46-4FBA-BBA5-F8911FDD883A}"/>
-                </a:ext>
-              </a:extLst>
-            </p:cNvPr>
-            <p:cNvSpPr/>
-            <p:nvPr/>
-          </p:nvSpPr>
-          <p:spPr>
-            <a:xfrm>
-              <a:off x="3758401" y="4282568"/>
-              <a:ext cx="749983" cy="771787"/>
-            </a:xfrm>
-            <a:prstGeom prst="ellipse">
-              <a:avLst/>
-            </a:prstGeom>
-          </p:spPr>
-          <p:style>
-            <a:lnRef idx="2">
-              <a:schemeClr val="accent1">
-                <a:shade val="50000"/>
-              </a:schemeClr>
-            </a:lnRef>
-            <a:fillRef idx="1">
-              <a:schemeClr val="accent1"/>
-            </a:fillRef>
-            <a:effectRef idx="0">
-              <a:schemeClr val="accent1"/>
-            </a:effectRef>
-            <a:fontRef idx="minor">
-              <a:schemeClr val="lt1"/>
-            </a:fontRef>
-          </p:style>
-          <p:txBody>
-            <a:bodyPr rtlCol="0" anchor="ctr"/>
-            <a:lstStyle/>
-            <a:p>
-              <a:pPr algn="ctr"/>
-              <a:endParaRPr kumimoji="1" lang="ja-JP" altLang="en-US" dirty="0"/>
-            </a:p>
-          </p:txBody>
-        </p:sp>
-        <p:sp>
-          <p:nvSpPr>
-            <p:cNvPr id="25" name="楕円 24">
-              <a:extLst>
-                <a:ext uri="{FF2B5EF4-FFF2-40B4-BE49-F238E27FC236}">
-                  <a16:creationId xmlns:a16="http://schemas.microsoft.com/office/drawing/2014/main" id="{F4E32E71-2575-40E9-A329-462BF77AC015}"/>
-                </a:ext>
-              </a:extLst>
-            </p:cNvPr>
-            <p:cNvSpPr/>
-            <p:nvPr/>
-          </p:nvSpPr>
-          <p:spPr>
-            <a:xfrm>
-              <a:off x="2468897" y="4152833"/>
-              <a:ext cx="749983" cy="771787"/>
-            </a:xfrm>
-            <a:prstGeom prst="ellipse">
-              <a:avLst/>
-            </a:prstGeom>
-          </p:spPr>
-          <p:style>
-            <a:lnRef idx="2">
-              <a:schemeClr val="accent1">
-                <a:shade val="50000"/>
-              </a:schemeClr>
-            </a:lnRef>
-            <a:fillRef idx="1">
-              <a:schemeClr val="accent1"/>
-            </a:fillRef>
-            <a:effectRef idx="0">
-              <a:schemeClr val="accent1"/>
-            </a:effectRef>
-            <a:fontRef idx="minor">
-              <a:schemeClr val="lt1"/>
-            </a:fontRef>
-          </p:style>
-          <p:txBody>
-            <a:bodyPr rtlCol="0" anchor="ctr"/>
-            <a:lstStyle/>
-            <a:p>
-              <a:pPr algn="ctr"/>
-              <a:r>
-                <a:rPr lang="en-US" altLang="ja-JP" dirty="0"/>
-                <a:t>X</a:t>
-              </a:r>
-            </a:p>
-          </p:txBody>
-        </p:sp>
-        <p:sp>
-          <p:nvSpPr>
-            <p:cNvPr id="26" name="楕円 25">
-              <a:extLst>
-                <a:ext uri="{FF2B5EF4-FFF2-40B4-BE49-F238E27FC236}">
-                  <a16:creationId xmlns:a16="http://schemas.microsoft.com/office/drawing/2014/main" id="{A58A1203-B036-4660-AACA-524E02DE56C7}"/>
-                </a:ext>
-              </a:extLst>
-            </p:cNvPr>
-            <p:cNvSpPr/>
-            <p:nvPr/>
-          </p:nvSpPr>
-          <p:spPr>
-            <a:xfrm>
-              <a:off x="4723201" y="5416343"/>
-              <a:ext cx="749983" cy="771787"/>
-            </a:xfrm>
-            <a:prstGeom prst="ellipse">
-              <a:avLst/>
-            </a:prstGeom>
-          </p:spPr>
-          <p:style>
-            <a:lnRef idx="2">
-              <a:schemeClr val="accent1">
-                <a:shade val="50000"/>
-              </a:schemeClr>
-            </a:lnRef>
-            <a:fillRef idx="1">
-              <a:schemeClr val="accent1"/>
-            </a:fillRef>
-            <a:effectRef idx="0">
-              <a:schemeClr val="accent1"/>
-            </a:effectRef>
-            <a:fontRef idx="minor">
-              <a:schemeClr val="lt1"/>
-            </a:fontRef>
-          </p:style>
-          <p:txBody>
-            <a:bodyPr rtlCol="0" anchor="ctr"/>
-            <a:lstStyle/>
-            <a:p>
-              <a:pPr algn="ctr"/>
-              <a:r>
-                <a:rPr kumimoji="1" lang="en-US" altLang="ja-JP" dirty="0"/>
-                <a:t>Y</a:t>
-              </a:r>
-            </a:p>
-          </p:txBody>
-        </p:sp>
-        <p:sp>
-          <p:nvSpPr>
-            <p:cNvPr id="27" name="楕円 26">
-              <a:extLst>
-                <a:ext uri="{FF2B5EF4-FFF2-40B4-BE49-F238E27FC236}">
-                  <a16:creationId xmlns:a16="http://schemas.microsoft.com/office/drawing/2014/main" id="{F1CEEC42-BACC-4368-8331-549CCA45B497}"/>
-                </a:ext>
-              </a:extLst>
-            </p:cNvPr>
-            <p:cNvSpPr/>
-            <p:nvPr/>
-          </p:nvSpPr>
-          <p:spPr>
-            <a:xfrm>
-              <a:off x="7185399" y="3779535"/>
-              <a:ext cx="749983" cy="771787"/>
-            </a:xfrm>
-            <a:prstGeom prst="ellipse">
-              <a:avLst/>
-            </a:prstGeom>
-          </p:spPr>
-          <p:style>
-            <a:lnRef idx="2">
-              <a:schemeClr val="accent1">
-                <a:shade val="50000"/>
-              </a:schemeClr>
-            </a:lnRef>
-            <a:fillRef idx="1">
-              <a:schemeClr val="accent1"/>
-            </a:fillRef>
-            <a:effectRef idx="0">
-              <a:schemeClr val="accent1"/>
-            </a:effectRef>
-            <a:fontRef idx="minor">
-              <a:schemeClr val="lt1"/>
-            </a:fontRef>
-          </p:style>
-          <p:txBody>
-            <a:bodyPr rtlCol="0" anchor="ctr"/>
-            <a:lstStyle/>
-            <a:p>
-              <a:pPr algn="ctr"/>
-              <a:endParaRPr kumimoji="1" lang="ja-JP" altLang="en-US"/>
-            </a:p>
-          </p:txBody>
-        </p:sp>
-        <p:sp>
-          <p:nvSpPr>
-            <p:cNvPr id="28" name="楕円 27">
-              <a:extLst>
-                <a:ext uri="{FF2B5EF4-FFF2-40B4-BE49-F238E27FC236}">
-                  <a16:creationId xmlns:a16="http://schemas.microsoft.com/office/drawing/2014/main" id="{DCB722E7-B1DE-453B-BEF2-7CC02D360CC3}"/>
-                </a:ext>
-              </a:extLst>
-            </p:cNvPr>
-            <p:cNvSpPr/>
-            <p:nvPr/>
-          </p:nvSpPr>
-          <p:spPr>
-            <a:xfrm>
-              <a:off x="7560391" y="5507361"/>
-              <a:ext cx="749983" cy="771787"/>
-            </a:xfrm>
-            <a:prstGeom prst="ellipse">
-              <a:avLst/>
-            </a:prstGeom>
-          </p:spPr>
-          <p:style>
-            <a:lnRef idx="2">
-              <a:schemeClr val="accent1">
-                <a:shade val="50000"/>
-              </a:schemeClr>
-            </a:lnRef>
-            <a:fillRef idx="1">
-              <a:schemeClr val="accent1"/>
-            </a:fillRef>
-            <a:effectRef idx="0">
-              <a:schemeClr val="accent1"/>
-            </a:effectRef>
-            <a:fontRef idx="minor">
-              <a:schemeClr val="lt1"/>
-            </a:fontRef>
-          </p:style>
-          <p:txBody>
-            <a:bodyPr rtlCol="0" anchor="ctr"/>
-            <a:lstStyle/>
-            <a:p>
-              <a:pPr algn="ctr"/>
-              <a:endParaRPr kumimoji="1" lang="ja-JP" altLang="en-US"/>
-            </a:p>
-          </p:txBody>
-        </p:sp>
-        <p:sp>
-          <p:nvSpPr>
-            <p:cNvPr id="30" name="楕円 29">
-              <a:extLst>
-                <a:ext uri="{FF2B5EF4-FFF2-40B4-BE49-F238E27FC236}">
-                  <a16:creationId xmlns:a16="http://schemas.microsoft.com/office/drawing/2014/main" id="{5770B1A5-D2AF-49EE-A847-3FDEDBCCB22C}"/>
-                </a:ext>
-              </a:extLst>
-            </p:cNvPr>
-            <p:cNvSpPr/>
-            <p:nvPr/>
-          </p:nvSpPr>
-          <p:spPr>
-            <a:xfrm>
-              <a:off x="6530829" y="4643448"/>
-              <a:ext cx="749983" cy="771787"/>
-            </a:xfrm>
-            <a:prstGeom prst="ellipse">
-              <a:avLst/>
-            </a:prstGeom>
-          </p:spPr>
-          <p:style>
-            <a:lnRef idx="2">
-              <a:schemeClr val="accent1">
-                <a:shade val="50000"/>
-              </a:schemeClr>
-            </a:lnRef>
-            <a:fillRef idx="1">
-              <a:schemeClr val="accent1"/>
-            </a:fillRef>
-            <a:effectRef idx="0">
-              <a:schemeClr val="accent1"/>
-            </a:effectRef>
-            <a:fontRef idx="minor">
-              <a:schemeClr val="lt1"/>
-            </a:fontRef>
-          </p:style>
-          <p:txBody>
-            <a:bodyPr rtlCol="0" anchor="ctr"/>
-            <a:lstStyle/>
-            <a:p>
-              <a:pPr algn="ctr"/>
-              <a:endParaRPr kumimoji="1" lang="ja-JP" altLang="en-US" dirty="0"/>
-            </a:p>
-          </p:txBody>
-        </p:sp>
-        <p:sp>
-          <p:nvSpPr>
-            <p:cNvPr id="32" name="楕円 31">
-              <a:extLst>
-                <a:ext uri="{FF2B5EF4-FFF2-40B4-BE49-F238E27FC236}">
-                  <a16:creationId xmlns:a16="http://schemas.microsoft.com/office/drawing/2014/main" id="{6904BA52-2F1B-4917-8AE3-0977167A867E}"/>
-                </a:ext>
-              </a:extLst>
-            </p:cNvPr>
-            <p:cNvSpPr/>
-            <p:nvPr/>
-          </p:nvSpPr>
-          <p:spPr>
-            <a:xfrm>
-              <a:off x="5901797" y="5578679"/>
-              <a:ext cx="749983" cy="771787"/>
-            </a:xfrm>
-            <a:prstGeom prst="ellipse">
-              <a:avLst/>
-            </a:prstGeom>
-            <a:solidFill>
-              <a:schemeClr val="accent1"/>
-            </a:solidFill>
-          </p:spPr>
-          <p:style>
-            <a:lnRef idx="2">
-              <a:schemeClr val="accent1">
-                <a:shade val="50000"/>
-              </a:schemeClr>
-            </a:lnRef>
-            <a:fillRef idx="1">
-              <a:schemeClr val="accent1"/>
-            </a:fillRef>
-            <a:effectRef idx="0">
-              <a:schemeClr val="accent1"/>
-            </a:effectRef>
-            <a:fontRef idx="minor">
-              <a:schemeClr val="lt1"/>
-            </a:fontRef>
-          </p:style>
-          <p:txBody>
-            <a:bodyPr rtlCol="0" anchor="ctr"/>
-            <a:lstStyle/>
-            <a:p>
-              <a:pPr algn="ctr"/>
-              <a:endParaRPr kumimoji="1" lang="ja-JP" altLang="en-US"/>
-            </a:p>
-          </p:txBody>
-        </p:sp>
-        <p:sp>
-          <p:nvSpPr>
-            <p:cNvPr id="33" name="楕円 32">
-              <a:extLst>
-                <a:ext uri="{FF2B5EF4-FFF2-40B4-BE49-F238E27FC236}">
-                  <a16:creationId xmlns:a16="http://schemas.microsoft.com/office/drawing/2014/main" id="{C10A57F1-D338-4865-AA05-A4B297F21CEC}"/>
-                </a:ext>
-              </a:extLst>
-            </p:cNvPr>
-            <p:cNvSpPr/>
-            <p:nvPr/>
-          </p:nvSpPr>
-          <p:spPr>
-            <a:xfrm>
-              <a:off x="5517425" y="3706684"/>
-              <a:ext cx="749983" cy="771787"/>
-            </a:xfrm>
-            <a:prstGeom prst="ellipse">
-              <a:avLst/>
-            </a:prstGeom>
-            <a:solidFill>
-              <a:schemeClr val="accent1"/>
-            </a:solidFill>
-          </p:spPr>
-          <p:style>
-            <a:lnRef idx="2">
-              <a:schemeClr val="accent1">
-                <a:shade val="50000"/>
-              </a:schemeClr>
-            </a:lnRef>
-            <a:fillRef idx="1">
-              <a:schemeClr val="accent1"/>
-            </a:fillRef>
-            <a:effectRef idx="0">
-              <a:schemeClr val="accent1"/>
-            </a:effectRef>
-            <a:fontRef idx="minor">
-              <a:schemeClr val="lt1"/>
-            </a:fontRef>
-          </p:style>
-          <p:txBody>
-            <a:bodyPr rtlCol="0" anchor="ctr"/>
-            <a:lstStyle/>
-            <a:p>
-              <a:pPr algn="ctr"/>
-              <a:endParaRPr kumimoji="1" lang="ja-JP" altLang="en-US"/>
-            </a:p>
-          </p:txBody>
-        </p:sp>
-      </p:grpSp>
       <p:pic>
         <p:nvPicPr>
           <p:cNvPr id="9" name="図 8">
@@ -17250,7 +19163,7 @@
         </p:blipFill>
         <p:spPr>
           <a:xfrm>
-            <a:off x="8415252" y="402214"/>
+            <a:off x="8110404" y="939279"/>
             <a:ext cx="3243396" cy="777859"/>
           </a:xfrm>
           <a:prstGeom prst="rect">
@@ -17258,107 +19171,6 @@
           </a:prstGeom>
         </p:spPr>
       </p:pic>
-      <p:sp>
-        <p:nvSpPr>
-          <p:cNvPr id="10" name="楕円 9">
-            <a:extLst>
-              <a:ext uri="{FF2B5EF4-FFF2-40B4-BE49-F238E27FC236}">
-                <a16:creationId xmlns:a16="http://schemas.microsoft.com/office/drawing/2014/main" id="{164C8E77-3CF9-48D0-BFFA-B14A46645CF1}"/>
-              </a:ext>
-            </a:extLst>
-          </p:cNvPr>
-          <p:cNvSpPr/>
-          <p:nvPr/>
-        </p:nvSpPr>
-        <p:spPr>
-          <a:xfrm>
-            <a:off x="2507629" y="3646736"/>
-            <a:ext cx="3800447" cy="3148347"/>
-          </a:xfrm>
-          <a:prstGeom prst="ellipse">
-            <a:avLst/>
-          </a:prstGeom>
-          <a:noFill/>
-          <a:ln>
-            <a:solidFill>
-              <a:schemeClr val="accent6"/>
-            </a:solidFill>
-          </a:ln>
-        </p:spPr>
-        <p:style>
-          <a:lnRef idx="2">
-            <a:schemeClr val="accent1">
-              <a:shade val="50000"/>
-            </a:schemeClr>
-          </a:lnRef>
-          <a:fillRef idx="1">
-            <a:schemeClr val="accent1"/>
-          </a:fillRef>
-          <a:effectRef idx="0">
-            <a:schemeClr val="accent1"/>
-          </a:effectRef>
-          <a:fontRef idx="minor">
-            <a:schemeClr val="lt1"/>
-          </a:fontRef>
-        </p:style>
-        <p:txBody>
-          <a:bodyPr rtlCol="0" anchor="ctr"/>
-          <a:lstStyle/>
-          <a:p>
-            <a:pPr algn="ctr"/>
-            <a:endParaRPr kumimoji="1" lang="ja-JP" altLang="en-US"/>
-          </a:p>
-        </p:txBody>
-      </p:sp>
-      <p:sp>
-        <p:nvSpPr>
-          <p:cNvPr id="36" name="楕円 35">
-            <a:extLst>
-              <a:ext uri="{FF2B5EF4-FFF2-40B4-BE49-F238E27FC236}">
-                <a16:creationId xmlns:a16="http://schemas.microsoft.com/office/drawing/2014/main" id="{3D3AC6EE-567B-486B-862E-DB732BDC3D7B}"/>
-              </a:ext>
-            </a:extLst>
-          </p:cNvPr>
-          <p:cNvSpPr/>
-          <p:nvPr/>
-        </p:nvSpPr>
-        <p:spPr>
-          <a:xfrm>
-            <a:off x="3072197" y="5382633"/>
-            <a:ext cx="749983" cy="771787"/>
-          </a:xfrm>
-          <a:prstGeom prst="ellipse">
-            <a:avLst/>
-          </a:prstGeom>
-          <a:solidFill>
-            <a:schemeClr val="accent1"/>
-          </a:solidFill>
-        </p:spPr>
-        <p:style>
-          <a:lnRef idx="2">
-            <a:schemeClr val="accent1">
-              <a:shade val="50000"/>
-            </a:schemeClr>
-          </a:lnRef>
-          <a:fillRef idx="1">
-            <a:schemeClr val="accent1"/>
-          </a:fillRef>
-          <a:effectRef idx="0">
-            <a:schemeClr val="accent1"/>
-          </a:effectRef>
-          <a:fontRef idx="minor">
-            <a:schemeClr val="lt1"/>
-          </a:fontRef>
-        </p:style>
-        <p:txBody>
-          <a:bodyPr rtlCol="0" anchor="ctr"/>
-          <a:lstStyle/>
-          <a:p>
-            <a:pPr algn="ctr"/>
-            <a:endParaRPr kumimoji="1" lang="ja-JP" altLang="en-US"/>
-          </a:p>
-        </p:txBody>
-      </p:sp>
       <p:cxnSp>
         <p:nvCxnSpPr>
           <p:cNvPr id="40" name="直線コネクタ 39">
@@ -17375,7 +19187,7 @@
         </p:nvCxnSpPr>
         <p:spPr>
           <a:xfrm flipH="1">
-            <a:off x="6194749" y="3142111"/>
+            <a:off x="6194749" y="3622878"/>
             <a:ext cx="2974418" cy="25026"/>
           </a:xfrm>
           <a:prstGeom prst="line">
@@ -17416,8 +19228,8 @@
         </p:nvSpPr>
         <p:spPr>
           <a:xfrm>
-            <a:off x="7550092" y="1359017"/>
-            <a:ext cx="3988592" cy="369332"/>
+            <a:off x="941388" y="4592410"/>
+            <a:ext cx="5253361" cy="461665"/>
           </a:xfrm>
           <a:prstGeom prst="rect">
             <a:avLst/>
@@ -17431,11 +19243,11 @@
           <a:lstStyle/>
           <a:p>
             <a:r>
-              <a:rPr kumimoji="1" lang="en-US" altLang="ja-JP" dirty="0"/>
+              <a:rPr kumimoji="1" lang="en-US" altLang="ja-JP" sz="2400" dirty="0"/>
               <a:t>C(n) : n</a:t>
             </a:r>
             <a:r>
-              <a:rPr kumimoji="1" lang="ja-JP" altLang="en-US" dirty="0"/>
+              <a:rPr kumimoji="1" lang="ja-JP" altLang="en-US" sz="2400" dirty="0"/>
               <a:t>が属しているクラスタの集合</a:t>
             </a:r>
           </a:p>
@@ -17449,7 +19261,7 @@
         </p:nvSpPr>
         <p:spPr>
           <a:xfrm>
-            <a:off x="8300413" y="441460"/>
+            <a:off x="7995565" y="978525"/>
             <a:ext cx="3358235" cy="755271"/>
           </a:xfrm>
           <a:prstGeom prst="rect">
@@ -17500,7 +19312,7 @@
 </p:sld>
 </file>
 
-<file path=ppt/slides/slide33.xml><?xml version="1.0" encoding="utf-8"?>
+<file path=ppt/slides/slide35.xml><?xml version="1.0" encoding="utf-8"?>
 <p:sld xmlns:a="http://schemas.openxmlformats.org/drawingml/2006/main" xmlns:r="http://schemas.openxmlformats.org/officeDocument/2006/relationships" xmlns:p="http://schemas.openxmlformats.org/presentationml/2006/main">
   <p:cSld>
     <p:spTree>
@@ -18216,540 +20028,6 @@
 </p:sld>
 </file>
 
-<file path=ppt/slides/slide34.xml><?xml version="1.0" encoding="utf-8"?>
-<p:sld xmlns:a="http://schemas.openxmlformats.org/drawingml/2006/main" xmlns:r="http://schemas.openxmlformats.org/officeDocument/2006/relationships" xmlns:p="http://schemas.openxmlformats.org/presentationml/2006/main">
-  <p:cSld>
-    <p:spTree>
-      <p:nvGrpSpPr>
-        <p:cNvPr id="1" name=""/>
-        <p:cNvGrpSpPr/>
-        <p:nvPr/>
-      </p:nvGrpSpPr>
-      <p:grpSpPr>
-        <a:xfrm>
-          <a:off x="0" y="0"/>
-          <a:ext cx="0" cy="0"/>
-          <a:chOff x="0" y="0"/>
-          <a:chExt cx="0" cy="0"/>
-        </a:xfrm>
-      </p:grpSpPr>
-      <p:sp>
-        <p:nvSpPr>
-          <p:cNvPr id="2" name="タイトル 1">
-            <a:extLst>
-              <a:ext uri="{FF2B5EF4-FFF2-40B4-BE49-F238E27FC236}">
-                <a16:creationId xmlns:a16="http://schemas.microsoft.com/office/drawing/2014/main" id="{274334FC-3C80-499F-BA46-FAD3DF5D4694}"/>
-              </a:ext>
-            </a:extLst>
-          </p:cNvPr>
-          <p:cNvSpPr>
-            <a:spLocks noGrp="1"/>
-          </p:cNvSpPr>
-          <p:nvPr>
-            <p:ph type="title"/>
-          </p:nvPr>
-        </p:nvSpPr>
-        <p:spPr/>
-        <p:txBody>
-          <a:bodyPr/>
-          <a:lstStyle/>
-          <a:p>
-            <a:r>
-              <a:rPr kumimoji="1" lang="en-US" altLang="ja-JP" dirty="0">
-                <a:latin typeface="Arial" panose="020B0604020202020204" pitchFamily="34" charset="0"/>
-                <a:cs typeface="Arial" panose="020B0604020202020204" pitchFamily="34" charset="0"/>
-              </a:rPr>
-              <a:t>Semantic features</a:t>
-            </a:r>
-            <a:endParaRPr kumimoji="1" lang="ja-JP" altLang="en-US" dirty="0">
-              <a:latin typeface="Arial" panose="020B0604020202020204" pitchFamily="34" charset="0"/>
-              <a:cs typeface="Arial" panose="020B0604020202020204" pitchFamily="34" charset="0"/>
-            </a:endParaRPr>
-          </a:p>
-        </p:txBody>
-      </p:sp>
-      <p:sp>
-        <p:nvSpPr>
-          <p:cNvPr id="3" name="コンテンツ プレースホルダー 2">
-            <a:extLst>
-              <a:ext uri="{FF2B5EF4-FFF2-40B4-BE49-F238E27FC236}">
-                <a16:creationId xmlns:a16="http://schemas.microsoft.com/office/drawing/2014/main" id="{FD47AC02-C281-45A1-A0DB-81C2C80E5344}"/>
-              </a:ext>
-            </a:extLst>
-          </p:cNvPr>
-          <p:cNvSpPr>
-            <a:spLocks noGrp="1"/>
-          </p:cNvSpPr>
-          <p:nvPr>
-            <p:ph idx="1"/>
-          </p:nvPr>
-        </p:nvSpPr>
-        <p:spPr>
-          <a:xfrm>
-            <a:off x="838200" y="1690688"/>
-            <a:ext cx="10515600" cy="4486275"/>
-          </a:xfrm>
-        </p:spPr>
-        <p:txBody>
-          <a:bodyPr>
-            <a:normAutofit lnSpcReduction="10000"/>
-          </a:bodyPr>
-          <a:lstStyle/>
-          <a:p>
-            <a:r>
-              <a:rPr kumimoji="1" lang="en-US" altLang="ja-JP" dirty="0">
-                <a:hlinkClick r:id="rId2"/>
-              </a:rPr>
-              <a:t>ATC</a:t>
-            </a:r>
-            <a:r>
-              <a:rPr kumimoji="1" lang="ja-JP" altLang="en-US" dirty="0">
-                <a:hlinkClick r:id="rId2"/>
-              </a:rPr>
-              <a:t>コード</a:t>
-            </a:r>
-            <a:r>
-              <a:rPr kumimoji="1" lang="ja-JP" altLang="en-US" dirty="0"/>
-              <a:t>：解剖治療学分類法</a:t>
-            </a:r>
-            <a:r>
-              <a:rPr lang="ja-JP" altLang="en-US" dirty="0"/>
-              <a:t>（医薬品を効果をもたらす部位、器官、作用能、化学特徴によって</a:t>
-            </a:r>
-            <a:r>
-              <a:rPr lang="en-US" altLang="ja-JP" dirty="0"/>
-              <a:t>5</a:t>
-            </a:r>
-            <a:r>
-              <a:rPr lang="ja-JP" altLang="en-US" dirty="0" err="1"/>
-              <a:t>つの</a:t>
-            </a:r>
-            <a:r>
-              <a:rPr lang="ja-JP" altLang="en-US" dirty="0"/>
-              <a:t>レベルにグループ分け</a:t>
-            </a:r>
-            <a:endParaRPr lang="en-US" altLang="ja-JP" dirty="0"/>
-          </a:p>
-          <a:p>
-            <a:r>
-              <a:rPr lang="ja-JP" altLang="en-US" b="1" dirty="0"/>
-              <a:t>レベル１</a:t>
-            </a:r>
-            <a:r>
-              <a:rPr lang="ja-JP" altLang="en-US" dirty="0"/>
-              <a:t>：解剖学的部位に基づいた分類で</a:t>
-            </a:r>
-            <a:r>
-              <a:rPr lang="en-US" altLang="ja-JP" dirty="0"/>
-              <a:t>14</a:t>
-            </a:r>
-            <a:r>
-              <a:rPr lang="ja-JP" altLang="en-US" dirty="0"/>
-              <a:t>個にグループ分け</a:t>
-            </a:r>
-            <a:endParaRPr lang="en-US" altLang="ja-JP" dirty="0"/>
-          </a:p>
-          <a:p>
-            <a:pPr lvl="1"/>
-            <a:r>
-              <a:rPr kumimoji="1" lang="en-US" altLang="ja-JP" dirty="0"/>
-              <a:t>A – </a:t>
-            </a:r>
-            <a:r>
-              <a:rPr kumimoji="1" lang="ja-JP" altLang="en-US" dirty="0"/>
-              <a:t>消化管及び代謝</a:t>
-            </a:r>
-            <a:endParaRPr kumimoji="1" lang="en-US" altLang="ja-JP" dirty="0"/>
-          </a:p>
-          <a:p>
-            <a:pPr lvl="1"/>
-            <a:r>
-              <a:rPr kumimoji="1" lang="en-US" altLang="ja-JP" dirty="0"/>
-              <a:t>B – </a:t>
-            </a:r>
-            <a:r>
-              <a:rPr kumimoji="1" lang="ja-JP" altLang="en-US" dirty="0"/>
-              <a:t>血液および血液を生成する器官</a:t>
-            </a:r>
-            <a:endParaRPr kumimoji="1" lang="en-US" altLang="ja-JP" dirty="0"/>
-          </a:p>
-          <a:p>
-            <a:pPr lvl="1"/>
-            <a:r>
-              <a:rPr kumimoji="1" lang="en-US" altLang="ja-JP" dirty="0"/>
-              <a:t>…</a:t>
-            </a:r>
-          </a:p>
-          <a:p>
-            <a:pPr lvl="1"/>
-            <a:r>
-              <a:rPr lang="en-US" altLang="ja-JP" dirty="0"/>
-              <a:t>R –</a:t>
-            </a:r>
-            <a:r>
-              <a:rPr lang="ja-JP" altLang="en-US" dirty="0"/>
-              <a:t> 呼吸器系</a:t>
-            </a:r>
-            <a:endParaRPr kumimoji="1" lang="en-US" altLang="ja-JP" dirty="0"/>
-          </a:p>
-          <a:p>
-            <a:pPr lvl="1"/>
-            <a:r>
-              <a:rPr kumimoji="1" lang="en-US" altLang="ja-JP" dirty="0"/>
-              <a:t>S</a:t>
-            </a:r>
-            <a:r>
-              <a:rPr lang="ja-JP" altLang="en-US" dirty="0"/>
-              <a:t> </a:t>
-            </a:r>
-            <a:r>
-              <a:rPr kumimoji="1" lang="en-US" altLang="ja-JP" dirty="0"/>
-              <a:t>– </a:t>
-            </a:r>
-            <a:r>
-              <a:rPr kumimoji="1" lang="ja-JP" altLang="en-US" dirty="0"/>
-              <a:t>感覚系</a:t>
-            </a:r>
-            <a:endParaRPr kumimoji="1" lang="en-US" altLang="ja-JP" dirty="0"/>
-          </a:p>
-          <a:p>
-            <a:pPr lvl="1"/>
-            <a:r>
-              <a:rPr kumimoji="1" lang="en-US" altLang="ja-JP" dirty="0"/>
-              <a:t>V </a:t>
-            </a:r>
-            <a:r>
-              <a:rPr lang="en-US" altLang="ja-JP" dirty="0"/>
-              <a:t>– </a:t>
-            </a:r>
-            <a:r>
-              <a:rPr lang="ja-JP" altLang="en-US" dirty="0"/>
-              <a:t>その他</a:t>
-            </a:r>
-            <a:endParaRPr lang="en-US" altLang="ja-JP" dirty="0"/>
-          </a:p>
-          <a:p>
-            <a:r>
-              <a:rPr lang="en-US" altLang="ja-JP" dirty="0"/>
-              <a:t>Ex.) ATC</a:t>
-            </a:r>
-            <a:r>
-              <a:rPr lang="ja-JP" altLang="en-US" dirty="0"/>
-              <a:t>コード</a:t>
-            </a:r>
-            <a:r>
-              <a:rPr lang="en-US" altLang="ja-JP" i="1" dirty="0"/>
-              <a:t>B01AC06</a:t>
-            </a:r>
-            <a:r>
-              <a:rPr lang="ja-JP" altLang="en-US" dirty="0"/>
-              <a:t>は解熱剤</a:t>
-            </a:r>
-            <a:endParaRPr lang="en-US" altLang="ja-JP" dirty="0"/>
-          </a:p>
-          <a:p>
-            <a:pPr lvl="1"/>
-            <a:r>
-              <a:rPr lang="en-US" altLang="ja-JP" dirty="0"/>
-              <a:t>B – </a:t>
-            </a:r>
-            <a:r>
-              <a:rPr lang="ja-JP" altLang="en-US" dirty="0"/>
-              <a:t>血液および血液を生成する器官に作用する</a:t>
-            </a:r>
-            <a:endParaRPr lang="en-US" altLang="ja-JP" dirty="0"/>
-          </a:p>
-        </p:txBody>
-      </p:sp>
-    </p:spTree>
-    <p:extLst>
-      <p:ext uri="{BB962C8B-B14F-4D97-AF65-F5344CB8AC3E}">
-        <p14:creationId xmlns:p14="http://schemas.microsoft.com/office/powerpoint/2010/main" val="1741450885"/>
-      </p:ext>
-    </p:extLst>
-  </p:cSld>
-  <p:clrMapOvr>
-    <a:masterClrMapping/>
-  </p:clrMapOvr>
-</p:sld>
-</file>
-
-<file path=ppt/slides/slide35.xml><?xml version="1.0" encoding="utf-8"?>
-<p:sld xmlns:a="http://schemas.openxmlformats.org/drawingml/2006/main" xmlns:r="http://schemas.openxmlformats.org/officeDocument/2006/relationships" xmlns:p="http://schemas.openxmlformats.org/presentationml/2006/main">
-  <p:cSld>
-    <p:spTree>
-      <p:nvGrpSpPr>
-        <p:cNvPr id="1" name=""/>
-        <p:cNvGrpSpPr/>
-        <p:nvPr/>
-      </p:nvGrpSpPr>
-      <p:grpSpPr>
-        <a:xfrm>
-          <a:off x="0" y="0"/>
-          <a:ext cx="0" cy="0"/>
-          <a:chOff x="0" y="0"/>
-          <a:chExt cx="0" cy="0"/>
-        </a:xfrm>
-      </p:grpSpPr>
-      <p:sp>
-        <p:nvSpPr>
-          <p:cNvPr id="2" name="タイトル 1">
-            <a:extLst>
-              <a:ext uri="{FF2B5EF4-FFF2-40B4-BE49-F238E27FC236}">
-                <a16:creationId xmlns:a16="http://schemas.microsoft.com/office/drawing/2014/main" id="{274334FC-3C80-499F-BA46-FAD3DF5D4694}"/>
-              </a:ext>
-            </a:extLst>
-          </p:cNvPr>
-          <p:cNvSpPr>
-            <a:spLocks noGrp="1"/>
-          </p:cNvSpPr>
-          <p:nvPr>
-            <p:ph type="title"/>
-          </p:nvPr>
-        </p:nvSpPr>
-        <p:spPr/>
-        <p:txBody>
-          <a:bodyPr/>
-          <a:lstStyle/>
-          <a:p>
-            <a:r>
-              <a:rPr kumimoji="1" lang="en-US" altLang="ja-JP" dirty="0">
-                <a:latin typeface="Arial" panose="020B0604020202020204" pitchFamily="34" charset="0"/>
-                <a:cs typeface="Arial" panose="020B0604020202020204" pitchFamily="34" charset="0"/>
-              </a:rPr>
-              <a:t>Semantic features</a:t>
-            </a:r>
-            <a:endParaRPr kumimoji="1" lang="ja-JP" altLang="en-US" dirty="0">
-              <a:latin typeface="Arial" panose="020B0604020202020204" pitchFamily="34" charset="0"/>
-              <a:cs typeface="Arial" panose="020B0604020202020204" pitchFamily="34" charset="0"/>
-            </a:endParaRPr>
-          </a:p>
-        </p:txBody>
-      </p:sp>
-      <p:sp>
-        <p:nvSpPr>
-          <p:cNvPr id="3" name="コンテンツ プレースホルダー 2">
-            <a:extLst>
-              <a:ext uri="{FF2B5EF4-FFF2-40B4-BE49-F238E27FC236}">
-                <a16:creationId xmlns:a16="http://schemas.microsoft.com/office/drawing/2014/main" id="{FD47AC02-C281-45A1-A0DB-81C2C80E5344}"/>
-              </a:ext>
-            </a:extLst>
-          </p:cNvPr>
-          <p:cNvSpPr>
-            <a:spLocks noGrp="1"/>
-          </p:cNvSpPr>
-          <p:nvPr>
-            <p:ph idx="1"/>
-          </p:nvPr>
-        </p:nvSpPr>
-        <p:spPr>
-          <a:xfrm>
-            <a:off x="838200" y="1690688"/>
-            <a:ext cx="10515600" cy="2722692"/>
-          </a:xfrm>
-        </p:spPr>
-        <p:txBody>
-          <a:bodyPr>
-            <a:normAutofit fontScale="92500" lnSpcReduction="10000"/>
-          </a:bodyPr>
-          <a:lstStyle/>
-          <a:p>
-            <a:r>
-              <a:rPr lang="en-US" altLang="ja-JP" dirty="0">
-                <a:latin typeface="Arial" panose="020B0604020202020204" pitchFamily="34" charset="0"/>
-                <a:cs typeface="Arial" panose="020B0604020202020204" pitchFamily="34" charset="0"/>
-              </a:rPr>
-              <a:t>Inverse document frequency (IDF)</a:t>
-            </a:r>
-          </a:p>
-          <a:p>
-            <a:pPr lvl="1"/>
-            <a:r>
-              <a:rPr lang="en-US" altLang="ja-JP" dirty="0"/>
-              <a:t>D: </a:t>
-            </a:r>
-            <a:r>
-              <a:rPr lang="ja-JP" altLang="en-US" dirty="0"/>
-              <a:t>化合物の集合</a:t>
-            </a:r>
-            <a:endParaRPr lang="en-US" altLang="ja-JP" dirty="0"/>
-          </a:p>
-          <a:p>
-            <a:pPr lvl="1"/>
-            <a:r>
-              <a:rPr lang="ja-JP" altLang="en-US" dirty="0"/>
-              <a:t>　</a:t>
-            </a:r>
-            <a:r>
-              <a:rPr lang="en-US" altLang="ja-JP" dirty="0"/>
-              <a:t> : ATC</a:t>
-            </a:r>
-            <a:r>
-              <a:rPr lang="ja-JP" altLang="en-US" dirty="0"/>
-              <a:t>コード</a:t>
-            </a:r>
-            <a:r>
-              <a:rPr lang="en-US" altLang="ja-JP" dirty="0"/>
-              <a:t>t</a:t>
-            </a:r>
-            <a:r>
-              <a:rPr lang="ja-JP" altLang="en-US" dirty="0"/>
-              <a:t>を持つ化合物の数</a:t>
-            </a:r>
-            <a:endParaRPr lang="en-US" altLang="ja-JP" dirty="0"/>
-          </a:p>
-          <a:p>
-            <a:pPr lvl="1"/>
-            <a:endParaRPr lang="en-US" altLang="ja-JP" dirty="0"/>
-          </a:p>
-          <a:p>
-            <a:r>
-              <a:rPr lang="ja-JP" altLang="en-US" dirty="0"/>
-              <a:t>いろんな化合物が持つ</a:t>
-            </a:r>
-            <a:r>
-              <a:rPr lang="en-US" altLang="ja-JP" dirty="0"/>
-              <a:t>ATC</a:t>
-            </a:r>
-            <a:r>
-              <a:rPr lang="ja-JP" altLang="en-US" dirty="0"/>
-              <a:t>コードはそれほど重要ではない</a:t>
-            </a:r>
-            <a:endParaRPr lang="en-US" altLang="ja-JP" dirty="0"/>
-          </a:p>
-          <a:p>
-            <a:r>
-              <a:rPr lang="ja-JP" altLang="en-US" dirty="0"/>
-              <a:t>薬物間の類似度は</a:t>
-            </a:r>
-            <a:r>
-              <a:rPr lang="en-US" altLang="ja-JP" dirty="0"/>
-              <a:t>IDF</a:t>
-            </a:r>
-            <a:r>
-              <a:rPr lang="ja-JP" altLang="en-US" dirty="0"/>
-              <a:t>で構成されたベクトルのコサイン類似度</a:t>
-            </a:r>
-            <a:r>
-              <a:rPr lang="en-US" altLang="ja-JP" dirty="0"/>
-              <a:t/>
-            </a:r>
-            <a:br>
-              <a:rPr lang="en-US" altLang="ja-JP" dirty="0"/>
-            </a:br>
-            <a:r>
-              <a:rPr lang="ja-JP" altLang="en-US" dirty="0"/>
-              <a:t>（</a:t>
-            </a:r>
-            <a:r>
-              <a:rPr lang="en-US" altLang="ja-JP" dirty="0"/>
-              <a:t>1</a:t>
-            </a:r>
-            <a:r>
-              <a:rPr lang="ja-JP" altLang="en-US" dirty="0" err="1"/>
-              <a:t>つの</a:t>
-            </a:r>
-            <a:r>
-              <a:rPr lang="ja-JP" altLang="en-US" dirty="0"/>
-              <a:t>化合物が複数の</a:t>
-            </a:r>
-            <a:r>
-              <a:rPr lang="en-US" altLang="ja-JP" dirty="0"/>
-              <a:t>ATC</a:t>
-            </a:r>
-            <a:r>
-              <a:rPr lang="ja-JP" altLang="en-US" dirty="0"/>
-              <a:t>コードをもつから？）</a:t>
-            </a:r>
-            <a:endParaRPr lang="en-US" altLang="ja-JP" dirty="0"/>
-          </a:p>
-        </p:txBody>
-      </p:sp>
-      <p:pic>
-        <p:nvPicPr>
-          <p:cNvPr id="5" name="図 4">
-            <a:extLst>
-              <a:ext uri="{FF2B5EF4-FFF2-40B4-BE49-F238E27FC236}">
-                <a16:creationId xmlns:a16="http://schemas.microsoft.com/office/drawing/2014/main" id="{00F4ACE8-1CFA-4844-8451-F673E37B8DA5}"/>
-              </a:ext>
-            </a:extLst>
-          </p:cNvPr>
-          <p:cNvPicPr>
-            <a:picLocks noChangeAspect="1"/>
-          </p:cNvPicPr>
-          <p:nvPr/>
-        </p:nvPicPr>
-        <p:blipFill>
-          <a:blip r:embed="rId2">
-            <a:extLst>
-              <a:ext uri="{28A0092B-C50C-407E-A947-70E740481C1C}">
-                <a14:useLocalDpi xmlns:a14="http://schemas.microsoft.com/office/drawing/2010/main" val="0"/>
-              </a:ext>
-            </a:extLst>
-          </a:blip>
-          <a:stretch>
-            <a:fillRect/>
-          </a:stretch>
-        </p:blipFill>
-        <p:spPr>
-          <a:xfrm>
-            <a:off x="4171689" y="4848934"/>
-            <a:ext cx="3848622" cy="1222503"/>
-          </a:xfrm>
-          <a:prstGeom prst="rect">
-            <a:avLst/>
-          </a:prstGeom>
-        </p:spPr>
-      </p:pic>
-      <p:pic>
-        <p:nvPicPr>
-          <p:cNvPr id="6" name="図 5">
-            <a:extLst>
-              <a:ext uri="{FF2B5EF4-FFF2-40B4-BE49-F238E27FC236}">
-                <a16:creationId xmlns:a16="http://schemas.microsoft.com/office/drawing/2014/main" id="{40EEE5CF-9FCC-471B-A33F-8B4AC14BC486}"/>
-              </a:ext>
-            </a:extLst>
-          </p:cNvPr>
-          <p:cNvPicPr>
-            <a:picLocks noChangeAspect="1"/>
-          </p:cNvPicPr>
-          <p:nvPr/>
-        </p:nvPicPr>
-        <p:blipFill>
-          <a:blip r:embed="rId3">
-            <a:extLst>
-              <a:ext uri="{28A0092B-C50C-407E-A947-70E740481C1C}">
-                <a14:useLocalDpi xmlns:a14="http://schemas.microsoft.com/office/drawing/2010/main" val="0"/>
-              </a:ext>
-            </a:extLst>
-          </a:blip>
-          <a:stretch>
-            <a:fillRect/>
-          </a:stretch>
-        </p:blipFill>
-        <p:spPr>
-          <a:xfrm>
-            <a:off x="1614022" y="2424775"/>
-            <a:ext cx="323810" cy="238095"/>
-          </a:xfrm>
-          <a:prstGeom prst="rect">
-            <a:avLst/>
-          </a:prstGeom>
-        </p:spPr>
-      </p:pic>
-    </p:spTree>
-    <p:extLst>
-      <p:ext uri="{BB962C8B-B14F-4D97-AF65-F5344CB8AC3E}">
-        <p14:creationId xmlns:p14="http://schemas.microsoft.com/office/powerpoint/2010/main" val="2518475947"/>
-      </p:ext>
-    </p:extLst>
-  </p:cSld>
-  <p:clrMapOvr>
-    <a:masterClrMapping/>
-  </p:clrMapOvr>
-</p:sld>
-</file>
-
 <file path=ppt/slides/slide36.xml><?xml version="1.0" encoding="utf-8"?>
 <p:sld xmlns:a="http://schemas.openxmlformats.org/drawingml/2006/main" xmlns:r="http://schemas.openxmlformats.org/officeDocument/2006/relationships" xmlns:p="http://schemas.openxmlformats.org/presentationml/2006/main">
   <p:cSld>
@@ -18821,214 +20099,184 @@
         <p:spPr>
           <a:xfrm>
             <a:off x="838200" y="1690688"/>
-            <a:ext cx="10515600" cy="2487029"/>
+            <a:ext cx="10515600" cy="4486275"/>
           </a:xfrm>
         </p:spPr>
         <p:txBody>
           <a:bodyPr>
-            <a:normAutofit fontScale="92500" lnSpcReduction="20000"/>
+            <a:normAutofit lnSpcReduction="10000"/>
           </a:bodyPr>
           <a:lstStyle/>
           <a:p>
             <a:r>
-              <a:rPr lang="en-US" altLang="ja-JP" dirty="0">
-                <a:latin typeface="Arial" panose="020B0604020202020204" pitchFamily="34" charset="0"/>
-                <a:cs typeface="Arial" panose="020B0604020202020204" pitchFamily="34" charset="0"/>
+              <a:rPr kumimoji="1" lang="en-US" altLang="ja-JP" dirty="0">
+                <a:hlinkClick r:id="rId2"/>
               </a:rPr>
-              <a:t>Chemical structure-based drug similarity (CHEM)</a:t>
-            </a:r>
-          </a:p>
-          <a:p>
-            <a:r>
-              <a:rPr lang="en-US" altLang="ja-JP" dirty="0">
-                <a:latin typeface="Arial" panose="020B0604020202020204" pitchFamily="34" charset="0"/>
-                <a:cs typeface="Arial" panose="020B0604020202020204" pitchFamily="34" charset="0"/>
+              <a:t>ATC</a:t>
+            </a:r>
+            <a:r>
+              <a:rPr kumimoji="1" lang="ja-JP" altLang="en-US" dirty="0">
+                <a:hlinkClick r:id="rId2"/>
               </a:rPr>
-              <a:t>SMILE</a:t>
-            </a:r>
-            <a:r>
-              <a:rPr lang="ja-JP" altLang="en-US" dirty="0">
-                <a:latin typeface="Arial" panose="020B0604020202020204" pitchFamily="34" charset="0"/>
-                <a:cs typeface="Arial" panose="020B0604020202020204" pitchFamily="34" charset="0"/>
-              </a:rPr>
-              <a:t>記法で表された化合物を</a:t>
-            </a:r>
-            <a:r>
-              <a:rPr lang="en-US" altLang="ja-JP" dirty="0">
-                <a:latin typeface="Arial" panose="020B0604020202020204" pitchFamily="34" charset="0"/>
-                <a:cs typeface="Arial" panose="020B0604020202020204" pitchFamily="34" charset="0"/>
-              </a:rPr>
-              <a:t>1024bit</a:t>
-            </a:r>
-            <a:r>
-              <a:rPr lang="ja-JP" altLang="en-US" dirty="0">
-                <a:latin typeface="Arial" panose="020B0604020202020204" pitchFamily="34" charset="0"/>
-                <a:cs typeface="Arial" panose="020B0604020202020204" pitchFamily="34" charset="0"/>
-              </a:rPr>
-              <a:t>のビット列に変換 </a:t>
-            </a:r>
-            <a:r>
-              <a:rPr lang="en-US" altLang="ja-JP" dirty="0">
-                <a:latin typeface="Arial" panose="020B0604020202020204" pitchFamily="34" charset="0"/>
-                <a:cs typeface="Arial" panose="020B0604020202020204" pitchFamily="34" charset="0"/>
-              </a:rPr>
-              <a:t>(R</a:t>
-            </a:r>
-            <a:r>
-              <a:rPr lang="ja-JP" altLang="en-US" dirty="0">
-                <a:latin typeface="Arial" panose="020B0604020202020204" pitchFamily="34" charset="0"/>
-                <a:cs typeface="Arial" panose="020B0604020202020204" pitchFamily="34" charset="0"/>
-              </a:rPr>
-              <a:t>のライブラリ使用）</a:t>
-            </a:r>
-            <a:endParaRPr lang="en-US" altLang="ja-JP" dirty="0">
-              <a:latin typeface="Arial" panose="020B0604020202020204" pitchFamily="34" charset="0"/>
-              <a:cs typeface="Arial" panose="020B0604020202020204" pitchFamily="34" charset="0"/>
-            </a:endParaRPr>
-          </a:p>
-          <a:p>
-            <a:r>
-              <a:rPr lang="en-US" altLang="ja-JP" i="1" dirty="0" err="1">
-                <a:latin typeface="Arial" panose="020B0604020202020204" pitchFamily="34" charset="0"/>
-                <a:cs typeface="Arial" panose="020B0604020202020204" pitchFamily="34" charset="0"/>
-              </a:rPr>
-              <a:t>Tanimoto</a:t>
-            </a:r>
-            <a:r>
-              <a:rPr lang="en-US" altLang="ja-JP" i="1" dirty="0">
-                <a:latin typeface="Arial" panose="020B0604020202020204" pitchFamily="34" charset="0"/>
-                <a:cs typeface="Arial" panose="020B0604020202020204" pitchFamily="34" charset="0"/>
-              </a:rPr>
-              <a:t> similarity</a:t>
+              <a:t>コード</a:t>
+            </a:r>
+            <a:r>
+              <a:rPr kumimoji="1" lang="ja-JP" altLang="en-US" dirty="0"/>
+              <a:t>：解剖治療学分類法</a:t>
             </a:r>
             <a:r>
               <a:rPr lang="ja-JP" altLang="en-US" dirty="0"/>
-              <a:t>を用いた</a:t>
+              <a:t>（医薬品を効果をもたらす部位、器官、作用能、化学特徴によって</a:t>
+            </a:r>
+            <a:r>
+              <a:rPr lang="en-US" altLang="ja-JP" dirty="0"/>
+              <a:t>5</a:t>
+            </a:r>
+            <a:r>
+              <a:rPr lang="ja-JP" altLang="en-US" dirty="0" err="1"/>
+              <a:t>つの</a:t>
+            </a:r>
+            <a:r>
+              <a:rPr lang="ja-JP" altLang="en-US" dirty="0"/>
+              <a:t>レベルにグループ分け</a:t>
             </a:r>
             <a:endParaRPr lang="en-US" altLang="ja-JP" dirty="0"/>
           </a:p>
           <a:p>
+            <a:r>
+              <a:rPr lang="ja-JP" altLang="en-US" b="1" dirty="0"/>
+              <a:t>レベル１</a:t>
+            </a:r>
+            <a:r>
+              <a:rPr lang="ja-JP" altLang="en-US" dirty="0"/>
+              <a:t>：解剖学的部位に基づいた分類で</a:t>
+            </a:r>
+            <a:r>
+              <a:rPr lang="en-US" altLang="ja-JP" dirty="0"/>
+              <a:t>14</a:t>
+            </a:r>
+            <a:r>
+              <a:rPr lang="ja-JP" altLang="en-US" dirty="0"/>
+              <a:t>個にグループ分け</a:t>
+            </a:r>
+            <a:endParaRPr lang="en-US" altLang="ja-JP" dirty="0"/>
+          </a:p>
+          <a:p>
             <a:pPr lvl="1"/>
             <a:r>
+              <a:rPr kumimoji="1" lang="en-US" altLang="ja-JP" dirty="0"/>
+              <a:t>A – </a:t>
+            </a:r>
+            <a:r>
+              <a:rPr kumimoji="1" lang="ja-JP" altLang="en-US" dirty="0"/>
+              <a:t>消化管及び代謝</a:t>
+            </a:r>
+            <a:endParaRPr kumimoji="1" lang="en-US" altLang="ja-JP" dirty="0"/>
+          </a:p>
+          <a:p>
+            <a:pPr lvl="1"/>
+            <a:r>
+              <a:rPr kumimoji="1" lang="en-US" altLang="ja-JP" dirty="0"/>
+              <a:t>B – </a:t>
+            </a:r>
+            <a:r>
+              <a:rPr kumimoji="1" lang="ja-JP" altLang="en-US" dirty="0"/>
+              <a:t>血液および血液を生成する器官</a:t>
+            </a:r>
+            <a:endParaRPr kumimoji="1" lang="en-US" altLang="ja-JP" dirty="0"/>
+          </a:p>
+          <a:p>
+            <a:pPr lvl="1"/>
+            <a:r>
+              <a:rPr kumimoji="1" lang="en-US" altLang="ja-JP" dirty="0"/>
+              <a:t>…</a:t>
+            </a:r>
+          </a:p>
+          <a:p>
+            <a:pPr lvl="1"/>
+            <a:r>
               <a:rPr lang="en-US" altLang="ja-JP" dirty="0"/>
-              <a:t>a : </a:t>
+              <a:t>R –</a:t>
             </a:r>
             <a:r>
               <a:rPr lang="ja-JP" altLang="en-US" dirty="0"/>
-              <a:t>化合物</a:t>
-            </a:r>
-            <a:r>
-              <a:rPr lang="ja-JP" altLang="en-US" dirty="0" err="1"/>
-              <a:t>ｘ</a:t>
+              <a:t> 呼吸器系</a:t>
+            </a:r>
+            <a:endParaRPr kumimoji="1" lang="en-US" altLang="ja-JP" dirty="0"/>
+          </a:p>
+          <a:p>
+            <a:pPr lvl="1"/>
+            <a:r>
+              <a:rPr kumimoji="1" lang="en-US" altLang="ja-JP" dirty="0"/>
+              <a:t>S</a:t>
             </a:r>
             <a:r>
               <a:rPr lang="ja-JP" altLang="en-US" dirty="0"/>
-              <a:t>のビット列のうち</a:t>
+              <a:t> </a:t>
+            </a:r>
+            <a:r>
+              <a:rPr kumimoji="1" lang="en-US" altLang="ja-JP" dirty="0"/>
+              <a:t>– </a:t>
+            </a:r>
+            <a:r>
+              <a:rPr kumimoji="1" lang="ja-JP" altLang="en-US" dirty="0"/>
+              <a:t>感覚系</a:t>
+            </a:r>
+            <a:endParaRPr kumimoji="1" lang="en-US" altLang="ja-JP" dirty="0"/>
+          </a:p>
+          <a:p>
+            <a:pPr lvl="1"/>
+            <a:r>
+              <a:rPr kumimoji="1" lang="en-US" altLang="ja-JP" dirty="0"/>
+              <a:t>V </a:t>
             </a:r>
             <a:r>
               <a:rPr lang="en-US" altLang="ja-JP" dirty="0"/>
-              <a:t>1</a:t>
+              <a:t>– </a:t>
             </a:r>
             <a:r>
               <a:rPr lang="ja-JP" altLang="en-US" dirty="0"/>
-              <a:t>が立っている数</a:t>
+              <a:t>その他</a:t>
             </a:r>
             <a:endParaRPr lang="en-US" altLang="ja-JP" dirty="0"/>
           </a:p>
           <a:p>
+            <a:r>
+              <a:rPr lang="en-US" altLang="ja-JP" dirty="0"/>
+              <a:t>Ex.) ATC</a:t>
+            </a:r>
+            <a:r>
+              <a:rPr lang="ja-JP" altLang="en-US" dirty="0"/>
+              <a:t>コード</a:t>
+            </a:r>
+            <a:r>
+              <a:rPr lang="en-US" altLang="ja-JP" i="1" dirty="0"/>
+              <a:t>B01AC06</a:t>
+            </a:r>
+            <a:r>
+              <a:rPr lang="ja-JP" altLang="en-US" dirty="0"/>
+              <a:t>は解熱剤</a:t>
+            </a:r>
+            <a:endParaRPr lang="en-US" altLang="ja-JP" dirty="0"/>
+          </a:p>
+          <a:p>
             <a:pPr lvl="1"/>
             <a:r>
               <a:rPr lang="en-US" altLang="ja-JP" dirty="0"/>
-              <a:t>b : </a:t>
+              <a:t>B – </a:t>
             </a:r>
             <a:r>
               <a:rPr lang="ja-JP" altLang="en-US" dirty="0"/>
-              <a:t>化合物</a:t>
-            </a:r>
-            <a:r>
-              <a:rPr lang="ja-JP" altLang="en-US" dirty="0" err="1"/>
-              <a:t>ｙ</a:t>
-            </a:r>
-            <a:r>
-              <a:rPr lang="ja-JP" altLang="en-US" dirty="0"/>
-              <a:t>のビット列のうち</a:t>
-            </a:r>
-            <a:r>
-              <a:rPr lang="en-US" altLang="ja-JP" dirty="0"/>
-              <a:t>1</a:t>
-            </a:r>
-            <a:r>
-              <a:rPr lang="ja-JP" altLang="en-US" dirty="0"/>
-              <a:t>が立っている数</a:t>
-            </a:r>
-            <a:endParaRPr lang="en-US" altLang="ja-JP" dirty="0"/>
-          </a:p>
-          <a:p>
-            <a:pPr lvl="1"/>
-            <a:r>
-              <a:rPr lang="en-US" altLang="ja-JP" dirty="0"/>
-              <a:t>c : </a:t>
-            </a:r>
-            <a:r>
-              <a:rPr lang="ja-JP" altLang="en-US" dirty="0" err="1"/>
-              <a:t>ｘ</a:t>
-            </a:r>
-            <a:r>
-              <a:rPr lang="ja-JP" altLang="en-US" dirty="0"/>
-              <a:t>とｙがともに</a:t>
-            </a:r>
-            <a:r>
-              <a:rPr lang="en-US" altLang="ja-JP" dirty="0"/>
-              <a:t>1</a:t>
-            </a:r>
-            <a:r>
-              <a:rPr lang="ja-JP" altLang="en-US" dirty="0"/>
-              <a:t>である数</a:t>
+              <a:t>血液および血液を生成する器官に作用する</a:t>
             </a:r>
             <a:endParaRPr lang="en-US" altLang="ja-JP" dirty="0"/>
           </a:p>
         </p:txBody>
       </p:sp>
-      <p:pic>
-        <p:nvPicPr>
-          <p:cNvPr id="6" name="図 5">
-            <a:extLst>
-              <a:ext uri="{FF2B5EF4-FFF2-40B4-BE49-F238E27FC236}">
-                <a16:creationId xmlns:a16="http://schemas.microsoft.com/office/drawing/2014/main" id="{BBEE15C2-F9D2-435D-AE16-B874CF835DE9}"/>
-              </a:ext>
-            </a:extLst>
-          </p:cNvPr>
-          <p:cNvPicPr>
-            <a:picLocks noChangeAspect="1"/>
-          </p:cNvPicPr>
-          <p:nvPr/>
-        </p:nvPicPr>
-        <p:blipFill>
-          <a:blip r:embed="rId2">
-            <a:extLst>
-              <a:ext uri="{28A0092B-C50C-407E-A947-70E740481C1C}">
-                <a14:useLocalDpi xmlns:a14="http://schemas.microsoft.com/office/drawing/2010/main" val="0"/>
-              </a:ext>
-            </a:extLst>
-          </a:blip>
-          <a:stretch>
-            <a:fillRect/>
-          </a:stretch>
-        </p:blipFill>
-        <p:spPr>
-          <a:xfrm>
-            <a:off x="3503355" y="4177717"/>
-            <a:ext cx="4938928" cy="2171938"/>
-          </a:xfrm>
-          <a:prstGeom prst="rect">
-            <a:avLst/>
-          </a:prstGeom>
-        </p:spPr>
-      </p:pic>
     </p:spTree>
     <p:extLst>
       <p:ext uri="{BB962C8B-B14F-4D97-AF65-F5344CB8AC3E}">
-        <p14:creationId xmlns:p14="http://schemas.microsoft.com/office/powerpoint/2010/main" val="1305623858"/>
+        <p14:creationId xmlns:p14="http://schemas.microsoft.com/office/powerpoint/2010/main" val="1741450885"/>
       </p:ext>
     </p:extLst>
   </p:cSld>
@@ -19109,168 +20357,198 @@
         <p:spPr>
           <a:xfrm>
             <a:off x="838200" y="1690688"/>
-            <a:ext cx="10515600" cy="4500387"/>
+            <a:ext cx="10515600" cy="2722692"/>
           </a:xfrm>
         </p:spPr>
         <p:txBody>
           <a:bodyPr>
-            <a:normAutofit/>
+            <a:normAutofit fontScale="92500" lnSpcReduction="10000"/>
           </a:bodyPr>
           <a:lstStyle/>
           <a:p>
-            <a:r>
-              <a:rPr lang="en-US" altLang="ja-JP" dirty="0" err="1">
-                <a:latin typeface="Arial" panose="020B0604020202020204" pitchFamily="34" charset="0"/>
-                <a:cs typeface="Arial" panose="020B0604020202020204" pitchFamily="34" charset="0"/>
-              </a:rPr>
-              <a:t>MeSH</a:t>
-            </a:r>
             <a:r>
               <a:rPr lang="en-US" altLang="ja-JP" dirty="0">
                 <a:latin typeface="Arial" panose="020B0604020202020204" pitchFamily="34" charset="0"/>
                 <a:cs typeface="Arial" panose="020B0604020202020204" pitchFamily="34" charset="0"/>
               </a:rPr>
-              <a:t>-based similarity (MESH)</a:t>
+              <a:t>Inverse document frequency (IDF)</a:t>
             </a:r>
           </a:p>
           <a:p>
             <a:pPr lvl="1"/>
             <a:r>
-              <a:rPr lang="en-US" altLang="ja-JP" dirty="0" err="1">
-                <a:latin typeface="Arial" panose="020B0604020202020204" pitchFamily="34" charset="0"/>
-                <a:cs typeface="Arial" panose="020B0604020202020204" pitchFamily="34" charset="0"/>
-              </a:rPr>
-              <a:t>DrugBank</a:t>
+              <a:rPr lang="en-US" altLang="ja-JP" dirty="0"/>
+              <a:t>D: </a:t>
             </a:r>
             <a:r>
               <a:rPr lang="ja-JP" altLang="en-US" dirty="0"/>
-              <a:t>に</a:t>
-            </a:r>
-            <a:r>
-              <a:rPr lang="en-US" altLang="ja-JP" i="1" dirty="0"/>
-              <a:t>2072</a:t>
-            </a:r>
+              <a:t>化合物の集合</a:t>
+            </a:r>
+            <a:endParaRPr lang="en-US" altLang="ja-JP" dirty="0"/>
+          </a:p>
+          <a:p>
+            <a:pPr lvl="1"/>
             <a:r>
               <a:rPr lang="ja-JP" altLang="en-US" dirty="0"/>
-              <a:t>種類の</a:t>
-            </a:r>
-            <a:r>
-              <a:rPr lang="en-US" altLang="ja-JP" dirty="0" err="1">
-                <a:latin typeface="Arial" panose="020B0604020202020204" pitchFamily="34" charset="0"/>
-                <a:cs typeface="Arial" panose="020B0604020202020204" pitchFamily="34" charset="0"/>
-              </a:rPr>
-              <a:t>MeSH</a:t>
+              <a:t>　</a:t>
+            </a:r>
+            <a:r>
+              <a:rPr lang="en-US" altLang="ja-JP" dirty="0"/>
+              <a:t> : ATC</a:t>
             </a:r>
             <a:r>
               <a:rPr lang="ja-JP" altLang="en-US" dirty="0"/>
-              <a:t>用語が存在</a:t>
+              <a:t>コード</a:t>
+            </a:r>
+            <a:r>
+              <a:rPr lang="en-US" altLang="ja-JP" dirty="0"/>
+              <a:t>t</a:t>
+            </a:r>
+            <a:r>
+              <a:rPr lang="ja-JP" altLang="en-US" dirty="0"/>
+              <a:t>を持つ化合物の数</a:t>
             </a:r>
             <a:endParaRPr lang="en-US" altLang="ja-JP" dirty="0"/>
           </a:p>
           <a:p>
             <a:pPr lvl="1"/>
+            <a:endParaRPr lang="en-US" altLang="ja-JP" dirty="0"/>
+          </a:p>
+          <a:p>
             <a:r>
               <a:rPr lang="ja-JP" altLang="en-US" dirty="0"/>
-              <a:t>各化合物を、要素が</a:t>
-            </a:r>
-            <a:r>
-              <a:rPr lang="en-US" altLang="ja-JP" dirty="0" err="1">
-                <a:latin typeface="Arial" panose="020B0604020202020204" pitchFamily="34" charset="0"/>
-                <a:cs typeface="Arial" panose="020B0604020202020204" pitchFamily="34" charset="0"/>
-              </a:rPr>
-              <a:t>MeSH</a:t>
+              <a:t>いろんな化合物が持つ</a:t>
+            </a:r>
+            <a:r>
+              <a:rPr lang="en-US" altLang="ja-JP" dirty="0"/>
+              <a:t>ATC</a:t>
             </a:r>
             <a:r>
               <a:rPr lang="ja-JP" altLang="en-US" dirty="0"/>
-              <a:t>の存在を表すバイナリーベクトルによって表現</a:t>
+              <a:t>コードはそれほど重要ではない</a:t>
             </a:r>
             <a:endParaRPr lang="en-US" altLang="ja-JP" dirty="0"/>
           </a:p>
           <a:p>
-            <a:pPr lvl="1"/>
             <a:r>
               <a:rPr lang="ja-JP" altLang="en-US" dirty="0"/>
-              <a:t>対応する</a:t>
+              <a:t>薬物間の類似度は</a:t>
             </a:r>
             <a:r>
               <a:rPr lang="en-US" altLang="ja-JP" dirty="0"/>
-              <a:t>2</a:t>
-            </a:r>
-            <a:r>
-              <a:rPr lang="ja-JP" altLang="en-US" dirty="0" err="1"/>
-              <a:t>つの</a:t>
+              <a:t>IDF</a:t>
             </a:r>
             <a:r>
               <a:rPr lang="ja-JP" altLang="en-US" dirty="0"/>
-              <a:t>化合物の類似度を、</a:t>
-            </a:r>
-            <a:r>
-              <a:rPr lang="en-US" altLang="ja-JP" dirty="0"/>
-              <a:t/>
+              <a:t>で構成されたベクトルのコサイン類似度</a:t>
             </a:r>
             <a:br>
               <a:rPr lang="en-US" altLang="ja-JP" dirty="0"/>
             </a:br>
             <a:r>
-              <a:rPr lang="en-US" altLang="ja-JP" dirty="0">
-                <a:latin typeface="Arial" panose="020B0604020202020204" pitchFamily="34" charset="0"/>
-                <a:cs typeface="Arial" panose="020B0604020202020204" pitchFamily="34" charset="0"/>
-              </a:rPr>
-              <a:t>IDF-</a:t>
-            </a:r>
-            <a:r>
-              <a:rPr lang="en-US" altLang="ja-JP" dirty="0" err="1">
-                <a:latin typeface="Arial" panose="020B0604020202020204" pitchFamily="34" charset="0"/>
-                <a:cs typeface="Arial" panose="020B0604020202020204" pitchFamily="34" charset="0"/>
-              </a:rPr>
-              <a:t>MeSH</a:t>
-            </a:r>
-            <a:r>
               <a:rPr lang="ja-JP" altLang="en-US" dirty="0"/>
-              <a:t>ベクトル間のコサイン類似性として定義</a:t>
-            </a:r>
-            <a:endParaRPr lang="en-US" altLang="ja-JP" dirty="0"/>
-          </a:p>
-          <a:p>
-            <a:endParaRPr lang="en-US" altLang="ja-JP" dirty="0"/>
-          </a:p>
-          <a:p>
-            <a:r>
-              <a:rPr lang="en-US" altLang="ja-JP" sz="1800" dirty="0" err="1">
-                <a:latin typeface="Arial" panose="020B0604020202020204" pitchFamily="34" charset="0"/>
-                <a:cs typeface="Arial" panose="020B0604020202020204" pitchFamily="34" charset="0"/>
-              </a:rPr>
-              <a:t>MeSH</a:t>
-            </a:r>
-            <a:r>
-              <a:rPr lang="en-US" altLang="ja-JP" sz="1800" dirty="0"/>
-              <a:t> : </a:t>
-            </a:r>
-            <a:r>
-              <a:rPr lang="en-US" altLang="ja-JP" sz="1800" dirty="0">
-                <a:latin typeface="Arial" panose="020B0604020202020204" pitchFamily="34" charset="0"/>
-                <a:cs typeface="Arial" panose="020B0604020202020204" pitchFamily="34" charset="0"/>
-              </a:rPr>
-              <a:t>MEDLINE</a:t>
-            </a:r>
-            <a:r>
-              <a:rPr lang="ja-JP" altLang="en-US" sz="1800" dirty="0"/>
-              <a:t>データベースを索引付けするために使用された語彙。</a:t>
-            </a:r>
-            <a:endParaRPr lang="en-US" altLang="ja-JP" sz="1800" dirty="0"/>
-          </a:p>
-          <a:p>
-            <a:endParaRPr lang="en-US" altLang="ja-JP" sz="1800" dirty="0"/>
-          </a:p>
-          <a:p>
+              <a:t>（</a:t>
+            </a:r>
+            <a:r>
+              <a:rPr lang="en-US" altLang="ja-JP" dirty="0"/>
+              <a:t>1</a:t>
+            </a:r>
+            <a:r>
+              <a:rPr lang="ja-JP" altLang="en-US" dirty="0" err="1"/>
+              <a:t>つの</a:t>
+            </a:r>
+            <a:r>
+              <a:rPr lang="ja-JP" altLang="en-US" dirty="0"/>
+              <a:t>化合物が複数の</a:t>
+            </a:r>
+            <a:r>
+              <a:rPr lang="en-US" altLang="ja-JP" dirty="0"/>
+              <a:t>ATC</a:t>
+            </a:r>
+            <a:r>
+              <a:rPr lang="ja-JP" altLang="en-US" dirty="0"/>
+              <a:t>コードをもつから？）</a:t>
+            </a:r>
             <a:endParaRPr lang="en-US" altLang="ja-JP" dirty="0"/>
           </a:p>
         </p:txBody>
       </p:sp>
+      <p:pic>
+        <p:nvPicPr>
+          <p:cNvPr id="5" name="図 4">
+            <a:extLst>
+              <a:ext uri="{FF2B5EF4-FFF2-40B4-BE49-F238E27FC236}">
+                <a16:creationId xmlns:a16="http://schemas.microsoft.com/office/drawing/2014/main" id="{00F4ACE8-1CFA-4844-8451-F673E37B8DA5}"/>
+              </a:ext>
+            </a:extLst>
+          </p:cNvPr>
+          <p:cNvPicPr>
+            <a:picLocks noChangeAspect="1"/>
+          </p:cNvPicPr>
+          <p:nvPr/>
+        </p:nvPicPr>
+        <p:blipFill>
+          <a:blip r:embed="rId2">
+            <a:extLst>
+              <a:ext uri="{28A0092B-C50C-407E-A947-70E740481C1C}">
+                <a14:useLocalDpi xmlns:a14="http://schemas.microsoft.com/office/drawing/2010/main" val="0"/>
+              </a:ext>
+            </a:extLst>
+          </a:blip>
+          <a:stretch>
+            <a:fillRect/>
+          </a:stretch>
+        </p:blipFill>
+        <p:spPr>
+          <a:xfrm>
+            <a:off x="4171689" y="4848934"/>
+            <a:ext cx="3848622" cy="1222503"/>
+          </a:xfrm>
+          <a:prstGeom prst="rect">
+            <a:avLst/>
+          </a:prstGeom>
+        </p:spPr>
+      </p:pic>
+      <p:pic>
+        <p:nvPicPr>
+          <p:cNvPr id="6" name="図 5">
+            <a:extLst>
+              <a:ext uri="{FF2B5EF4-FFF2-40B4-BE49-F238E27FC236}">
+                <a16:creationId xmlns:a16="http://schemas.microsoft.com/office/drawing/2014/main" id="{40EEE5CF-9FCC-471B-A33F-8B4AC14BC486}"/>
+              </a:ext>
+            </a:extLst>
+          </p:cNvPr>
+          <p:cNvPicPr>
+            <a:picLocks noChangeAspect="1"/>
+          </p:cNvPicPr>
+          <p:nvPr/>
+        </p:nvPicPr>
+        <p:blipFill>
+          <a:blip r:embed="rId3">
+            <a:extLst>
+              <a:ext uri="{28A0092B-C50C-407E-A947-70E740481C1C}">
+                <a14:useLocalDpi xmlns:a14="http://schemas.microsoft.com/office/drawing/2010/main" val="0"/>
+              </a:ext>
+            </a:extLst>
+          </a:blip>
+          <a:stretch>
+            <a:fillRect/>
+          </a:stretch>
+        </p:blipFill>
+        <p:spPr>
+          <a:xfrm>
+            <a:off x="1614022" y="2424775"/>
+            <a:ext cx="323810" cy="238095"/>
+          </a:xfrm>
+          <a:prstGeom prst="rect">
+            <a:avLst/>
+          </a:prstGeom>
+        </p:spPr>
+      </p:pic>
     </p:spTree>
     <p:extLst>
       <p:ext uri="{BB962C8B-B14F-4D97-AF65-F5344CB8AC3E}">
-        <p14:creationId xmlns:p14="http://schemas.microsoft.com/office/powerpoint/2010/main" val="3953898786"/>
+        <p14:creationId xmlns:p14="http://schemas.microsoft.com/office/powerpoint/2010/main" val="2518475947"/>
       </p:ext>
     </p:extLst>
   </p:cSld>
@@ -19302,7 +20580,7 @@
           <p:cNvPr id="2" name="タイトル 1">
             <a:extLst>
               <a:ext uri="{FF2B5EF4-FFF2-40B4-BE49-F238E27FC236}">
-                <a16:creationId xmlns:a16="http://schemas.microsoft.com/office/drawing/2014/main" id="{08C5AAA6-4243-47F6-8DB6-7E3980951AD6}"/>
+                <a16:creationId xmlns:a16="http://schemas.microsoft.com/office/drawing/2014/main" id="{274334FC-3C80-499F-BA46-FAD3DF5D4694}"/>
               </a:ext>
             </a:extLst>
           </p:cNvPr>
@@ -19337,7 +20615,7 @@
           <p:cNvPr id="3" name="コンテンツ プレースホルダー 2">
             <a:extLst>
               <a:ext uri="{FF2B5EF4-FFF2-40B4-BE49-F238E27FC236}">
-                <a16:creationId xmlns:a16="http://schemas.microsoft.com/office/drawing/2014/main" id="{E7FE4FE0-6D23-485E-8D7D-DE550280D0D5}"/>
+                <a16:creationId xmlns:a16="http://schemas.microsoft.com/office/drawing/2014/main" id="{FD47AC02-C281-45A1-A0DB-81C2C80E5344}"/>
               </a:ext>
             </a:extLst>
           </p:cNvPr>
@@ -19348,9 +20626,16 @@
             <p:ph idx="1"/>
           </p:nvPr>
         </p:nvSpPr>
-        <p:spPr/>
+        <p:spPr>
+          <a:xfrm>
+            <a:off x="838200" y="1690688"/>
+            <a:ext cx="10515600" cy="2487029"/>
+          </a:xfrm>
+        </p:spPr>
         <p:txBody>
-          <a:bodyPr/>
+          <a:bodyPr>
+            <a:normAutofit fontScale="92500" lnSpcReduction="20000"/>
+          </a:bodyPr>
           <a:lstStyle/>
           <a:p>
             <a:r>
@@ -19358,145 +20643,200 @@
                 <a:latin typeface="Arial" panose="020B0604020202020204" pitchFamily="34" charset="0"/>
                 <a:cs typeface="Arial" panose="020B0604020202020204" pitchFamily="34" charset="0"/>
               </a:rPr>
-              <a:t>Adverse drug effect-based similarity (ADE)</a:t>
-            </a:r>
-          </a:p>
-          <a:p>
-            <a:pPr lvl="1"/>
+              <a:t>Chemical structure-based drug similarity (CHEM)</a:t>
+            </a:r>
+          </a:p>
+          <a:p>
             <a:r>
               <a:rPr lang="en-US" altLang="ja-JP" dirty="0">
                 <a:latin typeface="Arial" panose="020B0604020202020204" pitchFamily="34" charset="0"/>
                 <a:cs typeface="Arial" panose="020B0604020202020204" pitchFamily="34" charset="0"/>
               </a:rPr>
-              <a:t>SIDER</a:t>
-            </a:r>
-            <a:r>
-              <a:rPr lang="ja-JP" altLang="en-US" dirty="0"/>
-              <a:t>の副作用データベースから提供される情報を使用</a:t>
-            </a:r>
-            <a:endParaRPr lang="en-US" altLang="ja-JP" dirty="0"/>
-          </a:p>
-          <a:p>
-            <a:pPr lvl="1"/>
-            <a:r>
-              <a:rPr lang="ja-JP" altLang="en-US" dirty="0"/>
-              <a:t>各化合物を副作用用語の存在を各要素とするバイナリベクトル</a:t>
-            </a:r>
-            <a:r>
-              <a:rPr lang="en-US" altLang="ja-JP" dirty="0"/>
-              <a:t/>
-            </a:r>
-            <a:br>
-              <a:rPr lang="en-US" altLang="ja-JP" dirty="0"/>
-            </a:br>
-            <a:r>
-              <a:rPr lang="ja-JP" altLang="en-US" dirty="0"/>
-              <a:t>によって表現。 </a:t>
-            </a:r>
-            <a:endParaRPr lang="en-US" altLang="ja-JP" dirty="0"/>
-          </a:p>
-          <a:p>
-            <a:pPr lvl="1"/>
-            <a:r>
-              <a:rPr lang="ja-JP" altLang="en-US" dirty="0"/>
-              <a:t>化合物の副作用類似性を、化合物の</a:t>
-            </a:r>
-            <a:r>
-              <a:rPr lang="en-US" altLang="ja-JP" dirty="0"/>
-              <a:t>IDF-</a:t>
-            </a:r>
-            <a:r>
-              <a:rPr lang="ja-JP" altLang="en-US" dirty="0"/>
-              <a:t>副作用ベクトルの</a:t>
-            </a:r>
-            <a:r>
-              <a:rPr lang="en-US" altLang="ja-JP" dirty="0"/>
-              <a:t/>
-            </a:r>
-            <a:br>
-              <a:rPr lang="en-US" altLang="ja-JP" dirty="0"/>
-            </a:br>
-            <a:r>
-              <a:rPr lang="ja-JP" altLang="en-US" dirty="0"/>
-              <a:t>コサイン類似度で定義</a:t>
-            </a:r>
-            <a:endParaRPr lang="en-US" altLang="ja-JP" dirty="0"/>
-          </a:p>
-          <a:p>
-            <a:pPr lvl="1"/>
-            <a:endParaRPr kumimoji="1" lang="en-US" altLang="ja-JP" dirty="0"/>
-          </a:p>
-          <a:p>
-            <a:r>
-              <a:rPr lang="en-US" altLang="ja-JP" sz="2000" dirty="0">
+              <a:t>SMILE</a:t>
+            </a:r>
+            <a:r>
+              <a:rPr lang="ja-JP" altLang="en-US" dirty="0">
                 <a:latin typeface="Arial" panose="020B0604020202020204" pitchFamily="34" charset="0"/>
                 <a:cs typeface="Arial" panose="020B0604020202020204" pitchFamily="34" charset="0"/>
               </a:rPr>
-              <a:t>SIDER</a:t>
-            </a:r>
-            <a:r>
-              <a:rPr lang="ja-JP" altLang="en-US" sz="2000" dirty="0"/>
-              <a:t> </a:t>
-            </a:r>
-            <a:r>
-              <a:rPr lang="en-US" altLang="ja-JP" sz="2000" dirty="0"/>
-              <a:t>:</a:t>
-            </a:r>
-            <a:r>
-              <a:rPr lang="ja-JP" altLang="en-US" sz="2000" dirty="0"/>
-              <a:t> 市販されている薬剤およびその既知の</a:t>
-            </a:r>
-            <a:r>
-              <a:rPr lang="en-US" altLang="ja-JP" sz="2000" dirty="0">
+              <a:t>記法で表された化合物を</a:t>
+            </a:r>
+            <a:r>
+              <a:rPr lang="en-US" altLang="ja-JP" dirty="0">
                 <a:latin typeface="Arial" panose="020B0604020202020204" pitchFamily="34" charset="0"/>
                 <a:cs typeface="Arial" panose="020B0604020202020204" pitchFamily="34" charset="0"/>
               </a:rPr>
-              <a:t>ADR</a:t>
-            </a:r>
-            <a:r>
-              <a:rPr lang="ja-JP" altLang="en-US" sz="2000" dirty="0"/>
-              <a:t>に関するデータを提供する</a:t>
-            </a:r>
-            <a:endParaRPr lang="en-US" altLang="ja-JP" sz="2000" dirty="0"/>
+              <a:t>1024bit</a:t>
+            </a:r>
+            <a:r>
+              <a:rPr lang="ja-JP" altLang="en-US" dirty="0">
+                <a:latin typeface="Arial" panose="020B0604020202020204" pitchFamily="34" charset="0"/>
+                <a:cs typeface="Arial" panose="020B0604020202020204" pitchFamily="34" charset="0"/>
+              </a:rPr>
+              <a:t>のビット列に変換 </a:t>
+            </a:r>
+            <a:r>
+              <a:rPr lang="en-US" altLang="ja-JP" dirty="0">
+                <a:latin typeface="Arial" panose="020B0604020202020204" pitchFamily="34" charset="0"/>
+                <a:cs typeface="Arial" panose="020B0604020202020204" pitchFamily="34" charset="0"/>
+              </a:rPr>
+              <a:t>(R</a:t>
+            </a:r>
+            <a:r>
+              <a:rPr lang="ja-JP" altLang="en-US" dirty="0">
+                <a:latin typeface="Arial" panose="020B0604020202020204" pitchFamily="34" charset="0"/>
+                <a:cs typeface="Arial" panose="020B0604020202020204" pitchFamily="34" charset="0"/>
+              </a:rPr>
+              <a:t>のライブラリ使用）</a:t>
+            </a:r>
+            <a:endParaRPr lang="en-US" altLang="ja-JP" dirty="0">
+              <a:latin typeface="Arial" panose="020B0604020202020204" pitchFamily="34" charset="0"/>
+              <a:cs typeface="Arial" panose="020B0604020202020204" pitchFamily="34" charset="0"/>
+            </a:endParaRPr>
+          </a:p>
+          <a:p>
+            <a:r>
+              <a:rPr lang="en-US" altLang="ja-JP" i="1" dirty="0" err="1">
+                <a:latin typeface="Arial" panose="020B0604020202020204" pitchFamily="34" charset="0"/>
+                <a:cs typeface="Arial" panose="020B0604020202020204" pitchFamily="34" charset="0"/>
+              </a:rPr>
+              <a:t>Tanimoto</a:t>
+            </a:r>
+            <a:r>
+              <a:rPr lang="en-US" altLang="ja-JP" i="1" dirty="0">
+                <a:latin typeface="Arial" panose="020B0604020202020204" pitchFamily="34" charset="0"/>
+                <a:cs typeface="Arial" panose="020B0604020202020204" pitchFamily="34" charset="0"/>
+              </a:rPr>
+              <a:t> similarity</a:t>
+            </a:r>
+            <a:r>
+              <a:rPr lang="ja-JP" altLang="en-US" dirty="0"/>
+              <a:t>を用いた</a:t>
+            </a:r>
+            <a:endParaRPr lang="en-US" altLang="ja-JP" dirty="0"/>
           </a:p>
           <a:p>
             <a:pPr lvl="1"/>
             <a:r>
-              <a:rPr kumimoji="1" lang="ja-JP" altLang="en-US" sz="1600" dirty="0"/>
-              <a:t>薬物：</a:t>
-            </a:r>
-            <a:r>
-              <a:rPr kumimoji="1" lang="en-US" altLang="ja-JP" sz="1600" i="1" dirty="0"/>
-              <a:t>1430</a:t>
-            </a:r>
-            <a:r>
-              <a:rPr kumimoji="1" lang="ja-JP" altLang="en-US" sz="1600" dirty="0"/>
-              <a:t>種類</a:t>
-            </a:r>
-            <a:endParaRPr kumimoji="1" lang="en-US" altLang="ja-JP" sz="1600" dirty="0"/>
+              <a:rPr lang="en-US" altLang="ja-JP" dirty="0"/>
+              <a:t>a : </a:t>
+            </a:r>
+            <a:r>
+              <a:rPr lang="ja-JP" altLang="en-US" dirty="0"/>
+              <a:t>化合物</a:t>
+            </a:r>
+            <a:r>
+              <a:rPr lang="ja-JP" altLang="en-US" dirty="0" err="1"/>
+              <a:t>ｘ</a:t>
+            </a:r>
+            <a:r>
+              <a:rPr lang="ja-JP" altLang="en-US" dirty="0"/>
+              <a:t>のビット列のうち</a:t>
+            </a:r>
+            <a:r>
+              <a:rPr lang="en-US" altLang="ja-JP" dirty="0"/>
+              <a:t>1</a:t>
+            </a:r>
+            <a:r>
+              <a:rPr lang="ja-JP" altLang="en-US" dirty="0"/>
+              <a:t>が立っている数</a:t>
+            </a:r>
+            <a:endParaRPr lang="en-US" altLang="ja-JP" dirty="0"/>
           </a:p>
           <a:p>
             <a:pPr lvl="1"/>
             <a:r>
-              <a:rPr lang="ja-JP" altLang="en-US" sz="1600" dirty="0"/>
-              <a:t>副作用：</a:t>
-            </a:r>
-            <a:r>
-              <a:rPr lang="en-US" altLang="ja-JP" sz="1600" i="1" dirty="0"/>
-              <a:t>5868</a:t>
-            </a:r>
-            <a:r>
-              <a:rPr lang="ja-JP" altLang="en-US" sz="1600" dirty="0"/>
-              <a:t>種類</a:t>
-            </a:r>
-            <a:endParaRPr kumimoji="1" lang="ja-JP" altLang="en-US" sz="1600" dirty="0"/>
+              <a:rPr lang="en-US" altLang="ja-JP" dirty="0"/>
+              <a:t>b : </a:t>
+            </a:r>
+            <a:r>
+              <a:rPr lang="ja-JP" altLang="en-US" dirty="0"/>
+              <a:t>化合物</a:t>
+            </a:r>
+            <a:r>
+              <a:rPr lang="ja-JP" altLang="en-US" dirty="0" err="1"/>
+              <a:t>ｙ</a:t>
+            </a:r>
+            <a:r>
+              <a:rPr lang="ja-JP" altLang="en-US" dirty="0"/>
+              <a:t>のビット列のうち</a:t>
+            </a:r>
+            <a:r>
+              <a:rPr lang="en-US" altLang="ja-JP" dirty="0"/>
+              <a:t>1</a:t>
+            </a:r>
+            <a:r>
+              <a:rPr lang="ja-JP" altLang="en-US" dirty="0"/>
+              <a:t>が立っている数</a:t>
+            </a:r>
+            <a:endParaRPr lang="en-US" altLang="ja-JP" dirty="0"/>
+          </a:p>
+          <a:p>
+            <a:pPr lvl="1"/>
+            <a:r>
+              <a:rPr lang="en-US" altLang="ja-JP" dirty="0"/>
+              <a:t>c : </a:t>
+            </a:r>
+            <a:r>
+              <a:rPr lang="ja-JP" altLang="en-US" dirty="0" err="1"/>
+              <a:t>ｘ</a:t>
+            </a:r>
+            <a:r>
+              <a:rPr lang="ja-JP" altLang="en-US" dirty="0"/>
+              <a:t>とｙがともに</a:t>
+            </a:r>
+            <a:r>
+              <a:rPr lang="en-US" altLang="ja-JP" dirty="0"/>
+              <a:t>1</a:t>
+            </a:r>
+            <a:r>
+              <a:rPr lang="ja-JP" altLang="en-US" dirty="0"/>
+              <a:t>である数</a:t>
+            </a:r>
+            <a:endParaRPr lang="en-US" altLang="ja-JP" dirty="0"/>
           </a:p>
         </p:txBody>
       </p:sp>
+      <p:pic>
+        <p:nvPicPr>
+          <p:cNvPr id="6" name="図 5">
+            <a:extLst>
+              <a:ext uri="{FF2B5EF4-FFF2-40B4-BE49-F238E27FC236}">
+                <a16:creationId xmlns:a16="http://schemas.microsoft.com/office/drawing/2014/main" id="{BBEE15C2-F9D2-435D-AE16-B874CF835DE9}"/>
+              </a:ext>
+            </a:extLst>
+          </p:cNvPr>
+          <p:cNvPicPr>
+            <a:picLocks noChangeAspect="1"/>
+          </p:cNvPicPr>
+          <p:nvPr/>
+        </p:nvPicPr>
+        <p:blipFill>
+          <a:blip r:embed="rId2">
+            <a:extLst>
+              <a:ext uri="{28A0092B-C50C-407E-A947-70E740481C1C}">
+                <a14:useLocalDpi xmlns:a14="http://schemas.microsoft.com/office/drawing/2010/main" val="0"/>
+              </a:ext>
+            </a:extLst>
+          </a:blip>
+          <a:stretch>
+            <a:fillRect/>
+          </a:stretch>
+        </p:blipFill>
+        <p:spPr>
+          <a:xfrm>
+            <a:off x="3503355" y="4177717"/>
+            <a:ext cx="4938928" cy="2171938"/>
+          </a:xfrm>
+          <a:prstGeom prst="rect">
+            <a:avLst/>
+          </a:prstGeom>
+        </p:spPr>
+      </p:pic>
     </p:spTree>
     <p:extLst>
       <p:ext uri="{BB962C8B-B14F-4D97-AF65-F5344CB8AC3E}">
-        <p14:creationId xmlns:p14="http://schemas.microsoft.com/office/powerpoint/2010/main" val="3651879535"/>
+        <p14:creationId xmlns:p14="http://schemas.microsoft.com/office/powerpoint/2010/main" val="1305623858"/>
       </p:ext>
     </p:extLst>
   </p:cSld>
@@ -19549,7 +20889,7 @@
                 <a:latin typeface="Arial" panose="020B0604020202020204" pitchFamily="34" charset="0"/>
                 <a:cs typeface="Arial" panose="020B0604020202020204" pitchFamily="34" charset="0"/>
               </a:rPr>
-              <a:t>Statistical learning</a:t>
+              <a:t>Semantic features</a:t>
             </a:r>
             <a:endParaRPr kumimoji="1" lang="ja-JP" altLang="en-US" dirty="0">
               <a:latin typeface="Arial" panose="020B0604020202020204" pitchFamily="34" charset="0"/>
@@ -19574,123 +20914,167 @@
             <p:ph idx="1"/>
           </p:nvPr>
         </p:nvSpPr>
-        <p:spPr/>
+        <p:spPr>
+          <a:xfrm>
+            <a:off x="838200" y="1690688"/>
+            <a:ext cx="10515600" cy="4500387"/>
+          </a:xfrm>
+        </p:spPr>
         <p:txBody>
-          <a:bodyPr/>
+          <a:bodyPr>
+            <a:normAutofit/>
+          </a:bodyPr>
           <a:lstStyle/>
           <a:p>
+            <a:r>
+              <a:rPr lang="en-US" altLang="ja-JP" dirty="0" err="1">
+                <a:latin typeface="Arial" panose="020B0604020202020204" pitchFamily="34" charset="0"/>
+                <a:cs typeface="Arial" panose="020B0604020202020204" pitchFamily="34" charset="0"/>
+              </a:rPr>
+              <a:t>MeSH</a:t>
+            </a:r>
             <a:r>
               <a:rPr lang="en-US" altLang="ja-JP" dirty="0">
                 <a:latin typeface="Arial" panose="020B0604020202020204" pitchFamily="34" charset="0"/>
                 <a:cs typeface="Arial" panose="020B0604020202020204" pitchFamily="34" charset="0"/>
               </a:rPr>
-              <a:t>Unsupervised classification</a:t>
+              <a:t>-based similarity (MESH)</a:t>
             </a:r>
           </a:p>
           <a:p>
             <a:pPr lvl="1"/>
-            <a:endParaRPr lang="en-US" altLang="ja-JP" dirty="0">
-              <a:latin typeface="Arial" panose="020B0604020202020204" pitchFamily="34" charset="0"/>
-              <a:cs typeface="Arial" panose="020B0604020202020204" pitchFamily="34" charset="0"/>
-            </a:endParaRPr>
-          </a:p>
-          <a:p>
-            <a:endParaRPr kumimoji="1" lang="en-US" altLang="ja-JP" dirty="0">
-              <a:latin typeface="Arial" panose="020B0604020202020204" pitchFamily="34" charset="0"/>
-              <a:cs typeface="Arial" panose="020B0604020202020204" pitchFamily="34" charset="0"/>
-            </a:endParaRPr>
-          </a:p>
-          <a:p>
-            <a:r>
-              <a:rPr kumimoji="1" lang="en-US" altLang="ja-JP" dirty="0">
+            <a:r>
+              <a:rPr lang="en-US" altLang="ja-JP" dirty="0" err="1">
                 <a:latin typeface="Arial" panose="020B0604020202020204" pitchFamily="34" charset="0"/>
                 <a:cs typeface="Arial" panose="020B0604020202020204" pitchFamily="34" charset="0"/>
               </a:rPr>
-              <a:t>Classification tree</a:t>
-            </a:r>
-          </a:p>
-          <a:p>
+              <a:t>DrugBank</a:t>
+            </a:r>
+            <a:r>
+              <a:rPr lang="ja-JP" altLang="en-US" dirty="0"/>
+              <a:t>に</a:t>
+            </a:r>
+            <a:r>
+              <a:rPr lang="en-US" altLang="ja-JP" i="1" dirty="0"/>
+              <a:t>2072</a:t>
+            </a:r>
+            <a:r>
+              <a:rPr lang="ja-JP" altLang="en-US" dirty="0"/>
+              <a:t>種類の</a:t>
+            </a:r>
+            <a:r>
+              <a:rPr lang="en-US" altLang="ja-JP" dirty="0" err="1">
+                <a:latin typeface="Arial" panose="020B0604020202020204" pitchFamily="34" charset="0"/>
+                <a:cs typeface="Arial" panose="020B0604020202020204" pitchFamily="34" charset="0"/>
+              </a:rPr>
+              <a:t>MeSH</a:t>
+            </a:r>
+            <a:r>
+              <a:rPr lang="ja-JP" altLang="en-US" dirty="0"/>
+              <a:t>用語が存在</a:t>
+            </a:r>
+            <a:endParaRPr lang="en-US" altLang="ja-JP" dirty="0"/>
+          </a:p>
+          <a:p>
+            <a:pPr lvl="1"/>
+            <a:r>
+              <a:rPr lang="ja-JP" altLang="en-US" dirty="0"/>
+              <a:t>各化合物を、要素が</a:t>
+            </a:r>
+            <a:r>
+              <a:rPr lang="en-US" altLang="ja-JP" dirty="0" err="1">
+                <a:latin typeface="Arial" panose="020B0604020202020204" pitchFamily="34" charset="0"/>
+                <a:cs typeface="Arial" panose="020B0604020202020204" pitchFamily="34" charset="0"/>
+              </a:rPr>
+              <a:t>MeSH</a:t>
+            </a:r>
+            <a:r>
+              <a:rPr lang="ja-JP" altLang="en-US" dirty="0"/>
+              <a:t>の存在を表すバイナリーベクトルによって表現</a:t>
+            </a:r>
+            <a:endParaRPr lang="en-US" altLang="ja-JP" dirty="0"/>
+          </a:p>
+          <a:p>
+            <a:pPr lvl="1"/>
+            <a:r>
+              <a:rPr lang="ja-JP" altLang="en-US" dirty="0"/>
+              <a:t>対応する</a:t>
+            </a:r>
+            <a:r>
+              <a:rPr lang="en-US" altLang="ja-JP" dirty="0"/>
+              <a:t>2</a:t>
+            </a:r>
+            <a:r>
+              <a:rPr lang="ja-JP" altLang="en-US" dirty="0" err="1"/>
+              <a:t>つの</a:t>
+            </a:r>
+            <a:r>
+              <a:rPr lang="ja-JP" altLang="en-US" dirty="0"/>
+              <a:t>化合物の類似度を、</a:t>
+            </a:r>
+            <a:br>
+              <a:rPr lang="en-US" altLang="ja-JP" dirty="0"/>
+            </a:br>
             <a:r>
               <a:rPr lang="en-US" altLang="ja-JP" dirty="0">
                 <a:latin typeface="Arial" panose="020B0604020202020204" pitchFamily="34" charset="0"/>
                 <a:cs typeface="Arial" panose="020B0604020202020204" pitchFamily="34" charset="0"/>
               </a:rPr>
-              <a:t>K-nearest neighbors</a:t>
-            </a:r>
-          </a:p>
-          <a:p>
-            <a:r>
-              <a:rPr kumimoji="1" lang="en-US" altLang="ja-JP" dirty="0">
+              <a:t>IDF-</a:t>
+            </a:r>
+            <a:r>
+              <a:rPr lang="en-US" altLang="ja-JP" dirty="0" err="1">
                 <a:latin typeface="Arial" panose="020B0604020202020204" pitchFamily="34" charset="0"/>
                 <a:cs typeface="Arial" panose="020B0604020202020204" pitchFamily="34" charset="0"/>
               </a:rPr>
-              <a:t>Support vector machine</a:t>
-            </a:r>
-          </a:p>
-          <a:p>
-            <a:r>
-              <a:rPr lang="en-US" altLang="ja-JP" dirty="0">
+              <a:t>MeSH</a:t>
+            </a:r>
+            <a:r>
+              <a:rPr lang="ja-JP" altLang="en-US" dirty="0"/>
+              <a:t>ベクトル間のコサイン類似性として定義</a:t>
+            </a:r>
+            <a:endParaRPr lang="en-US" altLang="ja-JP" dirty="0"/>
+          </a:p>
+          <a:p>
+            <a:endParaRPr lang="en-US" altLang="ja-JP" dirty="0"/>
+          </a:p>
+          <a:p>
+            <a:r>
+              <a:rPr lang="en-US" altLang="ja-JP" sz="1800" dirty="0" err="1">
                 <a:latin typeface="Arial" panose="020B0604020202020204" pitchFamily="34" charset="0"/>
                 <a:cs typeface="Arial" panose="020B0604020202020204" pitchFamily="34" charset="0"/>
               </a:rPr>
-              <a:t>Random forest</a:t>
-            </a:r>
-          </a:p>
-          <a:p>
-            <a:r>
-              <a:rPr kumimoji="1" lang="en-US" altLang="ja-JP" dirty="0">
+              <a:t>MeSH</a:t>
+            </a:r>
+            <a:r>
+              <a:rPr lang="en-US" altLang="ja-JP" sz="1800" dirty="0"/>
+              <a:t> : </a:t>
+            </a:r>
+            <a:r>
+              <a:rPr lang="en-US" altLang="ja-JP" sz="1800" dirty="0">
                 <a:latin typeface="Arial" panose="020B0604020202020204" pitchFamily="34" charset="0"/>
                 <a:cs typeface="Arial" panose="020B0604020202020204" pitchFamily="34" charset="0"/>
               </a:rPr>
-              <a:t>Gradient boosting machine</a:t>
-            </a:r>
-            <a:endParaRPr kumimoji="1" lang="ja-JP" altLang="en-US" dirty="0">
-              <a:latin typeface="Arial" panose="020B0604020202020204" pitchFamily="34" charset="0"/>
-              <a:cs typeface="Arial" panose="020B0604020202020204" pitchFamily="34" charset="0"/>
-            </a:endParaRPr>
+              <a:t>MEDLINE</a:t>
+            </a:r>
+            <a:r>
+              <a:rPr lang="ja-JP" altLang="en-US" sz="1800" dirty="0"/>
+              <a:t>データベースを索引付けするために使用された語彙。</a:t>
+            </a:r>
+            <a:endParaRPr lang="en-US" altLang="ja-JP" sz="1800" dirty="0"/>
+          </a:p>
+          <a:p>
+            <a:endParaRPr lang="en-US" altLang="ja-JP" sz="1800" dirty="0"/>
+          </a:p>
+          <a:p>
+            <a:endParaRPr lang="en-US" altLang="ja-JP" dirty="0"/>
           </a:p>
         </p:txBody>
       </p:sp>
-      <p:pic>
-        <p:nvPicPr>
-          <p:cNvPr id="5" name="図 4">
-            <a:extLst>
-              <a:ext uri="{FF2B5EF4-FFF2-40B4-BE49-F238E27FC236}">
-                <a16:creationId xmlns:a16="http://schemas.microsoft.com/office/drawing/2014/main" id="{C039DD20-4147-4CB3-9CA2-976FA21125CB}"/>
-              </a:ext>
-            </a:extLst>
-          </p:cNvPr>
-          <p:cNvPicPr>
-            <a:picLocks noChangeAspect="1"/>
-          </p:cNvPicPr>
-          <p:nvPr/>
-        </p:nvPicPr>
-        <p:blipFill>
-          <a:blip r:embed="rId2">
-            <a:extLst>
-              <a:ext uri="{28A0092B-C50C-407E-A947-70E740481C1C}">
-                <a14:useLocalDpi xmlns:a14="http://schemas.microsoft.com/office/drawing/2010/main" val="0"/>
-              </a:ext>
-            </a:extLst>
-          </a:blip>
-          <a:stretch>
-            <a:fillRect/>
-          </a:stretch>
-        </p:blipFill>
-        <p:spPr>
-          <a:xfrm>
-            <a:off x="3890000" y="2388801"/>
-            <a:ext cx="3847278" cy="634318"/>
-          </a:xfrm>
-          <a:prstGeom prst="rect">
-            <a:avLst/>
-          </a:prstGeom>
-        </p:spPr>
-      </p:pic>
     </p:spTree>
     <p:extLst>
       <p:ext uri="{BB962C8B-B14F-4D97-AF65-F5344CB8AC3E}">
-        <p14:creationId xmlns:p14="http://schemas.microsoft.com/office/powerpoint/2010/main" val="426717125"/>
+        <p14:creationId xmlns:p14="http://schemas.microsoft.com/office/powerpoint/2010/main" val="3953898786"/>
       </p:ext>
     </p:extLst>
   </p:cSld>
@@ -19912,10 +21296,6 @@
             <a:r>
               <a:rPr lang="ja-JP" altLang="en-US"/>
               <a:t>予測のために有望であり、</a:t>
-            </a:r>
-            <a:r>
-              <a:rPr lang="en-US" altLang="ja-JP" dirty="0"/>
-              <a:t/>
             </a:r>
             <a:br>
               <a:rPr lang="en-US" altLang="ja-JP" dirty="0"/>
@@ -19976,7 +21356,7 @@
           <p:cNvPr id="2" name="タイトル 1">
             <a:extLst>
               <a:ext uri="{FF2B5EF4-FFF2-40B4-BE49-F238E27FC236}">
-                <a16:creationId xmlns:a16="http://schemas.microsoft.com/office/drawing/2014/main" id="{274334FC-3C80-499F-BA46-FAD3DF5D4694}"/>
+                <a16:creationId xmlns:a16="http://schemas.microsoft.com/office/drawing/2014/main" id="{08C5AAA6-4243-47F6-8DB6-7E3980951AD6}"/>
               </a:ext>
             </a:extLst>
           </p:cNvPr>
@@ -19997,7 +21377,7 @@
                 <a:latin typeface="Arial" panose="020B0604020202020204" pitchFamily="34" charset="0"/>
                 <a:cs typeface="Arial" panose="020B0604020202020204" pitchFamily="34" charset="0"/>
               </a:rPr>
-              <a:t>Evaluation metrics</a:t>
+              <a:t>Semantic features</a:t>
             </a:r>
             <a:endParaRPr kumimoji="1" lang="ja-JP" altLang="en-US" dirty="0">
               <a:latin typeface="Arial" panose="020B0604020202020204" pitchFamily="34" charset="0"/>
@@ -20011,7 +21391,7 @@
           <p:cNvPr id="3" name="コンテンツ プレースホルダー 2">
             <a:extLst>
               <a:ext uri="{FF2B5EF4-FFF2-40B4-BE49-F238E27FC236}">
-                <a16:creationId xmlns:a16="http://schemas.microsoft.com/office/drawing/2014/main" id="{FD47AC02-C281-45A1-A0DB-81C2C80E5344}"/>
+                <a16:creationId xmlns:a16="http://schemas.microsoft.com/office/drawing/2014/main" id="{E7FE4FE0-6D23-485E-8D7D-DE550280D0D5}"/>
               </a:ext>
             </a:extLst>
           </p:cNvPr>
@@ -20028,91 +21408,141 @@
           <a:lstStyle/>
           <a:p>
             <a:r>
-              <a:rPr kumimoji="1" lang="en-US" altLang="ja-JP" dirty="0"/>
-              <a:t>R</a:t>
+              <a:rPr lang="en-US" altLang="ja-JP" dirty="0">
+                <a:latin typeface="Arial" panose="020B0604020202020204" pitchFamily="34" charset="0"/>
+                <a:cs typeface="Arial" panose="020B0604020202020204" pitchFamily="34" charset="0"/>
+              </a:rPr>
+              <a:t>Adverse drug effect-based similarity (ADE)</a:t>
+            </a:r>
+          </a:p>
+          <a:p>
+            <a:pPr lvl="1"/>
+            <a:r>
+              <a:rPr lang="en-US" altLang="ja-JP" dirty="0">
+                <a:latin typeface="Arial" panose="020B0604020202020204" pitchFamily="34" charset="0"/>
+                <a:cs typeface="Arial" panose="020B0604020202020204" pitchFamily="34" charset="0"/>
+              </a:rPr>
+              <a:t>SIDER</a:t>
             </a:r>
             <a:r>
               <a:rPr lang="ja-JP" altLang="en-US" dirty="0"/>
-              <a:t>のライブラリを用いて評価</a:t>
+              <a:t>の副作用データベースから提供される情報を使用</a:t>
             </a:r>
             <a:endParaRPr lang="en-US" altLang="ja-JP" dirty="0"/>
           </a:p>
           <a:p>
-            <a:r>
-              <a:rPr kumimoji="1" lang="ja-JP" altLang="en-US" dirty="0"/>
-              <a:t>全データのうち</a:t>
-            </a:r>
-            <a:r>
-              <a:rPr lang="en-US" altLang="ja-JP" i="1" dirty="0"/>
-              <a:t>66</a:t>
-            </a:r>
-            <a:r>
-              <a:rPr kumimoji="1" lang="ja-JP" altLang="en-US" dirty="0"/>
-              <a:t>％をトレーニング用、</a:t>
-            </a:r>
-            <a:r>
-              <a:rPr kumimoji="1" lang="en-US" altLang="ja-JP" dirty="0"/>
-              <a:t/>
+            <a:pPr lvl="1"/>
+            <a:r>
+              <a:rPr lang="ja-JP" altLang="en-US" dirty="0"/>
+              <a:t>各化合物を副作用用語の存在を各要素とするバイナリベクトル</a:t>
             </a:r>
             <a:br>
-              <a:rPr kumimoji="1" lang="en-US" altLang="ja-JP" dirty="0"/>
+              <a:rPr lang="en-US" altLang="ja-JP" dirty="0"/>
             </a:br>
             <a:r>
-              <a:rPr kumimoji="1" lang="ja-JP" altLang="en-US" dirty="0"/>
-              <a:t>残りを評価用に用いた</a:t>
-            </a:r>
+              <a:rPr lang="ja-JP" altLang="en-US" dirty="0"/>
+              <a:t>によって表現。 </a:t>
+            </a:r>
+            <a:endParaRPr lang="en-US" altLang="ja-JP" dirty="0"/>
+          </a:p>
+          <a:p>
+            <a:pPr lvl="1"/>
+            <a:r>
+              <a:rPr lang="ja-JP" altLang="en-US" dirty="0"/>
+              <a:t>化合物の副作用類似性を、化合物の</a:t>
+            </a:r>
+            <a:r>
+              <a:rPr lang="en-US" altLang="ja-JP" dirty="0"/>
+              <a:t>IDF-</a:t>
+            </a:r>
+            <a:r>
+              <a:rPr lang="ja-JP" altLang="en-US" dirty="0"/>
+              <a:t>副作用ベクトルの</a:t>
+            </a:r>
+            <a:br>
+              <a:rPr lang="en-US" altLang="ja-JP" dirty="0"/>
+            </a:br>
+            <a:r>
+              <a:rPr lang="ja-JP" altLang="en-US" dirty="0"/>
+              <a:t>コサイン類似度で定義</a:t>
+            </a:r>
+            <a:endParaRPr lang="en-US" altLang="ja-JP" dirty="0"/>
+          </a:p>
+          <a:p>
+            <a:pPr lvl="1"/>
             <a:endParaRPr kumimoji="1" lang="en-US" altLang="ja-JP" dirty="0"/>
           </a:p>
           <a:p>
             <a:r>
-              <a:rPr kumimoji="1" lang="en-US" altLang="ja-JP" dirty="0"/>
-              <a:t>10-fold</a:t>
-            </a:r>
-            <a:r>
-              <a:rPr kumimoji="1" lang="ja-JP" altLang="en-US" dirty="0"/>
-              <a:t>交差検定を用いてパラメータをチューニング</a:t>
-            </a:r>
-            <a:endParaRPr lang="en-US" altLang="ja-JP" dirty="0"/>
-          </a:p>
-          <a:p>
-            <a:r>
-              <a:rPr lang="ja-JP" altLang="en-US" dirty="0"/>
-              <a:t>評価尺度は、再現率、適合率、</a:t>
-            </a:r>
-            <a:r>
-              <a:rPr lang="en-US" altLang="ja-JP" dirty="0"/>
-              <a:t>F</a:t>
-            </a:r>
-            <a:r>
-              <a:rPr lang="ja-JP" altLang="en-US" dirty="0"/>
-              <a:t>価、</a:t>
-            </a:r>
-            <a:r>
-              <a:rPr lang="en-US" altLang="ja-JP" dirty="0"/>
-              <a:t>AUC</a:t>
-            </a:r>
-            <a:r>
-              <a:rPr lang="ja-JP" altLang="en-US" dirty="0" err="1"/>
-              <a:t>、</a:t>
-            </a:r>
-            <a:r>
-              <a:rPr lang="en-US" altLang="ja-JP" dirty="0"/>
-              <a:t>AUPR</a:t>
-            </a:r>
-          </a:p>
-          <a:p>
-            <a:r>
-              <a:rPr kumimoji="1" lang="ja-JP" altLang="en-US" dirty="0"/>
-              <a:t>フリードマン検定で異なる分類器での有意差を検証</a:t>
-            </a:r>
-            <a:endParaRPr kumimoji="1" lang="en-US" altLang="ja-JP" dirty="0"/>
+              <a:rPr lang="en-US" altLang="ja-JP" sz="2000" dirty="0">
+                <a:latin typeface="Arial" panose="020B0604020202020204" pitchFamily="34" charset="0"/>
+                <a:cs typeface="Arial" panose="020B0604020202020204" pitchFamily="34" charset="0"/>
+              </a:rPr>
+              <a:t>SIDER</a:t>
+            </a:r>
+            <a:r>
+              <a:rPr lang="ja-JP" altLang="en-US" sz="2000" dirty="0"/>
+              <a:t> </a:t>
+            </a:r>
+            <a:r>
+              <a:rPr lang="en-US" altLang="ja-JP" sz="2000" dirty="0"/>
+              <a:t>:</a:t>
+            </a:r>
+            <a:r>
+              <a:rPr lang="ja-JP" altLang="en-US" sz="2000" dirty="0"/>
+              <a:t> 市販されている薬剤およびその既知の</a:t>
+            </a:r>
+            <a:r>
+              <a:rPr lang="en-US" altLang="ja-JP" sz="2000" dirty="0">
+                <a:latin typeface="Arial" panose="020B0604020202020204" pitchFamily="34" charset="0"/>
+                <a:cs typeface="Arial" panose="020B0604020202020204" pitchFamily="34" charset="0"/>
+              </a:rPr>
+              <a:t>ADR</a:t>
+            </a:r>
+            <a:r>
+              <a:rPr lang="ja-JP" altLang="en-US" sz="2000" dirty="0"/>
+              <a:t>に関するデータを提供する</a:t>
+            </a:r>
+            <a:endParaRPr lang="en-US" altLang="ja-JP" sz="2000" dirty="0"/>
+          </a:p>
+          <a:p>
+            <a:pPr lvl="1"/>
+            <a:r>
+              <a:rPr kumimoji="1" lang="ja-JP" altLang="en-US" sz="1600" dirty="0"/>
+              <a:t>薬物：</a:t>
+            </a:r>
+            <a:r>
+              <a:rPr kumimoji="1" lang="en-US" altLang="ja-JP" sz="1600" i="1" dirty="0"/>
+              <a:t>1430</a:t>
+            </a:r>
+            <a:r>
+              <a:rPr kumimoji="1" lang="ja-JP" altLang="en-US" sz="1600" dirty="0"/>
+              <a:t>種類</a:t>
+            </a:r>
+            <a:endParaRPr kumimoji="1" lang="en-US" altLang="ja-JP" sz="1600" dirty="0"/>
+          </a:p>
+          <a:p>
+            <a:pPr lvl="1"/>
+            <a:r>
+              <a:rPr lang="ja-JP" altLang="en-US" sz="1600" dirty="0"/>
+              <a:t>副作用：</a:t>
+            </a:r>
+            <a:r>
+              <a:rPr lang="en-US" altLang="ja-JP" sz="1600" i="1" dirty="0"/>
+              <a:t>5868</a:t>
+            </a:r>
+            <a:r>
+              <a:rPr lang="ja-JP" altLang="en-US" sz="1600" dirty="0"/>
+              <a:t>種類</a:t>
+            </a:r>
+            <a:endParaRPr kumimoji="1" lang="ja-JP" altLang="en-US" sz="1600" dirty="0"/>
           </a:p>
         </p:txBody>
       </p:sp>
     </p:spTree>
     <p:extLst>
       <p:ext uri="{BB962C8B-B14F-4D97-AF65-F5344CB8AC3E}">
-        <p14:creationId xmlns:p14="http://schemas.microsoft.com/office/powerpoint/2010/main" val="2453811981"/>
+        <p14:creationId xmlns:p14="http://schemas.microsoft.com/office/powerpoint/2010/main" val="3651879535"/>
       </p:ext>
     </p:extLst>
   </p:cSld>
@@ -20165,6 +21595,364 @@
                 <a:latin typeface="Arial" panose="020B0604020202020204" pitchFamily="34" charset="0"/>
                 <a:cs typeface="Arial" panose="020B0604020202020204" pitchFamily="34" charset="0"/>
               </a:rPr>
+              <a:t>Statistical learning</a:t>
+            </a:r>
+            <a:endParaRPr kumimoji="1" lang="ja-JP" altLang="en-US" dirty="0">
+              <a:latin typeface="Arial" panose="020B0604020202020204" pitchFamily="34" charset="0"/>
+              <a:cs typeface="Arial" panose="020B0604020202020204" pitchFamily="34" charset="0"/>
+            </a:endParaRPr>
+          </a:p>
+        </p:txBody>
+      </p:sp>
+      <p:sp>
+        <p:nvSpPr>
+          <p:cNvPr id="3" name="コンテンツ プレースホルダー 2">
+            <a:extLst>
+              <a:ext uri="{FF2B5EF4-FFF2-40B4-BE49-F238E27FC236}">
+                <a16:creationId xmlns:a16="http://schemas.microsoft.com/office/drawing/2014/main" id="{FD47AC02-C281-45A1-A0DB-81C2C80E5344}"/>
+              </a:ext>
+            </a:extLst>
+          </p:cNvPr>
+          <p:cNvSpPr>
+            <a:spLocks noGrp="1"/>
+          </p:cNvSpPr>
+          <p:nvPr>
+            <p:ph idx="1"/>
+          </p:nvPr>
+        </p:nvSpPr>
+        <p:spPr/>
+        <p:txBody>
+          <a:bodyPr/>
+          <a:lstStyle/>
+          <a:p>
+            <a:r>
+              <a:rPr lang="en-US" altLang="ja-JP" dirty="0">
+                <a:latin typeface="Arial" panose="020B0604020202020204" pitchFamily="34" charset="0"/>
+                <a:cs typeface="Arial" panose="020B0604020202020204" pitchFamily="34" charset="0"/>
+              </a:rPr>
+              <a:t>Unsupervised classification</a:t>
+            </a:r>
+          </a:p>
+          <a:p>
+            <a:pPr lvl="1"/>
+            <a:endParaRPr lang="en-US" altLang="ja-JP" dirty="0">
+              <a:latin typeface="Arial" panose="020B0604020202020204" pitchFamily="34" charset="0"/>
+              <a:cs typeface="Arial" panose="020B0604020202020204" pitchFamily="34" charset="0"/>
+            </a:endParaRPr>
+          </a:p>
+          <a:p>
+            <a:endParaRPr kumimoji="1" lang="en-US" altLang="ja-JP" dirty="0">
+              <a:latin typeface="Arial" panose="020B0604020202020204" pitchFamily="34" charset="0"/>
+              <a:cs typeface="Arial" panose="020B0604020202020204" pitchFamily="34" charset="0"/>
+            </a:endParaRPr>
+          </a:p>
+          <a:p>
+            <a:r>
+              <a:rPr kumimoji="1" lang="en-US" altLang="ja-JP" dirty="0">
+                <a:latin typeface="Arial" panose="020B0604020202020204" pitchFamily="34" charset="0"/>
+                <a:cs typeface="Arial" panose="020B0604020202020204" pitchFamily="34" charset="0"/>
+              </a:rPr>
+              <a:t>Classification tree</a:t>
+            </a:r>
+          </a:p>
+          <a:p>
+            <a:r>
+              <a:rPr lang="en-US" altLang="ja-JP" dirty="0">
+                <a:latin typeface="Arial" panose="020B0604020202020204" pitchFamily="34" charset="0"/>
+                <a:cs typeface="Arial" panose="020B0604020202020204" pitchFamily="34" charset="0"/>
+              </a:rPr>
+              <a:t>K-nearest neighbors</a:t>
+            </a:r>
+          </a:p>
+          <a:p>
+            <a:r>
+              <a:rPr kumimoji="1" lang="en-US" altLang="ja-JP" dirty="0">
+                <a:latin typeface="Arial" panose="020B0604020202020204" pitchFamily="34" charset="0"/>
+                <a:cs typeface="Arial" panose="020B0604020202020204" pitchFamily="34" charset="0"/>
+              </a:rPr>
+              <a:t>Support vector machine</a:t>
+            </a:r>
+          </a:p>
+          <a:p>
+            <a:r>
+              <a:rPr lang="en-US" altLang="ja-JP" dirty="0">
+                <a:latin typeface="Arial" panose="020B0604020202020204" pitchFamily="34" charset="0"/>
+                <a:cs typeface="Arial" panose="020B0604020202020204" pitchFamily="34" charset="0"/>
+              </a:rPr>
+              <a:t>Random forest</a:t>
+            </a:r>
+          </a:p>
+          <a:p>
+            <a:r>
+              <a:rPr kumimoji="1" lang="en-US" altLang="ja-JP" dirty="0">
+                <a:latin typeface="Arial" panose="020B0604020202020204" pitchFamily="34" charset="0"/>
+                <a:cs typeface="Arial" panose="020B0604020202020204" pitchFamily="34" charset="0"/>
+              </a:rPr>
+              <a:t>Gradient boosting machine</a:t>
+            </a:r>
+            <a:endParaRPr kumimoji="1" lang="ja-JP" altLang="en-US" dirty="0">
+              <a:latin typeface="Arial" panose="020B0604020202020204" pitchFamily="34" charset="0"/>
+              <a:cs typeface="Arial" panose="020B0604020202020204" pitchFamily="34" charset="0"/>
+            </a:endParaRPr>
+          </a:p>
+        </p:txBody>
+      </p:sp>
+      <p:pic>
+        <p:nvPicPr>
+          <p:cNvPr id="5" name="図 4">
+            <a:extLst>
+              <a:ext uri="{FF2B5EF4-FFF2-40B4-BE49-F238E27FC236}">
+                <a16:creationId xmlns:a16="http://schemas.microsoft.com/office/drawing/2014/main" id="{C039DD20-4147-4CB3-9CA2-976FA21125CB}"/>
+              </a:ext>
+            </a:extLst>
+          </p:cNvPr>
+          <p:cNvPicPr>
+            <a:picLocks noChangeAspect="1"/>
+          </p:cNvPicPr>
+          <p:nvPr/>
+        </p:nvPicPr>
+        <p:blipFill>
+          <a:blip r:embed="rId2">
+            <a:extLst>
+              <a:ext uri="{28A0092B-C50C-407E-A947-70E740481C1C}">
+                <a14:useLocalDpi xmlns:a14="http://schemas.microsoft.com/office/drawing/2010/main" val="0"/>
+              </a:ext>
+            </a:extLst>
+          </a:blip>
+          <a:stretch>
+            <a:fillRect/>
+          </a:stretch>
+        </p:blipFill>
+        <p:spPr>
+          <a:xfrm>
+            <a:off x="3890000" y="2388801"/>
+            <a:ext cx="3847278" cy="634318"/>
+          </a:xfrm>
+          <a:prstGeom prst="rect">
+            <a:avLst/>
+          </a:prstGeom>
+        </p:spPr>
+      </p:pic>
+    </p:spTree>
+    <p:extLst>
+      <p:ext uri="{BB962C8B-B14F-4D97-AF65-F5344CB8AC3E}">
+        <p14:creationId xmlns:p14="http://schemas.microsoft.com/office/powerpoint/2010/main" val="426717125"/>
+      </p:ext>
+    </p:extLst>
+  </p:cSld>
+  <p:clrMapOvr>
+    <a:masterClrMapping/>
+  </p:clrMapOvr>
+</p:sld>
+</file>
+
+<file path=ppt/slides/slide42.xml><?xml version="1.0" encoding="utf-8"?>
+<p:sld xmlns:a="http://schemas.openxmlformats.org/drawingml/2006/main" xmlns:r="http://schemas.openxmlformats.org/officeDocument/2006/relationships" xmlns:p="http://schemas.openxmlformats.org/presentationml/2006/main">
+  <p:cSld>
+    <p:spTree>
+      <p:nvGrpSpPr>
+        <p:cNvPr id="1" name=""/>
+        <p:cNvGrpSpPr/>
+        <p:nvPr/>
+      </p:nvGrpSpPr>
+      <p:grpSpPr>
+        <a:xfrm>
+          <a:off x="0" y="0"/>
+          <a:ext cx="0" cy="0"/>
+          <a:chOff x="0" y="0"/>
+          <a:chExt cx="0" cy="0"/>
+        </a:xfrm>
+      </p:grpSpPr>
+      <p:sp>
+        <p:nvSpPr>
+          <p:cNvPr id="2" name="タイトル 1">
+            <a:extLst>
+              <a:ext uri="{FF2B5EF4-FFF2-40B4-BE49-F238E27FC236}">
+                <a16:creationId xmlns:a16="http://schemas.microsoft.com/office/drawing/2014/main" id="{274334FC-3C80-499F-BA46-FAD3DF5D4694}"/>
+              </a:ext>
+            </a:extLst>
+          </p:cNvPr>
+          <p:cNvSpPr>
+            <a:spLocks noGrp="1"/>
+          </p:cNvSpPr>
+          <p:nvPr>
+            <p:ph type="title"/>
+          </p:nvPr>
+        </p:nvSpPr>
+        <p:spPr/>
+        <p:txBody>
+          <a:bodyPr/>
+          <a:lstStyle/>
+          <a:p>
+            <a:r>
+              <a:rPr kumimoji="1" lang="en-US" altLang="ja-JP" dirty="0">
+                <a:latin typeface="Arial" panose="020B0604020202020204" pitchFamily="34" charset="0"/>
+                <a:cs typeface="Arial" panose="020B0604020202020204" pitchFamily="34" charset="0"/>
+              </a:rPr>
+              <a:t>Evaluation metrics</a:t>
+            </a:r>
+            <a:endParaRPr kumimoji="1" lang="ja-JP" altLang="en-US" dirty="0">
+              <a:latin typeface="Arial" panose="020B0604020202020204" pitchFamily="34" charset="0"/>
+              <a:cs typeface="Arial" panose="020B0604020202020204" pitchFamily="34" charset="0"/>
+            </a:endParaRPr>
+          </a:p>
+        </p:txBody>
+      </p:sp>
+      <p:sp>
+        <p:nvSpPr>
+          <p:cNvPr id="3" name="コンテンツ プレースホルダー 2">
+            <a:extLst>
+              <a:ext uri="{FF2B5EF4-FFF2-40B4-BE49-F238E27FC236}">
+                <a16:creationId xmlns:a16="http://schemas.microsoft.com/office/drawing/2014/main" id="{FD47AC02-C281-45A1-A0DB-81C2C80E5344}"/>
+              </a:ext>
+            </a:extLst>
+          </p:cNvPr>
+          <p:cNvSpPr>
+            <a:spLocks noGrp="1"/>
+          </p:cNvSpPr>
+          <p:nvPr>
+            <p:ph idx="1"/>
+          </p:nvPr>
+        </p:nvSpPr>
+        <p:spPr/>
+        <p:txBody>
+          <a:bodyPr/>
+          <a:lstStyle/>
+          <a:p>
+            <a:r>
+              <a:rPr kumimoji="1" lang="en-US" altLang="ja-JP" dirty="0"/>
+              <a:t>R</a:t>
+            </a:r>
+            <a:r>
+              <a:rPr lang="ja-JP" altLang="en-US" dirty="0"/>
+              <a:t>のライブラリを用いて評価</a:t>
+            </a:r>
+            <a:endParaRPr lang="en-US" altLang="ja-JP" dirty="0"/>
+          </a:p>
+          <a:p>
+            <a:r>
+              <a:rPr kumimoji="1" lang="ja-JP" altLang="en-US" dirty="0"/>
+              <a:t>全データのうち</a:t>
+            </a:r>
+            <a:r>
+              <a:rPr lang="en-US" altLang="ja-JP" i="1" dirty="0"/>
+              <a:t>66</a:t>
+            </a:r>
+            <a:r>
+              <a:rPr kumimoji="1" lang="ja-JP" altLang="en-US" dirty="0"/>
+              <a:t>％をトレーニング用、</a:t>
+            </a:r>
+            <a:br>
+              <a:rPr kumimoji="1" lang="en-US" altLang="ja-JP" dirty="0"/>
+            </a:br>
+            <a:r>
+              <a:rPr kumimoji="1" lang="ja-JP" altLang="en-US" dirty="0"/>
+              <a:t>残りを評価用に用いた</a:t>
+            </a:r>
+            <a:endParaRPr kumimoji="1" lang="en-US" altLang="ja-JP" dirty="0"/>
+          </a:p>
+          <a:p>
+            <a:r>
+              <a:rPr kumimoji="1" lang="en-US" altLang="ja-JP" dirty="0"/>
+              <a:t>10-fold</a:t>
+            </a:r>
+            <a:r>
+              <a:rPr kumimoji="1" lang="ja-JP" altLang="en-US" dirty="0"/>
+              <a:t>交差検定を用いてパラメータをチューニング</a:t>
+            </a:r>
+            <a:endParaRPr lang="en-US" altLang="ja-JP" dirty="0"/>
+          </a:p>
+          <a:p>
+            <a:r>
+              <a:rPr lang="ja-JP" altLang="en-US" dirty="0"/>
+              <a:t>評価尺度は、再現率、適合率、</a:t>
+            </a:r>
+            <a:r>
+              <a:rPr lang="en-US" altLang="ja-JP" dirty="0"/>
+              <a:t>F</a:t>
+            </a:r>
+            <a:r>
+              <a:rPr lang="ja-JP" altLang="en-US" dirty="0"/>
+              <a:t>価、</a:t>
+            </a:r>
+            <a:r>
+              <a:rPr lang="en-US" altLang="ja-JP" dirty="0"/>
+              <a:t>AUC</a:t>
+            </a:r>
+            <a:r>
+              <a:rPr lang="ja-JP" altLang="en-US" dirty="0" err="1"/>
+              <a:t>、</a:t>
+            </a:r>
+            <a:r>
+              <a:rPr lang="en-US" altLang="ja-JP" dirty="0"/>
+              <a:t>AUPR</a:t>
+            </a:r>
+          </a:p>
+          <a:p>
+            <a:r>
+              <a:rPr kumimoji="1" lang="ja-JP" altLang="en-US" dirty="0"/>
+              <a:t>フリードマン検定で異なる分類器での有意差を検証</a:t>
+            </a:r>
+            <a:endParaRPr kumimoji="1" lang="en-US" altLang="ja-JP" dirty="0"/>
+          </a:p>
+        </p:txBody>
+      </p:sp>
+    </p:spTree>
+    <p:extLst>
+      <p:ext uri="{BB962C8B-B14F-4D97-AF65-F5344CB8AC3E}">
+        <p14:creationId xmlns:p14="http://schemas.microsoft.com/office/powerpoint/2010/main" val="2453811981"/>
+      </p:ext>
+    </p:extLst>
+  </p:cSld>
+  <p:clrMapOvr>
+    <a:masterClrMapping/>
+  </p:clrMapOvr>
+</p:sld>
+</file>
+
+<file path=ppt/slides/slide43.xml><?xml version="1.0" encoding="utf-8"?>
+<p:sld xmlns:a="http://schemas.openxmlformats.org/drawingml/2006/main" xmlns:r="http://schemas.openxmlformats.org/officeDocument/2006/relationships" xmlns:p="http://schemas.openxmlformats.org/presentationml/2006/main">
+  <p:cSld>
+    <p:spTree>
+      <p:nvGrpSpPr>
+        <p:cNvPr id="1" name=""/>
+        <p:cNvGrpSpPr/>
+        <p:nvPr/>
+      </p:nvGrpSpPr>
+      <p:grpSpPr>
+        <a:xfrm>
+          <a:off x="0" y="0"/>
+          <a:ext cx="0" cy="0"/>
+          <a:chOff x="0" y="0"/>
+          <a:chExt cx="0" cy="0"/>
+        </a:xfrm>
+      </p:grpSpPr>
+      <p:sp>
+        <p:nvSpPr>
+          <p:cNvPr id="2" name="タイトル 1">
+            <a:extLst>
+              <a:ext uri="{FF2B5EF4-FFF2-40B4-BE49-F238E27FC236}">
+                <a16:creationId xmlns:a16="http://schemas.microsoft.com/office/drawing/2014/main" id="{274334FC-3C80-499F-BA46-FAD3DF5D4694}"/>
+              </a:ext>
+            </a:extLst>
+          </p:cNvPr>
+          <p:cNvSpPr>
+            <a:spLocks noGrp="1"/>
+          </p:cNvSpPr>
+          <p:nvPr>
+            <p:ph type="title"/>
+          </p:nvPr>
+        </p:nvSpPr>
+        <p:spPr/>
+        <p:txBody>
+          <a:bodyPr/>
+          <a:lstStyle/>
+          <a:p>
+            <a:r>
+              <a:rPr kumimoji="1" lang="en-US" altLang="ja-JP" dirty="0">
+                <a:latin typeface="Arial" panose="020B0604020202020204" pitchFamily="34" charset="0"/>
+                <a:cs typeface="Arial" panose="020B0604020202020204" pitchFamily="34" charset="0"/>
+              </a:rPr>
               <a:t>Results</a:t>
             </a:r>
             <a:endParaRPr kumimoji="1" lang="ja-JP" altLang="en-US" dirty="0">
@@ -20351,7 +22139,7 @@
 </p:sld>
 </file>
 
-<file path=ppt/slides/slide42.xml><?xml version="1.0" encoding="utf-8"?>
+<file path=ppt/slides/slide44.xml><?xml version="1.0" encoding="utf-8"?>
 <p:sld xmlns:a="http://schemas.openxmlformats.org/drawingml/2006/main" xmlns:r="http://schemas.openxmlformats.org/officeDocument/2006/relationships" xmlns:p="http://schemas.openxmlformats.org/presentationml/2006/main">
   <p:cSld>
     <p:spTree>
@@ -21031,298 +22819,6 @@
 </p:sld>
 </file>
 
-<file path=ppt/slides/slide43.xml><?xml version="1.0" encoding="utf-8"?>
-<p:sld xmlns:a="http://schemas.openxmlformats.org/drawingml/2006/main" xmlns:r="http://schemas.openxmlformats.org/officeDocument/2006/relationships" xmlns:p="http://schemas.openxmlformats.org/presentationml/2006/main">
-  <p:cSld>
-    <p:spTree>
-      <p:nvGrpSpPr>
-        <p:cNvPr id="1" name=""/>
-        <p:cNvGrpSpPr/>
-        <p:nvPr/>
-      </p:nvGrpSpPr>
-      <p:grpSpPr>
-        <a:xfrm>
-          <a:off x="0" y="0"/>
-          <a:ext cx="0" cy="0"/>
-          <a:chOff x="0" y="0"/>
-          <a:chExt cx="0" cy="0"/>
-        </a:xfrm>
-      </p:grpSpPr>
-      <p:sp>
-        <p:nvSpPr>
-          <p:cNvPr id="2" name="タイトル 1">
-            <a:extLst>
-              <a:ext uri="{FF2B5EF4-FFF2-40B4-BE49-F238E27FC236}">
-                <a16:creationId xmlns:a16="http://schemas.microsoft.com/office/drawing/2014/main" id="{274334FC-3C80-499F-BA46-FAD3DF5D4694}"/>
-              </a:ext>
-            </a:extLst>
-          </p:cNvPr>
-          <p:cNvSpPr>
-            <a:spLocks noGrp="1"/>
-          </p:cNvSpPr>
-          <p:nvPr>
-            <p:ph type="title"/>
-          </p:nvPr>
-        </p:nvSpPr>
-        <p:spPr/>
-        <p:txBody>
-          <a:bodyPr/>
-          <a:lstStyle/>
-          <a:p>
-            <a:r>
-              <a:rPr kumimoji="1" lang="en-US" altLang="ja-JP" dirty="0">
-                <a:latin typeface="Arial" panose="020B0604020202020204" pitchFamily="34" charset="0"/>
-                <a:cs typeface="Arial" panose="020B0604020202020204" pitchFamily="34" charset="0"/>
-              </a:rPr>
-              <a:t>Performance evaluation</a:t>
-            </a:r>
-            <a:endParaRPr kumimoji="1" lang="ja-JP" altLang="en-US" dirty="0">
-              <a:latin typeface="Arial" panose="020B0604020202020204" pitchFamily="34" charset="0"/>
-              <a:cs typeface="Arial" panose="020B0604020202020204" pitchFamily="34" charset="0"/>
-            </a:endParaRPr>
-          </a:p>
-        </p:txBody>
-      </p:sp>
-      <p:pic>
-        <p:nvPicPr>
-          <p:cNvPr id="5" name="コンテンツ プレースホルダー 4">
-            <a:extLst>
-              <a:ext uri="{FF2B5EF4-FFF2-40B4-BE49-F238E27FC236}">
-                <a16:creationId xmlns:a16="http://schemas.microsoft.com/office/drawing/2014/main" id="{1D191ECB-BF99-447D-B32D-967C83658968}"/>
-              </a:ext>
-            </a:extLst>
-          </p:cNvPr>
-          <p:cNvPicPr>
-            <a:picLocks noGrp="1" noChangeAspect="1"/>
-          </p:cNvPicPr>
-          <p:nvPr>
-            <p:ph idx="1"/>
-          </p:nvPr>
-        </p:nvPicPr>
-        <p:blipFill>
-          <a:blip r:embed="rId2">
-            <a:extLst>
-              <a:ext uri="{28A0092B-C50C-407E-A947-70E740481C1C}">
-                <a14:useLocalDpi xmlns:a14="http://schemas.microsoft.com/office/drawing/2010/main" val="0"/>
-              </a:ext>
-            </a:extLst>
-          </a:blip>
-          <a:stretch>
-            <a:fillRect/>
-          </a:stretch>
-        </p:blipFill>
-        <p:spPr>
-          <a:xfrm>
-            <a:off x="422867" y="2877229"/>
-            <a:ext cx="11197684" cy="3560894"/>
-          </a:xfrm>
-        </p:spPr>
-      </p:pic>
-      <p:sp>
-        <p:nvSpPr>
-          <p:cNvPr id="3" name="テキスト ボックス 2">
-            <a:extLst>
-              <a:ext uri="{FF2B5EF4-FFF2-40B4-BE49-F238E27FC236}">
-                <a16:creationId xmlns:a16="http://schemas.microsoft.com/office/drawing/2014/main" id="{73AC1A99-8295-4B15-8A8E-E9068C6F8C75}"/>
-              </a:ext>
-            </a:extLst>
-          </p:cNvPr>
-          <p:cNvSpPr txBox="1"/>
-          <p:nvPr/>
-        </p:nvSpPr>
-        <p:spPr>
-          <a:xfrm flipH="1">
-            <a:off x="838200" y="1822293"/>
-            <a:ext cx="5631181" cy="461665"/>
-          </a:xfrm>
-          <a:prstGeom prst="rect">
-            <a:avLst/>
-          </a:prstGeom>
-          <a:noFill/>
-        </p:spPr>
-        <p:txBody>
-          <a:bodyPr wrap="square" rtlCol="0">
-            <a:spAutoFit/>
-          </a:bodyPr>
-          <a:lstStyle/>
-          <a:p>
-            <a:pPr marL="285750" indent="-285750">
-              <a:buFont typeface="Arial" panose="020B0604020202020204" pitchFamily="34" charset="0"/>
-              <a:buChar char="•"/>
-            </a:pPr>
-            <a:r>
-              <a:rPr kumimoji="1" lang="ja-JP" altLang="en-US" sz="2400" dirty="0"/>
-              <a:t>教師なし学習の精度</a:t>
-            </a:r>
-          </a:p>
-        </p:txBody>
-      </p:sp>
-    </p:spTree>
-    <p:extLst>
-      <p:ext uri="{BB962C8B-B14F-4D97-AF65-F5344CB8AC3E}">
-        <p14:creationId xmlns:p14="http://schemas.microsoft.com/office/powerpoint/2010/main" val="1648461804"/>
-      </p:ext>
-    </p:extLst>
-  </p:cSld>
-  <p:clrMapOvr>
-    <a:masterClrMapping/>
-  </p:clrMapOvr>
-</p:sld>
-</file>
-
-<file path=ppt/slides/slide44.xml><?xml version="1.0" encoding="utf-8"?>
-<p:sld xmlns:a="http://schemas.openxmlformats.org/drawingml/2006/main" xmlns:r="http://schemas.openxmlformats.org/officeDocument/2006/relationships" xmlns:p="http://schemas.openxmlformats.org/presentationml/2006/main">
-  <p:cSld>
-    <p:spTree>
-      <p:nvGrpSpPr>
-        <p:cNvPr id="1" name=""/>
-        <p:cNvGrpSpPr/>
-        <p:nvPr/>
-      </p:nvGrpSpPr>
-      <p:grpSpPr>
-        <a:xfrm>
-          <a:off x="0" y="0"/>
-          <a:ext cx="0" cy="0"/>
-          <a:chOff x="0" y="0"/>
-          <a:chExt cx="0" cy="0"/>
-        </a:xfrm>
-      </p:grpSpPr>
-      <p:sp>
-        <p:nvSpPr>
-          <p:cNvPr id="2" name="タイトル 1">
-            <a:extLst>
-              <a:ext uri="{FF2B5EF4-FFF2-40B4-BE49-F238E27FC236}">
-                <a16:creationId xmlns:a16="http://schemas.microsoft.com/office/drawing/2014/main" id="{274334FC-3C80-499F-BA46-FAD3DF5D4694}"/>
-              </a:ext>
-            </a:extLst>
-          </p:cNvPr>
-          <p:cNvSpPr>
-            <a:spLocks noGrp="1"/>
-          </p:cNvSpPr>
-          <p:nvPr>
-            <p:ph type="title"/>
-          </p:nvPr>
-        </p:nvSpPr>
-        <p:spPr/>
-        <p:txBody>
-          <a:bodyPr/>
-          <a:lstStyle/>
-          <a:p>
-            <a:r>
-              <a:rPr kumimoji="1" lang="en-US" altLang="ja-JP" dirty="0">
-                <a:latin typeface="Arial" panose="020B0604020202020204" pitchFamily="34" charset="0"/>
-                <a:cs typeface="Arial" panose="020B0604020202020204" pitchFamily="34" charset="0"/>
-              </a:rPr>
-              <a:t>Performance evaluation</a:t>
-            </a:r>
-            <a:endParaRPr kumimoji="1" lang="ja-JP" altLang="en-US" dirty="0">
-              <a:latin typeface="Arial" panose="020B0604020202020204" pitchFamily="34" charset="0"/>
-              <a:cs typeface="Arial" panose="020B0604020202020204" pitchFamily="34" charset="0"/>
-            </a:endParaRPr>
-          </a:p>
-        </p:txBody>
-      </p:sp>
-      <p:sp>
-        <p:nvSpPr>
-          <p:cNvPr id="3" name="テキスト ボックス 2">
-            <a:extLst>
-              <a:ext uri="{FF2B5EF4-FFF2-40B4-BE49-F238E27FC236}">
-                <a16:creationId xmlns:a16="http://schemas.microsoft.com/office/drawing/2014/main" id="{73AC1A99-8295-4B15-8A8E-E9068C6F8C75}"/>
-              </a:ext>
-            </a:extLst>
-          </p:cNvPr>
-          <p:cNvSpPr txBox="1"/>
-          <p:nvPr/>
-        </p:nvSpPr>
-        <p:spPr>
-          <a:xfrm flipH="1">
-            <a:off x="838200" y="1822293"/>
-            <a:ext cx="5631181" cy="461665"/>
-          </a:xfrm>
-          <a:prstGeom prst="rect">
-            <a:avLst/>
-          </a:prstGeom>
-          <a:noFill/>
-        </p:spPr>
-        <p:txBody>
-          <a:bodyPr wrap="square" rtlCol="0">
-            <a:spAutoFit/>
-          </a:bodyPr>
-          <a:lstStyle/>
-          <a:p>
-            <a:pPr marL="285750" indent="-285750">
-              <a:buFont typeface="Arial" panose="020B0604020202020204" pitchFamily="34" charset="0"/>
-              <a:buChar char="•"/>
-            </a:pPr>
-            <a:r>
-              <a:rPr kumimoji="1" lang="ja-JP" altLang="en-US" sz="2400" dirty="0"/>
-              <a:t>教師あり学習の精度 </a:t>
-            </a:r>
-            <a:r>
-              <a:rPr kumimoji="1" lang="en-US" altLang="ja-JP" sz="2400" dirty="0"/>
-              <a:t>(</a:t>
-            </a:r>
-            <a:r>
-              <a:rPr kumimoji="1" lang="ja-JP" altLang="en-US" sz="2400" dirty="0"/>
-              <a:t>教師データ</a:t>
-            </a:r>
-            <a:r>
-              <a:rPr lang="en-US" altLang="ja-JP" sz="2400" dirty="0"/>
-              <a:t>)</a:t>
-            </a:r>
-            <a:endParaRPr kumimoji="1" lang="ja-JP" altLang="en-US" sz="2400" dirty="0"/>
-          </a:p>
-        </p:txBody>
-      </p:sp>
-      <p:pic>
-        <p:nvPicPr>
-          <p:cNvPr id="8" name="図 7">
-            <a:extLst>
-              <a:ext uri="{FF2B5EF4-FFF2-40B4-BE49-F238E27FC236}">
-                <a16:creationId xmlns:a16="http://schemas.microsoft.com/office/drawing/2014/main" id="{96D549C9-94B4-4F1F-9256-74669B35FD4B}"/>
-              </a:ext>
-            </a:extLst>
-          </p:cNvPr>
-          <p:cNvPicPr>
-            <a:picLocks noChangeAspect="1"/>
-          </p:cNvPicPr>
-          <p:nvPr/>
-        </p:nvPicPr>
-        <p:blipFill>
-          <a:blip r:embed="rId2">
-            <a:extLst>
-              <a:ext uri="{28A0092B-C50C-407E-A947-70E740481C1C}">
-                <a14:useLocalDpi xmlns:a14="http://schemas.microsoft.com/office/drawing/2010/main" val="0"/>
-              </a:ext>
-            </a:extLst>
-          </a:blip>
-          <a:stretch>
-            <a:fillRect/>
-          </a:stretch>
-        </p:blipFill>
-        <p:spPr>
-          <a:xfrm>
-            <a:off x="2709608" y="2283958"/>
-            <a:ext cx="6772784" cy="4358985"/>
-          </a:xfrm>
-          <a:prstGeom prst="rect">
-            <a:avLst/>
-          </a:prstGeom>
-        </p:spPr>
-      </p:pic>
-    </p:spTree>
-    <p:extLst>
-      <p:ext uri="{BB962C8B-B14F-4D97-AF65-F5344CB8AC3E}">
-        <p14:creationId xmlns:p14="http://schemas.microsoft.com/office/powerpoint/2010/main" val="1963638991"/>
-      </p:ext>
-    </p:extLst>
-  </p:cSld>
-  <p:clrMapOvr>
-    <a:masterClrMapping/>
-  </p:clrMapOvr>
-</p:sld>
-</file>
-
 <file path=ppt/slides/slide45.xml><?xml version="1.0" encoding="utf-8"?>
 <p:sld xmlns:a="http://schemas.openxmlformats.org/drawingml/2006/main" xmlns:r="http://schemas.openxmlformats.org/officeDocument/2006/relationships" xmlns:p="http://schemas.openxmlformats.org/presentationml/2006/main">
   <p:cSld>
@@ -21375,6 +22871,41 @@
           </a:p>
         </p:txBody>
       </p:sp>
+      <p:pic>
+        <p:nvPicPr>
+          <p:cNvPr id="5" name="コンテンツ プレースホルダー 4">
+            <a:extLst>
+              <a:ext uri="{FF2B5EF4-FFF2-40B4-BE49-F238E27FC236}">
+                <a16:creationId xmlns:a16="http://schemas.microsoft.com/office/drawing/2014/main" id="{1D191ECB-BF99-447D-B32D-967C83658968}"/>
+              </a:ext>
+            </a:extLst>
+          </p:cNvPr>
+          <p:cNvPicPr>
+            <a:picLocks noGrp="1" noChangeAspect="1"/>
+          </p:cNvPicPr>
+          <p:nvPr>
+            <p:ph idx="1"/>
+          </p:nvPr>
+        </p:nvPicPr>
+        <p:blipFill>
+          <a:blip r:embed="rId2">
+            <a:extLst>
+              <a:ext uri="{28A0092B-C50C-407E-A947-70E740481C1C}">
+                <a14:useLocalDpi xmlns:a14="http://schemas.microsoft.com/office/drawing/2010/main" val="0"/>
+              </a:ext>
+            </a:extLst>
+          </a:blip>
+          <a:stretch>
+            <a:fillRect/>
+          </a:stretch>
+        </p:blipFill>
+        <p:spPr>
+          <a:xfrm>
+            <a:off x="422867" y="2877229"/>
+            <a:ext cx="11197684" cy="3560894"/>
+          </a:xfrm>
+        </p:spPr>
+      </p:pic>
       <p:sp>
         <p:nvSpPr>
           <p:cNvPr id="3" name="テキスト ボックス 2">
@@ -21409,64 +22940,15 @@
             </a:pPr>
             <a:r>
               <a:rPr kumimoji="1" lang="ja-JP" altLang="en-US" sz="2400" dirty="0"/>
-              <a:t>教師あり学習の精度 </a:t>
-            </a:r>
-            <a:r>
-              <a:rPr kumimoji="1" lang="en-US" altLang="ja-JP" sz="2400" dirty="0"/>
-              <a:t>(</a:t>
-            </a:r>
-            <a:r>
-              <a:rPr kumimoji="1" lang="ja-JP" altLang="en-US" sz="2400" dirty="0"/>
-              <a:t>テストデータ</a:t>
-            </a:r>
-            <a:r>
-              <a:rPr lang="en-US" altLang="ja-JP" sz="2400" dirty="0"/>
-              <a:t>)</a:t>
-            </a:r>
-            <a:endParaRPr kumimoji="1" lang="ja-JP" altLang="en-US" sz="2400" dirty="0"/>
+              <a:t>教師なし学習の精度</a:t>
+            </a:r>
           </a:p>
         </p:txBody>
       </p:sp>
-      <p:pic>
-        <p:nvPicPr>
-          <p:cNvPr id="5" name="図 4">
-            <a:extLst>
-              <a:ext uri="{FF2B5EF4-FFF2-40B4-BE49-F238E27FC236}">
-                <a16:creationId xmlns:a16="http://schemas.microsoft.com/office/drawing/2014/main" id="{01787085-C9F3-4F67-A125-9DC582A6836B}"/>
-              </a:ext>
-            </a:extLst>
-          </p:cNvPr>
-          <p:cNvPicPr>
-            <a:picLocks noChangeAspect="1"/>
-          </p:cNvPicPr>
-          <p:nvPr/>
-        </p:nvPicPr>
-        <p:blipFill>
-          <a:blip r:embed="rId2">
-            <a:extLst>
-              <a:ext uri="{28A0092B-C50C-407E-A947-70E740481C1C}">
-                <a14:useLocalDpi xmlns:a14="http://schemas.microsoft.com/office/drawing/2010/main" val="0"/>
-              </a:ext>
-            </a:extLst>
-          </a:blip>
-          <a:stretch>
-            <a:fillRect/>
-          </a:stretch>
-        </p:blipFill>
-        <p:spPr>
-          <a:xfrm>
-            <a:off x="2798493" y="2283958"/>
-            <a:ext cx="6595013" cy="4402592"/>
-          </a:xfrm>
-          <a:prstGeom prst="rect">
-            <a:avLst/>
-          </a:prstGeom>
-        </p:spPr>
-      </p:pic>
     </p:spTree>
     <p:extLst>
       <p:ext uri="{BB962C8B-B14F-4D97-AF65-F5344CB8AC3E}">
-        <p14:creationId xmlns:p14="http://schemas.microsoft.com/office/powerpoint/2010/main" val="3719591069"/>
+        <p14:creationId xmlns:p14="http://schemas.microsoft.com/office/powerpoint/2010/main" val="1648461804"/>
       </p:ext>
     </p:extLst>
   </p:cSld>
@@ -21519,7 +23001,7 @@
                 <a:latin typeface="Arial" panose="020B0604020202020204" pitchFamily="34" charset="0"/>
                 <a:cs typeface="Arial" panose="020B0604020202020204" pitchFamily="34" charset="0"/>
               </a:rPr>
-              <a:t>Feature importance</a:t>
+              <a:t>Performance evaluation</a:t>
             </a:r>
             <a:endParaRPr kumimoji="1" lang="ja-JP" altLang="en-US" dirty="0">
               <a:latin typeface="Arial" panose="020B0604020202020204" pitchFamily="34" charset="0"/>
@@ -21530,81 +23012,62 @@
       </p:sp>
       <p:sp>
         <p:nvSpPr>
-          <p:cNvPr id="3" name="コンテンツ プレースホルダー 2">
-            <a:extLst>
-              <a:ext uri="{FF2B5EF4-FFF2-40B4-BE49-F238E27FC236}">
-                <a16:creationId xmlns:a16="http://schemas.microsoft.com/office/drawing/2014/main" id="{FD47AC02-C281-45A1-A0DB-81C2C80E5344}"/>
-              </a:ext>
-            </a:extLst>
-          </p:cNvPr>
-          <p:cNvSpPr>
-            <a:spLocks noGrp="1"/>
-          </p:cNvSpPr>
-          <p:nvPr>
-            <p:ph idx="1"/>
-          </p:nvPr>
+          <p:cNvPr id="3" name="テキスト ボックス 2">
+            <a:extLst>
+              <a:ext uri="{FF2B5EF4-FFF2-40B4-BE49-F238E27FC236}">
+                <a16:creationId xmlns:a16="http://schemas.microsoft.com/office/drawing/2014/main" id="{73AC1A99-8295-4B15-8A8E-E9068C6F8C75}"/>
+              </a:ext>
+            </a:extLst>
+          </p:cNvPr>
+          <p:cNvSpPr txBox="1"/>
+          <p:nvPr/>
         </p:nvSpPr>
         <p:spPr>
-          <a:xfrm>
-            <a:off x="838200" y="1825625"/>
-            <a:ext cx="10515600" cy="755650"/>
+          <a:xfrm flipH="1">
+            <a:off x="838200" y="1822293"/>
+            <a:ext cx="5631181" cy="461665"/>
           </a:xfrm>
+          <a:prstGeom prst="rect">
+            <a:avLst/>
+          </a:prstGeom>
+          <a:noFill/>
         </p:spPr>
         <p:txBody>
-          <a:bodyPr>
-            <a:normAutofit fontScale="85000" lnSpcReduction="20000"/>
+          <a:bodyPr wrap="square" rtlCol="0">
+            <a:spAutoFit/>
           </a:bodyPr>
           <a:lstStyle/>
           <a:p>
-            <a:r>
-              <a:rPr kumimoji="1" lang="en-US" altLang="ja-JP" dirty="0">
-                <a:latin typeface="Arial" panose="020B0604020202020204" pitchFamily="34" charset="0"/>
-                <a:cs typeface="Arial" panose="020B0604020202020204" pitchFamily="34" charset="0"/>
-              </a:rPr>
-              <a:t>RF</a:t>
-            </a:r>
-            <a:r>
-              <a:rPr kumimoji="1" lang="ja-JP" altLang="en-US" dirty="0"/>
-              <a:t>と</a:t>
-            </a:r>
-            <a:r>
-              <a:rPr kumimoji="1" lang="en-US" altLang="ja-JP" dirty="0">
-                <a:latin typeface="Arial" panose="020B0604020202020204" pitchFamily="34" charset="0"/>
-                <a:cs typeface="Arial" panose="020B0604020202020204" pitchFamily="34" charset="0"/>
-              </a:rPr>
-              <a:t>GB</a:t>
-            </a:r>
-            <a:r>
-              <a:rPr kumimoji="1" lang="ja-JP" altLang="en-US" dirty="0"/>
-              <a:t>において、どの類似度が重要かを定量化 </a:t>
-            </a:r>
-            <a:r>
-              <a:rPr lang="en-US" altLang="ja-JP" dirty="0"/>
+            <a:pPr marL="285750" indent="-285750">
+              <a:buFont typeface="Arial" panose="020B0604020202020204" pitchFamily="34" charset="0"/>
+              <a:buChar char="•"/>
+            </a:pPr>
+            <a:r>
+              <a:rPr kumimoji="1" lang="ja-JP" altLang="en-US" sz="2400" dirty="0"/>
+              <a:t>教師あり学習の精度 </a:t>
+            </a:r>
+            <a:r>
+              <a:rPr kumimoji="1" lang="en-US" altLang="ja-JP" sz="2400" dirty="0"/>
               <a:t>(</a:t>
             </a:r>
             <a:r>
-              <a:rPr lang="ja-JP" altLang="en-US" dirty="0"/>
-              <a:t>ジニ係数</a:t>
-            </a:r>
-            <a:r>
-              <a:rPr lang="en-US" altLang="ja-JP" dirty="0"/>
+              <a:rPr kumimoji="1" lang="ja-JP" altLang="en-US" sz="2400" dirty="0"/>
+              <a:t>教師データ</a:t>
+            </a:r>
+            <a:r>
+              <a:rPr lang="en-US" altLang="ja-JP" sz="2400" dirty="0"/>
               <a:t>)</a:t>
             </a:r>
-          </a:p>
-          <a:p>
-            <a:r>
-              <a:rPr kumimoji="1" lang="ja-JP" altLang="en-US" dirty="0"/>
-              <a:t>重要度：位相的特徴 ＞ 意味的特徴</a:t>
-            </a:r>
+            <a:endParaRPr kumimoji="1" lang="ja-JP" altLang="en-US" sz="2400" dirty="0"/>
           </a:p>
         </p:txBody>
       </p:sp>
       <p:pic>
         <p:nvPicPr>
-          <p:cNvPr id="5" name="図 4">
-            <a:extLst>
-              <a:ext uri="{FF2B5EF4-FFF2-40B4-BE49-F238E27FC236}">
-                <a16:creationId xmlns:a16="http://schemas.microsoft.com/office/drawing/2014/main" id="{576C6893-6EEC-49DB-9CF2-A1F8BE6D1F1D}"/>
+          <p:cNvPr id="8" name="図 7">
+            <a:extLst>
+              <a:ext uri="{FF2B5EF4-FFF2-40B4-BE49-F238E27FC236}">
+                <a16:creationId xmlns:a16="http://schemas.microsoft.com/office/drawing/2014/main" id="{96D549C9-94B4-4F1F-9256-74669B35FD4B}"/>
               </a:ext>
             </a:extLst>
           </p:cNvPr>
@@ -21627,8 +23090,8 @@
         </p:blipFill>
         <p:spPr>
           <a:xfrm>
-            <a:off x="3019425" y="2508194"/>
-            <a:ext cx="5956349" cy="4121206"/>
+            <a:off x="2709608" y="2283958"/>
+            <a:ext cx="6772784" cy="4358985"/>
           </a:xfrm>
           <a:prstGeom prst="rect">
             <a:avLst/>
@@ -21638,7 +23101,7 @@
     </p:spTree>
     <p:extLst>
       <p:ext uri="{BB962C8B-B14F-4D97-AF65-F5344CB8AC3E}">
-        <p14:creationId xmlns:p14="http://schemas.microsoft.com/office/powerpoint/2010/main" val="545682763"/>
+        <p14:creationId xmlns:p14="http://schemas.microsoft.com/office/powerpoint/2010/main" val="1963638991"/>
       </p:ext>
     </p:extLst>
   </p:cSld>
@@ -21691,7 +23154,7 @@
                 <a:latin typeface="Arial" panose="020B0604020202020204" pitchFamily="34" charset="0"/>
                 <a:cs typeface="Arial" panose="020B0604020202020204" pitchFamily="34" charset="0"/>
               </a:rPr>
-              <a:t>Feature importance</a:t>
+              <a:t>Performance evaluation</a:t>
             </a:r>
             <a:endParaRPr kumimoji="1" lang="ja-JP" altLang="en-US" dirty="0">
               <a:latin typeface="Arial" panose="020B0604020202020204" pitchFamily="34" charset="0"/>
@@ -21702,94 +23165,62 @@
       </p:sp>
       <p:sp>
         <p:nvSpPr>
-          <p:cNvPr id="3" name="コンテンツ プレースホルダー 2">
-            <a:extLst>
-              <a:ext uri="{FF2B5EF4-FFF2-40B4-BE49-F238E27FC236}">
-                <a16:creationId xmlns:a16="http://schemas.microsoft.com/office/drawing/2014/main" id="{FD47AC02-C281-45A1-A0DB-81C2C80E5344}"/>
-              </a:ext>
-            </a:extLst>
-          </p:cNvPr>
-          <p:cNvSpPr>
-            <a:spLocks noGrp="1"/>
-          </p:cNvSpPr>
-          <p:nvPr>
-            <p:ph idx="1"/>
-          </p:nvPr>
+          <p:cNvPr id="3" name="テキスト ボックス 2">
+            <a:extLst>
+              <a:ext uri="{FF2B5EF4-FFF2-40B4-BE49-F238E27FC236}">
+                <a16:creationId xmlns:a16="http://schemas.microsoft.com/office/drawing/2014/main" id="{73AC1A99-8295-4B15-8A8E-E9068C6F8C75}"/>
+              </a:ext>
+            </a:extLst>
+          </p:cNvPr>
+          <p:cNvSpPr txBox="1"/>
+          <p:nvPr/>
         </p:nvSpPr>
         <p:spPr>
-          <a:xfrm>
-            <a:off x="838200" y="1552575"/>
-            <a:ext cx="10515600" cy="1390650"/>
+          <a:xfrm flipH="1">
+            <a:off x="838200" y="1822293"/>
+            <a:ext cx="5631181" cy="461665"/>
           </a:xfrm>
+          <a:prstGeom prst="rect">
+            <a:avLst/>
+          </a:prstGeom>
+          <a:noFill/>
         </p:spPr>
         <p:txBody>
-          <a:bodyPr>
-            <a:normAutofit fontScale="85000" lnSpcReduction="10000"/>
+          <a:bodyPr wrap="square" rtlCol="0">
+            <a:spAutoFit/>
           </a:bodyPr>
           <a:lstStyle/>
           <a:p>
-            <a:r>
-              <a:rPr lang="ja-JP" altLang="en-US" dirty="0"/>
-              <a:t>ペアである、ない薬間の平均類似度 </a:t>
-            </a:r>
-            <a:r>
-              <a:rPr lang="en-US" altLang="ja-JP" dirty="0"/>
+            <a:pPr marL="285750" indent="-285750">
+              <a:buFont typeface="Arial" panose="020B0604020202020204" pitchFamily="34" charset="0"/>
+              <a:buChar char="•"/>
+            </a:pPr>
+            <a:r>
+              <a:rPr kumimoji="1" lang="ja-JP" altLang="en-US" sz="2400" dirty="0"/>
+              <a:t>教師あり学習の精度 </a:t>
+            </a:r>
+            <a:r>
+              <a:rPr kumimoji="1" lang="en-US" altLang="ja-JP" sz="2400" dirty="0"/>
               <a:t>(</a:t>
             </a:r>
             <a:r>
-              <a:rPr lang="ja-JP" altLang="en-US" dirty="0"/>
-              <a:t>全薬物間の平均類似度を含む</a:t>
-            </a:r>
-            <a:r>
-              <a:rPr lang="en-US" altLang="ja-JP" dirty="0"/>
+              <a:rPr kumimoji="1" lang="ja-JP" altLang="en-US" sz="2400" dirty="0"/>
+              <a:t>テストデータ</a:t>
+            </a:r>
+            <a:r>
+              <a:rPr lang="en-US" altLang="ja-JP" sz="2400" dirty="0"/>
               <a:t>)</a:t>
             </a:r>
-          </a:p>
-          <a:p>
-            <a:r>
-              <a:rPr kumimoji="1" lang="ja-JP" altLang="en-US" dirty="0"/>
-              <a:t>ペアである薬間の類似性が</a:t>
-            </a:r>
-            <a:r>
-              <a:rPr lang="ja-JP" altLang="en-US" dirty="0"/>
-              <a:t>他の</a:t>
-            </a:r>
-            <a:r>
-              <a:rPr lang="en-US" altLang="ja-JP" dirty="0"/>
-              <a:t>2</a:t>
-            </a:r>
-            <a:r>
-              <a:rPr lang="ja-JP" altLang="en-US" dirty="0" err="1"/>
-              <a:t>つに</a:t>
-            </a:r>
-            <a:r>
-              <a:rPr lang="ja-JP" altLang="en-US" dirty="0"/>
-              <a:t>比べ高い</a:t>
-            </a:r>
-            <a:endParaRPr lang="en-US" altLang="ja-JP" dirty="0"/>
-          </a:p>
-          <a:p>
-            <a:r>
-              <a:rPr kumimoji="1" lang="ja-JP" altLang="en-US" dirty="0"/>
-              <a:t>類似している化合物が</a:t>
-            </a:r>
-            <a:r>
-              <a:rPr kumimoji="1" lang="en-US" altLang="ja-JP" dirty="0"/>
-              <a:t>DDI</a:t>
-            </a:r>
-            <a:r>
-              <a:rPr kumimoji="1" lang="ja-JP" altLang="en-US" dirty="0"/>
-              <a:t>を引き起こす傾向にあるという仮説の裏付け</a:t>
-            </a:r>
+            <a:endParaRPr kumimoji="1" lang="ja-JP" altLang="en-US" sz="2400" dirty="0"/>
           </a:p>
         </p:txBody>
       </p:sp>
       <p:pic>
         <p:nvPicPr>
-          <p:cNvPr id="6" name="図 5">
-            <a:extLst>
-              <a:ext uri="{FF2B5EF4-FFF2-40B4-BE49-F238E27FC236}">
-                <a16:creationId xmlns:a16="http://schemas.microsoft.com/office/drawing/2014/main" id="{9A9B2F5C-72CD-4CD1-82FD-443AF07DEAF7}"/>
+          <p:cNvPr id="5" name="図 4">
+            <a:extLst>
+              <a:ext uri="{FF2B5EF4-FFF2-40B4-BE49-F238E27FC236}">
+                <a16:creationId xmlns:a16="http://schemas.microsoft.com/office/drawing/2014/main" id="{01787085-C9F3-4F67-A125-9DC582A6836B}"/>
               </a:ext>
             </a:extLst>
           </p:cNvPr>
@@ -21812,8 +23243,8 @@
         </p:blipFill>
         <p:spPr>
           <a:xfrm>
-            <a:off x="3143250" y="2716212"/>
-            <a:ext cx="5501034" cy="3917242"/>
+            <a:off x="2798493" y="2283958"/>
+            <a:ext cx="6595013" cy="4402592"/>
           </a:xfrm>
           <a:prstGeom prst="rect">
             <a:avLst/>
@@ -21823,7 +23254,7 @@
     </p:spTree>
     <p:extLst>
       <p:ext uri="{BB962C8B-B14F-4D97-AF65-F5344CB8AC3E}">
-        <p14:creationId xmlns:p14="http://schemas.microsoft.com/office/powerpoint/2010/main" val="1655987473"/>
+        <p14:creationId xmlns:p14="http://schemas.microsoft.com/office/powerpoint/2010/main" val="3719591069"/>
       </p:ext>
     </p:extLst>
   </p:cSld>
@@ -21903,36 +23334,65 @@
         </p:nvSpPr>
         <p:spPr>
           <a:xfrm>
-            <a:off x="838200" y="1552575"/>
-            <a:ext cx="10515600" cy="1390650"/>
+            <a:off x="838200" y="1825625"/>
+            <a:ext cx="10515600" cy="755650"/>
           </a:xfrm>
         </p:spPr>
         <p:txBody>
           <a:bodyPr>
-            <a:normAutofit/>
+            <a:normAutofit fontScale="85000" lnSpcReduction="20000"/>
           </a:bodyPr>
           <a:lstStyle/>
           <a:p>
             <a:r>
+              <a:rPr kumimoji="1" lang="en-US" altLang="ja-JP" dirty="0">
+                <a:latin typeface="Arial" panose="020B0604020202020204" pitchFamily="34" charset="0"/>
+                <a:cs typeface="Arial" panose="020B0604020202020204" pitchFamily="34" charset="0"/>
+              </a:rPr>
+              <a:t>RF</a:t>
+            </a:r>
+            <a:r>
+              <a:rPr kumimoji="1" lang="ja-JP" altLang="en-US" dirty="0"/>
+              <a:t>と</a:t>
+            </a:r>
+            <a:r>
+              <a:rPr kumimoji="1" lang="en-US" altLang="ja-JP" dirty="0">
+                <a:latin typeface="Arial" panose="020B0604020202020204" pitchFamily="34" charset="0"/>
+                <a:cs typeface="Arial" panose="020B0604020202020204" pitchFamily="34" charset="0"/>
+              </a:rPr>
+              <a:t>GB</a:t>
+            </a:r>
+            <a:r>
+              <a:rPr kumimoji="1" lang="ja-JP" altLang="en-US" dirty="0"/>
+              <a:t>において、どの類似度が重要かを定量化 </a:t>
+            </a:r>
+            <a:r>
+              <a:rPr lang="en-US" altLang="ja-JP" dirty="0"/>
+              <a:t>(</a:t>
+            </a:r>
+            <a:r>
               <a:rPr lang="ja-JP" altLang="en-US" dirty="0"/>
-              <a:t>特徴間の関係性を知るために、階層的クラスタリングを実行</a:t>
-            </a:r>
-            <a:endParaRPr lang="en-US" altLang="ja-JP" dirty="0"/>
+              <a:t>ジニ係数</a:t>
+            </a:r>
+            <a:r>
+              <a:rPr lang="en-US" altLang="ja-JP" dirty="0"/>
+              <a:t>)</a:t>
+            </a:r>
           </a:p>
           <a:p>
             <a:r>
               <a:rPr kumimoji="1" lang="ja-JP" altLang="en-US" dirty="0"/>
-              <a:t>ユークリッド距離って書いてあるけどなんの？</a:t>
+              <a:t>重要度：位相的特徴 ＞ 意味的特徴</a:t>
             </a:r>
           </a:p>
         </p:txBody>
       </p:sp>
       <p:pic>
         <p:nvPicPr>
-          <p:cNvPr id="8" name="図 7">
-            <a:extLst>
-              <a:ext uri="{FF2B5EF4-FFF2-40B4-BE49-F238E27FC236}">
-                <a16:creationId xmlns:a16="http://schemas.microsoft.com/office/drawing/2014/main" id="{70A2A5EF-B698-4FBF-8A45-3DBA9BB00042}"/>
+          <p:cNvPr id="5" name="図 4">
+            <a:extLst>
+              <a:ext uri="{FF2B5EF4-FFF2-40B4-BE49-F238E27FC236}">
+                <a16:creationId xmlns:a16="http://schemas.microsoft.com/office/drawing/2014/main" id="{576C6893-6EEC-49DB-9CF2-A1F8BE6D1F1D}"/>
               </a:ext>
             </a:extLst>
           </p:cNvPr>
@@ -21955,8 +23415,8 @@
         </p:blipFill>
         <p:spPr>
           <a:xfrm>
-            <a:off x="3001996" y="2781300"/>
-            <a:ext cx="5394594" cy="3900706"/>
+            <a:off x="3019425" y="2508194"/>
+            <a:ext cx="5956349" cy="4121206"/>
           </a:xfrm>
           <a:prstGeom prst="rect">
             <a:avLst/>
@@ -21966,7 +23426,7 @@
     </p:spTree>
     <p:extLst>
       <p:ext uri="{BB962C8B-B14F-4D97-AF65-F5344CB8AC3E}">
-        <p14:creationId xmlns:p14="http://schemas.microsoft.com/office/powerpoint/2010/main" val="2221425848"/>
+        <p14:creationId xmlns:p14="http://schemas.microsoft.com/office/powerpoint/2010/main" val="545682763"/>
       </p:ext>
     </p:extLst>
   </p:cSld>
@@ -22019,7 +23479,7 @@
                 <a:latin typeface="Arial" panose="020B0604020202020204" pitchFamily="34" charset="0"/>
                 <a:cs typeface="Arial" panose="020B0604020202020204" pitchFamily="34" charset="0"/>
               </a:rPr>
-              <a:t>Case study</a:t>
+              <a:t>Feature importance</a:t>
             </a:r>
             <a:endParaRPr kumimoji="1" lang="ja-JP" altLang="en-US" dirty="0">
               <a:latin typeface="Arial" panose="020B0604020202020204" pitchFamily="34" charset="0"/>
@@ -22028,21 +23488,103 @@
           </a:p>
         </p:txBody>
       </p:sp>
-      <p:pic>
-        <p:nvPicPr>
-          <p:cNvPr id="5" name="コンテンツ プレースホルダー 4">
-            <a:extLst>
-              <a:ext uri="{FF2B5EF4-FFF2-40B4-BE49-F238E27FC236}">
-                <a16:creationId xmlns:a16="http://schemas.microsoft.com/office/drawing/2014/main" id="{11D87C19-A958-45AA-B9A7-4FE68BDFEC16}"/>
-              </a:ext>
-            </a:extLst>
-          </p:cNvPr>
-          <p:cNvPicPr>
-            <a:picLocks noGrp="1" noChangeAspect="1"/>
-          </p:cNvPicPr>
+      <p:sp>
+        <p:nvSpPr>
+          <p:cNvPr id="3" name="コンテンツ プレースホルダー 2">
+            <a:extLst>
+              <a:ext uri="{FF2B5EF4-FFF2-40B4-BE49-F238E27FC236}">
+                <a16:creationId xmlns:a16="http://schemas.microsoft.com/office/drawing/2014/main" id="{FD47AC02-C281-45A1-A0DB-81C2C80E5344}"/>
+              </a:ext>
+            </a:extLst>
+          </p:cNvPr>
+          <p:cNvSpPr>
+            <a:spLocks noGrp="1"/>
+          </p:cNvSpPr>
           <p:nvPr>
             <p:ph idx="1"/>
           </p:nvPr>
+        </p:nvSpPr>
+        <p:spPr>
+          <a:xfrm>
+            <a:off x="838200" y="1552575"/>
+            <a:ext cx="10515600" cy="1390650"/>
+          </a:xfrm>
+        </p:spPr>
+        <p:txBody>
+          <a:bodyPr>
+            <a:normAutofit fontScale="85000" lnSpcReduction="10000"/>
+          </a:bodyPr>
+          <a:lstStyle/>
+          <a:p>
+            <a:r>
+              <a:rPr lang="ja-JP" altLang="en-US" dirty="0"/>
+              <a:t>ペアである、ない薬間の平均類似度 </a:t>
+            </a:r>
+            <a:r>
+              <a:rPr lang="en-US" altLang="ja-JP" dirty="0"/>
+              <a:t>(</a:t>
+            </a:r>
+            <a:r>
+              <a:rPr lang="ja-JP" altLang="en-US" dirty="0"/>
+              <a:t>全薬物間の平均類似度を含む</a:t>
+            </a:r>
+            <a:r>
+              <a:rPr lang="en-US" altLang="ja-JP" dirty="0"/>
+              <a:t>)</a:t>
+            </a:r>
+          </a:p>
+          <a:p>
+            <a:r>
+              <a:rPr kumimoji="1" lang="ja-JP" altLang="en-US" dirty="0"/>
+              <a:t>ペアである薬間の類似性が</a:t>
+            </a:r>
+            <a:r>
+              <a:rPr lang="ja-JP" altLang="en-US" dirty="0"/>
+              <a:t>他の</a:t>
+            </a:r>
+            <a:r>
+              <a:rPr lang="en-US" altLang="ja-JP" dirty="0"/>
+              <a:t>2</a:t>
+            </a:r>
+            <a:r>
+              <a:rPr lang="ja-JP" altLang="en-US" dirty="0" err="1"/>
+              <a:t>つに</a:t>
+            </a:r>
+            <a:r>
+              <a:rPr lang="ja-JP" altLang="en-US" dirty="0"/>
+              <a:t>比べ高い</a:t>
+            </a:r>
+            <a:endParaRPr lang="en-US" altLang="ja-JP" dirty="0"/>
+          </a:p>
+          <a:p>
+            <a:r>
+              <a:rPr kumimoji="1" lang="ja-JP" altLang="en-US" dirty="0"/>
+              <a:t>類似している化合物が</a:t>
+            </a:r>
+            <a:r>
+              <a:rPr kumimoji="1" lang="en-US" altLang="ja-JP" dirty="0"/>
+              <a:t>DDI</a:t>
+            </a:r>
+            <a:r>
+              <a:rPr kumimoji="1" lang="ja-JP" altLang="en-US" dirty="0"/>
+              <a:t>を引き起こす傾向にあるという仮説の裏付け</a:t>
+            </a:r>
+          </a:p>
+        </p:txBody>
+      </p:sp>
+      <p:pic>
+        <p:nvPicPr>
+          <p:cNvPr id="6" name="図 5">
+            <a:extLst>
+              <a:ext uri="{FF2B5EF4-FFF2-40B4-BE49-F238E27FC236}">
+                <a16:creationId xmlns:a16="http://schemas.microsoft.com/office/drawing/2014/main" id="{9A9B2F5C-72CD-4CD1-82FD-443AF07DEAF7}"/>
+              </a:ext>
+            </a:extLst>
+          </p:cNvPr>
+          <p:cNvPicPr>
+            <a:picLocks noChangeAspect="1"/>
+          </p:cNvPicPr>
+          <p:nvPr/>
         </p:nvPicPr>
         <p:blipFill>
           <a:blip r:embed="rId2">
@@ -22058,54 +23600,18 @@
         </p:blipFill>
         <p:spPr>
           <a:xfrm>
-            <a:off x="1676059" y="2514601"/>
-            <a:ext cx="9393704" cy="4238624"/>
-          </a:xfrm>
-        </p:spPr>
-      </p:pic>
-      <p:sp>
-        <p:nvSpPr>
-          <p:cNvPr id="6" name="テキスト ボックス 5">
-            <a:extLst>
-              <a:ext uri="{FF2B5EF4-FFF2-40B4-BE49-F238E27FC236}">
-                <a16:creationId xmlns:a16="http://schemas.microsoft.com/office/drawing/2014/main" id="{DA7C0B64-964B-4737-89A7-395B3941CD22}"/>
-              </a:ext>
-            </a:extLst>
-          </p:cNvPr>
-          <p:cNvSpPr txBox="1"/>
-          <p:nvPr/>
-        </p:nvSpPr>
-        <p:spPr>
-          <a:xfrm>
-            <a:off x="1047409" y="1690688"/>
-            <a:ext cx="9148658" cy="461665"/>
+            <a:off x="3143250" y="2716212"/>
+            <a:ext cx="5501034" cy="3917242"/>
           </a:xfrm>
           <a:prstGeom prst="rect">
             <a:avLst/>
           </a:prstGeom>
-          <a:noFill/>
         </p:spPr>
-        <p:txBody>
-          <a:bodyPr wrap="none" rtlCol="0">
-            <a:spAutoFit/>
-          </a:bodyPr>
-          <a:lstStyle/>
-          <a:p>
-            <a:pPr marL="342900" indent="-342900">
-              <a:buFont typeface="Arial" panose="020B0604020202020204" pitchFamily="34" charset="0"/>
-              <a:buChar char="•"/>
-            </a:pPr>
-            <a:r>
-              <a:rPr kumimoji="1" lang="ja-JP" altLang="en-US" sz="2400" dirty="0"/>
-              <a:t>文献に同時に出てきていない薬物でも相互作用があると予測</a:t>
-            </a:r>
-          </a:p>
-        </p:txBody>
-      </p:sp>
+      </p:pic>
     </p:spTree>
     <p:extLst>
       <p:ext uri="{BB962C8B-B14F-4D97-AF65-F5344CB8AC3E}">
-        <p14:creationId xmlns:p14="http://schemas.microsoft.com/office/powerpoint/2010/main" val="413237960"/>
+        <p14:creationId xmlns:p14="http://schemas.microsoft.com/office/powerpoint/2010/main" val="1655987473"/>
       </p:ext>
     </p:extLst>
   </p:cSld>
@@ -22210,10 +23716,6 @@
               <a:rPr lang="ja-JP" altLang="en-US" dirty="0"/>
               <a:t>を投与することは現代の薬物療法においては</a:t>
             </a:r>
-            <a:r>
-              <a:rPr lang="en-US" altLang="ja-JP" dirty="0"/>
-              <a:t/>
-            </a:r>
             <a:br>
               <a:rPr lang="en-US" altLang="ja-JP" dirty="0"/>
             </a:br>
@@ -22259,10 +23761,6 @@
               <a:rPr kumimoji="1" lang="ja-JP" altLang="en-US" dirty="0"/>
               <a:t>つ以上の薬を服用しているアメリカ人の割合は</a:t>
             </a:r>
-            <a:r>
-              <a:rPr lang="en-US" altLang="ja-JP" dirty="0"/>
-              <a:t/>
-            </a:r>
             <a:br>
               <a:rPr lang="en-US" altLang="ja-JP" dirty="0"/>
             </a:br>
@@ -22297,10 +23795,6 @@
                 </a:solidFill>
               </a:rPr>
               <a:t>増加</a:t>
-            </a:r>
-            <a:r>
-              <a:rPr lang="en-US" altLang="ja-JP" dirty="0"/>
-              <a:t/>
             </a:r>
             <a:br>
               <a:rPr lang="en-US" altLang="ja-JP" dirty="0"/>
@@ -22392,7 +23886,7 @@
           <p:cNvPr id="2" name="タイトル 1">
             <a:extLst>
               <a:ext uri="{FF2B5EF4-FFF2-40B4-BE49-F238E27FC236}">
-                <a16:creationId xmlns:a16="http://schemas.microsoft.com/office/drawing/2014/main" id="{10458312-19ED-42B3-8D1F-21710EA4DE11}"/>
+                <a16:creationId xmlns:a16="http://schemas.microsoft.com/office/drawing/2014/main" id="{274334FC-3C80-499F-BA46-FAD3DF5D4694}"/>
               </a:ext>
             </a:extLst>
           </p:cNvPr>
@@ -22413,7 +23907,7 @@
                 <a:latin typeface="Arial" panose="020B0604020202020204" pitchFamily="34" charset="0"/>
                 <a:cs typeface="Arial" panose="020B0604020202020204" pitchFamily="34" charset="0"/>
               </a:rPr>
-              <a:t>Discussion</a:t>
+              <a:t>Feature importance</a:t>
             </a:r>
             <a:endParaRPr kumimoji="1" lang="ja-JP" altLang="en-US" dirty="0">
               <a:latin typeface="Arial" panose="020B0604020202020204" pitchFamily="34" charset="0"/>
@@ -22427,7 +23921,7 @@
           <p:cNvPr id="3" name="コンテンツ プレースホルダー 2">
             <a:extLst>
               <a:ext uri="{FF2B5EF4-FFF2-40B4-BE49-F238E27FC236}">
-                <a16:creationId xmlns:a16="http://schemas.microsoft.com/office/drawing/2014/main" id="{8D10C838-6D8B-40EE-BBFC-322F9CA660E5}"/>
+                <a16:creationId xmlns:a16="http://schemas.microsoft.com/office/drawing/2014/main" id="{FD47AC02-C281-45A1-A0DB-81C2C80E5344}"/>
               </a:ext>
             </a:extLst>
           </p:cNvPr>
@@ -22438,99 +23932,72 @@
             <p:ph idx="1"/>
           </p:nvPr>
         </p:nvSpPr>
-        <p:spPr/>
+        <p:spPr>
+          <a:xfrm>
+            <a:off x="838200" y="1552575"/>
+            <a:ext cx="10515600" cy="1390650"/>
+          </a:xfrm>
+        </p:spPr>
         <p:txBody>
-          <a:bodyPr/>
+          <a:bodyPr>
+            <a:normAutofit/>
+          </a:bodyPr>
           <a:lstStyle/>
           <a:p>
             <a:r>
               <a:rPr lang="ja-JP" altLang="en-US" dirty="0"/>
-              <a:t>リンク予測技術を用いた</a:t>
-            </a:r>
-            <a:r>
-              <a:rPr lang="en-US" altLang="ja-JP" dirty="0">
-                <a:latin typeface="Arial" panose="020B0604020202020204" pitchFamily="34" charset="0"/>
-                <a:cs typeface="Arial" panose="020B0604020202020204" pitchFamily="34" charset="0"/>
-              </a:rPr>
-              <a:t>DDI</a:t>
-            </a:r>
-            <a:r>
-              <a:rPr lang="ja-JP" altLang="en-US" dirty="0"/>
-              <a:t>識別のための</a:t>
-            </a:r>
-            <a:r>
-              <a:rPr lang="en-US" altLang="ja-JP" dirty="0"/>
-              <a:t/>
-            </a:r>
-            <a:br>
-              <a:rPr lang="en-US" altLang="ja-JP" dirty="0"/>
-            </a:br>
-            <a:r>
-              <a:rPr lang="en-US" altLang="ja-JP" dirty="0"/>
-              <a:t>(</a:t>
-            </a:r>
-            <a:r>
-              <a:rPr lang="ja-JP" altLang="en-US" dirty="0"/>
-              <a:t>特徴量の</a:t>
-            </a:r>
-            <a:r>
-              <a:rPr lang="en-US" altLang="ja-JP" dirty="0"/>
-              <a:t>)</a:t>
-            </a:r>
-            <a:r>
-              <a:rPr lang="ja-JP" altLang="en-US" dirty="0"/>
-              <a:t>計算手法を実装</a:t>
+              <a:t>特徴間の関係性を知るために、階層的クラスタリングを実行</a:t>
             </a:r>
             <a:endParaRPr lang="en-US" altLang="ja-JP" dirty="0"/>
           </a:p>
           <a:p>
             <a:r>
               <a:rPr kumimoji="1" lang="ja-JP" altLang="en-US" dirty="0"/>
-              <a:t>教師あり学習が</a:t>
-            </a:r>
-            <a:r>
-              <a:rPr kumimoji="1" lang="en-US" altLang="ja-JP" dirty="0">
-                <a:latin typeface="Arial" panose="020B0604020202020204" pitchFamily="34" charset="0"/>
-                <a:cs typeface="Arial" panose="020B0604020202020204" pitchFamily="34" charset="0"/>
-              </a:rPr>
-              <a:t>DDI</a:t>
-            </a:r>
-            <a:r>
-              <a:rPr kumimoji="1" lang="ja-JP" altLang="en-US" dirty="0"/>
-              <a:t>予測にとってもっともらしい方法である</a:t>
-            </a:r>
-            <a:endParaRPr kumimoji="1" lang="en-US" altLang="ja-JP" dirty="0"/>
-          </a:p>
-          <a:p>
-            <a:r>
-              <a:rPr lang="ja-JP" altLang="en-US" dirty="0"/>
-              <a:t>意味的情報よりトポロジー情報がより重要</a:t>
-            </a:r>
-            <a:endParaRPr lang="en-US" altLang="ja-JP" dirty="0"/>
-          </a:p>
-          <a:p>
-            <a:r>
-              <a:rPr kumimoji="1" lang="ja-JP" altLang="en-US" dirty="0"/>
-              <a:t>本アプローチは、完全には説明されていない薬物間の潜在的な関連性を検出するための</a:t>
-            </a:r>
-            <a:r>
-              <a:rPr lang="en-US" altLang="ja-JP" dirty="0">
-                <a:latin typeface="Arial" panose="020B0604020202020204" pitchFamily="34" charset="0"/>
-                <a:cs typeface="Arial" panose="020B0604020202020204" pitchFamily="34" charset="0"/>
-              </a:rPr>
-              <a:t>DDI</a:t>
-            </a:r>
-            <a:r>
-              <a:rPr kumimoji="1" lang="ja-JP" altLang="en-US" dirty="0"/>
-              <a:t>ネットワークにとって有用</a:t>
+              <a:t>ユークリッド距離って書いてあるけどなんの？</a:t>
             </a:r>
           </a:p>
         </p:txBody>
       </p:sp>
+      <p:pic>
+        <p:nvPicPr>
+          <p:cNvPr id="8" name="図 7">
+            <a:extLst>
+              <a:ext uri="{FF2B5EF4-FFF2-40B4-BE49-F238E27FC236}">
+                <a16:creationId xmlns:a16="http://schemas.microsoft.com/office/drawing/2014/main" id="{70A2A5EF-B698-4FBF-8A45-3DBA9BB00042}"/>
+              </a:ext>
+            </a:extLst>
+          </p:cNvPr>
+          <p:cNvPicPr>
+            <a:picLocks noChangeAspect="1"/>
+          </p:cNvPicPr>
+          <p:nvPr/>
+        </p:nvPicPr>
+        <p:blipFill>
+          <a:blip r:embed="rId2">
+            <a:extLst>
+              <a:ext uri="{28A0092B-C50C-407E-A947-70E740481C1C}">
+                <a14:useLocalDpi xmlns:a14="http://schemas.microsoft.com/office/drawing/2010/main" val="0"/>
+              </a:ext>
+            </a:extLst>
+          </a:blip>
+          <a:stretch>
+            <a:fillRect/>
+          </a:stretch>
+        </p:blipFill>
+        <p:spPr>
+          <a:xfrm>
+            <a:off x="3001996" y="2781300"/>
+            <a:ext cx="5394594" cy="3900706"/>
+          </a:xfrm>
+          <a:prstGeom prst="rect">
+            <a:avLst/>
+          </a:prstGeom>
+        </p:spPr>
+      </p:pic>
     </p:spTree>
     <p:extLst>
       <p:ext uri="{BB962C8B-B14F-4D97-AF65-F5344CB8AC3E}">
-        <p14:creationId xmlns:p14="http://schemas.microsoft.com/office/powerpoint/2010/main" val="2239808003"/>
+        <p14:creationId xmlns:p14="http://schemas.microsoft.com/office/powerpoint/2010/main" val="2221425848"/>
       </p:ext>
     </p:extLst>
   </p:cSld>
@@ -22562,7 +24029,7 @@
           <p:cNvPr id="2" name="タイトル 1">
             <a:extLst>
               <a:ext uri="{FF2B5EF4-FFF2-40B4-BE49-F238E27FC236}">
-                <a16:creationId xmlns:a16="http://schemas.microsoft.com/office/drawing/2014/main" id="{10458312-19ED-42B3-8D1F-21710EA4DE11}"/>
+                <a16:creationId xmlns:a16="http://schemas.microsoft.com/office/drawing/2014/main" id="{274334FC-3C80-499F-BA46-FAD3DF5D4694}"/>
               </a:ext>
             </a:extLst>
           </p:cNvPr>
@@ -22583,7 +24050,7 @@
                 <a:latin typeface="Arial" panose="020B0604020202020204" pitchFamily="34" charset="0"/>
                 <a:cs typeface="Arial" panose="020B0604020202020204" pitchFamily="34" charset="0"/>
               </a:rPr>
-              <a:t>Discussion</a:t>
+              <a:t>Case study</a:t>
             </a:r>
             <a:endParaRPr kumimoji="1" lang="ja-JP" altLang="en-US" dirty="0">
               <a:latin typeface="Arial" panose="020B0604020202020204" pitchFamily="34" charset="0"/>
@@ -22592,84 +24059,84 @@
           </a:p>
         </p:txBody>
       </p:sp>
-      <p:sp>
-        <p:nvSpPr>
-          <p:cNvPr id="3" name="コンテンツ プレースホルダー 2">
-            <a:extLst>
-              <a:ext uri="{FF2B5EF4-FFF2-40B4-BE49-F238E27FC236}">
-                <a16:creationId xmlns:a16="http://schemas.microsoft.com/office/drawing/2014/main" id="{8D10C838-6D8B-40EE-BBFC-322F9CA660E5}"/>
-              </a:ext>
-            </a:extLst>
-          </p:cNvPr>
-          <p:cNvSpPr>
-            <a:spLocks noGrp="1"/>
-          </p:cNvSpPr>
+      <p:pic>
+        <p:nvPicPr>
+          <p:cNvPr id="5" name="コンテンツ プレースホルダー 4">
+            <a:extLst>
+              <a:ext uri="{FF2B5EF4-FFF2-40B4-BE49-F238E27FC236}">
+                <a16:creationId xmlns:a16="http://schemas.microsoft.com/office/drawing/2014/main" id="{11D87C19-A958-45AA-B9A7-4FE68BDFEC16}"/>
+              </a:ext>
+            </a:extLst>
+          </p:cNvPr>
+          <p:cNvPicPr>
+            <a:picLocks noGrp="1" noChangeAspect="1"/>
+          </p:cNvPicPr>
           <p:nvPr>
             <p:ph idx="1"/>
           </p:nvPr>
+        </p:nvPicPr>
+        <p:blipFill>
+          <a:blip r:embed="rId2">
+            <a:extLst>
+              <a:ext uri="{28A0092B-C50C-407E-A947-70E740481C1C}">
+                <a14:useLocalDpi xmlns:a14="http://schemas.microsoft.com/office/drawing/2010/main" val="0"/>
+              </a:ext>
+            </a:extLst>
+          </a:blip>
+          <a:stretch>
+            <a:fillRect/>
+          </a:stretch>
+        </p:blipFill>
+        <p:spPr>
+          <a:xfrm>
+            <a:off x="1676059" y="2514601"/>
+            <a:ext cx="9393704" cy="4238624"/>
+          </a:xfrm>
+        </p:spPr>
+      </p:pic>
+      <p:sp>
+        <p:nvSpPr>
+          <p:cNvPr id="6" name="テキスト ボックス 5">
+            <a:extLst>
+              <a:ext uri="{FF2B5EF4-FFF2-40B4-BE49-F238E27FC236}">
+                <a16:creationId xmlns:a16="http://schemas.microsoft.com/office/drawing/2014/main" id="{DA7C0B64-964B-4737-89A7-395B3941CD22}"/>
+              </a:ext>
+            </a:extLst>
+          </p:cNvPr>
+          <p:cNvSpPr txBox="1"/>
+          <p:nvPr/>
         </p:nvSpPr>
-        <p:spPr/>
+        <p:spPr>
+          <a:xfrm>
+            <a:off x="1047409" y="1690688"/>
+            <a:ext cx="9148658" cy="461665"/>
+          </a:xfrm>
+          <a:prstGeom prst="rect">
+            <a:avLst/>
+          </a:prstGeom>
+          <a:noFill/>
+        </p:spPr>
         <p:txBody>
-          <a:bodyPr>
-            <a:normAutofit/>
+          <a:bodyPr wrap="none" rtlCol="0">
+            <a:spAutoFit/>
           </a:bodyPr>
           <a:lstStyle/>
           <a:p>
-            <a:r>
-              <a:rPr lang="ja-JP" altLang="en-US" dirty="0"/>
-              <a:t>位相的特徴のみだと、純粋な共起として扱うことになる</a:t>
-            </a:r>
-            <a:endParaRPr lang="en-US" altLang="ja-JP" dirty="0"/>
-          </a:p>
-          <a:p>
-            <a:r>
-              <a:rPr lang="ja-JP" altLang="en-US" dirty="0"/>
-              <a:t>意味的特徴を導入することでこの問題を解決し、</a:t>
-            </a:r>
-            <a:r>
-              <a:rPr lang="en-US" altLang="ja-JP" dirty="0"/>
-              <a:t/>
-            </a:r>
-            <a:br>
-              <a:rPr lang="en-US" altLang="ja-JP" dirty="0"/>
-            </a:br>
-            <a:r>
-              <a:rPr lang="ja-JP" altLang="en-US" dirty="0"/>
-              <a:t>表現力をあげる</a:t>
-            </a:r>
-            <a:endParaRPr lang="en-US" altLang="ja-JP" dirty="0"/>
-          </a:p>
-          <a:p>
-            <a:r>
-              <a:rPr lang="ja-JP" altLang="en-US" dirty="0"/>
-              <a:t>薬物間の重みを考慮せずすべての相互作用を等しく扱った</a:t>
-            </a:r>
-            <a:endParaRPr lang="en-US" altLang="ja-JP" dirty="0"/>
-          </a:p>
-          <a:p>
-            <a:r>
-              <a:rPr lang="ja-JP" altLang="en-US" dirty="0"/>
-              <a:t>重み付きにすることで予測性能を大幅に改善できる</a:t>
-            </a:r>
-            <a:r>
-              <a:rPr lang="en-US" altLang="ja-JP" dirty="0"/>
-              <a:t/>
-            </a:r>
-            <a:br>
-              <a:rPr lang="en-US" altLang="ja-JP" dirty="0"/>
-            </a:br>
-            <a:r>
-              <a:rPr lang="ja-JP" altLang="en-US" dirty="0"/>
-              <a:t>可能性がある</a:t>
-            </a:r>
-            <a:endParaRPr lang="en-US" altLang="ja-JP" dirty="0"/>
+            <a:pPr marL="342900" indent="-342900">
+              <a:buFont typeface="Arial" panose="020B0604020202020204" pitchFamily="34" charset="0"/>
+              <a:buChar char="•"/>
+            </a:pPr>
+            <a:r>
+              <a:rPr kumimoji="1" lang="ja-JP" altLang="en-US" sz="2400" dirty="0"/>
+              <a:t>文献に同時に出てきていない薬物でも相互作用があると予測</a:t>
+            </a:r>
           </a:p>
         </p:txBody>
       </p:sp>
     </p:spTree>
     <p:extLst>
       <p:ext uri="{BB962C8B-B14F-4D97-AF65-F5344CB8AC3E}">
-        <p14:creationId xmlns:p14="http://schemas.microsoft.com/office/powerpoint/2010/main" val="4110784109"/>
+        <p14:creationId xmlns:p14="http://schemas.microsoft.com/office/powerpoint/2010/main" val="413237960"/>
       </p:ext>
     </p:extLst>
   </p:cSld>
@@ -22749,65 +24216,93 @@
         </p:nvSpPr>
         <p:spPr/>
         <p:txBody>
-          <a:bodyPr>
-            <a:normAutofit/>
-          </a:bodyPr>
+          <a:bodyPr/>
           <a:lstStyle/>
           <a:p>
             <a:r>
               <a:rPr lang="ja-JP" altLang="en-US" dirty="0"/>
-              <a:t>大規模ネットワークにおけるリンク予測は依然として困難</a:t>
-            </a:r>
-            <a:endParaRPr lang="en-US" altLang="ja-JP" dirty="0"/>
-          </a:p>
-          <a:p>
+              <a:t>リンク予測技術を用いた</a:t>
+            </a:r>
+            <a:r>
+              <a:rPr lang="en-US" altLang="ja-JP" dirty="0">
+                <a:latin typeface="Arial" panose="020B0604020202020204" pitchFamily="34" charset="0"/>
+                <a:cs typeface="Arial" panose="020B0604020202020204" pitchFamily="34" charset="0"/>
+              </a:rPr>
+              <a:t>DDI</a:t>
+            </a:r>
             <a:r>
               <a:rPr lang="ja-JP" altLang="en-US" dirty="0"/>
-              <a:t>相互作用のフィルタリングについての研究を進めるべき</a:t>
-            </a:r>
-            <a:endParaRPr lang="en-US" altLang="ja-JP" dirty="0"/>
-          </a:p>
-          <a:p>
-            <a:pPr lvl="1"/>
-            <a:r>
-              <a:rPr lang="ja-JP" altLang="en-US" dirty="0"/>
-              <a:t>相互作用の強さに優劣つけていない（全部均等に扱っている）</a:t>
-            </a:r>
-            <a:endParaRPr lang="en-US" altLang="ja-JP" dirty="0"/>
-          </a:p>
-          <a:p>
-            <a:pPr lvl="1"/>
-            <a:r>
-              <a:rPr lang="ja-JP" altLang="en-US" dirty="0"/>
-              <a:t>潜在的な相互作用と臨床的に確認された相互作用は区別すべき</a:t>
-            </a:r>
-            <a:endParaRPr lang="en-US" altLang="ja-JP" dirty="0"/>
-          </a:p>
-          <a:p>
-            <a:pPr lvl="1"/>
-            <a:r>
-              <a:rPr lang="ja-JP" altLang="en-US" dirty="0"/>
-              <a:t>潜在的相互作用の中には、臨床的に重要でない相互作用も</a:t>
-            </a:r>
-            <a:r>
-              <a:rPr lang="en-US" altLang="ja-JP" dirty="0"/>
-              <a:t/>
+              <a:t>識別のための</a:t>
             </a:r>
             <a:br>
               <a:rPr lang="en-US" altLang="ja-JP" dirty="0"/>
             </a:br>
             <a:r>
+              <a:rPr lang="en-US" altLang="ja-JP" dirty="0"/>
+              <a:t>(</a:t>
+            </a:r>
+            <a:r>
               <a:rPr lang="ja-JP" altLang="en-US" dirty="0"/>
-              <a:t>含まれるため、相互作用の重要性も考慮すべき</a:t>
+              <a:t>特徴量の</a:t>
+            </a:r>
+            <a:r>
+              <a:rPr lang="en-US" altLang="ja-JP" dirty="0"/>
+              <a:t>)</a:t>
+            </a:r>
+            <a:r>
+              <a:rPr lang="ja-JP" altLang="en-US" dirty="0"/>
+              <a:t>計算手法を実装</a:t>
             </a:r>
             <a:endParaRPr lang="en-US" altLang="ja-JP" dirty="0"/>
+          </a:p>
+          <a:p>
+            <a:r>
+              <a:rPr kumimoji="1" lang="ja-JP" altLang="en-US" dirty="0"/>
+              <a:t>教師あり学習が</a:t>
+            </a:r>
+            <a:r>
+              <a:rPr kumimoji="1" lang="en-US" altLang="ja-JP" dirty="0">
+                <a:latin typeface="Arial" panose="020B0604020202020204" pitchFamily="34" charset="0"/>
+                <a:cs typeface="Arial" panose="020B0604020202020204" pitchFamily="34" charset="0"/>
+              </a:rPr>
+              <a:t>DDI</a:t>
+            </a:r>
+            <a:r>
+              <a:rPr kumimoji="1" lang="ja-JP" altLang="en-US" dirty="0"/>
+              <a:t>予測にとってもっともらしい方法である</a:t>
+            </a:r>
+            <a:endParaRPr kumimoji="1" lang="en-US" altLang="ja-JP" dirty="0"/>
+          </a:p>
+          <a:p>
+            <a:r>
+              <a:rPr lang="ja-JP" altLang="en-US" dirty="0"/>
+              <a:t>意味的情報よりトポロジー情報がより重要</a:t>
+            </a:r>
+            <a:endParaRPr lang="en-US" altLang="ja-JP" dirty="0"/>
+          </a:p>
+          <a:p>
+            <a:r>
+              <a:rPr kumimoji="1" lang="ja-JP" altLang="en-US" dirty="0"/>
+              <a:t>本アプローチは、完全には説明されていない薬物間の潜在的な関連性を検出するための</a:t>
+            </a:r>
+            <a:r>
+              <a:rPr lang="en-US" altLang="ja-JP" dirty="0">
+                <a:latin typeface="Arial" panose="020B0604020202020204" pitchFamily="34" charset="0"/>
+                <a:cs typeface="Arial" panose="020B0604020202020204" pitchFamily="34" charset="0"/>
+              </a:rPr>
+              <a:t>DDI</a:t>
+            </a:r>
+            <a:r>
+              <a:rPr kumimoji="1" lang="ja-JP" altLang="en-US" dirty="0"/>
+              <a:t>ネットワークにとって有用</a:t>
+            </a:r>
           </a:p>
         </p:txBody>
       </p:sp>
     </p:spTree>
     <p:extLst>
       <p:ext uri="{BB962C8B-B14F-4D97-AF65-F5344CB8AC3E}">
-        <p14:creationId xmlns:p14="http://schemas.microsoft.com/office/powerpoint/2010/main" val="3449395374"/>
+        <p14:creationId xmlns:p14="http://schemas.microsoft.com/office/powerpoint/2010/main" val="2239808003"/>
       </p:ext>
     </p:extLst>
   </p:cSld>
@@ -22839,7 +24334,7 @@
           <p:cNvPr id="2" name="タイトル 1">
             <a:extLst>
               <a:ext uri="{FF2B5EF4-FFF2-40B4-BE49-F238E27FC236}">
-                <a16:creationId xmlns:a16="http://schemas.microsoft.com/office/drawing/2014/main" id="{A9208B9C-C6EC-41F7-8B04-F6263D330504}"/>
+                <a16:creationId xmlns:a16="http://schemas.microsoft.com/office/drawing/2014/main" id="{10458312-19ED-42B3-8D1F-21710EA4DE11}"/>
               </a:ext>
             </a:extLst>
           </p:cNvPr>
@@ -22860,6 +24355,271 @@
                 <a:latin typeface="Arial" panose="020B0604020202020204" pitchFamily="34" charset="0"/>
                 <a:cs typeface="Arial" panose="020B0604020202020204" pitchFamily="34" charset="0"/>
               </a:rPr>
+              <a:t>Discussion</a:t>
+            </a:r>
+            <a:endParaRPr kumimoji="1" lang="ja-JP" altLang="en-US" dirty="0">
+              <a:latin typeface="Arial" panose="020B0604020202020204" pitchFamily="34" charset="0"/>
+              <a:cs typeface="Arial" panose="020B0604020202020204" pitchFamily="34" charset="0"/>
+            </a:endParaRPr>
+          </a:p>
+        </p:txBody>
+      </p:sp>
+      <p:sp>
+        <p:nvSpPr>
+          <p:cNvPr id="3" name="コンテンツ プレースホルダー 2">
+            <a:extLst>
+              <a:ext uri="{FF2B5EF4-FFF2-40B4-BE49-F238E27FC236}">
+                <a16:creationId xmlns:a16="http://schemas.microsoft.com/office/drawing/2014/main" id="{8D10C838-6D8B-40EE-BBFC-322F9CA660E5}"/>
+              </a:ext>
+            </a:extLst>
+          </p:cNvPr>
+          <p:cNvSpPr>
+            <a:spLocks noGrp="1"/>
+          </p:cNvSpPr>
+          <p:nvPr>
+            <p:ph idx="1"/>
+          </p:nvPr>
+        </p:nvSpPr>
+        <p:spPr/>
+        <p:txBody>
+          <a:bodyPr>
+            <a:normAutofit/>
+          </a:bodyPr>
+          <a:lstStyle/>
+          <a:p>
+            <a:r>
+              <a:rPr lang="ja-JP" altLang="en-US" dirty="0"/>
+              <a:t>位相的特徴のみだと、純粋な共起として扱うことになる</a:t>
+            </a:r>
+            <a:endParaRPr lang="en-US" altLang="ja-JP" dirty="0"/>
+          </a:p>
+          <a:p>
+            <a:r>
+              <a:rPr lang="ja-JP" altLang="en-US" dirty="0"/>
+              <a:t>意味的特徴を導入することでこの問題を解決し、</a:t>
+            </a:r>
+            <a:br>
+              <a:rPr lang="en-US" altLang="ja-JP" dirty="0"/>
+            </a:br>
+            <a:r>
+              <a:rPr lang="ja-JP" altLang="en-US" dirty="0"/>
+              <a:t>表現力をあげる</a:t>
+            </a:r>
+            <a:endParaRPr lang="en-US" altLang="ja-JP" dirty="0"/>
+          </a:p>
+          <a:p>
+            <a:r>
+              <a:rPr lang="ja-JP" altLang="en-US" dirty="0"/>
+              <a:t>薬物間の重みを考慮せずすべての相互作用を等しく扱った</a:t>
+            </a:r>
+            <a:endParaRPr lang="en-US" altLang="ja-JP" dirty="0"/>
+          </a:p>
+          <a:p>
+            <a:r>
+              <a:rPr lang="ja-JP" altLang="en-US" dirty="0"/>
+              <a:t>重み付きにすることで予測性能を大幅に改善できる</a:t>
+            </a:r>
+            <a:br>
+              <a:rPr lang="en-US" altLang="ja-JP" dirty="0"/>
+            </a:br>
+            <a:r>
+              <a:rPr lang="ja-JP" altLang="en-US" dirty="0"/>
+              <a:t>可能性がある</a:t>
+            </a:r>
+            <a:endParaRPr lang="en-US" altLang="ja-JP" dirty="0"/>
+          </a:p>
+        </p:txBody>
+      </p:sp>
+    </p:spTree>
+    <p:extLst>
+      <p:ext uri="{BB962C8B-B14F-4D97-AF65-F5344CB8AC3E}">
+        <p14:creationId xmlns:p14="http://schemas.microsoft.com/office/powerpoint/2010/main" val="4110784109"/>
+      </p:ext>
+    </p:extLst>
+  </p:cSld>
+  <p:clrMapOvr>
+    <a:masterClrMapping/>
+  </p:clrMapOvr>
+</p:sld>
+</file>
+
+<file path=ppt/slides/slide54.xml><?xml version="1.0" encoding="utf-8"?>
+<p:sld xmlns:a="http://schemas.openxmlformats.org/drawingml/2006/main" xmlns:r="http://schemas.openxmlformats.org/officeDocument/2006/relationships" xmlns:p="http://schemas.openxmlformats.org/presentationml/2006/main">
+  <p:cSld>
+    <p:spTree>
+      <p:nvGrpSpPr>
+        <p:cNvPr id="1" name=""/>
+        <p:cNvGrpSpPr/>
+        <p:nvPr/>
+      </p:nvGrpSpPr>
+      <p:grpSpPr>
+        <a:xfrm>
+          <a:off x="0" y="0"/>
+          <a:ext cx="0" cy="0"/>
+          <a:chOff x="0" y="0"/>
+          <a:chExt cx="0" cy="0"/>
+        </a:xfrm>
+      </p:grpSpPr>
+      <p:sp>
+        <p:nvSpPr>
+          <p:cNvPr id="2" name="タイトル 1">
+            <a:extLst>
+              <a:ext uri="{FF2B5EF4-FFF2-40B4-BE49-F238E27FC236}">
+                <a16:creationId xmlns:a16="http://schemas.microsoft.com/office/drawing/2014/main" id="{10458312-19ED-42B3-8D1F-21710EA4DE11}"/>
+              </a:ext>
+            </a:extLst>
+          </p:cNvPr>
+          <p:cNvSpPr>
+            <a:spLocks noGrp="1"/>
+          </p:cNvSpPr>
+          <p:nvPr>
+            <p:ph type="title"/>
+          </p:nvPr>
+        </p:nvSpPr>
+        <p:spPr/>
+        <p:txBody>
+          <a:bodyPr/>
+          <a:lstStyle/>
+          <a:p>
+            <a:r>
+              <a:rPr kumimoji="1" lang="en-US" altLang="ja-JP" dirty="0">
+                <a:latin typeface="Arial" panose="020B0604020202020204" pitchFamily="34" charset="0"/>
+                <a:cs typeface="Arial" panose="020B0604020202020204" pitchFamily="34" charset="0"/>
+              </a:rPr>
+              <a:t>Discussion</a:t>
+            </a:r>
+            <a:endParaRPr kumimoji="1" lang="ja-JP" altLang="en-US" dirty="0">
+              <a:latin typeface="Arial" panose="020B0604020202020204" pitchFamily="34" charset="0"/>
+              <a:cs typeface="Arial" panose="020B0604020202020204" pitchFamily="34" charset="0"/>
+            </a:endParaRPr>
+          </a:p>
+        </p:txBody>
+      </p:sp>
+      <p:sp>
+        <p:nvSpPr>
+          <p:cNvPr id="3" name="コンテンツ プレースホルダー 2">
+            <a:extLst>
+              <a:ext uri="{FF2B5EF4-FFF2-40B4-BE49-F238E27FC236}">
+                <a16:creationId xmlns:a16="http://schemas.microsoft.com/office/drawing/2014/main" id="{8D10C838-6D8B-40EE-BBFC-322F9CA660E5}"/>
+              </a:ext>
+            </a:extLst>
+          </p:cNvPr>
+          <p:cNvSpPr>
+            <a:spLocks noGrp="1"/>
+          </p:cNvSpPr>
+          <p:nvPr>
+            <p:ph idx="1"/>
+          </p:nvPr>
+        </p:nvSpPr>
+        <p:spPr/>
+        <p:txBody>
+          <a:bodyPr>
+            <a:normAutofit/>
+          </a:bodyPr>
+          <a:lstStyle/>
+          <a:p>
+            <a:r>
+              <a:rPr lang="ja-JP" altLang="en-US" dirty="0"/>
+              <a:t>大規模ネットワークにおけるリンク予測は依然として困難</a:t>
+            </a:r>
+            <a:endParaRPr lang="en-US" altLang="ja-JP" dirty="0"/>
+          </a:p>
+          <a:p>
+            <a:r>
+              <a:rPr lang="ja-JP" altLang="en-US" dirty="0"/>
+              <a:t>相互作用のフィルタリングについての研究を進めるべき</a:t>
+            </a:r>
+            <a:endParaRPr lang="en-US" altLang="ja-JP" dirty="0"/>
+          </a:p>
+          <a:p>
+            <a:pPr lvl="1"/>
+            <a:r>
+              <a:rPr lang="ja-JP" altLang="en-US" dirty="0"/>
+              <a:t>相互作用の強さに優劣つけていない（全部均等に扱っている）</a:t>
+            </a:r>
+            <a:endParaRPr lang="en-US" altLang="ja-JP" dirty="0"/>
+          </a:p>
+          <a:p>
+            <a:pPr lvl="1"/>
+            <a:r>
+              <a:rPr lang="ja-JP" altLang="en-US" dirty="0"/>
+              <a:t>潜在的な相互作用と臨床的に確認された相互作用は区別すべき</a:t>
+            </a:r>
+            <a:endParaRPr lang="en-US" altLang="ja-JP" dirty="0"/>
+          </a:p>
+          <a:p>
+            <a:pPr lvl="1"/>
+            <a:r>
+              <a:rPr lang="ja-JP" altLang="en-US" dirty="0"/>
+              <a:t>潜在的相互作用の中には、臨床的に重要でない相互作用も</a:t>
+            </a:r>
+            <a:br>
+              <a:rPr lang="en-US" altLang="ja-JP" dirty="0"/>
+            </a:br>
+            <a:r>
+              <a:rPr lang="ja-JP" altLang="en-US" dirty="0"/>
+              <a:t>含まれるため、相互作用の重要性も考慮すべき</a:t>
+            </a:r>
+            <a:endParaRPr lang="en-US" altLang="ja-JP" dirty="0"/>
+          </a:p>
+        </p:txBody>
+      </p:sp>
+    </p:spTree>
+    <p:extLst>
+      <p:ext uri="{BB962C8B-B14F-4D97-AF65-F5344CB8AC3E}">
+        <p14:creationId xmlns:p14="http://schemas.microsoft.com/office/powerpoint/2010/main" val="3449395374"/>
+      </p:ext>
+    </p:extLst>
+  </p:cSld>
+  <p:clrMapOvr>
+    <a:masterClrMapping/>
+  </p:clrMapOvr>
+</p:sld>
+</file>
+
+<file path=ppt/slides/slide55.xml><?xml version="1.0" encoding="utf-8"?>
+<p:sld xmlns:a="http://schemas.openxmlformats.org/drawingml/2006/main" xmlns:r="http://schemas.openxmlformats.org/officeDocument/2006/relationships" xmlns:p="http://schemas.openxmlformats.org/presentationml/2006/main">
+  <p:cSld>
+    <p:spTree>
+      <p:nvGrpSpPr>
+        <p:cNvPr id="1" name=""/>
+        <p:cNvGrpSpPr/>
+        <p:nvPr/>
+      </p:nvGrpSpPr>
+      <p:grpSpPr>
+        <a:xfrm>
+          <a:off x="0" y="0"/>
+          <a:ext cx="0" cy="0"/>
+          <a:chOff x="0" y="0"/>
+          <a:chExt cx="0" cy="0"/>
+        </a:xfrm>
+      </p:grpSpPr>
+      <p:sp>
+        <p:nvSpPr>
+          <p:cNvPr id="2" name="タイトル 1">
+            <a:extLst>
+              <a:ext uri="{FF2B5EF4-FFF2-40B4-BE49-F238E27FC236}">
+                <a16:creationId xmlns:a16="http://schemas.microsoft.com/office/drawing/2014/main" id="{A9208B9C-C6EC-41F7-8B04-F6263D330504}"/>
+              </a:ext>
+            </a:extLst>
+          </p:cNvPr>
+          <p:cNvSpPr>
+            <a:spLocks noGrp="1"/>
+          </p:cNvSpPr>
+          <p:nvPr>
+            <p:ph type="title"/>
+          </p:nvPr>
+        </p:nvSpPr>
+        <p:spPr/>
+        <p:txBody>
+          <a:bodyPr/>
+          <a:lstStyle/>
+          <a:p>
+            <a:r>
+              <a:rPr kumimoji="1" lang="en-US" altLang="ja-JP" dirty="0">
+                <a:latin typeface="Arial" panose="020B0604020202020204" pitchFamily="34" charset="0"/>
+                <a:cs typeface="Arial" panose="020B0604020202020204" pitchFamily="34" charset="0"/>
+              </a:rPr>
               <a:t>Conclusion</a:t>
             </a:r>
             <a:endParaRPr kumimoji="1" lang="ja-JP" altLang="en-US" dirty="0">
@@ -22894,10 +24654,6 @@
               <a:rPr kumimoji="1" lang="ja-JP" altLang="en-US" dirty="0"/>
               <a:t>リンク予測：薬理学を含む様々な科学分野における</a:t>
             </a:r>
-            <a:r>
-              <a:rPr kumimoji="1" lang="en-US" altLang="ja-JP" dirty="0"/>
-              <a:t/>
-            </a:r>
             <a:br>
               <a:rPr kumimoji="1" lang="en-US" altLang="ja-JP" dirty="0"/>
             </a:br>
@@ -22935,10 +24691,6 @@
               <a:rPr kumimoji="1" lang="ja-JP" altLang="en-US" dirty="0"/>
               <a:t>ネットワーク上の教師あり、なし学習</a:t>
             </a:r>
-            <a:r>
-              <a:rPr kumimoji="1" lang="en-US" altLang="ja-JP" dirty="0"/>
-              <a:t/>
-            </a:r>
             <a:br>
               <a:rPr kumimoji="1" lang="en-US" altLang="ja-JP" dirty="0"/>
             </a:br>
@@ -22952,10 +24704,6 @@
             <a:r>
               <a:rPr lang="ja-JP" altLang="en-US" dirty="0"/>
               <a:t>ネットワークにおけるリンクの信頼できる予測は</a:t>
-            </a:r>
-            <a:r>
-              <a:rPr lang="en-US" altLang="ja-JP" dirty="0"/>
-              <a:t/>
             </a:r>
             <a:br>
               <a:rPr lang="en-US" altLang="ja-JP" dirty="0"/>
@@ -23076,18 +24824,14 @@
               </a:spcAft>
             </a:pPr>
             <a:r>
-              <a:rPr lang="ja-JP" altLang="en-US"/>
+              <a:rPr lang="ja-JP" altLang="en-US" dirty="0"/>
               <a:t>同時に服用するとそれらが作用しあって</a:t>
-            </a:r>
-            <a:r>
-              <a:rPr lang="en-US" altLang="ja-JP" dirty="0"/>
-              <a:t/>
             </a:r>
             <a:br>
               <a:rPr lang="en-US" altLang="ja-JP" dirty="0"/>
             </a:br>
             <a:r>
-              <a:rPr lang="ja-JP" altLang="en-US"/>
+              <a:rPr lang="ja-JP" altLang="en-US" dirty="0"/>
               <a:t>影響を及ぼすことがある </a:t>
             </a:r>
             <a:r>
@@ -23102,7 +24846,7 @@
               <a:t>DDI</a:t>
             </a:r>
             <a:r>
-              <a:rPr lang="ja-JP" altLang="en-US"/>
+              <a:rPr lang="ja-JP" altLang="en-US" dirty="0"/>
               <a:t>を特定することは重要</a:t>
             </a:r>
             <a:endParaRPr lang="en-US" altLang="ja-JP" dirty="0"/>
@@ -23117,20 +24861,16 @@
               </a:spcAft>
             </a:pPr>
             <a:r>
-              <a:rPr lang="ja-JP" altLang="en-US"/>
-              <a:t>多くの副作用は</a:t>
-            </a:r>
-            <a:r>
-              <a:rPr lang="ja-JP" altLang="en-US" b="1"/>
+              <a:rPr lang="ja-JP" altLang="en-US" dirty="0"/>
+              <a:t>多くの有害な副作用は</a:t>
+            </a:r>
+            <a:r>
+              <a:rPr lang="ja-JP" altLang="en-US" b="1" dirty="0"/>
               <a:t>臨床研究中</a:t>
             </a:r>
             <a:r>
-              <a:rPr lang="ja-JP" altLang="en-US"/>
+              <a:rPr lang="ja-JP" altLang="en-US" dirty="0"/>
               <a:t>には同定されない</a:t>
-            </a:r>
-            <a:r>
-              <a:rPr lang="en-US" altLang="ja-JP" dirty="0"/>
-              <a:t/>
             </a:r>
             <a:br>
               <a:rPr lang="en-US" altLang="ja-JP" dirty="0"/>
@@ -23140,7 +24880,7 @@
               <a:t>(</a:t>
             </a:r>
             <a:r>
-              <a:rPr lang="ja-JP" altLang="en-US"/>
+              <a:rPr lang="ja-JP" altLang="en-US" dirty="0"/>
               <a:t>薬が政府に承認される前 </a:t>
             </a:r>
             <a:r>
@@ -23149,7 +24889,22 @@
             </a:r>
           </a:p>
           <a:p>
-            <a:endParaRPr kumimoji="1" lang="ja-JP" altLang="en-US"/>
+            <a:r>
+              <a:rPr kumimoji="1" lang="en-US" altLang="ja-JP" dirty="0"/>
+              <a:t>ADR</a:t>
+            </a:r>
+            <a:r>
+              <a:rPr kumimoji="1" lang="ja-JP" altLang="en-US" dirty="0"/>
+              <a:t>（</a:t>
+            </a:r>
+            <a:r>
+              <a:rPr kumimoji="1" lang="en-US" altLang="ja-JP" dirty="0"/>
+              <a:t>Adverse drug reactions) : </a:t>
+            </a:r>
+            <a:r>
+              <a:rPr kumimoji="1" lang="ja-JP" altLang="en-US" dirty="0"/>
+              <a:t>有害な副作用</a:t>
+            </a:r>
           </a:p>
         </p:txBody>
       </p:sp>
@@ -23330,10 +25085,6 @@
               <a:rPr kumimoji="1" lang="ja-JP" altLang="en-US"/>
               <a:t>と予防</a:t>
             </a:r>
-            <a:r>
-              <a:rPr kumimoji="1" lang="en-US" altLang="ja-JP" dirty="0"/>
-              <a:t/>
-            </a:r>
             <a:br>
               <a:rPr kumimoji="1" lang="en-US" altLang="ja-JP" dirty="0"/>
             </a:br>
@@ -23506,7 +25257,9 @@
         </p:nvSpPr>
         <p:spPr/>
         <p:txBody>
-          <a:bodyPr/>
+          <a:bodyPr>
+            <a:normAutofit lnSpcReduction="10000"/>
+          </a:bodyPr>
           <a:lstStyle/>
           <a:p>
             <a:r>
@@ -23514,15 +25267,15 @@
               <a:t>DDI</a:t>
             </a:r>
             <a:r>
-              <a:rPr lang="ja-JP" altLang="en-US"/>
+              <a:rPr lang="ja-JP" altLang="en-US" dirty="0"/>
               <a:t>の多くは</a:t>
             </a:r>
             <a:r>
-              <a:rPr lang="ja-JP" altLang="en-US" b="1"/>
+              <a:rPr lang="ja-JP" altLang="en-US" b="1" dirty="0"/>
               <a:t>非構造化テキストデータ群</a:t>
             </a:r>
             <a:r>
-              <a:rPr lang="ja-JP" altLang="en-US"/>
+              <a:rPr lang="ja-JP" altLang="en-US" dirty="0"/>
               <a:t>に隠されている</a:t>
             </a:r>
             <a:endParaRPr lang="en-US" altLang="ja-JP" dirty="0"/>
@@ -23534,7 +25287,7 @@
               <a:t>Ex. )</a:t>
             </a:r>
             <a:r>
-              <a:rPr lang="ja-JP" altLang="en-US"/>
+              <a:rPr lang="ja-JP" altLang="en-US" dirty="0"/>
               <a:t> </a:t>
             </a:r>
             <a:r>
@@ -23545,7 +25298,7 @@
               <a:t>PubMed</a:t>
             </a:r>
             <a:r>
-              <a:rPr lang="ja-JP" altLang="en-US"/>
+              <a:rPr lang="ja-JP" altLang="en-US" dirty="0"/>
               <a:t>は</a:t>
             </a:r>
             <a:r>
@@ -23556,14 +25309,14 @@
               <a:t>MeSH</a:t>
             </a:r>
             <a:r>
-              <a:rPr lang="ja-JP" altLang="en-US">
+              <a:rPr lang="ja-JP" altLang="en-US" dirty="0">
                 <a:latin typeface="Arial" panose="020B0604020202020204" pitchFamily="34" charset="0"/>
                 <a:cs typeface="Arial" panose="020B0604020202020204" pitchFamily="34" charset="0"/>
               </a:rPr>
               <a:t>に含まれる</a:t>
             </a:r>
             <a:r>
-              <a:rPr lang="ja-JP" altLang="en-US"/>
+              <a:rPr lang="ja-JP" altLang="en-US" dirty="0"/>
               <a:t>「</a:t>
             </a:r>
             <a:r>
@@ -23574,22 +25327,18 @@
               <a:t>Drug Interaction</a:t>
             </a:r>
             <a:r>
-              <a:rPr lang="ja-JP" altLang="en-US"/>
+              <a:rPr lang="ja-JP" altLang="en-US" dirty="0"/>
               <a:t>」という用語を</a:t>
-            </a:r>
-            <a:r>
-              <a:rPr lang="en-US" altLang="ja-JP" dirty="0"/>
-              <a:t/>
             </a:r>
             <a:br>
               <a:rPr lang="en-US" altLang="ja-JP" dirty="0"/>
             </a:br>
             <a:r>
-              <a:rPr lang="ja-JP" altLang="en-US"/>
+              <a:rPr lang="ja-JP" altLang="en-US" dirty="0"/>
               <a:t>含む</a:t>
             </a:r>
             <a:r>
-              <a:rPr lang="ja-JP" altLang="en-US" b="1"/>
+              <a:rPr lang="ja-JP" altLang="en-US" b="1" dirty="0"/>
               <a:t>約</a:t>
             </a:r>
             <a:r>
@@ -23597,11 +25346,11 @@
               <a:t>150000</a:t>
             </a:r>
             <a:r>
-              <a:rPr lang="ja-JP" altLang="en-US" b="1"/>
+              <a:rPr lang="ja-JP" altLang="en-US" b="1" dirty="0"/>
               <a:t>件</a:t>
             </a:r>
             <a:r>
-              <a:rPr lang="ja-JP" altLang="en-US"/>
+              <a:rPr lang="ja-JP" altLang="en-US" dirty="0"/>
               <a:t>の文献を返す</a:t>
             </a:r>
             <a:endParaRPr lang="en-US" altLang="ja-JP" dirty="0"/>
@@ -23612,7 +25361,7 @@
           </a:p>
           <a:p>
             <a:r>
-              <a:rPr lang="ja-JP" altLang="en-US"/>
+              <a:rPr lang="ja-JP" altLang="en-US" dirty="0"/>
               <a:t>本研究のモチベーションは、</a:t>
             </a:r>
             <a:r>
@@ -23623,31 +25372,135 @@
               <a:t>DDI</a:t>
             </a:r>
             <a:r>
-              <a:rPr lang="ja-JP" altLang="en-US"/>
-              <a:t>を識別するための</a:t>
-            </a:r>
-            <a:r>
-              <a:rPr lang="en-US" altLang="ja-JP" dirty="0"/>
-              <a:t/>
+              <a:rPr lang="ja-JP" altLang="en-US" dirty="0" err="1"/>
+              <a:t>を識</a:t>
+            </a:r>
+            <a:r>
+              <a:rPr lang="ja-JP" altLang="en-US" dirty="0"/>
+              <a:t>別するための</a:t>
             </a:r>
             <a:br>
               <a:rPr lang="en-US" altLang="ja-JP" dirty="0"/>
             </a:br>
             <a:r>
-              <a:rPr lang="ja-JP" altLang="en-US" b="1"/>
+              <a:rPr lang="ja-JP" altLang="en-US" b="1" dirty="0"/>
               <a:t>コンピュータ化されたアプローチ</a:t>
             </a:r>
             <a:r>
-              <a:rPr lang="ja-JP" altLang="en-US"/>
+              <a:rPr lang="ja-JP" altLang="en-US" dirty="0"/>
               <a:t>の考察</a:t>
             </a:r>
             <a:endParaRPr lang="en-US" altLang="ja-JP" dirty="0"/>
+          </a:p>
+          <a:p>
+            <a:endParaRPr lang="en-US" altLang="ja-JP" dirty="0"/>
+          </a:p>
+          <a:p>
+            <a:endParaRPr lang="en-US" altLang="ja-JP" dirty="0"/>
+          </a:p>
+          <a:p>
+            <a:r>
+              <a:rPr lang="en-US" altLang="ja-JP" sz="1400" dirty="0">
+                <a:latin typeface="Arial" panose="020B0604020202020204" pitchFamily="34" charset="0"/>
+                <a:cs typeface="Arial" panose="020B0604020202020204" pitchFamily="34" charset="0"/>
+              </a:rPr>
+              <a:t>PubMed</a:t>
+            </a:r>
+            <a:r>
+              <a:rPr lang="en-US" altLang="ja-JP" sz="1400" dirty="0"/>
+              <a:t> : </a:t>
+            </a:r>
+            <a:r>
+              <a:rPr lang="ja-JP" altLang="en-US" sz="1400" dirty="0"/>
+              <a:t>生命科学や生物医学に関する文献や要約を掲載する</a:t>
+            </a:r>
+            <a:r>
+              <a:rPr lang="en-US" altLang="ja-JP" sz="1400" dirty="0">
+                <a:latin typeface="Arial" panose="020B0604020202020204" pitchFamily="34" charset="0"/>
+                <a:cs typeface="Arial" panose="020B0604020202020204" pitchFamily="34" charset="0"/>
+              </a:rPr>
+              <a:t>MEDLINE</a:t>
+            </a:r>
+            <a:r>
+              <a:rPr lang="ja-JP" altLang="en-US" sz="1400" dirty="0"/>
+              <a:t>などへの無料検索エンジン</a:t>
+            </a:r>
+            <a:endParaRPr lang="en-US" altLang="ja-JP" sz="1400" dirty="0"/>
+          </a:p>
+          <a:p>
+            <a:r>
+              <a:rPr lang="en-US" altLang="ja-JP" sz="1400" dirty="0">
+                <a:latin typeface="Arial" panose="020B0604020202020204" pitchFamily="34" charset="0"/>
+                <a:cs typeface="Arial" panose="020B0604020202020204" pitchFamily="34" charset="0"/>
+              </a:rPr>
+              <a:t>MEDLINE</a:t>
+            </a:r>
+            <a:r>
+              <a:rPr lang="ja-JP" altLang="en-US" sz="1400" dirty="0"/>
+              <a:t>：医学を中心とする生命科学の文献情報を収集したオンラインデータベース</a:t>
+            </a:r>
+            <a:endParaRPr lang="en-US" altLang="ja-JP" sz="1400" dirty="0"/>
+          </a:p>
+          <a:p>
+            <a:r>
+              <a:rPr lang="en-US" altLang="ja-JP" sz="1400" b="1" dirty="0">
+                <a:latin typeface="Arial" panose="020B0604020202020204" pitchFamily="34" charset="0"/>
+                <a:cs typeface="Arial" panose="020B0604020202020204" pitchFamily="34" charset="0"/>
+              </a:rPr>
+              <a:t>Mesh</a:t>
+            </a:r>
+            <a:r>
+              <a:rPr lang="ja-JP" altLang="en-US" sz="1400" dirty="0"/>
+              <a:t>（</a:t>
+            </a:r>
+            <a:r>
+              <a:rPr lang="en-US" altLang="ja-JP" sz="1400" dirty="0">
+                <a:latin typeface="Arial" panose="020B0604020202020204" pitchFamily="34" charset="0"/>
+                <a:cs typeface="Arial" panose="020B0604020202020204" pitchFamily="34" charset="0"/>
+              </a:rPr>
+              <a:t>Medical Subject Headings</a:t>
+            </a:r>
+            <a:r>
+              <a:rPr lang="en-US" altLang="ja-JP" sz="1400" dirty="0"/>
+              <a:t>; </a:t>
+            </a:r>
+            <a:r>
+              <a:rPr lang="ja-JP" altLang="en-US" sz="1400" dirty="0"/>
+              <a:t>医学用語の見出し</a:t>
+            </a:r>
+            <a:r>
+              <a:rPr lang="en-US" altLang="ja-JP" sz="1400" dirty="0"/>
+              <a:t>) :</a:t>
+            </a:r>
+            <a:br>
+              <a:rPr lang="en-US" altLang="ja-JP" sz="1400" dirty="0"/>
+            </a:br>
+            <a:r>
+              <a:rPr lang="en-US" altLang="ja-JP" sz="1400" dirty="0">
+                <a:latin typeface="Arial" panose="020B0604020202020204" pitchFamily="34" charset="0"/>
+                <a:cs typeface="Arial" panose="020B0604020202020204" pitchFamily="34" charset="0"/>
+              </a:rPr>
+              <a:t>MEDLINE</a:t>
+            </a:r>
+            <a:r>
+              <a:rPr lang="ja-JP" altLang="en-US" sz="1400" dirty="0"/>
+              <a:t>の</a:t>
+            </a:r>
+            <a:r>
+              <a:rPr lang="ja-JP" altLang="en-US" sz="1400" b="1" dirty="0"/>
+              <a:t>シソーラス</a:t>
+            </a:r>
+            <a:r>
+              <a:rPr lang="ja-JP" altLang="en-US" sz="1400" dirty="0"/>
+              <a:t>で、様々な医学用語をできるだけ統一して使えるようにまとめられた用語集</a:t>
+            </a:r>
+            <a:endParaRPr lang="en-US" altLang="ja-JP" sz="1400" dirty="0"/>
           </a:p>
           <a:p>
             <a:pPr marL="0" indent="0">
               <a:buNone/>
             </a:pPr>
-            <a:endParaRPr kumimoji="1" lang="ja-JP" altLang="en-US"/>
+            <a:endParaRPr kumimoji="1" lang="ja-JP" altLang="en-US" dirty="0"/>
           </a:p>
         </p:txBody>
       </p:sp>
@@ -23769,11 +25622,7 @@
             </a:pPr>
             <a:r>
               <a:rPr kumimoji="1" lang="ja-JP" altLang="en-US" dirty="0"/>
-              <a:t>潜在的な</a:t>
-            </a:r>
-            <a:r>
-              <a:rPr kumimoji="1" lang="ja-JP" altLang="en-US"/>
-              <a:t>未知の</a:t>
+              <a:t>潜在的な未知の</a:t>
             </a:r>
             <a:r>
               <a:rPr kumimoji="1" lang="en-US" altLang="ja-JP" dirty="0">
@@ -23783,12 +25632,8 @@
               <a:t>DDI</a:t>
             </a:r>
             <a:r>
-              <a:rPr kumimoji="1" lang="ja-JP" altLang="en-US"/>
-              <a:t>を</a:t>
-            </a:r>
-            <a:r>
               <a:rPr kumimoji="1" lang="ja-JP" altLang="en-US" dirty="0"/>
-              <a:t>予測</a:t>
+              <a:t>を予測</a:t>
             </a:r>
             <a:endParaRPr kumimoji="1" lang="en-US" altLang="ja-JP" dirty="0"/>
           </a:p>
@@ -23798,7 +25643,7 @@
               <a:buAutoNum type="arabicPeriod"/>
             </a:pPr>
             <a:r>
-              <a:rPr lang="ja-JP" altLang="en-US"/>
+              <a:rPr lang="ja-JP" altLang="en-US" dirty="0"/>
               <a:t>副作用などには無関係な</a:t>
             </a:r>
             <a:r>
@@ -23809,19 +25654,15 @@
               <a:t>DDI</a:t>
             </a:r>
             <a:r>
-              <a:rPr lang="ja-JP" altLang="en-US">
+              <a:rPr lang="ja-JP" altLang="en-US" dirty="0">
                 <a:latin typeface="Arial" panose="020B0604020202020204" pitchFamily="34" charset="0"/>
                 <a:cs typeface="Arial" panose="020B0604020202020204" pitchFamily="34" charset="0"/>
               </a:rPr>
               <a:t>を</a:t>
             </a:r>
             <a:r>
-              <a:rPr lang="ja-JP" altLang="en-US"/>
-              <a:t>取り除く</a:t>
-            </a:r>
-            <a:r>
               <a:rPr lang="ja-JP" altLang="en-US" dirty="0"/>
-              <a:t>ことが可能</a:t>
+              <a:t>取り除くことが可能</a:t>
             </a:r>
             <a:endParaRPr lang="en-US" altLang="ja-JP" dirty="0"/>
           </a:p>
@@ -23831,7 +25672,7 @@
               <a:buAutoNum type="arabicPeriod"/>
             </a:pPr>
             <a:r>
-              <a:rPr lang="ja-JP" altLang="en-US"/>
+              <a:rPr lang="ja-JP" altLang="en-US" dirty="0"/>
               <a:t>薬力学や薬物動態学を</a:t>
             </a:r>
             <a:r>
@@ -23840,11 +25681,7 @@
             </a:r>
             <a:r>
               <a:rPr lang="ja-JP" altLang="en-US" dirty="0"/>
-              <a:t>と関連付ける関係を見つけ出すこと</a:t>
-            </a:r>
-            <a:r>
-              <a:rPr lang="ja-JP" altLang="en-US"/>
-              <a:t>が可能</a:t>
+              <a:t>と関連付ける関係を見つけ出すことが可能</a:t>
             </a:r>
             <a:endParaRPr lang="en-US" altLang="ja-JP" dirty="0"/>
           </a:p>
@@ -23864,16 +25701,12 @@
           </a:p>
           <a:p>
             <a:r>
-              <a:rPr kumimoji="1" lang="ja-JP" altLang="en-US" sz="2000" b="1"/>
+              <a:rPr kumimoji="1" lang="ja-JP" altLang="en-US" sz="2000" b="1" dirty="0"/>
               <a:t>薬力学</a:t>
             </a:r>
             <a:r>
-              <a:rPr kumimoji="1" lang="ja-JP" altLang="en-US" sz="2000"/>
+              <a:rPr kumimoji="1" lang="ja-JP" altLang="en-US" sz="2000" dirty="0"/>
               <a:t>：体内に分布した薬物が体に作用し、効果を表す過程を研究</a:t>
-            </a:r>
-            <a:r>
-              <a:rPr kumimoji="1" lang="en-US" altLang="ja-JP" sz="2000" dirty="0"/>
-              <a:t/>
             </a:r>
             <a:br>
               <a:rPr kumimoji="1" lang="en-US" altLang="ja-JP" sz="2000" dirty="0"/>
@@ -23883,7 +25716,7 @@
               <a:t>(</a:t>
             </a:r>
             <a:r>
-              <a:rPr kumimoji="1" lang="ja-JP" altLang="en-US" sz="2000"/>
+              <a:rPr kumimoji="1" lang="ja-JP" altLang="en-US" sz="2000" dirty="0"/>
               <a:t>薬物が生体に何をなすかを調べる学問</a:t>
             </a:r>
             <a:r>
@@ -23893,16 +25726,12 @@
           </a:p>
           <a:p>
             <a:r>
-              <a:rPr lang="ja-JP" altLang="en-US" sz="2000" b="1"/>
+              <a:rPr lang="ja-JP" altLang="en-US" sz="2000" b="1" dirty="0"/>
               <a:t>薬物動態学</a:t>
             </a:r>
             <a:r>
-              <a:rPr lang="ja-JP" altLang="en-US" sz="2000"/>
+              <a:rPr lang="ja-JP" altLang="en-US" sz="2000" dirty="0"/>
               <a:t>：投与された薬物が体内でどのような動態を取り消失していくかを研究</a:t>
-            </a:r>
-            <a:r>
-              <a:rPr lang="en-US" altLang="ja-JP" sz="2000" dirty="0"/>
-              <a:t/>
             </a:r>
             <a:br>
               <a:rPr lang="en-US" altLang="ja-JP" sz="2000" dirty="0"/>
@@ -23912,7 +25741,7 @@
               <a:t>(</a:t>
             </a:r>
             <a:r>
-              <a:rPr lang="ja-JP" altLang="en-US" sz="2000"/>
+              <a:rPr lang="ja-JP" altLang="en-US" sz="2000" dirty="0"/>
               <a:t>生体が薬物に何をなすかを調べる学者</a:t>
             </a:r>
             <a:r>
